--- a/posisi kaki.pptx
+++ b/posisi kaki.pptx
@@ -8,8 +8,10 @@
     <p:sldId id="256" r:id="rId2"/>
     <p:sldId id="257" r:id="rId3"/>
     <p:sldId id="258" r:id="rId4"/>
-    <p:sldId id="259" r:id="rId5"/>
-    <p:sldId id="260" r:id="rId6"/>
+    <p:sldId id="261" r:id="rId5"/>
+    <p:sldId id="262" r:id="rId6"/>
+    <p:sldId id="259" r:id="rId7"/>
+    <p:sldId id="260" r:id="rId8"/>
   </p:sldIdLst>
   <p:sldSz cx="12192000" cy="6858000"/>
   <p:notesSz cx="6858000" cy="9144000"/>
@@ -116,6 +118,8 @@
             <p14:sldId id="256"/>
             <p14:sldId id="257"/>
             <p14:sldId id="258"/>
+            <p14:sldId id="261"/>
+            <p14:sldId id="262"/>
             <p14:sldId id="259"/>
             <p14:sldId id="260"/>
           </p14:sldIdLst>
@@ -260,7 +264,7 @@
           <a:p>
             <a:fld id="{DA83FFB6-2397-4E01-A1F6-F77A95DC5D51}" type="datetimeFigureOut">
               <a:rPr lang="en-US" smtClean="0"/>
-              <a:t>6/5/2022</a:t>
+              <a:t>6/6/2022</a:t>
             </a:fld>
             <a:endParaRPr lang="en-US"/>
           </a:p>
@@ -430,7 +434,7 @@
           <a:p>
             <a:fld id="{DA83FFB6-2397-4E01-A1F6-F77A95DC5D51}" type="datetimeFigureOut">
               <a:rPr lang="en-US" smtClean="0"/>
-              <a:t>6/5/2022</a:t>
+              <a:t>6/6/2022</a:t>
             </a:fld>
             <a:endParaRPr lang="en-US"/>
           </a:p>
@@ -610,7 +614,7 @@
           <a:p>
             <a:fld id="{DA83FFB6-2397-4E01-A1F6-F77A95DC5D51}" type="datetimeFigureOut">
               <a:rPr lang="en-US" smtClean="0"/>
-              <a:t>6/5/2022</a:t>
+              <a:t>6/6/2022</a:t>
             </a:fld>
             <a:endParaRPr lang="en-US"/>
           </a:p>
@@ -780,7 +784,7 @@
           <a:p>
             <a:fld id="{DA83FFB6-2397-4E01-A1F6-F77A95DC5D51}" type="datetimeFigureOut">
               <a:rPr lang="en-US" smtClean="0"/>
-              <a:t>6/5/2022</a:t>
+              <a:t>6/6/2022</a:t>
             </a:fld>
             <a:endParaRPr lang="en-US"/>
           </a:p>
@@ -1026,7 +1030,7 @@
           <a:p>
             <a:fld id="{DA83FFB6-2397-4E01-A1F6-F77A95DC5D51}" type="datetimeFigureOut">
               <a:rPr lang="en-US" smtClean="0"/>
-              <a:t>6/5/2022</a:t>
+              <a:t>6/6/2022</a:t>
             </a:fld>
             <a:endParaRPr lang="en-US"/>
           </a:p>
@@ -1258,7 +1262,7 @@
           <a:p>
             <a:fld id="{DA83FFB6-2397-4E01-A1F6-F77A95DC5D51}" type="datetimeFigureOut">
               <a:rPr lang="en-US" smtClean="0"/>
-              <a:t>6/5/2022</a:t>
+              <a:t>6/6/2022</a:t>
             </a:fld>
             <a:endParaRPr lang="en-US"/>
           </a:p>
@@ -1625,7 +1629,7 @@
           <a:p>
             <a:fld id="{DA83FFB6-2397-4E01-A1F6-F77A95DC5D51}" type="datetimeFigureOut">
               <a:rPr lang="en-US" smtClean="0"/>
-              <a:t>6/5/2022</a:t>
+              <a:t>6/6/2022</a:t>
             </a:fld>
             <a:endParaRPr lang="en-US"/>
           </a:p>
@@ -1743,7 +1747,7 @@
           <a:p>
             <a:fld id="{DA83FFB6-2397-4E01-A1F6-F77A95DC5D51}" type="datetimeFigureOut">
               <a:rPr lang="en-US" smtClean="0"/>
-              <a:t>6/5/2022</a:t>
+              <a:t>6/6/2022</a:t>
             </a:fld>
             <a:endParaRPr lang="en-US"/>
           </a:p>
@@ -1838,7 +1842,7 @@
           <a:p>
             <a:fld id="{DA83FFB6-2397-4E01-A1F6-F77A95DC5D51}" type="datetimeFigureOut">
               <a:rPr lang="en-US" smtClean="0"/>
-              <a:t>6/5/2022</a:t>
+              <a:t>6/6/2022</a:t>
             </a:fld>
             <a:endParaRPr lang="en-US"/>
           </a:p>
@@ -2115,7 +2119,7 @@
           <a:p>
             <a:fld id="{DA83FFB6-2397-4E01-A1F6-F77A95DC5D51}" type="datetimeFigureOut">
               <a:rPr lang="en-US" smtClean="0"/>
-              <a:t>6/5/2022</a:t>
+              <a:t>6/6/2022</a:t>
             </a:fld>
             <a:endParaRPr lang="en-US"/>
           </a:p>
@@ -2368,7 +2372,7 @@
           <a:p>
             <a:fld id="{DA83FFB6-2397-4E01-A1F6-F77A95DC5D51}" type="datetimeFigureOut">
               <a:rPr lang="en-US" smtClean="0"/>
-              <a:t>6/5/2022</a:t>
+              <a:t>6/6/2022</a:t>
             </a:fld>
             <a:endParaRPr lang="en-US"/>
           </a:p>
@@ -2581,7 +2585,7 @@
           <a:p>
             <a:fld id="{DA83FFB6-2397-4E01-A1F6-F77A95DC5D51}" type="datetimeFigureOut">
               <a:rPr lang="en-US" smtClean="0"/>
-              <a:t>6/5/2022</a:t>
+              <a:t>6/6/2022</a:t>
             </a:fld>
             <a:endParaRPr lang="en-US"/>
           </a:p>
@@ -10086,13 +10090,6034 @@
       </p:grpSpPr>
       <p:grpSp>
         <p:nvGrpSpPr>
+          <p:cNvPr id="162" name="Group 161"/>
+          <p:cNvGrpSpPr/>
+          <p:nvPr/>
+        </p:nvGrpSpPr>
+        <p:grpSpPr>
+          <a:xfrm>
+            <a:off x="3785100" y="2101597"/>
+            <a:ext cx="2874059" cy="2435578"/>
+            <a:chOff x="33664" y="85344"/>
+            <a:chExt cx="2874059" cy="2435578"/>
+          </a:xfrm>
+        </p:grpSpPr>
+        <p:grpSp>
+          <p:nvGrpSpPr>
+            <p:cNvPr id="306" name="Group 305"/>
+            <p:cNvGrpSpPr/>
+            <p:nvPr/>
+          </p:nvGrpSpPr>
+          <p:grpSpPr>
+            <a:xfrm>
+              <a:off x="33664" y="85344"/>
+              <a:ext cx="2874059" cy="2435578"/>
+              <a:chOff x="2970379" y="85344"/>
+              <a:chExt cx="2874059" cy="2435578"/>
+            </a:xfrm>
+          </p:grpSpPr>
+          <p:sp>
+            <p:nvSpPr>
+              <p:cNvPr id="313" name="Rounded Rectangle 312"/>
+              <p:cNvSpPr/>
+              <p:nvPr/>
+            </p:nvSpPr>
+            <p:spPr>
+              <a:xfrm>
+                <a:off x="2973425" y="85344"/>
+                <a:ext cx="2866543" cy="2435578"/>
+              </a:xfrm>
+              <a:prstGeom prst="roundRect">
+                <a:avLst>
+                  <a:gd name="adj" fmla="val 2651"/>
+                </a:avLst>
+              </a:prstGeom>
+              <a:solidFill>
+                <a:schemeClr val="accent4">
+                  <a:lumMod val="20000"/>
+                  <a:lumOff val="80000"/>
+                </a:schemeClr>
+              </a:solidFill>
+              <a:ln>
+                <a:noFill/>
+              </a:ln>
+            </p:spPr>
+            <p:style>
+              <a:lnRef idx="2">
+                <a:schemeClr val="accent1">
+                  <a:shade val="50000"/>
+                </a:schemeClr>
+              </a:lnRef>
+              <a:fillRef idx="1">
+                <a:schemeClr val="accent1"/>
+              </a:fillRef>
+              <a:effectRef idx="0">
+                <a:schemeClr val="accent1"/>
+              </a:effectRef>
+              <a:fontRef idx="minor">
+                <a:schemeClr val="lt1"/>
+              </a:fontRef>
+            </p:style>
+            <p:txBody>
+              <a:bodyPr rtlCol="0" anchor="ctr"/>
+              <a:lstStyle>
+                <a:defPPr>
+                  <a:defRPr lang="en-US"/>
+                </a:defPPr>
+                <a:lvl1pPr marL="0" algn="l" defTabSz="914400" rtl="0" eaLnBrk="1" latinLnBrk="0" hangingPunct="1">
+                  <a:defRPr sz="1800" kern="1200">
+                    <a:solidFill>
+                      <a:schemeClr val="lt1"/>
+                    </a:solidFill>
+                    <a:latin typeface="+mn-lt"/>
+                    <a:ea typeface="+mn-ea"/>
+                    <a:cs typeface="+mn-cs"/>
+                  </a:defRPr>
+                </a:lvl1pPr>
+                <a:lvl2pPr marL="457200" algn="l" defTabSz="914400" rtl="0" eaLnBrk="1" latinLnBrk="0" hangingPunct="1">
+                  <a:defRPr sz="1800" kern="1200">
+                    <a:solidFill>
+                      <a:schemeClr val="lt1"/>
+                    </a:solidFill>
+                    <a:latin typeface="+mn-lt"/>
+                    <a:ea typeface="+mn-ea"/>
+                    <a:cs typeface="+mn-cs"/>
+                  </a:defRPr>
+                </a:lvl2pPr>
+                <a:lvl3pPr marL="914400" algn="l" defTabSz="914400" rtl="0" eaLnBrk="1" latinLnBrk="0" hangingPunct="1">
+                  <a:defRPr sz="1800" kern="1200">
+                    <a:solidFill>
+                      <a:schemeClr val="lt1"/>
+                    </a:solidFill>
+                    <a:latin typeface="+mn-lt"/>
+                    <a:ea typeface="+mn-ea"/>
+                    <a:cs typeface="+mn-cs"/>
+                  </a:defRPr>
+                </a:lvl3pPr>
+                <a:lvl4pPr marL="1371600" algn="l" defTabSz="914400" rtl="0" eaLnBrk="1" latinLnBrk="0" hangingPunct="1">
+                  <a:defRPr sz="1800" kern="1200">
+                    <a:solidFill>
+                      <a:schemeClr val="lt1"/>
+                    </a:solidFill>
+                    <a:latin typeface="+mn-lt"/>
+                    <a:ea typeface="+mn-ea"/>
+                    <a:cs typeface="+mn-cs"/>
+                  </a:defRPr>
+                </a:lvl4pPr>
+                <a:lvl5pPr marL="1828800" algn="l" defTabSz="914400" rtl="0" eaLnBrk="1" latinLnBrk="0" hangingPunct="1">
+                  <a:defRPr sz="1800" kern="1200">
+                    <a:solidFill>
+                      <a:schemeClr val="lt1"/>
+                    </a:solidFill>
+                    <a:latin typeface="+mn-lt"/>
+                    <a:ea typeface="+mn-ea"/>
+                    <a:cs typeface="+mn-cs"/>
+                  </a:defRPr>
+                </a:lvl5pPr>
+                <a:lvl6pPr marL="2286000" algn="l" defTabSz="914400" rtl="0" eaLnBrk="1" latinLnBrk="0" hangingPunct="1">
+                  <a:defRPr sz="1800" kern="1200">
+                    <a:solidFill>
+                      <a:schemeClr val="lt1"/>
+                    </a:solidFill>
+                    <a:latin typeface="+mn-lt"/>
+                    <a:ea typeface="+mn-ea"/>
+                    <a:cs typeface="+mn-cs"/>
+                  </a:defRPr>
+                </a:lvl6pPr>
+                <a:lvl7pPr marL="2743200" algn="l" defTabSz="914400" rtl="0" eaLnBrk="1" latinLnBrk="0" hangingPunct="1">
+                  <a:defRPr sz="1800" kern="1200">
+                    <a:solidFill>
+                      <a:schemeClr val="lt1"/>
+                    </a:solidFill>
+                    <a:latin typeface="+mn-lt"/>
+                    <a:ea typeface="+mn-ea"/>
+                    <a:cs typeface="+mn-cs"/>
+                  </a:defRPr>
+                </a:lvl7pPr>
+                <a:lvl8pPr marL="3200400" algn="l" defTabSz="914400" rtl="0" eaLnBrk="1" latinLnBrk="0" hangingPunct="1">
+                  <a:defRPr sz="1800" kern="1200">
+                    <a:solidFill>
+                      <a:schemeClr val="lt1"/>
+                    </a:solidFill>
+                    <a:latin typeface="+mn-lt"/>
+                    <a:ea typeface="+mn-ea"/>
+                    <a:cs typeface="+mn-cs"/>
+                  </a:defRPr>
+                </a:lvl8pPr>
+                <a:lvl9pPr marL="3657600" algn="l" defTabSz="914400" rtl="0" eaLnBrk="1" latinLnBrk="0" hangingPunct="1">
+                  <a:defRPr sz="1800" kern="1200">
+                    <a:solidFill>
+                      <a:schemeClr val="lt1"/>
+                    </a:solidFill>
+                    <a:latin typeface="+mn-lt"/>
+                    <a:ea typeface="+mn-ea"/>
+                    <a:cs typeface="+mn-cs"/>
+                  </a:defRPr>
+                </a:lvl9pPr>
+              </a:lstStyle>
+              <a:p>
+                <a:pPr algn="ctr"/>
+                <a:endParaRPr lang="en-US"/>
+              </a:p>
+            </p:txBody>
+          </p:sp>
+          <p:sp>
+            <p:nvSpPr>
+              <p:cNvPr id="314" name="TextBox 10"/>
+              <p:cNvSpPr txBox="1"/>
+              <p:nvPr/>
+            </p:nvSpPr>
+            <p:spPr>
+              <a:xfrm>
+                <a:off x="5347186" y="124444"/>
+                <a:ext cx="497252" cy="338554"/>
+              </a:xfrm>
+              <a:prstGeom prst="rect">
+                <a:avLst/>
+              </a:prstGeom>
+              <a:noFill/>
+            </p:spPr>
+            <p:txBody>
+              <a:bodyPr wrap="none" rtlCol="0">
+                <a:spAutoFit/>
+              </a:bodyPr>
+              <a:lstStyle>
+                <a:defPPr>
+                  <a:defRPr lang="en-US"/>
+                </a:defPPr>
+                <a:lvl1pPr marL="0" algn="l" defTabSz="914400" rtl="0" eaLnBrk="1" latinLnBrk="0" hangingPunct="1">
+                  <a:defRPr sz="1800" kern="1200">
+                    <a:solidFill>
+                      <a:schemeClr val="tx1"/>
+                    </a:solidFill>
+                    <a:latin typeface="+mn-lt"/>
+                    <a:ea typeface="+mn-ea"/>
+                    <a:cs typeface="+mn-cs"/>
+                  </a:defRPr>
+                </a:lvl1pPr>
+                <a:lvl2pPr marL="457200" algn="l" defTabSz="914400" rtl="0" eaLnBrk="1" latinLnBrk="0" hangingPunct="1">
+                  <a:defRPr sz="1800" kern="1200">
+                    <a:solidFill>
+                      <a:schemeClr val="tx1"/>
+                    </a:solidFill>
+                    <a:latin typeface="+mn-lt"/>
+                    <a:ea typeface="+mn-ea"/>
+                    <a:cs typeface="+mn-cs"/>
+                  </a:defRPr>
+                </a:lvl2pPr>
+                <a:lvl3pPr marL="914400" algn="l" defTabSz="914400" rtl="0" eaLnBrk="1" latinLnBrk="0" hangingPunct="1">
+                  <a:defRPr sz="1800" kern="1200">
+                    <a:solidFill>
+                      <a:schemeClr val="tx1"/>
+                    </a:solidFill>
+                    <a:latin typeface="+mn-lt"/>
+                    <a:ea typeface="+mn-ea"/>
+                    <a:cs typeface="+mn-cs"/>
+                  </a:defRPr>
+                </a:lvl3pPr>
+                <a:lvl4pPr marL="1371600" algn="l" defTabSz="914400" rtl="0" eaLnBrk="1" latinLnBrk="0" hangingPunct="1">
+                  <a:defRPr sz="1800" kern="1200">
+                    <a:solidFill>
+                      <a:schemeClr val="tx1"/>
+                    </a:solidFill>
+                    <a:latin typeface="+mn-lt"/>
+                    <a:ea typeface="+mn-ea"/>
+                    <a:cs typeface="+mn-cs"/>
+                  </a:defRPr>
+                </a:lvl4pPr>
+                <a:lvl5pPr marL="1828800" algn="l" defTabSz="914400" rtl="0" eaLnBrk="1" latinLnBrk="0" hangingPunct="1">
+                  <a:defRPr sz="1800" kern="1200">
+                    <a:solidFill>
+                      <a:schemeClr val="tx1"/>
+                    </a:solidFill>
+                    <a:latin typeface="+mn-lt"/>
+                    <a:ea typeface="+mn-ea"/>
+                    <a:cs typeface="+mn-cs"/>
+                  </a:defRPr>
+                </a:lvl5pPr>
+                <a:lvl6pPr marL="2286000" algn="l" defTabSz="914400" rtl="0" eaLnBrk="1" latinLnBrk="0" hangingPunct="1">
+                  <a:defRPr sz="1800" kern="1200">
+                    <a:solidFill>
+                      <a:schemeClr val="tx1"/>
+                    </a:solidFill>
+                    <a:latin typeface="+mn-lt"/>
+                    <a:ea typeface="+mn-ea"/>
+                    <a:cs typeface="+mn-cs"/>
+                  </a:defRPr>
+                </a:lvl6pPr>
+                <a:lvl7pPr marL="2743200" algn="l" defTabSz="914400" rtl="0" eaLnBrk="1" latinLnBrk="0" hangingPunct="1">
+                  <a:defRPr sz="1800" kern="1200">
+                    <a:solidFill>
+                      <a:schemeClr val="tx1"/>
+                    </a:solidFill>
+                    <a:latin typeface="+mn-lt"/>
+                    <a:ea typeface="+mn-ea"/>
+                    <a:cs typeface="+mn-cs"/>
+                  </a:defRPr>
+                </a:lvl7pPr>
+                <a:lvl8pPr marL="3200400" algn="l" defTabSz="914400" rtl="0" eaLnBrk="1" latinLnBrk="0" hangingPunct="1">
+                  <a:defRPr sz="1800" kern="1200">
+                    <a:solidFill>
+                      <a:schemeClr val="tx1"/>
+                    </a:solidFill>
+                    <a:latin typeface="+mn-lt"/>
+                    <a:ea typeface="+mn-ea"/>
+                    <a:cs typeface="+mn-cs"/>
+                  </a:defRPr>
+                </a:lvl8pPr>
+                <a:lvl9pPr marL="3657600" algn="l" defTabSz="914400" rtl="0" eaLnBrk="1" latinLnBrk="0" hangingPunct="1">
+                  <a:defRPr sz="1800" kern="1200">
+                    <a:solidFill>
+                      <a:schemeClr val="tx1"/>
+                    </a:solidFill>
+                    <a:latin typeface="+mn-lt"/>
+                    <a:ea typeface="+mn-ea"/>
+                    <a:cs typeface="+mn-cs"/>
+                  </a:defRPr>
+                </a:lvl9pPr>
+              </a:lstStyle>
+              <a:p>
+                <a:pPr algn="r"/>
+                <a:r>
+                  <a:rPr lang="en-US" sz="1600" b="1" dirty="0" smtClean="0">
+                    <a:solidFill>
+                      <a:srgbClr val="7030A0"/>
+                    </a:solidFill>
+                  </a:rPr>
+                  <a:t>230</a:t>
+                </a:r>
+                <a:endParaRPr lang="en-US" sz="1600" b="1" dirty="0">
+                  <a:solidFill>
+                    <a:srgbClr val="7030A0"/>
+                  </a:solidFill>
+                </a:endParaRPr>
+              </a:p>
+            </p:txBody>
+          </p:sp>
+          <p:sp>
+            <p:nvSpPr>
+              <p:cNvPr id="315" name="TextBox 11"/>
+              <p:cNvSpPr txBox="1"/>
+              <p:nvPr/>
+            </p:nvSpPr>
+            <p:spPr>
+              <a:xfrm>
+                <a:off x="5347186" y="2097024"/>
+                <a:ext cx="497252" cy="338554"/>
+              </a:xfrm>
+              <a:prstGeom prst="rect">
+                <a:avLst/>
+              </a:prstGeom>
+              <a:noFill/>
+            </p:spPr>
+            <p:txBody>
+              <a:bodyPr wrap="none" rtlCol="0">
+                <a:spAutoFit/>
+              </a:bodyPr>
+              <a:lstStyle>
+                <a:defPPr>
+                  <a:defRPr lang="en-US"/>
+                </a:defPPr>
+                <a:lvl1pPr marL="0" algn="l" defTabSz="914400" rtl="0" eaLnBrk="1" latinLnBrk="0" hangingPunct="1">
+                  <a:defRPr sz="1800" kern="1200">
+                    <a:solidFill>
+                      <a:schemeClr val="tx1"/>
+                    </a:solidFill>
+                    <a:latin typeface="+mn-lt"/>
+                    <a:ea typeface="+mn-ea"/>
+                    <a:cs typeface="+mn-cs"/>
+                  </a:defRPr>
+                </a:lvl1pPr>
+                <a:lvl2pPr marL="457200" algn="l" defTabSz="914400" rtl="0" eaLnBrk="1" latinLnBrk="0" hangingPunct="1">
+                  <a:defRPr sz="1800" kern="1200">
+                    <a:solidFill>
+                      <a:schemeClr val="tx1"/>
+                    </a:solidFill>
+                    <a:latin typeface="+mn-lt"/>
+                    <a:ea typeface="+mn-ea"/>
+                    <a:cs typeface="+mn-cs"/>
+                  </a:defRPr>
+                </a:lvl2pPr>
+                <a:lvl3pPr marL="914400" algn="l" defTabSz="914400" rtl="0" eaLnBrk="1" latinLnBrk="0" hangingPunct="1">
+                  <a:defRPr sz="1800" kern="1200">
+                    <a:solidFill>
+                      <a:schemeClr val="tx1"/>
+                    </a:solidFill>
+                    <a:latin typeface="+mn-lt"/>
+                    <a:ea typeface="+mn-ea"/>
+                    <a:cs typeface="+mn-cs"/>
+                  </a:defRPr>
+                </a:lvl3pPr>
+                <a:lvl4pPr marL="1371600" algn="l" defTabSz="914400" rtl="0" eaLnBrk="1" latinLnBrk="0" hangingPunct="1">
+                  <a:defRPr sz="1800" kern="1200">
+                    <a:solidFill>
+                      <a:schemeClr val="tx1"/>
+                    </a:solidFill>
+                    <a:latin typeface="+mn-lt"/>
+                    <a:ea typeface="+mn-ea"/>
+                    <a:cs typeface="+mn-cs"/>
+                  </a:defRPr>
+                </a:lvl4pPr>
+                <a:lvl5pPr marL="1828800" algn="l" defTabSz="914400" rtl="0" eaLnBrk="1" latinLnBrk="0" hangingPunct="1">
+                  <a:defRPr sz="1800" kern="1200">
+                    <a:solidFill>
+                      <a:schemeClr val="tx1"/>
+                    </a:solidFill>
+                    <a:latin typeface="+mn-lt"/>
+                    <a:ea typeface="+mn-ea"/>
+                    <a:cs typeface="+mn-cs"/>
+                  </a:defRPr>
+                </a:lvl5pPr>
+                <a:lvl6pPr marL="2286000" algn="l" defTabSz="914400" rtl="0" eaLnBrk="1" latinLnBrk="0" hangingPunct="1">
+                  <a:defRPr sz="1800" kern="1200">
+                    <a:solidFill>
+                      <a:schemeClr val="tx1"/>
+                    </a:solidFill>
+                    <a:latin typeface="+mn-lt"/>
+                    <a:ea typeface="+mn-ea"/>
+                    <a:cs typeface="+mn-cs"/>
+                  </a:defRPr>
+                </a:lvl6pPr>
+                <a:lvl7pPr marL="2743200" algn="l" defTabSz="914400" rtl="0" eaLnBrk="1" latinLnBrk="0" hangingPunct="1">
+                  <a:defRPr sz="1800" kern="1200">
+                    <a:solidFill>
+                      <a:schemeClr val="tx1"/>
+                    </a:solidFill>
+                    <a:latin typeface="+mn-lt"/>
+                    <a:ea typeface="+mn-ea"/>
+                    <a:cs typeface="+mn-cs"/>
+                  </a:defRPr>
+                </a:lvl7pPr>
+                <a:lvl8pPr marL="3200400" algn="l" defTabSz="914400" rtl="0" eaLnBrk="1" latinLnBrk="0" hangingPunct="1">
+                  <a:defRPr sz="1800" kern="1200">
+                    <a:solidFill>
+                      <a:schemeClr val="tx1"/>
+                    </a:solidFill>
+                    <a:latin typeface="+mn-lt"/>
+                    <a:ea typeface="+mn-ea"/>
+                    <a:cs typeface="+mn-cs"/>
+                  </a:defRPr>
+                </a:lvl8pPr>
+                <a:lvl9pPr marL="3657600" algn="l" defTabSz="914400" rtl="0" eaLnBrk="1" latinLnBrk="0" hangingPunct="1">
+                  <a:defRPr sz="1800" kern="1200">
+                    <a:solidFill>
+                      <a:schemeClr val="tx1"/>
+                    </a:solidFill>
+                    <a:latin typeface="+mn-lt"/>
+                    <a:ea typeface="+mn-ea"/>
+                    <a:cs typeface="+mn-cs"/>
+                  </a:defRPr>
+                </a:lvl9pPr>
+              </a:lstStyle>
+              <a:p>
+                <a:pPr algn="r"/>
+                <a:r>
+                  <a:rPr lang="en-US" sz="1600" b="1" dirty="0" smtClean="0">
+                    <a:solidFill>
+                      <a:srgbClr val="7030A0"/>
+                    </a:solidFill>
+                  </a:rPr>
+                  <a:t>300</a:t>
+                </a:r>
+                <a:endParaRPr lang="en-US" sz="1600" b="1" dirty="0">
+                  <a:solidFill>
+                    <a:srgbClr val="7030A0"/>
+                  </a:solidFill>
+                </a:endParaRPr>
+              </a:p>
+            </p:txBody>
+          </p:sp>
+          <p:sp>
+            <p:nvSpPr>
+              <p:cNvPr id="316" name="TextBox 12"/>
+              <p:cNvSpPr txBox="1"/>
+              <p:nvPr/>
+            </p:nvSpPr>
+            <p:spPr>
+              <a:xfrm>
+                <a:off x="2970379" y="124444"/>
+                <a:ext cx="497252" cy="338554"/>
+              </a:xfrm>
+              <a:prstGeom prst="rect">
+                <a:avLst/>
+              </a:prstGeom>
+              <a:noFill/>
+            </p:spPr>
+            <p:txBody>
+              <a:bodyPr wrap="none" rtlCol="0">
+                <a:spAutoFit/>
+              </a:bodyPr>
+              <a:lstStyle>
+                <a:defPPr>
+                  <a:defRPr lang="en-US"/>
+                </a:defPPr>
+                <a:lvl1pPr marL="0" algn="l" defTabSz="914400" rtl="0" eaLnBrk="1" latinLnBrk="0" hangingPunct="1">
+                  <a:defRPr sz="1800" kern="1200">
+                    <a:solidFill>
+                      <a:schemeClr val="tx1"/>
+                    </a:solidFill>
+                    <a:latin typeface="+mn-lt"/>
+                    <a:ea typeface="+mn-ea"/>
+                    <a:cs typeface="+mn-cs"/>
+                  </a:defRPr>
+                </a:lvl1pPr>
+                <a:lvl2pPr marL="457200" algn="l" defTabSz="914400" rtl="0" eaLnBrk="1" latinLnBrk="0" hangingPunct="1">
+                  <a:defRPr sz="1800" kern="1200">
+                    <a:solidFill>
+                      <a:schemeClr val="tx1"/>
+                    </a:solidFill>
+                    <a:latin typeface="+mn-lt"/>
+                    <a:ea typeface="+mn-ea"/>
+                    <a:cs typeface="+mn-cs"/>
+                  </a:defRPr>
+                </a:lvl2pPr>
+                <a:lvl3pPr marL="914400" algn="l" defTabSz="914400" rtl="0" eaLnBrk="1" latinLnBrk="0" hangingPunct="1">
+                  <a:defRPr sz="1800" kern="1200">
+                    <a:solidFill>
+                      <a:schemeClr val="tx1"/>
+                    </a:solidFill>
+                    <a:latin typeface="+mn-lt"/>
+                    <a:ea typeface="+mn-ea"/>
+                    <a:cs typeface="+mn-cs"/>
+                  </a:defRPr>
+                </a:lvl3pPr>
+                <a:lvl4pPr marL="1371600" algn="l" defTabSz="914400" rtl="0" eaLnBrk="1" latinLnBrk="0" hangingPunct="1">
+                  <a:defRPr sz="1800" kern="1200">
+                    <a:solidFill>
+                      <a:schemeClr val="tx1"/>
+                    </a:solidFill>
+                    <a:latin typeface="+mn-lt"/>
+                    <a:ea typeface="+mn-ea"/>
+                    <a:cs typeface="+mn-cs"/>
+                  </a:defRPr>
+                </a:lvl4pPr>
+                <a:lvl5pPr marL="1828800" algn="l" defTabSz="914400" rtl="0" eaLnBrk="1" latinLnBrk="0" hangingPunct="1">
+                  <a:defRPr sz="1800" kern="1200">
+                    <a:solidFill>
+                      <a:schemeClr val="tx1"/>
+                    </a:solidFill>
+                    <a:latin typeface="+mn-lt"/>
+                    <a:ea typeface="+mn-ea"/>
+                    <a:cs typeface="+mn-cs"/>
+                  </a:defRPr>
+                </a:lvl5pPr>
+                <a:lvl6pPr marL="2286000" algn="l" defTabSz="914400" rtl="0" eaLnBrk="1" latinLnBrk="0" hangingPunct="1">
+                  <a:defRPr sz="1800" kern="1200">
+                    <a:solidFill>
+                      <a:schemeClr val="tx1"/>
+                    </a:solidFill>
+                    <a:latin typeface="+mn-lt"/>
+                    <a:ea typeface="+mn-ea"/>
+                    <a:cs typeface="+mn-cs"/>
+                  </a:defRPr>
+                </a:lvl6pPr>
+                <a:lvl7pPr marL="2743200" algn="l" defTabSz="914400" rtl="0" eaLnBrk="1" latinLnBrk="0" hangingPunct="1">
+                  <a:defRPr sz="1800" kern="1200">
+                    <a:solidFill>
+                      <a:schemeClr val="tx1"/>
+                    </a:solidFill>
+                    <a:latin typeface="+mn-lt"/>
+                    <a:ea typeface="+mn-ea"/>
+                    <a:cs typeface="+mn-cs"/>
+                  </a:defRPr>
+                </a:lvl7pPr>
+                <a:lvl8pPr marL="3200400" algn="l" defTabSz="914400" rtl="0" eaLnBrk="1" latinLnBrk="0" hangingPunct="1">
+                  <a:defRPr sz="1800" kern="1200">
+                    <a:solidFill>
+                      <a:schemeClr val="tx1"/>
+                    </a:solidFill>
+                    <a:latin typeface="+mn-lt"/>
+                    <a:ea typeface="+mn-ea"/>
+                    <a:cs typeface="+mn-cs"/>
+                  </a:defRPr>
+                </a:lvl8pPr>
+                <a:lvl9pPr marL="3657600" algn="l" defTabSz="914400" rtl="0" eaLnBrk="1" latinLnBrk="0" hangingPunct="1">
+                  <a:defRPr sz="1800" kern="1200">
+                    <a:solidFill>
+                      <a:schemeClr val="tx1"/>
+                    </a:solidFill>
+                    <a:latin typeface="+mn-lt"/>
+                    <a:ea typeface="+mn-ea"/>
+                    <a:cs typeface="+mn-cs"/>
+                  </a:defRPr>
+                </a:lvl9pPr>
+              </a:lstStyle>
+              <a:p>
+                <a:r>
+                  <a:rPr lang="en-US" sz="1600" b="1" dirty="0" smtClean="0">
+                    <a:solidFill>
+                      <a:srgbClr val="7030A0"/>
+                    </a:solidFill>
+                  </a:rPr>
+                  <a:t>170</a:t>
+                </a:r>
+                <a:endParaRPr lang="en-US" sz="1600" b="1" dirty="0">
+                  <a:solidFill>
+                    <a:srgbClr val="7030A0"/>
+                  </a:solidFill>
+                </a:endParaRPr>
+              </a:p>
+            </p:txBody>
+          </p:sp>
+          <p:sp>
+            <p:nvSpPr>
+              <p:cNvPr id="317" name="TextBox 13"/>
+              <p:cNvSpPr txBox="1"/>
+              <p:nvPr/>
+            </p:nvSpPr>
+            <p:spPr>
+              <a:xfrm>
+                <a:off x="2970379" y="2097024"/>
+                <a:ext cx="497252" cy="338554"/>
+              </a:xfrm>
+              <a:prstGeom prst="rect">
+                <a:avLst/>
+              </a:prstGeom>
+              <a:noFill/>
+            </p:spPr>
+            <p:txBody>
+              <a:bodyPr wrap="none" rtlCol="0">
+                <a:spAutoFit/>
+              </a:bodyPr>
+              <a:lstStyle>
+                <a:defPPr>
+                  <a:defRPr lang="en-US"/>
+                </a:defPPr>
+                <a:lvl1pPr marL="0" algn="l" defTabSz="914400" rtl="0" eaLnBrk="1" latinLnBrk="0" hangingPunct="1">
+                  <a:defRPr sz="1800" kern="1200">
+                    <a:solidFill>
+                      <a:schemeClr val="tx1"/>
+                    </a:solidFill>
+                    <a:latin typeface="+mn-lt"/>
+                    <a:ea typeface="+mn-ea"/>
+                    <a:cs typeface="+mn-cs"/>
+                  </a:defRPr>
+                </a:lvl1pPr>
+                <a:lvl2pPr marL="457200" algn="l" defTabSz="914400" rtl="0" eaLnBrk="1" latinLnBrk="0" hangingPunct="1">
+                  <a:defRPr sz="1800" kern="1200">
+                    <a:solidFill>
+                      <a:schemeClr val="tx1"/>
+                    </a:solidFill>
+                    <a:latin typeface="+mn-lt"/>
+                    <a:ea typeface="+mn-ea"/>
+                    <a:cs typeface="+mn-cs"/>
+                  </a:defRPr>
+                </a:lvl2pPr>
+                <a:lvl3pPr marL="914400" algn="l" defTabSz="914400" rtl="0" eaLnBrk="1" latinLnBrk="0" hangingPunct="1">
+                  <a:defRPr sz="1800" kern="1200">
+                    <a:solidFill>
+                      <a:schemeClr val="tx1"/>
+                    </a:solidFill>
+                    <a:latin typeface="+mn-lt"/>
+                    <a:ea typeface="+mn-ea"/>
+                    <a:cs typeface="+mn-cs"/>
+                  </a:defRPr>
+                </a:lvl3pPr>
+                <a:lvl4pPr marL="1371600" algn="l" defTabSz="914400" rtl="0" eaLnBrk="1" latinLnBrk="0" hangingPunct="1">
+                  <a:defRPr sz="1800" kern="1200">
+                    <a:solidFill>
+                      <a:schemeClr val="tx1"/>
+                    </a:solidFill>
+                    <a:latin typeface="+mn-lt"/>
+                    <a:ea typeface="+mn-ea"/>
+                    <a:cs typeface="+mn-cs"/>
+                  </a:defRPr>
+                </a:lvl4pPr>
+                <a:lvl5pPr marL="1828800" algn="l" defTabSz="914400" rtl="0" eaLnBrk="1" latinLnBrk="0" hangingPunct="1">
+                  <a:defRPr sz="1800" kern="1200">
+                    <a:solidFill>
+                      <a:schemeClr val="tx1"/>
+                    </a:solidFill>
+                    <a:latin typeface="+mn-lt"/>
+                    <a:ea typeface="+mn-ea"/>
+                    <a:cs typeface="+mn-cs"/>
+                  </a:defRPr>
+                </a:lvl5pPr>
+                <a:lvl6pPr marL="2286000" algn="l" defTabSz="914400" rtl="0" eaLnBrk="1" latinLnBrk="0" hangingPunct="1">
+                  <a:defRPr sz="1800" kern="1200">
+                    <a:solidFill>
+                      <a:schemeClr val="tx1"/>
+                    </a:solidFill>
+                    <a:latin typeface="+mn-lt"/>
+                    <a:ea typeface="+mn-ea"/>
+                    <a:cs typeface="+mn-cs"/>
+                  </a:defRPr>
+                </a:lvl6pPr>
+                <a:lvl7pPr marL="2743200" algn="l" defTabSz="914400" rtl="0" eaLnBrk="1" latinLnBrk="0" hangingPunct="1">
+                  <a:defRPr sz="1800" kern="1200">
+                    <a:solidFill>
+                      <a:schemeClr val="tx1"/>
+                    </a:solidFill>
+                    <a:latin typeface="+mn-lt"/>
+                    <a:ea typeface="+mn-ea"/>
+                    <a:cs typeface="+mn-cs"/>
+                  </a:defRPr>
+                </a:lvl7pPr>
+                <a:lvl8pPr marL="3200400" algn="l" defTabSz="914400" rtl="0" eaLnBrk="1" latinLnBrk="0" hangingPunct="1">
+                  <a:defRPr sz="1800" kern="1200">
+                    <a:solidFill>
+                      <a:schemeClr val="tx1"/>
+                    </a:solidFill>
+                    <a:latin typeface="+mn-lt"/>
+                    <a:ea typeface="+mn-ea"/>
+                    <a:cs typeface="+mn-cs"/>
+                  </a:defRPr>
+                </a:lvl8pPr>
+                <a:lvl9pPr marL="3657600" algn="l" defTabSz="914400" rtl="0" eaLnBrk="1" latinLnBrk="0" hangingPunct="1">
+                  <a:defRPr sz="1800" kern="1200">
+                    <a:solidFill>
+                      <a:schemeClr val="tx1"/>
+                    </a:solidFill>
+                    <a:latin typeface="+mn-lt"/>
+                    <a:ea typeface="+mn-ea"/>
+                    <a:cs typeface="+mn-cs"/>
+                  </a:defRPr>
+                </a:lvl9pPr>
+              </a:lstStyle>
+              <a:p>
+                <a:r>
+                  <a:rPr lang="en-US" sz="1600" b="1" dirty="0" smtClean="0">
+                    <a:solidFill>
+                      <a:srgbClr val="7030A0"/>
+                    </a:solidFill>
+                  </a:rPr>
+                  <a:t>100</a:t>
+                </a:r>
+                <a:endParaRPr lang="en-US" sz="1600" b="1" dirty="0">
+                  <a:solidFill>
+                    <a:srgbClr val="7030A0"/>
+                  </a:solidFill>
+                </a:endParaRPr>
+              </a:p>
+            </p:txBody>
+          </p:sp>
+        </p:grpSp>
+        <p:grpSp>
+          <p:nvGrpSpPr>
+            <p:cNvPr id="307" name="Group 306"/>
+            <p:cNvGrpSpPr/>
+            <p:nvPr/>
+          </p:nvGrpSpPr>
+          <p:grpSpPr>
+            <a:xfrm>
+              <a:off x="402336" y="341376"/>
+              <a:ext cx="2011680" cy="1816608"/>
+              <a:chOff x="402336" y="341376"/>
+              <a:chExt cx="2011680" cy="1816608"/>
+            </a:xfrm>
+          </p:grpSpPr>
+          <p:sp>
+            <p:nvSpPr>
+              <p:cNvPr id="308" name="Rectangle 307"/>
+              <p:cNvSpPr/>
+              <p:nvPr/>
+            </p:nvSpPr>
+            <p:spPr>
+              <a:xfrm>
+                <a:off x="950976" y="792480"/>
+                <a:ext cx="914400" cy="914400"/>
+              </a:xfrm>
+              <a:prstGeom prst="rect">
+                <a:avLst/>
+              </a:prstGeom>
+            </p:spPr>
+            <p:style>
+              <a:lnRef idx="2">
+                <a:schemeClr val="accent1">
+                  <a:shade val="50000"/>
+                </a:schemeClr>
+              </a:lnRef>
+              <a:fillRef idx="1">
+                <a:schemeClr val="accent1"/>
+              </a:fillRef>
+              <a:effectRef idx="0">
+                <a:schemeClr val="accent1"/>
+              </a:effectRef>
+              <a:fontRef idx="minor">
+                <a:schemeClr val="lt1"/>
+              </a:fontRef>
+            </p:style>
+            <p:txBody>
+              <a:bodyPr rtlCol="0" anchor="ctr"/>
+              <a:lstStyle>
+                <a:defPPr>
+                  <a:defRPr lang="en-US"/>
+                </a:defPPr>
+                <a:lvl1pPr marL="0" algn="l" defTabSz="914400" rtl="0" eaLnBrk="1" latinLnBrk="0" hangingPunct="1">
+                  <a:defRPr sz="1800" kern="1200">
+                    <a:solidFill>
+                      <a:schemeClr val="lt1"/>
+                    </a:solidFill>
+                    <a:latin typeface="+mn-lt"/>
+                    <a:ea typeface="+mn-ea"/>
+                    <a:cs typeface="+mn-cs"/>
+                  </a:defRPr>
+                </a:lvl1pPr>
+                <a:lvl2pPr marL="457200" algn="l" defTabSz="914400" rtl="0" eaLnBrk="1" latinLnBrk="0" hangingPunct="1">
+                  <a:defRPr sz="1800" kern="1200">
+                    <a:solidFill>
+                      <a:schemeClr val="lt1"/>
+                    </a:solidFill>
+                    <a:latin typeface="+mn-lt"/>
+                    <a:ea typeface="+mn-ea"/>
+                    <a:cs typeface="+mn-cs"/>
+                  </a:defRPr>
+                </a:lvl2pPr>
+                <a:lvl3pPr marL="914400" algn="l" defTabSz="914400" rtl="0" eaLnBrk="1" latinLnBrk="0" hangingPunct="1">
+                  <a:defRPr sz="1800" kern="1200">
+                    <a:solidFill>
+                      <a:schemeClr val="lt1"/>
+                    </a:solidFill>
+                    <a:latin typeface="+mn-lt"/>
+                    <a:ea typeface="+mn-ea"/>
+                    <a:cs typeface="+mn-cs"/>
+                  </a:defRPr>
+                </a:lvl3pPr>
+                <a:lvl4pPr marL="1371600" algn="l" defTabSz="914400" rtl="0" eaLnBrk="1" latinLnBrk="0" hangingPunct="1">
+                  <a:defRPr sz="1800" kern="1200">
+                    <a:solidFill>
+                      <a:schemeClr val="lt1"/>
+                    </a:solidFill>
+                    <a:latin typeface="+mn-lt"/>
+                    <a:ea typeface="+mn-ea"/>
+                    <a:cs typeface="+mn-cs"/>
+                  </a:defRPr>
+                </a:lvl4pPr>
+                <a:lvl5pPr marL="1828800" algn="l" defTabSz="914400" rtl="0" eaLnBrk="1" latinLnBrk="0" hangingPunct="1">
+                  <a:defRPr sz="1800" kern="1200">
+                    <a:solidFill>
+                      <a:schemeClr val="lt1"/>
+                    </a:solidFill>
+                    <a:latin typeface="+mn-lt"/>
+                    <a:ea typeface="+mn-ea"/>
+                    <a:cs typeface="+mn-cs"/>
+                  </a:defRPr>
+                </a:lvl5pPr>
+                <a:lvl6pPr marL="2286000" algn="l" defTabSz="914400" rtl="0" eaLnBrk="1" latinLnBrk="0" hangingPunct="1">
+                  <a:defRPr sz="1800" kern="1200">
+                    <a:solidFill>
+                      <a:schemeClr val="lt1"/>
+                    </a:solidFill>
+                    <a:latin typeface="+mn-lt"/>
+                    <a:ea typeface="+mn-ea"/>
+                    <a:cs typeface="+mn-cs"/>
+                  </a:defRPr>
+                </a:lvl6pPr>
+                <a:lvl7pPr marL="2743200" algn="l" defTabSz="914400" rtl="0" eaLnBrk="1" latinLnBrk="0" hangingPunct="1">
+                  <a:defRPr sz="1800" kern="1200">
+                    <a:solidFill>
+                      <a:schemeClr val="lt1"/>
+                    </a:solidFill>
+                    <a:latin typeface="+mn-lt"/>
+                    <a:ea typeface="+mn-ea"/>
+                    <a:cs typeface="+mn-cs"/>
+                  </a:defRPr>
+                </a:lvl7pPr>
+                <a:lvl8pPr marL="3200400" algn="l" defTabSz="914400" rtl="0" eaLnBrk="1" latinLnBrk="0" hangingPunct="1">
+                  <a:defRPr sz="1800" kern="1200">
+                    <a:solidFill>
+                      <a:schemeClr val="lt1"/>
+                    </a:solidFill>
+                    <a:latin typeface="+mn-lt"/>
+                    <a:ea typeface="+mn-ea"/>
+                    <a:cs typeface="+mn-cs"/>
+                  </a:defRPr>
+                </a:lvl8pPr>
+                <a:lvl9pPr marL="3657600" algn="l" defTabSz="914400" rtl="0" eaLnBrk="1" latinLnBrk="0" hangingPunct="1">
+                  <a:defRPr sz="1800" kern="1200">
+                    <a:solidFill>
+                      <a:schemeClr val="lt1"/>
+                    </a:solidFill>
+                    <a:latin typeface="+mn-lt"/>
+                    <a:ea typeface="+mn-ea"/>
+                    <a:cs typeface="+mn-cs"/>
+                  </a:defRPr>
+                </a:lvl9pPr>
+              </a:lstStyle>
+              <a:p>
+                <a:pPr algn="ctr"/>
+                <a:endParaRPr lang="en-US"/>
+              </a:p>
+            </p:txBody>
+          </p:sp>
+          <p:cxnSp>
+            <p:nvCxnSpPr>
+              <p:cNvPr id="309" name="Straight Connector 308"/>
+              <p:cNvCxnSpPr/>
+              <p:nvPr/>
+            </p:nvCxnSpPr>
+            <p:spPr>
+              <a:xfrm flipV="1">
+                <a:off x="1865376" y="341376"/>
+                <a:ext cx="548640" cy="451104"/>
+              </a:xfrm>
+              <a:prstGeom prst="line">
+                <a:avLst/>
+              </a:prstGeom>
+            </p:spPr>
+            <p:style>
+              <a:lnRef idx="1">
+                <a:schemeClr val="accent1"/>
+              </a:lnRef>
+              <a:fillRef idx="0">
+                <a:schemeClr val="accent1"/>
+              </a:fillRef>
+              <a:effectRef idx="0">
+                <a:schemeClr val="accent1"/>
+              </a:effectRef>
+              <a:fontRef idx="minor">
+                <a:schemeClr val="tx1"/>
+              </a:fontRef>
+            </p:style>
+          </p:cxnSp>
+          <p:cxnSp>
+            <p:nvCxnSpPr>
+              <p:cNvPr id="310" name="Straight Connector 309"/>
+              <p:cNvCxnSpPr/>
+              <p:nvPr/>
+            </p:nvCxnSpPr>
+            <p:spPr>
+              <a:xfrm flipV="1">
+                <a:off x="402336" y="1706880"/>
+                <a:ext cx="548640" cy="451104"/>
+              </a:xfrm>
+              <a:prstGeom prst="line">
+                <a:avLst/>
+              </a:prstGeom>
+            </p:spPr>
+            <p:style>
+              <a:lnRef idx="1">
+                <a:schemeClr val="accent1"/>
+              </a:lnRef>
+              <a:fillRef idx="0">
+                <a:schemeClr val="accent1"/>
+              </a:fillRef>
+              <a:effectRef idx="0">
+                <a:schemeClr val="accent1"/>
+              </a:effectRef>
+              <a:fontRef idx="minor">
+                <a:schemeClr val="tx1"/>
+              </a:fontRef>
+            </p:style>
+          </p:cxnSp>
+          <p:cxnSp>
+            <p:nvCxnSpPr>
+              <p:cNvPr id="311" name="Straight Connector 310"/>
+              <p:cNvCxnSpPr/>
+              <p:nvPr/>
+            </p:nvCxnSpPr>
+            <p:spPr>
+              <a:xfrm flipH="1" flipV="1">
+                <a:off x="402336" y="341376"/>
+                <a:ext cx="548640" cy="451104"/>
+              </a:xfrm>
+              <a:prstGeom prst="line">
+                <a:avLst/>
+              </a:prstGeom>
+            </p:spPr>
+            <p:style>
+              <a:lnRef idx="1">
+                <a:schemeClr val="accent1"/>
+              </a:lnRef>
+              <a:fillRef idx="0">
+                <a:schemeClr val="accent1"/>
+              </a:fillRef>
+              <a:effectRef idx="0">
+                <a:schemeClr val="accent1"/>
+              </a:effectRef>
+              <a:fontRef idx="minor">
+                <a:schemeClr val="tx1"/>
+              </a:fontRef>
+            </p:style>
+          </p:cxnSp>
+          <p:cxnSp>
+            <p:nvCxnSpPr>
+              <p:cNvPr id="312" name="Straight Connector 311"/>
+              <p:cNvCxnSpPr/>
+              <p:nvPr/>
+            </p:nvCxnSpPr>
+            <p:spPr>
+              <a:xfrm flipH="1" flipV="1">
+                <a:off x="1865376" y="1706880"/>
+                <a:ext cx="548640" cy="451104"/>
+              </a:xfrm>
+              <a:prstGeom prst="line">
+                <a:avLst/>
+              </a:prstGeom>
+            </p:spPr>
+            <p:style>
+              <a:lnRef idx="1">
+                <a:schemeClr val="accent1"/>
+              </a:lnRef>
+              <a:fillRef idx="0">
+                <a:schemeClr val="accent1"/>
+              </a:fillRef>
+              <a:effectRef idx="0">
+                <a:schemeClr val="accent1"/>
+              </a:effectRef>
+              <a:fontRef idx="minor">
+                <a:schemeClr val="tx1"/>
+              </a:fontRef>
+            </p:style>
+          </p:cxnSp>
+        </p:grpSp>
+      </p:grpSp>
+      <p:cxnSp>
+        <p:nvCxnSpPr>
+          <p:cNvPr id="163" name="Straight Arrow Connector 162"/>
+          <p:cNvCxnSpPr/>
+          <p:nvPr/>
+        </p:nvCxnSpPr>
+        <p:spPr>
+          <a:xfrm>
+            <a:off x="5750924" y="3320797"/>
+            <a:ext cx="619373" cy="0"/>
+          </a:xfrm>
+          <a:prstGeom prst="straightConnector1">
+            <a:avLst/>
+          </a:prstGeom>
+          <a:ln>
+            <a:tailEnd type="triangle"/>
+          </a:ln>
+        </p:spPr>
+        <p:style>
+          <a:lnRef idx="3">
+            <a:schemeClr val="accent3"/>
+          </a:lnRef>
+          <a:fillRef idx="0">
+            <a:schemeClr val="accent3"/>
+          </a:fillRef>
+          <a:effectRef idx="2">
+            <a:schemeClr val="accent3"/>
+          </a:effectRef>
+          <a:fontRef idx="minor">
+            <a:schemeClr val="tx1"/>
+          </a:fontRef>
+        </p:style>
+      </p:cxnSp>
+      <p:cxnSp>
+        <p:nvCxnSpPr>
+          <p:cNvPr id="164" name="Straight Arrow Connector 163"/>
+          <p:cNvCxnSpPr/>
+          <p:nvPr/>
+        </p:nvCxnSpPr>
+        <p:spPr>
+          <a:xfrm flipH="1">
+            <a:off x="3984293" y="3320797"/>
+            <a:ext cx="619373" cy="0"/>
+          </a:xfrm>
+          <a:prstGeom prst="straightConnector1">
+            <a:avLst/>
+          </a:prstGeom>
+          <a:ln>
+            <a:tailEnd type="triangle"/>
+          </a:ln>
+        </p:spPr>
+        <p:style>
+          <a:lnRef idx="3">
+            <a:schemeClr val="accent3"/>
+          </a:lnRef>
+          <a:fillRef idx="0">
+            <a:schemeClr val="accent3"/>
+          </a:fillRef>
+          <a:effectRef idx="2">
+            <a:schemeClr val="accent3"/>
+          </a:effectRef>
+          <a:fontRef idx="minor">
+            <a:schemeClr val="tx1"/>
+          </a:fontRef>
+        </p:style>
+      </p:cxnSp>
+      <p:cxnSp>
+        <p:nvCxnSpPr>
+          <p:cNvPr id="165" name="Straight Arrow Connector 164"/>
+          <p:cNvCxnSpPr/>
+          <p:nvPr/>
+        </p:nvCxnSpPr>
+        <p:spPr>
+          <a:xfrm rot="16200000">
+            <a:off x="4874310" y="2442377"/>
+            <a:ext cx="619373" cy="0"/>
+          </a:xfrm>
+          <a:prstGeom prst="straightConnector1">
+            <a:avLst/>
+          </a:prstGeom>
+          <a:ln>
+            <a:tailEnd type="triangle"/>
+          </a:ln>
+        </p:spPr>
+        <p:style>
+          <a:lnRef idx="3">
+            <a:schemeClr val="accent3"/>
+          </a:lnRef>
+          <a:fillRef idx="0">
+            <a:schemeClr val="accent3"/>
+          </a:fillRef>
+          <a:effectRef idx="2">
+            <a:schemeClr val="accent3"/>
+          </a:effectRef>
+          <a:fontRef idx="minor">
+            <a:schemeClr val="tx1"/>
+          </a:fontRef>
+        </p:style>
+      </p:cxnSp>
+      <p:cxnSp>
+        <p:nvCxnSpPr>
+          <p:cNvPr id="166" name="Straight Arrow Connector 165"/>
+          <p:cNvCxnSpPr/>
+          <p:nvPr/>
+        </p:nvCxnSpPr>
+        <p:spPr>
+          <a:xfrm rot="5400000">
+            <a:off x="4825541" y="4113277"/>
+            <a:ext cx="619373" cy="0"/>
+          </a:xfrm>
+          <a:prstGeom prst="straightConnector1">
+            <a:avLst/>
+          </a:prstGeom>
+          <a:ln>
+            <a:tailEnd type="triangle"/>
+          </a:ln>
+        </p:spPr>
+        <p:style>
+          <a:lnRef idx="3">
+            <a:schemeClr val="accent3"/>
+          </a:lnRef>
+          <a:fillRef idx="0">
+            <a:schemeClr val="accent3"/>
+          </a:fillRef>
+          <a:effectRef idx="2">
+            <a:schemeClr val="accent3"/>
+          </a:effectRef>
+          <a:fontRef idx="minor">
+            <a:schemeClr val="tx1"/>
+          </a:fontRef>
+        </p:style>
+      </p:cxnSp>
+      <p:sp>
+        <p:nvSpPr>
+          <p:cNvPr id="167" name="TextBox 19"/>
+          <p:cNvSpPr txBox="1"/>
+          <p:nvPr/>
+        </p:nvSpPr>
+        <p:spPr>
+          <a:xfrm>
+            <a:off x="6256183" y="3096656"/>
+            <a:ext cx="497252" cy="338554"/>
+          </a:xfrm>
+          <a:prstGeom prst="rect">
+            <a:avLst/>
+          </a:prstGeom>
+          <a:noFill/>
+        </p:spPr>
+        <p:txBody>
+          <a:bodyPr wrap="none" rtlCol="0">
+            <a:spAutoFit/>
+          </a:bodyPr>
+          <a:lstStyle>
+            <a:defPPr>
+              <a:defRPr lang="en-US"/>
+            </a:defPPr>
+            <a:lvl1pPr marL="0" algn="l" defTabSz="914400" rtl="0" eaLnBrk="1" latinLnBrk="0" hangingPunct="1">
+              <a:defRPr sz="1800" kern="1200">
+                <a:solidFill>
+                  <a:schemeClr val="tx1"/>
+                </a:solidFill>
+                <a:latin typeface="+mn-lt"/>
+                <a:ea typeface="+mn-ea"/>
+                <a:cs typeface="+mn-cs"/>
+              </a:defRPr>
+            </a:lvl1pPr>
+            <a:lvl2pPr marL="457200" algn="l" defTabSz="914400" rtl="0" eaLnBrk="1" latinLnBrk="0" hangingPunct="1">
+              <a:defRPr sz="1800" kern="1200">
+                <a:solidFill>
+                  <a:schemeClr val="tx1"/>
+                </a:solidFill>
+                <a:latin typeface="+mn-lt"/>
+                <a:ea typeface="+mn-ea"/>
+                <a:cs typeface="+mn-cs"/>
+              </a:defRPr>
+            </a:lvl2pPr>
+            <a:lvl3pPr marL="914400" algn="l" defTabSz="914400" rtl="0" eaLnBrk="1" latinLnBrk="0" hangingPunct="1">
+              <a:defRPr sz="1800" kern="1200">
+                <a:solidFill>
+                  <a:schemeClr val="tx1"/>
+                </a:solidFill>
+                <a:latin typeface="+mn-lt"/>
+                <a:ea typeface="+mn-ea"/>
+                <a:cs typeface="+mn-cs"/>
+              </a:defRPr>
+            </a:lvl3pPr>
+            <a:lvl4pPr marL="1371600" algn="l" defTabSz="914400" rtl="0" eaLnBrk="1" latinLnBrk="0" hangingPunct="1">
+              <a:defRPr sz="1800" kern="1200">
+                <a:solidFill>
+                  <a:schemeClr val="tx1"/>
+                </a:solidFill>
+                <a:latin typeface="+mn-lt"/>
+                <a:ea typeface="+mn-ea"/>
+                <a:cs typeface="+mn-cs"/>
+              </a:defRPr>
+            </a:lvl4pPr>
+            <a:lvl5pPr marL="1828800" algn="l" defTabSz="914400" rtl="0" eaLnBrk="1" latinLnBrk="0" hangingPunct="1">
+              <a:defRPr sz="1800" kern="1200">
+                <a:solidFill>
+                  <a:schemeClr val="tx1"/>
+                </a:solidFill>
+                <a:latin typeface="+mn-lt"/>
+                <a:ea typeface="+mn-ea"/>
+                <a:cs typeface="+mn-cs"/>
+              </a:defRPr>
+            </a:lvl5pPr>
+            <a:lvl6pPr marL="2286000" algn="l" defTabSz="914400" rtl="0" eaLnBrk="1" latinLnBrk="0" hangingPunct="1">
+              <a:defRPr sz="1800" kern="1200">
+                <a:solidFill>
+                  <a:schemeClr val="tx1"/>
+                </a:solidFill>
+                <a:latin typeface="+mn-lt"/>
+                <a:ea typeface="+mn-ea"/>
+                <a:cs typeface="+mn-cs"/>
+              </a:defRPr>
+            </a:lvl6pPr>
+            <a:lvl7pPr marL="2743200" algn="l" defTabSz="914400" rtl="0" eaLnBrk="1" latinLnBrk="0" hangingPunct="1">
+              <a:defRPr sz="1800" kern="1200">
+                <a:solidFill>
+                  <a:schemeClr val="tx1"/>
+                </a:solidFill>
+                <a:latin typeface="+mn-lt"/>
+                <a:ea typeface="+mn-ea"/>
+                <a:cs typeface="+mn-cs"/>
+              </a:defRPr>
+            </a:lvl7pPr>
+            <a:lvl8pPr marL="3200400" algn="l" defTabSz="914400" rtl="0" eaLnBrk="1" latinLnBrk="0" hangingPunct="1">
+              <a:defRPr sz="1800" kern="1200">
+                <a:solidFill>
+                  <a:schemeClr val="tx1"/>
+                </a:solidFill>
+                <a:latin typeface="+mn-lt"/>
+                <a:ea typeface="+mn-ea"/>
+                <a:cs typeface="+mn-cs"/>
+              </a:defRPr>
+            </a:lvl8pPr>
+            <a:lvl9pPr marL="3657600" algn="l" defTabSz="914400" rtl="0" eaLnBrk="1" latinLnBrk="0" hangingPunct="1">
+              <a:defRPr sz="1800" kern="1200">
+                <a:solidFill>
+                  <a:schemeClr val="tx1"/>
+                </a:solidFill>
+                <a:latin typeface="+mn-lt"/>
+                <a:ea typeface="+mn-ea"/>
+                <a:cs typeface="+mn-cs"/>
+              </a:defRPr>
+            </a:lvl9pPr>
+          </a:lstStyle>
+          <a:p>
+            <a:pPr algn="r"/>
+            <a:r>
+              <a:rPr lang="en-US" sz="1600" b="1" dirty="0" smtClean="0">
+                <a:solidFill>
+                  <a:srgbClr val="7030A0"/>
+                </a:solidFill>
+              </a:rPr>
+              <a:t>257</a:t>
+            </a:r>
+            <a:endParaRPr lang="en-US" sz="1600" b="1" dirty="0">
+              <a:solidFill>
+                <a:srgbClr val="7030A0"/>
+              </a:solidFill>
+            </a:endParaRPr>
+          </a:p>
+        </p:txBody>
+      </p:sp>
+      <p:sp>
+        <p:nvSpPr>
+          <p:cNvPr id="168" name="TextBox 20"/>
+          <p:cNvSpPr txBox="1"/>
+          <p:nvPr/>
+        </p:nvSpPr>
+        <p:spPr>
+          <a:xfrm>
+            <a:off x="4831174" y="1705576"/>
+            <a:ext cx="497252" cy="338554"/>
+          </a:xfrm>
+          <a:prstGeom prst="rect">
+            <a:avLst/>
+          </a:prstGeom>
+          <a:noFill/>
+        </p:spPr>
+        <p:txBody>
+          <a:bodyPr wrap="none" rtlCol="0">
+            <a:spAutoFit/>
+          </a:bodyPr>
+          <a:lstStyle>
+            <a:defPPr>
+              <a:defRPr lang="en-US"/>
+            </a:defPPr>
+            <a:lvl1pPr marL="0" algn="l" defTabSz="914400" rtl="0" eaLnBrk="1" latinLnBrk="0" hangingPunct="1">
+              <a:defRPr sz="1800" kern="1200">
+                <a:solidFill>
+                  <a:schemeClr val="tx1"/>
+                </a:solidFill>
+                <a:latin typeface="+mn-lt"/>
+                <a:ea typeface="+mn-ea"/>
+                <a:cs typeface="+mn-cs"/>
+              </a:defRPr>
+            </a:lvl1pPr>
+            <a:lvl2pPr marL="457200" algn="l" defTabSz="914400" rtl="0" eaLnBrk="1" latinLnBrk="0" hangingPunct="1">
+              <a:defRPr sz="1800" kern="1200">
+                <a:solidFill>
+                  <a:schemeClr val="tx1"/>
+                </a:solidFill>
+                <a:latin typeface="+mn-lt"/>
+                <a:ea typeface="+mn-ea"/>
+                <a:cs typeface="+mn-cs"/>
+              </a:defRPr>
+            </a:lvl2pPr>
+            <a:lvl3pPr marL="914400" algn="l" defTabSz="914400" rtl="0" eaLnBrk="1" latinLnBrk="0" hangingPunct="1">
+              <a:defRPr sz="1800" kern="1200">
+                <a:solidFill>
+                  <a:schemeClr val="tx1"/>
+                </a:solidFill>
+                <a:latin typeface="+mn-lt"/>
+                <a:ea typeface="+mn-ea"/>
+                <a:cs typeface="+mn-cs"/>
+              </a:defRPr>
+            </a:lvl3pPr>
+            <a:lvl4pPr marL="1371600" algn="l" defTabSz="914400" rtl="0" eaLnBrk="1" latinLnBrk="0" hangingPunct="1">
+              <a:defRPr sz="1800" kern="1200">
+                <a:solidFill>
+                  <a:schemeClr val="tx1"/>
+                </a:solidFill>
+                <a:latin typeface="+mn-lt"/>
+                <a:ea typeface="+mn-ea"/>
+                <a:cs typeface="+mn-cs"/>
+              </a:defRPr>
+            </a:lvl4pPr>
+            <a:lvl5pPr marL="1828800" algn="l" defTabSz="914400" rtl="0" eaLnBrk="1" latinLnBrk="0" hangingPunct="1">
+              <a:defRPr sz="1800" kern="1200">
+                <a:solidFill>
+                  <a:schemeClr val="tx1"/>
+                </a:solidFill>
+                <a:latin typeface="+mn-lt"/>
+                <a:ea typeface="+mn-ea"/>
+                <a:cs typeface="+mn-cs"/>
+              </a:defRPr>
+            </a:lvl5pPr>
+            <a:lvl6pPr marL="2286000" algn="l" defTabSz="914400" rtl="0" eaLnBrk="1" latinLnBrk="0" hangingPunct="1">
+              <a:defRPr sz="1800" kern="1200">
+                <a:solidFill>
+                  <a:schemeClr val="tx1"/>
+                </a:solidFill>
+                <a:latin typeface="+mn-lt"/>
+                <a:ea typeface="+mn-ea"/>
+                <a:cs typeface="+mn-cs"/>
+              </a:defRPr>
+            </a:lvl6pPr>
+            <a:lvl7pPr marL="2743200" algn="l" defTabSz="914400" rtl="0" eaLnBrk="1" latinLnBrk="0" hangingPunct="1">
+              <a:defRPr sz="1800" kern="1200">
+                <a:solidFill>
+                  <a:schemeClr val="tx1"/>
+                </a:solidFill>
+                <a:latin typeface="+mn-lt"/>
+                <a:ea typeface="+mn-ea"/>
+                <a:cs typeface="+mn-cs"/>
+              </a:defRPr>
+            </a:lvl7pPr>
+            <a:lvl8pPr marL="3200400" algn="l" defTabSz="914400" rtl="0" eaLnBrk="1" latinLnBrk="0" hangingPunct="1">
+              <a:defRPr sz="1800" kern="1200">
+                <a:solidFill>
+                  <a:schemeClr val="tx1"/>
+                </a:solidFill>
+                <a:latin typeface="+mn-lt"/>
+                <a:ea typeface="+mn-ea"/>
+                <a:cs typeface="+mn-cs"/>
+              </a:defRPr>
+            </a:lvl8pPr>
+            <a:lvl9pPr marL="3657600" algn="l" defTabSz="914400" rtl="0" eaLnBrk="1" latinLnBrk="0" hangingPunct="1">
+              <a:defRPr sz="1800" kern="1200">
+                <a:solidFill>
+                  <a:schemeClr val="tx1"/>
+                </a:solidFill>
+                <a:latin typeface="+mn-lt"/>
+                <a:ea typeface="+mn-ea"/>
+                <a:cs typeface="+mn-cs"/>
+              </a:defRPr>
+            </a:lvl9pPr>
+          </a:lstStyle>
+          <a:p>
+            <a:pPr algn="r"/>
+            <a:r>
+              <a:rPr lang="en-US" sz="1600" b="1" dirty="0" smtClean="0">
+                <a:solidFill>
+                  <a:srgbClr val="7030A0"/>
+                </a:solidFill>
+              </a:rPr>
+              <a:t>198</a:t>
+            </a:r>
+            <a:endParaRPr lang="en-US" sz="1600" b="1" dirty="0">
+              <a:solidFill>
+                <a:srgbClr val="7030A0"/>
+              </a:solidFill>
+            </a:endParaRPr>
+          </a:p>
+        </p:txBody>
+      </p:sp>
+      <p:sp>
+        <p:nvSpPr>
+          <p:cNvPr id="169" name="TextBox 21"/>
+          <p:cNvSpPr txBox="1"/>
+          <p:nvPr/>
+        </p:nvSpPr>
+        <p:spPr>
+          <a:xfrm>
+            <a:off x="3144941" y="3150109"/>
+            <a:ext cx="497252" cy="338554"/>
+          </a:xfrm>
+          <a:prstGeom prst="rect">
+            <a:avLst/>
+          </a:prstGeom>
+          <a:noFill/>
+        </p:spPr>
+        <p:txBody>
+          <a:bodyPr wrap="none" rtlCol="0">
+            <a:spAutoFit/>
+          </a:bodyPr>
+          <a:lstStyle>
+            <a:defPPr>
+              <a:defRPr lang="en-US"/>
+            </a:defPPr>
+            <a:lvl1pPr marL="0" algn="l" defTabSz="914400" rtl="0" eaLnBrk="1" latinLnBrk="0" hangingPunct="1">
+              <a:defRPr sz="1800" kern="1200">
+                <a:solidFill>
+                  <a:schemeClr val="tx1"/>
+                </a:solidFill>
+                <a:latin typeface="+mn-lt"/>
+                <a:ea typeface="+mn-ea"/>
+                <a:cs typeface="+mn-cs"/>
+              </a:defRPr>
+            </a:lvl1pPr>
+            <a:lvl2pPr marL="457200" algn="l" defTabSz="914400" rtl="0" eaLnBrk="1" latinLnBrk="0" hangingPunct="1">
+              <a:defRPr sz="1800" kern="1200">
+                <a:solidFill>
+                  <a:schemeClr val="tx1"/>
+                </a:solidFill>
+                <a:latin typeface="+mn-lt"/>
+                <a:ea typeface="+mn-ea"/>
+                <a:cs typeface="+mn-cs"/>
+              </a:defRPr>
+            </a:lvl2pPr>
+            <a:lvl3pPr marL="914400" algn="l" defTabSz="914400" rtl="0" eaLnBrk="1" latinLnBrk="0" hangingPunct="1">
+              <a:defRPr sz="1800" kern="1200">
+                <a:solidFill>
+                  <a:schemeClr val="tx1"/>
+                </a:solidFill>
+                <a:latin typeface="+mn-lt"/>
+                <a:ea typeface="+mn-ea"/>
+                <a:cs typeface="+mn-cs"/>
+              </a:defRPr>
+            </a:lvl3pPr>
+            <a:lvl4pPr marL="1371600" algn="l" defTabSz="914400" rtl="0" eaLnBrk="1" latinLnBrk="0" hangingPunct="1">
+              <a:defRPr sz="1800" kern="1200">
+                <a:solidFill>
+                  <a:schemeClr val="tx1"/>
+                </a:solidFill>
+                <a:latin typeface="+mn-lt"/>
+                <a:ea typeface="+mn-ea"/>
+                <a:cs typeface="+mn-cs"/>
+              </a:defRPr>
+            </a:lvl4pPr>
+            <a:lvl5pPr marL="1828800" algn="l" defTabSz="914400" rtl="0" eaLnBrk="1" latinLnBrk="0" hangingPunct="1">
+              <a:defRPr sz="1800" kern="1200">
+                <a:solidFill>
+                  <a:schemeClr val="tx1"/>
+                </a:solidFill>
+                <a:latin typeface="+mn-lt"/>
+                <a:ea typeface="+mn-ea"/>
+                <a:cs typeface="+mn-cs"/>
+              </a:defRPr>
+            </a:lvl5pPr>
+            <a:lvl6pPr marL="2286000" algn="l" defTabSz="914400" rtl="0" eaLnBrk="1" latinLnBrk="0" hangingPunct="1">
+              <a:defRPr sz="1800" kern="1200">
+                <a:solidFill>
+                  <a:schemeClr val="tx1"/>
+                </a:solidFill>
+                <a:latin typeface="+mn-lt"/>
+                <a:ea typeface="+mn-ea"/>
+                <a:cs typeface="+mn-cs"/>
+              </a:defRPr>
+            </a:lvl6pPr>
+            <a:lvl7pPr marL="2743200" algn="l" defTabSz="914400" rtl="0" eaLnBrk="1" latinLnBrk="0" hangingPunct="1">
+              <a:defRPr sz="1800" kern="1200">
+                <a:solidFill>
+                  <a:schemeClr val="tx1"/>
+                </a:solidFill>
+                <a:latin typeface="+mn-lt"/>
+                <a:ea typeface="+mn-ea"/>
+                <a:cs typeface="+mn-cs"/>
+              </a:defRPr>
+            </a:lvl7pPr>
+            <a:lvl8pPr marL="3200400" algn="l" defTabSz="914400" rtl="0" eaLnBrk="1" latinLnBrk="0" hangingPunct="1">
+              <a:defRPr sz="1800" kern="1200">
+                <a:solidFill>
+                  <a:schemeClr val="tx1"/>
+                </a:solidFill>
+                <a:latin typeface="+mn-lt"/>
+                <a:ea typeface="+mn-ea"/>
+                <a:cs typeface="+mn-cs"/>
+              </a:defRPr>
+            </a:lvl8pPr>
+            <a:lvl9pPr marL="3657600" algn="l" defTabSz="914400" rtl="0" eaLnBrk="1" latinLnBrk="0" hangingPunct="1">
+              <a:defRPr sz="1800" kern="1200">
+                <a:solidFill>
+                  <a:schemeClr val="tx1"/>
+                </a:solidFill>
+                <a:latin typeface="+mn-lt"/>
+                <a:ea typeface="+mn-ea"/>
+                <a:cs typeface="+mn-cs"/>
+              </a:defRPr>
+            </a:lvl9pPr>
+          </a:lstStyle>
+          <a:p>
+            <a:pPr algn="r"/>
+            <a:r>
+              <a:rPr lang="en-US" sz="1600" b="1" dirty="0" smtClean="0">
+                <a:solidFill>
+                  <a:srgbClr val="7030A0"/>
+                </a:solidFill>
+              </a:rPr>
+              <a:t>148</a:t>
+            </a:r>
+            <a:endParaRPr lang="en-US" sz="1600" b="1" dirty="0">
+              <a:solidFill>
+                <a:srgbClr val="7030A0"/>
+              </a:solidFill>
+            </a:endParaRPr>
+          </a:p>
+        </p:txBody>
+      </p:sp>
+      <p:sp>
+        <p:nvSpPr>
+          <p:cNvPr id="170" name="TextBox 22"/>
+          <p:cNvSpPr txBox="1"/>
+          <p:nvPr/>
+        </p:nvSpPr>
+        <p:spPr>
+          <a:xfrm>
+            <a:off x="4466826" y="4380090"/>
+            <a:ext cx="1303562" cy="338554"/>
+          </a:xfrm>
+          <a:prstGeom prst="rect">
+            <a:avLst/>
+          </a:prstGeom>
+          <a:noFill/>
+        </p:spPr>
+        <p:txBody>
+          <a:bodyPr wrap="none" rtlCol="0">
+            <a:spAutoFit/>
+          </a:bodyPr>
+          <a:lstStyle>
+            <a:defPPr>
+              <a:defRPr lang="en-US"/>
+            </a:defPPr>
+            <a:lvl1pPr marL="0" algn="l" defTabSz="914400" rtl="0" eaLnBrk="1" latinLnBrk="0" hangingPunct="1">
+              <a:defRPr sz="1800" kern="1200">
+                <a:solidFill>
+                  <a:schemeClr val="tx1"/>
+                </a:solidFill>
+                <a:latin typeface="+mn-lt"/>
+                <a:ea typeface="+mn-ea"/>
+                <a:cs typeface="+mn-cs"/>
+              </a:defRPr>
+            </a:lvl1pPr>
+            <a:lvl2pPr marL="457200" algn="l" defTabSz="914400" rtl="0" eaLnBrk="1" latinLnBrk="0" hangingPunct="1">
+              <a:defRPr sz="1800" kern="1200">
+                <a:solidFill>
+                  <a:schemeClr val="tx1"/>
+                </a:solidFill>
+                <a:latin typeface="+mn-lt"/>
+                <a:ea typeface="+mn-ea"/>
+                <a:cs typeface="+mn-cs"/>
+              </a:defRPr>
+            </a:lvl2pPr>
+            <a:lvl3pPr marL="914400" algn="l" defTabSz="914400" rtl="0" eaLnBrk="1" latinLnBrk="0" hangingPunct="1">
+              <a:defRPr sz="1800" kern="1200">
+                <a:solidFill>
+                  <a:schemeClr val="tx1"/>
+                </a:solidFill>
+                <a:latin typeface="+mn-lt"/>
+                <a:ea typeface="+mn-ea"/>
+                <a:cs typeface="+mn-cs"/>
+              </a:defRPr>
+            </a:lvl3pPr>
+            <a:lvl4pPr marL="1371600" algn="l" defTabSz="914400" rtl="0" eaLnBrk="1" latinLnBrk="0" hangingPunct="1">
+              <a:defRPr sz="1800" kern="1200">
+                <a:solidFill>
+                  <a:schemeClr val="tx1"/>
+                </a:solidFill>
+                <a:latin typeface="+mn-lt"/>
+                <a:ea typeface="+mn-ea"/>
+                <a:cs typeface="+mn-cs"/>
+              </a:defRPr>
+            </a:lvl4pPr>
+            <a:lvl5pPr marL="1828800" algn="l" defTabSz="914400" rtl="0" eaLnBrk="1" latinLnBrk="0" hangingPunct="1">
+              <a:defRPr sz="1800" kern="1200">
+                <a:solidFill>
+                  <a:schemeClr val="tx1"/>
+                </a:solidFill>
+                <a:latin typeface="+mn-lt"/>
+                <a:ea typeface="+mn-ea"/>
+                <a:cs typeface="+mn-cs"/>
+              </a:defRPr>
+            </a:lvl5pPr>
+            <a:lvl6pPr marL="2286000" algn="l" defTabSz="914400" rtl="0" eaLnBrk="1" latinLnBrk="0" hangingPunct="1">
+              <a:defRPr sz="1800" kern="1200">
+                <a:solidFill>
+                  <a:schemeClr val="tx1"/>
+                </a:solidFill>
+                <a:latin typeface="+mn-lt"/>
+                <a:ea typeface="+mn-ea"/>
+                <a:cs typeface="+mn-cs"/>
+              </a:defRPr>
+            </a:lvl6pPr>
+            <a:lvl7pPr marL="2743200" algn="l" defTabSz="914400" rtl="0" eaLnBrk="1" latinLnBrk="0" hangingPunct="1">
+              <a:defRPr sz="1800" kern="1200">
+                <a:solidFill>
+                  <a:schemeClr val="tx1"/>
+                </a:solidFill>
+                <a:latin typeface="+mn-lt"/>
+                <a:ea typeface="+mn-ea"/>
+                <a:cs typeface="+mn-cs"/>
+              </a:defRPr>
+            </a:lvl7pPr>
+            <a:lvl8pPr marL="3200400" algn="l" defTabSz="914400" rtl="0" eaLnBrk="1" latinLnBrk="0" hangingPunct="1">
+              <a:defRPr sz="1800" kern="1200">
+                <a:solidFill>
+                  <a:schemeClr val="tx1"/>
+                </a:solidFill>
+                <a:latin typeface="+mn-lt"/>
+                <a:ea typeface="+mn-ea"/>
+                <a:cs typeface="+mn-cs"/>
+              </a:defRPr>
+            </a:lvl8pPr>
+            <a:lvl9pPr marL="3657600" algn="l" defTabSz="914400" rtl="0" eaLnBrk="1" latinLnBrk="0" hangingPunct="1">
+              <a:defRPr sz="1800" kern="1200">
+                <a:solidFill>
+                  <a:schemeClr val="tx1"/>
+                </a:solidFill>
+                <a:latin typeface="+mn-lt"/>
+                <a:ea typeface="+mn-ea"/>
+                <a:cs typeface="+mn-cs"/>
+              </a:defRPr>
+            </a:lvl9pPr>
+          </a:lstStyle>
+          <a:p>
+            <a:pPr algn="r"/>
+            <a:r>
+              <a:rPr lang="en-US" sz="1600" b="1" dirty="0" smtClean="0">
+                <a:solidFill>
+                  <a:srgbClr val="7030A0"/>
+                </a:solidFill>
+              </a:rPr>
+              <a:t>x&lt;100, x&gt;300</a:t>
+            </a:r>
+            <a:endParaRPr lang="en-US" sz="1600" b="1" dirty="0">
+              <a:solidFill>
+                <a:srgbClr val="7030A0"/>
+              </a:solidFill>
+            </a:endParaRPr>
+          </a:p>
+        </p:txBody>
+      </p:sp>
+      <p:sp>
+        <p:nvSpPr>
+          <p:cNvPr id="171" name="TextBox 23"/>
+          <p:cNvSpPr txBox="1"/>
+          <p:nvPr/>
+        </p:nvSpPr>
+        <p:spPr>
+          <a:xfrm>
+            <a:off x="6847712" y="3096656"/>
+            <a:ext cx="1700145" cy="369332"/>
+          </a:xfrm>
+          <a:prstGeom prst="rect">
+            <a:avLst/>
+          </a:prstGeom>
+          <a:noFill/>
+        </p:spPr>
+        <p:txBody>
+          <a:bodyPr wrap="none" rtlCol="0">
+            <a:spAutoFit/>
+          </a:bodyPr>
+          <a:lstStyle>
+            <a:defPPr>
+              <a:defRPr lang="en-US"/>
+            </a:defPPr>
+            <a:lvl1pPr marL="0" algn="l" defTabSz="914400" rtl="0" eaLnBrk="1" latinLnBrk="0" hangingPunct="1">
+              <a:defRPr sz="1800" kern="1200">
+                <a:solidFill>
+                  <a:schemeClr val="tx1"/>
+                </a:solidFill>
+                <a:latin typeface="+mn-lt"/>
+                <a:ea typeface="+mn-ea"/>
+                <a:cs typeface="+mn-cs"/>
+              </a:defRPr>
+            </a:lvl1pPr>
+            <a:lvl2pPr marL="457200" algn="l" defTabSz="914400" rtl="0" eaLnBrk="1" latinLnBrk="0" hangingPunct="1">
+              <a:defRPr sz="1800" kern="1200">
+                <a:solidFill>
+                  <a:schemeClr val="tx1"/>
+                </a:solidFill>
+                <a:latin typeface="+mn-lt"/>
+                <a:ea typeface="+mn-ea"/>
+                <a:cs typeface="+mn-cs"/>
+              </a:defRPr>
+            </a:lvl2pPr>
+            <a:lvl3pPr marL="914400" algn="l" defTabSz="914400" rtl="0" eaLnBrk="1" latinLnBrk="0" hangingPunct="1">
+              <a:defRPr sz="1800" kern="1200">
+                <a:solidFill>
+                  <a:schemeClr val="tx1"/>
+                </a:solidFill>
+                <a:latin typeface="+mn-lt"/>
+                <a:ea typeface="+mn-ea"/>
+                <a:cs typeface="+mn-cs"/>
+              </a:defRPr>
+            </a:lvl3pPr>
+            <a:lvl4pPr marL="1371600" algn="l" defTabSz="914400" rtl="0" eaLnBrk="1" latinLnBrk="0" hangingPunct="1">
+              <a:defRPr sz="1800" kern="1200">
+                <a:solidFill>
+                  <a:schemeClr val="tx1"/>
+                </a:solidFill>
+                <a:latin typeface="+mn-lt"/>
+                <a:ea typeface="+mn-ea"/>
+                <a:cs typeface="+mn-cs"/>
+              </a:defRPr>
+            </a:lvl4pPr>
+            <a:lvl5pPr marL="1828800" algn="l" defTabSz="914400" rtl="0" eaLnBrk="1" latinLnBrk="0" hangingPunct="1">
+              <a:defRPr sz="1800" kern="1200">
+                <a:solidFill>
+                  <a:schemeClr val="tx1"/>
+                </a:solidFill>
+                <a:latin typeface="+mn-lt"/>
+                <a:ea typeface="+mn-ea"/>
+                <a:cs typeface="+mn-cs"/>
+              </a:defRPr>
+            </a:lvl5pPr>
+            <a:lvl6pPr marL="2286000" algn="l" defTabSz="914400" rtl="0" eaLnBrk="1" latinLnBrk="0" hangingPunct="1">
+              <a:defRPr sz="1800" kern="1200">
+                <a:solidFill>
+                  <a:schemeClr val="tx1"/>
+                </a:solidFill>
+                <a:latin typeface="+mn-lt"/>
+                <a:ea typeface="+mn-ea"/>
+                <a:cs typeface="+mn-cs"/>
+              </a:defRPr>
+            </a:lvl6pPr>
+            <a:lvl7pPr marL="2743200" algn="l" defTabSz="914400" rtl="0" eaLnBrk="1" latinLnBrk="0" hangingPunct="1">
+              <a:defRPr sz="1800" kern="1200">
+                <a:solidFill>
+                  <a:schemeClr val="tx1"/>
+                </a:solidFill>
+                <a:latin typeface="+mn-lt"/>
+                <a:ea typeface="+mn-ea"/>
+                <a:cs typeface="+mn-cs"/>
+              </a:defRPr>
+            </a:lvl7pPr>
+            <a:lvl8pPr marL="3200400" algn="l" defTabSz="914400" rtl="0" eaLnBrk="1" latinLnBrk="0" hangingPunct="1">
+              <a:defRPr sz="1800" kern="1200">
+                <a:solidFill>
+                  <a:schemeClr val="tx1"/>
+                </a:solidFill>
+                <a:latin typeface="+mn-lt"/>
+                <a:ea typeface="+mn-ea"/>
+                <a:cs typeface="+mn-cs"/>
+              </a:defRPr>
+            </a:lvl8pPr>
+            <a:lvl9pPr marL="3657600" algn="l" defTabSz="914400" rtl="0" eaLnBrk="1" latinLnBrk="0" hangingPunct="1">
+              <a:defRPr sz="1800" kern="1200">
+                <a:solidFill>
+                  <a:schemeClr val="tx1"/>
+                </a:solidFill>
+                <a:latin typeface="+mn-lt"/>
+                <a:ea typeface="+mn-ea"/>
+                <a:cs typeface="+mn-cs"/>
+              </a:defRPr>
+            </a:lvl9pPr>
+          </a:lstStyle>
+          <a:p>
+            <a:r>
+              <a:rPr lang="en-US" dirty="0" err="1" smtClean="0"/>
+              <a:t>Keluar</a:t>
+            </a:r>
+            <a:r>
+              <a:rPr lang="en-US" dirty="0" smtClean="0"/>
+              <a:t> Home </a:t>
+            </a:r>
+            <a:r>
+              <a:rPr lang="en-US" dirty="0" smtClean="0">
+                <a:sym typeface="Wingdings" panose="05000000000000000000" pitchFamily="2" charset="2"/>
+              </a:rPr>
+              <a:t></a:t>
+            </a:r>
+            <a:endParaRPr lang="en-US" dirty="0"/>
+          </a:p>
+        </p:txBody>
+      </p:sp>
+      <p:grpSp>
+        <p:nvGrpSpPr>
+          <p:cNvPr id="172" name="Group 171"/>
+          <p:cNvGrpSpPr/>
+          <p:nvPr/>
+        </p:nvGrpSpPr>
+        <p:grpSpPr>
+          <a:xfrm>
+            <a:off x="1995788" y="1077469"/>
+            <a:ext cx="8374551" cy="231648"/>
+            <a:chOff x="1828800" y="377952"/>
+            <a:chExt cx="8374551" cy="231648"/>
+          </a:xfrm>
+        </p:grpSpPr>
+        <p:cxnSp>
+          <p:nvCxnSpPr>
+            <p:cNvPr id="241" name="Straight Connector 240"/>
+            <p:cNvCxnSpPr/>
+            <p:nvPr/>
+          </p:nvCxnSpPr>
+          <p:spPr>
+            <a:xfrm>
+              <a:off x="1828800" y="609600"/>
+              <a:ext cx="8374551" cy="0"/>
+            </a:xfrm>
+            <a:prstGeom prst="line">
+              <a:avLst/>
+            </a:prstGeom>
+          </p:spPr>
+          <p:style>
+            <a:lnRef idx="1">
+              <a:schemeClr val="accent1"/>
+            </a:lnRef>
+            <a:fillRef idx="0">
+              <a:schemeClr val="accent1"/>
+            </a:fillRef>
+            <a:effectRef idx="0">
+              <a:schemeClr val="accent1"/>
+            </a:effectRef>
+            <a:fontRef idx="minor">
+              <a:schemeClr val="tx1"/>
+            </a:fontRef>
+          </p:style>
+        </p:cxnSp>
+        <p:cxnSp>
+          <p:nvCxnSpPr>
+            <p:cNvPr id="242" name="Straight Connector 241"/>
+            <p:cNvCxnSpPr/>
+            <p:nvPr/>
+          </p:nvCxnSpPr>
+          <p:spPr>
+            <a:xfrm flipV="1">
+              <a:off x="1919109" y="377952"/>
+              <a:ext cx="251067" cy="231648"/>
+            </a:xfrm>
+            <a:prstGeom prst="line">
+              <a:avLst/>
+            </a:prstGeom>
+          </p:spPr>
+          <p:style>
+            <a:lnRef idx="1">
+              <a:schemeClr val="accent1"/>
+            </a:lnRef>
+            <a:fillRef idx="0">
+              <a:schemeClr val="accent1"/>
+            </a:fillRef>
+            <a:effectRef idx="0">
+              <a:schemeClr val="accent1"/>
+            </a:effectRef>
+            <a:fontRef idx="minor">
+              <a:schemeClr val="tx1"/>
+            </a:fontRef>
+          </p:style>
+        </p:cxnSp>
+        <p:cxnSp>
+          <p:nvCxnSpPr>
+            <p:cNvPr id="243" name="Straight Connector 242"/>
+            <p:cNvCxnSpPr/>
+            <p:nvPr/>
+          </p:nvCxnSpPr>
+          <p:spPr>
+            <a:xfrm flipV="1">
+              <a:off x="2044642" y="377952"/>
+              <a:ext cx="251067" cy="231648"/>
+            </a:xfrm>
+            <a:prstGeom prst="line">
+              <a:avLst/>
+            </a:prstGeom>
+          </p:spPr>
+          <p:style>
+            <a:lnRef idx="1">
+              <a:schemeClr val="accent1"/>
+            </a:lnRef>
+            <a:fillRef idx="0">
+              <a:schemeClr val="accent1"/>
+            </a:fillRef>
+            <a:effectRef idx="0">
+              <a:schemeClr val="accent1"/>
+            </a:effectRef>
+            <a:fontRef idx="minor">
+              <a:schemeClr val="tx1"/>
+            </a:fontRef>
+          </p:style>
+        </p:cxnSp>
+        <p:cxnSp>
+          <p:nvCxnSpPr>
+            <p:cNvPr id="244" name="Straight Connector 243"/>
+            <p:cNvCxnSpPr/>
+            <p:nvPr/>
+          </p:nvCxnSpPr>
+          <p:spPr>
+            <a:xfrm flipV="1">
+              <a:off x="2182367" y="377952"/>
+              <a:ext cx="251067" cy="231648"/>
+            </a:xfrm>
+            <a:prstGeom prst="line">
+              <a:avLst/>
+            </a:prstGeom>
+          </p:spPr>
+          <p:style>
+            <a:lnRef idx="1">
+              <a:schemeClr val="accent1"/>
+            </a:lnRef>
+            <a:fillRef idx="0">
+              <a:schemeClr val="accent1"/>
+            </a:fillRef>
+            <a:effectRef idx="0">
+              <a:schemeClr val="accent1"/>
+            </a:effectRef>
+            <a:fontRef idx="minor">
+              <a:schemeClr val="tx1"/>
+            </a:fontRef>
+          </p:style>
+        </p:cxnSp>
+        <p:cxnSp>
+          <p:nvCxnSpPr>
+            <p:cNvPr id="245" name="Straight Connector 244"/>
+            <p:cNvCxnSpPr/>
+            <p:nvPr/>
+          </p:nvCxnSpPr>
+          <p:spPr>
+            <a:xfrm flipV="1">
+              <a:off x="2307900" y="377952"/>
+              <a:ext cx="251067" cy="231648"/>
+            </a:xfrm>
+            <a:prstGeom prst="line">
+              <a:avLst/>
+            </a:prstGeom>
+          </p:spPr>
+          <p:style>
+            <a:lnRef idx="1">
+              <a:schemeClr val="accent1"/>
+            </a:lnRef>
+            <a:fillRef idx="0">
+              <a:schemeClr val="accent1"/>
+            </a:fillRef>
+            <a:effectRef idx="0">
+              <a:schemeClr val="accent1"/>
+            </a:effectRef>
+            <a:fontRef idx="minor">
+              <a:schemeClr val="tx1"/>
+            </a:fontRef>
+          </p:style>
+        </p:cxnSp>
+        <p:cxnSp>
+          <p:nvCxnSpPr>
+            <p:cNvPr id="246" name="Straight Connector 245"/>
+            <p:cNvCxnSpPr/>
+            <p:nvPr/>
+          </p:nvCxnSpPr>
+          <p:spPr>
+            <a:xfrm flipV="1">
+              <a:off x="2428467" y="377952"/>
+              <a:ext cx="251067" cy="231648"/>
+            </a:xfrm>
+            <a:prstGeom prst="line">
+              <a:avLst/>
+            </a:prstGeom>
+          </p:spPr>
+          <p:style>
+            <a:lnRef idx="1">
+              <a:schemeClr val="accent1"/>
+            </a:lnRef>
+            <a:fillRef idx="0">
+              <a:schemeClr val="accent1"/>
+            </a:fillRef>
+            <a:effectRef idx="0">
+              <a:schemeClr val="accent1"/>
+            </a:effectRef>
+            <a:fontRef idx="minor">
+              <a:schemeClr val="tx1"/>
+            </a:fontRef>
+          </p:style>
+        </p:cxnSp>
+        <p:cxnSp>
+          <p:nvCxnSpPr>
+            <p:cNvPr id="247" name="Straight Connector 246"/>
+            <p:cNvCxnSpPr/>
+            <p:nvPr/>
+          </p:nvCxnSpPr>
+          <p:spPr>
+            <a:xfrm flipV="1">
+              <a:off x="2554000" y="377952"/>
+              <a:ext cx="251067" cy="231648"/>
+            </a:xfrm>
+            <a:prstGeom prst="line">
+              <a:avLst/>
+            </a:prstGeom>
+          </p:spPr>
+          <p:style>
+            <a:lnRef idx="1">
+              <a:schemeClr val="accent1"/>
+            </a:lnRef>
+            <a:fillRef idx="0">
+              <a:schemeClr val="accent1"/>
+            </a:fillRef>
+            <a:effectRef idx="0">
+              <a:schemeClr val="accent1"/>
+            </a:effectRef>
+            <a:fontRef idx="minor">
+              <a:schemeClr val="tx1"/>
+            </a:fontRef>
+          </p:style>
+        </p:cxnSp>
+        <p:cxnSp>
+          <p:nvCxnSpPr>
+            <p:cNvPr id="248" name="Straight Connector 247"/>
+            <p:cNvCxnSpPr/>
+            <p:nvPr/>
+          </p:nvCxnSpPr>
+          <p:spPr>
+            <a:xfrm flipV="1">
+              <a:off x="2691725" y="377952"/>
+              <a:ext cx="251067" cy="231648"/>
+            </a:xfrm>
+            <a:prstGeom prst="line">
+              <a:avLst/>
+            </a:prstGeom>
+          </p:spPr>
+          <p:style>
+            <a:lnRef idx="1">
+              <a:schemeClr val="accent1"/>
+            </a:lnRef>
+            <a:fillRef idx="0">
+              <a:schemeClr val="accent1"/>
+            </a:fillRef>
+            <a:effectRef idx="0">
+              <a:schemeClr val="accent1"/>
+            </a:effectRef>
+            <a:fontRef idx="minor">
+              <a:schemeClr val="tx1"/>
+            </a:fontRef>
+          </p:style>
+        </p:cxnSp>
+        <p:cxnSp>
+          <p:nvCxnSpPr>
+            <p:cNvPr id="249" name="Straight Connector 248"/>
+            <p:cNvCxnSpPr/>
+            <p:nvPr/>
+          </p:nvCxnSpPr>
+          <p:spPr>
+            <a:xfrm flipV="1">
+              <a:off x="2817258" y="377952"/>
+              <a:ext cx="251067" cy="231648"/>
+            </a:xfrm>
+            <a:prstGeom prst="line">
+              <a:avLst/>
+            </a:prstGeom>
+          </p:spPr>
+          <p:style>
+            <a:lnRef idx="1">
+              <a:schemeClr val="accent1"/>
+            </a:lnRef>
+            <a:fillRef idx="0">
+              <a:schemeClr val="accent1"/>
+            </a:fillRef>
+            <a:effectRef idx="0">
+              <a:schemeClr val="accent1"/>
+            </a:effectRef>
+            <a:fontRef idx="minor">
+              <a:schemeClr val="tx1"/>
+            </a:fontRef>
+          </p:style>
+        </p:cxnSp>
+        <p:cxnSp>
+          <p:nvCxnSpPr>
+            <p:cNvPr id="250" name="Straight Connector 249"/>
+            <p:cNvCxnSpPr/>
+            <p:nvPr/>
+          </p:nvCxnSpPr>
+          <p:spPr>
+            <a:xfrm flipV="1">
+              <a:off x="2916546" y="377952"/>
+              <a:ext cx="251067" cy="231648"/>
+            </a:xfrm>
+            <a:prstGeom prst="line">
+              <a:avLst/>
+            </a:prstGeom>
+          </p:spPr>
+          <p:style>
+            <a:lnRef idx="1">
+              <a:schemeClr val="accent1"/>
+            </a:lnRef>
+            <a:fillRef idx="0">
+              <a:schemeClr val="accent1"/>
+            </a:fillRef>
+            <a:effectRef idx="0">
+              <a:schemeClr val="accent1"/>
+            </a:effectRef>
+            <a:fontRef idx="minor">
+              <a:schemeClr val="tx1"/>
+            </a:fontRef>
+          </p:style>
+        </p:cxnSp>
+        <p:cxnSp>
+          <p:nvCxnSpPr>
+            <p:cNvPr id="251" name="Straight Connector 250"/>
+            <p:cNvCxnSpPr/>
+            <p:nvPr/>
+          </p:nvCxnSpPr>
+          <p:spPr>
+            <a:xfrm flipV="1">
+              <a:off x="3042079" y="377952"/>
+              <a:ext cx="251067" cy="231648"/>
+            </a:xfrm>
+            <a:prstGeom prst="line">
+              <a:avLst/>
+            </a:prstGeom>
+          </p:spPr>
+          <p:style>
+            <a:lnRef idx="1">
+              <a:schemeClr val="accent1"/>
+            </a:lnRef>
+            <a:fillRef idx="0">
+              <a:schemeClr val="accent1"/>
+            </a:fillRef>
+            <a:effectRef idx="0">
+              <a:schemeClr val="accent1"/>
+            </a:effectRef>
+            <a:fontRef idx="minor">
+              <a:schemeClr val="tx1"/>
+            </a:fontRef>
+          </p:style>
+        </p:cxnSp>
+        <p:cxnSp>
+          <p:nvCxnSpPr>
+            <p:cNvPr id="252" name="Straight Connector 251"/>
+            <p:cNvCxnSpPr/>
+            <p:nvPr/>
+          </p:nvCxnSpPr>
+          <p:spPr>
+            <a:xfrm flipV="1">
+              <a:off x="3179804" y="377952"/>
+              <a:ext cx="251067" cy="231648"/>
+            </a:xfrm>
+            <a:prstGeom prst="line">
+              <a:avLst/>
+            </a:prstGeom>
+          </p:spPr>
+          <p:style>
+            <a:lnRef idx="1">
+              <a:schemeClr val="accent1"/>
+            </a:lnRef>
+            <a:fillRef idx="0">
+              <a:schemeClr val="accent1"/>
+            </a:fillRef>
+            <a:effectRef idx="0">
+              <a:schemeClr val="accent1"/>
+            </a:effectRef>
+            <a:fontRef idx="minor">
+              <a:schemeClr val="tx1"/>
+            </a:fontRef>
+          </p:style>
+        </p:cxnSp>
+        <p:cxnSp>
+          <p:nvCxnSpPr>
+            <p:cNvPr id="253" name="Straight Connector 252"/>
+            <p:cNvCxnSpPr/>
+            <p:nvPr/>
+          </p:nvCxnSpPr>
+          <p:spPr>
+            <a:xfrm flipV="1">
+              <a:off x="3305337" y="377952"/>
+              <a:ext cx="251067" cy="231648"/>
+            </a:xfrm>
+            <a:prstGeom prst="line">
+              <a:avLst/>
+            </a:prstGeom>
+          </p:spPr>
+          <p:style>
+            <a:lnRef idx="1">
+              <a:schemeClr val="accent1"/>
+            </a:lnRef>
+            <a:fillRef idx="0">
+              <a:schemeClr val="accent1"/>
+            </a:fillRef>
+            <a:effectRef idx="0">
+              <a:schemeClr val="accent1"/>
+            </a:effectRef>
+            <a:fontRef idx="minor">
+              <a:schemeClr val="tx1"/>
+            </a:fontRef>
+          </p:style>
+        </p:cxnSp>
+        <p:cxnSp>
+          <p:nvCxnSpPr>
+            <p:cNvPr id="254" name="Straight Connector 253"/>
+            <p:cNvCxnSpPr/>
+            <p:nvPr/>
+          </p:nvCxnSpPr>
+          <p:spPr>
+            <a:xfrm flipV="1">
+              <a:off x="3425904" y="377952"/>
+              <a:ext cx="251067" cy="231648"/>
+            </a:xfrm>
+            <a:prstGeom prst="line">
+              <a:avLst/>
+            </a:prstGeom>
+          </p:spPr>
+          <p:style>
+            <a:lnRef idx="1">
+              <a:schemeClr val="accent1"/>
+            </a:lnRef>
+            <a:fillRef idx="0">
+              <a:schemeClr val="accent1"/>
+            </a:fillRef>
+            <a:effectRef idx="0">
+              <a:schemeClr val="accent1"/>
+            </a:effectRef>
+            <a:fontRef idx="minor">
+              <a:schemeClr val="tx1"/>
+            </a:fontRef>
+          </p:style>
+        </p:cxnSp>
+        <p:cxnSp>
+          <p:nvCxnSpPr>
+            <p:cNvPr id="255" name="Straight Connector 254"/>
+            <p:cNvCxnSpPr/>
+            <p:nvPr/>
+          </p:nvCxnSpPr>
+          <p:spPr>
+            <a:xfrm flipV="1">
+              <a:off x="3551437" y="377952"/>
+              <a:ext cx="251067" cy="231648"/>
+            </a:xfrm>
+            <a:prstGeom prst="line">
+              <a:avLst/>
+            </a:prstGeom>
+          </p:spPr>
+          <p:style>
+            <a:lnRef idx="1">
+              <a:schemeClr val="accent1"/>
+            </a:lnRef>
+            <a:fillRef idx="0">
+              <a:schemeClr val="accent1"/>
+            </a:fillRef>
+            <a:effectRef idx="0">
+              <a:schemeClr val="accent1"/>
+            </a:effectRef>
+            <a:fontRef idx="minor">
+              <a:schemeClr val="tx1"/>
+            </a:fontRef>
+          </p:style>
+        </p:cxnSp>
+        <p:cxnSp>
+          <p:nvCxnSpPr>
+            <p:cNvPr id="256" name="Straight Connector 255"/>
+            <p:cNvCxnSpPr/>
+            <p:nvPr/>
+          </p:nvCxnSpPr>
+          <p:spPr>
+            <a:xfrm flipV="1">
+              <a:off x="3689162" y="377952"/>
+              <a:ext cx="251067" cy="231648"/>
+            </a:xfrm>
+            <a:prstGeom prst="line">
+              <a:avLst/>
+            </a:prstGeom>
+          </p:spPr>
+          <p:style>
+            <a:lnRef idx="1">
+              <a:schemeClr val="accent1"/>
+            </a:lnRef>
+            <a:fillRef idx="0">
+              <a:schemeClr val="accent1"/>
+            </a:fillRef>
+            <a:effectRef idx="0">
+              <a:schemeClr val="accent1"/>
+            </a:effectRef>
+            <a:fontRef idx="minor">
+              <a:schemeClr val="tx1"/>
+            </a:fontRef>
+          </p:style>
+        </p:cxnSp>
+        <p:cxnSp>
+          <p:nvCxnSpPr>
+            <p:cNvPr id="257" name="Straight Connector 256"/>
+            <p:cNvCxnSpPr/>
+            <p:nvPr/>
+          </p:nvCxnSpPr>
+          <p:spPr>
+            <a:xfrm flipV="1">
+              <a:off x="3814695" y="377952"/>
+              <a:ext cx="251067" cy="231648"/>
+            </a:xfrm>
+            <a:prstGeom prst="line">
+              <a:avLst/>
+            </a:prstGeom>
+          </p:spPr>
+          <p:style>
+            <a:lnRef idx="1">
+              <a:schemeClr val="accent1"/>
+            </a:lnRef>
+            <a:fillRef idx="0">
+              <a:schemeClr val="accent1"/>
+            </a:fillRef>
+            <a:effectRef idx="0">
+              <a:schemeClr val="accent1"/>
+            </a:effectRef>
+            <a:fontRef idx="minor">
+              <a:schemeClr val="tx1"/>
+            </a:fontRef>
+          </p:style>
+        </p:cxnSp>
+        <p:cxnSp>
+          <p:nvCxnSpPr>
+            <p:cNvPr id="258" name="Straight Connector 257"/>
+            <p:cNvCxnSpPr/>
+            <p:nvPr/>
+          </p:nvCxnSpPr>
+          <p:spPr>
+            <a:xfrm flipV="1">
+              <a:off x="3977344" y="377952"/>
+              <a:ext cx="251067" cy="231648"/>
+            </a:xfrm>
+            <a:prstGeom prst="line">
+              <a:avLst/>
+            </a:prstGeom>
+          </p:spPr>
+          <p:style>
+            <a:lnRef idx="1">
+              <a:schemeClr val="accent1"/>
+            </a:lnRef>
+            <a:fillRef idx="0">
+              <a:schemeClr val="accent1"/>
+            </a:fillRef>
+            <a:effectRef idx="0">
+              <a:schemeClr val="accent1"/>
+            </a:effectRef>
+            <a:fontRef idx="minor">
+              <a:schemeClr val="tx1"/>
+            </a:fontRef>
+          </p:style>
+        </p:cxnSp>
+        <p:cxnSp>
+          <p:nvCxnSpPr>
+            <p:cNvPr id="259" name="Straight Connector 258"/>
+            <p:cNvCxnSpPr/>
+            <p:nvPr/>
+          </p:nvCxnSpPr>
+          <p:spPr>
+            <a:xfrm flipV="1">
+              <a:off x="4102877" y="377952"/>
+              <a:ext cx="251067" cy="231648"/>
+            </a:xfrm>
+            <a:prstGeom prst="line">
+              <a:avLst/>
+            </a:prstGeom>
+          </p:spPr>
+          <p:style>
+            <a:lnRef idx="1">
+              <a:schemeClr val="accent1"/>
+            </a:lnRef>
+            <a:fillRef idx="0">
+              <a:schemeClr val="accent1"/>
+            </a:fillRef>
+            <a:effectRef idx="0">
+              <a:schemeClr val="accent1"/>
+            </a:effectRef>
+            <a:fontRef idx="minor">
+              <a:schemeClr val="tx1"/>
+            </a:fontRef>
+          </p:style>
+        </p:cxnSp>
+        <p:cxnSp>
+          <p:nvCxnSpPr>
+            <p:cNvPr id="260" name="Straight Connector 259"/>
+            <p:cNvCxnSpPr/>
+            <p:nvPr/>
+          </p:nvCxnSpPr>
+          <p:spPr>
+            <a:xfrm flipV="1">
+              <a:off x="4240602" y="377952"/>
+              <a:ext cx="251067" cy="231648"/>
+            </a:xfrm>
+            <a:prstGeom prst="line">
+              <a:avLst/>
+            </a:prstGeom>
+          </p:spPr>
+          <p:style>
+            <a:lnRef idx="1">
+              <a:schemeClr val="accent1"/>
+            </a:lnRef>
+            <a:fillRef idx="0">
+              <a:schemeClr val="accent1"/>
+            </a:fillRef>
+            <a:effectRef idx="0">
+              <a:schemeClr val="accent1"/>
+            </a:effectRef>
+            <a:fontRef idx="minor">
+              <a:schemeClr val="tx1"/>
+            </a:fontRef>
+          </p:style>
+        </p:cxnSp>
+        <p:cxnSp>
+          <p:nvCxnSpPr>
+            <p:cNvPr id="261" name="Straight Connector 260"/>
+            <p:cNvCxnSpPr/>
+            <p:nvPr/>
+          </p:nvCxnSpPr>
+          <p:spPr>
+            <a:xfrm flipV="1">
+              <a:off x="4366135" y="377952"/>
+              <a:ext cx="251067" cy="231648"/>
+            </a:xfrm>
+            <a:prstGeom prst="line">
+              <a:avLst/>
+            </a:prstGeom>
+          </p:spPr>
+          <p:style>
+            <a:lnRef idx="1">
+              <a:schemeClr val="accent1"/>
+            </a:lnRef>
+            <a:fillRef idx="0">
+              <a:schemeClr val="accent1"/>
+            </a:fillRef>
+            <a:effectRef idx="0">
+              <a:schemeClr val="accent1"/>
+            </a:effectRef>
+            <a:fontRef idx="minor">
+              <a:schemeClr val="tx1"/>
+            </a:fontRef>
+          </p:style>
+        </p:cxnSp>
+        <p:cxnSp>
+          <p:nvCxnSpPr>
+            <p:cNvPr id="262" name="Straight Connector 261"/>
+            <p:cNvCxnSpPr/>
+            <p:nvPr/>
+          </p:nvCxnSpPr>
+          <p:spPr>
+            <a:xfrm flipV="1">
+              <a:off x="4486702" y="377952"/>
+              <a:ext cx="251067" cy="231648"/>
+            </a:xfrm>
+            <a:prstGeom prst="line">
+              <a:avLst/>
+            </a:prstGeom>
+          </p:spPr>
+          <p:style>
+            <a:lnRef idx="1">
+              <a:schemeClr val="accent1"/>
+            </a:lnRef>
+            <a:fillRef idx="0">
+              <a:schemeClr val="accent1"/>
+            </a:fillRef>
+            <a:effectRef idx="0">
+              <a:schemeClr val="accent1"/>
+            </a:effectRef>
+            <a:fontRef idx="minor">
+              <a:schemeClr val="tx1"/>
+            </a:fontRef>
+          </p:style>
+        </p:cxnSp>
+        <p:cxnSp>
+          <p:nvCxnSpPr>
+            <p:cNvPr id="263" name="Straight Connector 262"/>
+            <p:cNvCxnSpPr/>
+            <p:nvPr/>
+          </p:nvCxnSpPr>
+          <p:spPr>
+            <a:xfrm flipV="1">
+              <a:off x="4612235" y="377952"/>
+              <a:ext cx="251067" cy="231648"/>
+            </a:xfrm>
+            <a:prstGeom prst="line">
+              <a:avLst/>
+            </a:prstGeom>
+          </p:spPr>
+          <p:style>
+            <a:lnRef idx="1">
+              <a:schemeClr val="accent1"/>
+            </a:lnRef>
+            <a:fillRef idx="0">
+              <a:schemeClr val="accent1"/>
+            </a:fillRef>
+            <a:effectRef idx="0">
+              <a:schemeClr val="accent1"/>
+            </a:effectRef>
+            <a:fontRef idx="minor">
+              <a:schemeClr val="tx1"/>
+            </a:fontRef>
+          </p:style>
+        </p:cxnSp>
+        <p:cxnSp>
+          <p:nvCxnSpPr>
+            <p:cNvPr id="264" name="Straight Connector 263"/>
+            <p:cNvCxnSpPr/>
+            <p:nvPr/>
+          </p:nvCxnSpPr>
+          <p:spPr>
+            <a:xfrm flipV="1">
+              <a:off x="4749960" y="377952"/>
+              <a:ext cx="251067" cy="231648"/>
+            </a:xfrm>
+            <a:prstGeom prst="line">
+              <a:avLst/>
+            </a:prstGeom>
+          </p:spPr>
+          <p:style>
+            <a:lnRef idx="1">
+              <a:schemeClr val="accent1"/>
+            </a:lnRef>
+            <a:fillRef idx="0">
+              <a:schemeClr val="accent1"/>
+            </a:fillRef>
+            <a:effectRef idx="0">
+              <a:schemeClr val="accent1"/>
+            </a:effectRef>
+            <a:fontRef idx="minor">
+              <a:schemeClr val="tx1"/>
+            </a:fontRef>
+          </p:style>
+        </p:cxnSp>
+        <p:cxnSp>
+          <p:nvCxnSpPr>
+            <p:cNvPr id="265" name="Straight Connector 264"/>
+            <p:cNvCxnSpPr/>
+            <p:nvPr/>
+          </p:nvCxnSpPr>
+          <p:spPr>
+            <a:xfrm flipV="1">
+              <a:off x="4875493" y="377952"/>
+              <a:ext cx="251067" cy="231648"/>
+            </a:xfrm>
+            <a:prstGeom prst="line">
+              <a:avLst/>
+            </a:prstGeom>
+          </p:spPr>
+          <p:style>
+            <a:lnRef idx="1">
+              <a:schemeClr val="accent1"/>
+            </a:lnRef>
+            <a:fillRef idx="0">
+              <a:schemeClr val="accent1"/>
+            </a:fillRef>
+            <a:effectRef idx="0">
+              <a:schemeClr val="accent1"/>
+            </a:effectRef>
+            <a:fontRef idx="minor">
+              <a:schemeClr val="tx1"/>
+            </a:fontRef>
+          </p:style>
+        </p:cxnSp>
+        <p:cxnSp>
+          <p:nvCxnSpPr>
+            <p:cNvPr id="266" name="Straight Connector 265"/>
+            <p:cNvCxnSpPr/>
+            <p:nvPr/>
+          </p:nvCxnSpPr>
+          <p:spPr>
+            <a:xfrm flipV="1">
+              <a:off x="4974781" y="377952"/>
+              <a:ext cx="251067" cy="231648"/>
+            </a:xfrm>
+            <a:prstGeom prst="line">
+              <a:avLst/>
+            </a:prstGeom>
+          </p:spPr>
+          <p:style>
+            <a:lnRef idx="1">
+              <a:schemeClr val="accent1"/>
+            </a:lnRef>
+            <a:fillRef idx="0">
+              <a:schemeClr val="accent1"/>
+            </a:fillRef>
+            <a:effectRef idx="0">
+              <a:schemeClr val="accent1"/>
+            </a:effectRef>
+            <a:fontRef idx="minor">
+              <a:schemeClr val="tx1"/>
+            </a:fontRef>
+          </p:style>
+        </p:cxnSp>
+        <p:cxnSp>
+          <p:nvCxnSpPr>
+            <p:cNvPr id="267" name="Straight Connector 266"/>
+            <p:cNvCxnSpPr/>
+            <p:nvPr/>
+          </p:nvCxnSpPr>
+          <p:spPr>
+            <a:xfrm flipV="1">
+              <a:off x="5100314" y="377952"/>
+              <a:ext cx="251067" cy="231648"/>
+            </a:xfrm>
+            <a:prstGeom prst="line">
+              <a:avLst/>
+            </a:prstGeom>
+          </p:spPr>
+          <p:style>
+            <a:lnRef idx="1">
+              <a:schemeClr val="accent1"/>
+            </a:lnRef>
+            <a:fillRef idx="0">
+              <a:schemeClr val="accent1"/>
+            </a:fillRef>
+            <a:effectRef idx="0">
+              <a:schemeClr val="accent1"/>
+            </a:effectRef>
+            <a:fontRef idx="minor">
+              <a:schemeClr val="tx1"/>
+            </a:fontRef>
+          </p:style>
+        </p:cxnSp>
+        <p:cxnSp>
+          <p:nvCxnSpPr>
+            <p:cNvPr id="268" name="Straight Connector 267"/>
+            <p:cNvCxnSpPr/>
+            <p:nvPr/>
+          </p:nvCxnSpPr>
+          <p:spPr>
+            <a:xfrm flipV="1">
+              <a:off x="5238039" y="377952"/>
+              <a:ext cx="251067" cy="231648"/>
+            </a:xfrm>
+            <a:prstGeom prst="line">
+              <a:avLst/>
+            </a:prstGeom>
+          </p:spPr>
+          <p:style>
+            <a:lnRef idx="1">
+              <a:schemeClr val="accent1"/>
+            </a:lnRef>
+            <a:fillRef idx="0">
+              <a:schemeClr val="accent1"/>
+            </a:fillRef>
+            <a:effectRef idx="0">
+              <a:schemeClr val="accent1"/>
+            </a:effectRef>
+            <a:fontRef idx="minor">
+              <a:schemeClr val="tx1"/>
+            </a:fontRef>
+          </p:style>
+        </p:cxnSp>
+        <p:cxnSp>
+          <p:nvCxnSpPr>
+            <p:cNvPr id="269" name="Straight Connector 268"/>
+            <p:cNvCxnSpPr/>
+            <p:nvPr/>
+          </p:nvCxnSpPr>
+          <p:spPr>
+            <a:xfrm flipV="1">
+              <a:off x="5363572" y="377952"/>
+              <a:ext cx="251067" cy="231648"/>
+            </a:xfrm>
+            <a:prstGeom prst="line">
+              <a:avLst/>
+            </a:prstGeom>
+          </p:spPr>
+          <p:style>
+            <a:lnRef idx="1">
+              <a:schemeClr val="accent1"/>
+            </a:lnRef>
+            <a:fillRef idx="0">
+              <a:schemeClr val="accent1"/>
+            </a:fillRef>
+            <a:effectRef idx="0">
+              <a:schemeClr val="accent1"/>
+            </a:effectRef>
+            <a:fontRef idx="minor">
+              <a:schemeClr val="tx1"/>
+            </a:fontRef>
+          </p:style>
+        </p:cxnSp>
+        <p:cxnSp>
+          <p:nvCxnSpPr>
+            <p:cNvPr id="270" name="Straight Connector 269"/>
+            <p:cNvCxnSpPr/>
+            <p:nvPr/>
+          </p:nvCxnSpPr>
+          <p:spPr>
+            <a:xfrm flipV="1">
+              <a:off x="5484139" y="377952"/>
+              <a:ext cx="251067" cy="231648"/>
+            </a:xfrm>
+            <a:prstGeom prst="line">
+              <a:avLst/>
+            </a:prstGeom>
+          </p:spPr>
+          <p:style>
+            <a:lnRef idx="1">
+              <a:schemeClr val="accent1"/>
+            </a:lnRef>
+            <a:fillRef idx="0">
+              <a:schemeClr val="accent1"/>
+            </a:fillRef>
+            <a:effectRef idx="0">
+              <a:schemeClr val="accent1"/>
+            </a:effectRef>
+            <a:fontRef idx="minor">
+              <a:schemeClr val="tx1"/>
+            </a:fontRef>
+          </p:style>
+        </p:cxnSp>
+        <p:cxnSp>
+          <p:nvCxnSpPr>
+            <p:cNvPr id="271" name="Straight Connector 270"/>
+            <p:cNvCxnSpPr/>
+            <p:nvPr/>
+          </p:nvCxnSpPr>
+          <p:spPr>
+            <a:xfrm flipV="1">
+              <a:off x="5609672" y="377952"/>
+              <a:ext cx="251067" cy="231648"/>
+            </a:xfrm>
+            <a:prstGeom prst="line">
+              <a:avLst/>
+            </a:prstGeom>
+          </p:spPr>
+          <p:style>
+            <a:lnRef idx="1">
+              <a:schemeClr val="accent1"/>
+            </a:lnRef>
+            <a:fillRef idx="0">
+              <a:schemeClr val="accent1"/>
+            </a:fillRef>
+            <a:effectRef idx="0">
+              <a:schemeClr val="accent1"/>
+            </a:effectRef>
+            <a:fontRef idx="minor">
+              <a:schemeClr val="tx1"/>
+            </a:fontRef>
+          </p:style>
+        </p:cxnSp>
+        <p:cxnSp>
+          <p:nvCxnSpPr>
+            <p:cNvPr id="272" name="Straight Connector 271"/>
+            <p:cNvCxnSpPr/>
+            <p:nvPr/>
+          </p:nvCxnSpPr>
+          <p:spPr>
+            <a:xfrm flipV="1">
+              <a:off x="5747397" y="377952"/>
+              <a:ext cx="251067" cy="231648"/>
+            </a:xfrm>
+            <a:prstGeom prst="line">
+              <a:avLst/>
+            </a:prstGeom>
+          </p:spPr>
+          <p:style>
+            <a:lnRef idx="1">
+              <a:schemeClr val="accent1"/>
+            </a:lnRef>
+            <a:fillRef idx="0">
+              <a:schemeClr val="accent1"/>
+            </a:fillRef>
+            <a:effectRef idx="0">
+              <a:schemeClr val="accent1"/>
+            </a:effectRef>
+            <a:fontRef idx="minor">
+              <a:schemeClr val="tx1"/>
+            </a:fontRef>
+          </p:style>
+        </p:cxnSp>
+        <p:cxnSp>
+          <p:nvCxnSpPr>
+            <p:cNvPr id="273" name="Straight Connector 272"/>
+            <p:cNvCxnSpPr/>
+            <p:nvPr/>
+          </p:nvCxnSpPr>
+          <p:spPr>
+            <a:xfrm flipV="1">
+              <a:off x="5872930" y="377952"/>
+              <a:ext cx="251067" cy="231648"/>
+            </a:xfrm>
+            <a:prstGeom prst="line">
+              <a:avLst/>
+            </a:prstGeom>
+          </p:spPr>
+          <p:style>
+            <a:lnRef idx="1">
+              <a:schemeClr val="accent1"/>
+            </a:lnRef>
+            <a:fillRef idx="0">
+              <a:schemeClr val="accent1"/>
+            </a:fillRef>
+            <a:effectRef idx="0">
+              <a:schemeClr val="accent1"/>
+            </a:effectRef>
+            <a:fontRef idx="minor">
+              <a:schemeClr val="tx1"/>
+            </a:fontRef>
+          </p:style>
+        </p:cxnSp>
+        <p:cxnSp>
+          <p:nvCxnSpPr>
+            <p:cNvPr id="274" name="Straight Connector 273"/>
+            <p:cNvCxnSpPr/>
+            <p:nvPr/>
+          </p:nvCxnSpPr>
+          <p:spPr>
+            <a:xfrm flipV="1">
+              <a:off x="5998463" y="377952"/>
+              <a:ext cx="251067" cy="231648"/>
+            </a:xfrm>
+            <a:prstGeom prst="line">
+              <a:avLst/>
+            </a:prstGeom>
+          </p:spPr>
+          <p:style>
+            <a:lnRef idx="1">
+              <a:schemeClr val="accent1"/>
+            </a:lnRef>
+            <a:fillRef idx="0">
+              <a:schemeClr val="accent1"/>
+            </a:fillRef>
+            <a:effectRef idx="0">
+              <a:schemeClr val="accent1"/>
+            </a:effectRef>
+            <a:fontRef idx="minor">
+              <a:schemeClr val="tx1"/>
+            </a:fontRef>
+          </p:style>
+        </p:cxnSp>
+        <p:cxnSp>
+          <p:nvCxnSpPr>
+            <p:cNvPr id="275" name="Straight Connector 274"/>
+            <p:cNvCxnSpPr/>
+            <p:nvPr/>
+          </p:nvCxnSpPr>
+          <p:spPr>
+            <a:xfrm flipV="1">
+              <a:off x="6123996" y="377952"/>
+              <a:ext cx="251067" cy="231648"/>
+            </a:xfrm>
+            <a:prstGeom prst="line">
+              <a:avLst/>
+            </a:prstGeom>
+          </p:spPr>
+          <p:style>
+            <a:lnRef idx="1">
+              <a:schemeClr val="accent1"/>
+            </a:lnRef>
+            <a:fillRef idx="0">
+              <a:schemeClr val="accent1"/>
+            </a:fillRef>
+            <a:effectRef idx="0">
+              <a:schemeClr val="accent1"/>
+            </a:effectRef>
+            <a:fontRef idx="minor">
+              <a:schemeClr val="tx1"/>
+            </a:fontRef>
+          </p:style>
+        </p:cxnSp>
+        <p:cxnSp>
+          <p:nvCxnSpPr>
+            <p:cNvPr id="276" name="Straight Connector 275"/>
+            <p:cNvCxnSpPr/>
+            <p:nvPr/>
+          </p:nvCxnSpPr>
+          <p:spPr>
+            <a:xfrm flipV="1">
+              <a:off x="6261721" y="377952"/>
+              <a:ext cx="251067" cy="231648"/>
+            </a:xfrm>
+            <a:prstGeom prst="line">
+              <a:avLst/>
+            </a:prstGeom>
+          </p:spPr>
+          <p:style>
+            <a:lnRef idx="1">
+              <a:schemeClr val="accent1"/>
+            </a:lnRef>
+            <a:fillRef idx="0">
+              <a:schemeClr val="accent1"/>
+            </a:fillRef>
+            <a:effectRef idx="0">
+              <a:schemeClr val="accent1"/>
+            </a:effectRef>
+            <a:fontRef idx="minor">
+              <a:schemeClr val="tx1"/>
+            </a:fontRef>
+          </p:style>
+        </p:cxnSp>
+        <p:cxnSp>
+          <p:nvCxnSpPr>
+            <p:cNvPr id="277" name="Straight Connector 276"/>
+            <p:cNvCxnSpPr/>
+            <p:nvPr/>
+          </p:nvCxnSpPr>
+          <p:spPr>
+            <a:xfrm flipV="1">
+              <a:off x="6387254" y="377952"/>
+              <a:ext cx="251067" cy="231648"/>
+            </a:xfrm>
+            <a:prstGeom prst="line">
+              <a:avLst/>
+            </a:prstGeom>
+          </p:spPr>
+          <p:style>
+            <a:lnRef idx="1">
+              <a:schemeClr val="accent1"/>
+            </a:lnRef>
+            <a:fillRef idx="0">
+              <a:schemeClr val="accent1"/>
+            </a:fillRef>
+            <a:effectRef idx="0">
+              <a:schemeClr val="accent1"/>
+            </a:effectRef>
+            <a:fontRef idx="minor">
+              <a:schemeClr val="tx1"/>
+            </a:fontRef>
+          </p:style>
+        </p:cxnSp>
+        <p:cxnSp>
+          <p:nvCxnSpPr>
+            <p:cNvPr id="278" name="Straight Connector 277"/>
+            <p:cNvCxnSpPr/>
+            <p:nvPr/>
+          </p:nvCxnSpPr>
+          <p:spPr>
+            <a:xfrm flipV="1">
+              <a:off x="6507821" y="377952"/>
+              <a:ext cx="251067" cy="231648"/>
+            </a:xfrm>
+            <a:prstGeom prst="line">
+              <a:avLst/>
+            </a:prstGeom>
+          </p:spPr>
+          <p:style>
+            <a:lnRef idx="1">
+              <a:schemeClr val="accent1"/>
+            </a:lnRef>
+            <a:fillRef idx="0">
+              <a:schemeClr val="accent1"/>
+            </a:fillRef>
+            <a:effectRef idx="0">
+              <a:schemeClr val="accent1"/>
+            </a:effectRef>
+            <a:fontRef idx="minor">
+              <a:schemeClr val="tx1"/>
+            </a:fontRef>
+          </p:style>
+        </p:cxnSp>
+        <p:cxnSp>
+          <p:nvCxnSpPr>
+            <p:cNvPr id="279" name="Straight Connector 278"/>
+            <p:cNvCxnSpPr/>
+            <p:nvPr/>
+          </p:nvCxnSpPr>
+          <p:spPr>
+            <a:xfrm flipV="1">
+              <a:off x="6633354" y="377952"/>
+              <a:ext cx="251067" cy="231648"/>
+            </a:xfrm>
+            <a:prstGeom prst="line">
+              <a:avLst/>
+            </a:prstGeom>
+          </p:spPr>
+          <p:style>
+            <a:lnRef idx="1">
+              <a:schemeClr val="accent1"/>
+            </a:lnRef>
+            <a:fillRef idx="0">
+              <a:schemeClr val="accent1"/>
+            </a:fillRef>
+            <a:effectRef idx="0">
+              <a:schemeClr val="accent1"/>
+            </a:effectRef>
+            <a:fontRef idx="minor">
+              <a:schemeClr val="tx1"/>
+            </a:fontRef>
+          </p:style>
+        </p:cxnSp>
+        <p:cxnSp>
+          <p:nvCxnSpPr>
+            <p:cNvPr id="280" name="Straight Connector 279"/>
+            <p:cNvCxnSpPr/>
+            <p:nvPr/>
+          </p:nvCxnSpPr>
+          <p:spPr>
+            <a:xfrm flipV="1">
+              <a:off x="6771079" y="377952"/>
+              <a:ext cx="251067" cy="231648"/>
+            </a:xfrm>
+            <a:prstGeom prst="line">
+              <a:avLst/>
+            </a:prstGeom>
+          </p:spPr>
+          <p:style>
+            <a:lnRef idx="1">
+              <a:schemeClr val="accent1"/>
+            </a:lnRef>
+            <a:fillRef idx="0">
+              <a:schemeClr val="accent1"/>
+            </a:fillRef>
+            <a:effectRef idx="0">
+              <a:schemeClr val="accent1"/>
+            </a:effectRef>
+            <a:fontRef idx="minor">
+              <a:schemeClr val="tx1"/>
+            </a:fontRef>
+          </p:style>
+        </p:cxnSp>
+        <p:cxnSp>
+          <p:nvCxnSpPr>
+            <p:cNvPr id="281" name="Straight Connector 280"/>
+            <p:cNvCxnSpPr/>
+            <p:nvPr/>
+          </p:nvCxnSpPr>
+          <p:spPr>
+            <a:xfrm flipV="1">
+              <a:off x="6896612" y="377952"/>
+              <a:ext cx="251067" cy="231648"/>
+            </a:xfrm>
+            <a:prstGeom prst="line">
+              <a:avLst/>
+            </a:prstGeom>
+          </p:spPr>
+          <p:style>
+            <a:lnRef idx="1">
+              <a:schemeClr val="accent1"/>
+            </a:lnRef>
+            <a:fillRef idx="0">
+              <a:schemeClr val="accent1"/>
+            </a:fillRef>
+            <a:effectRef idx="0">
+              <a:schemeClr val="accent1"/>
+            </a:effectRef>
+            <a:fontRef idx="minor">
+              <a:schemeClr val="tx1"/>
+            </a:fontRef>
+          </p:style>
+        </p:cxnSp>
+        <p:cxnSp>
+          <p:nvCxnSpPr>
+            <p:cNvPr id="282" name="Straight Connector 281"/>
+            <p:cNvCxnSpPr/>
+            <p:nvPr/>
+          </p:nvCxnSpPr>
+          <p:spPr>
+            <a:xfrm flipV="1">
+              <a:off x="6995900" y="377952"/>
+              <a:ext cx="251067" cy="231648"/>
+            </a:xfrm>
+            <a:prstGeom prst="line">
+              <a:avLst/>
+            </a:prstGeom>
+          </p:spPr>
+          <p:style>
+            <a:lnRef idx="1">
+              <a:schemeClr val="accent1"/>
+            </a:lnRef>
+            <a:fillRef idx="0">
+              <a:schemeClr val="accent1"/>
+            </a:fillRef>
+            <a:effectRef idx="0">
+              <a:schemeClr val="accent1"/>
+            </a:effectRef>
+            <a:fontRef idx="minor">
+              <a:schemeClr val="tx1"/>
+            </a:fontRef>
+          </p:style>
+        </p:cxnSp>
+        <p:cxnSp>
+          <p:nvCxnSpPr>
+            <p:cNvPr id="283" name="Straight Connector 282"/>
+            <p:cNvCxnSpPr/>
+            <p:nvPr/>
+          </p:nvCxnSpPr>
+          <p:spPr>
+            <a:xfrm flipV="1">
+              <a:off x="7121433" y="377952"/>
+              <a:ext cx="251067" cy="231648"/>
+            </a:xfrm>
+            <a:prstGeom prst="line">
+              <a:avLst/>
+            </a:prstGeom>
+          </p:spPr>
+          <p:style>
+            <a:lnRef idx="1">
+              <a:schemeClr val="accent1"/>
+            </a:lnRef>
+            <a:fillRef idx="0">
+              <a:schemeClr val="accent1"/>
+            </a:fillRef>
+            <a:effectRef idx="0">
+              <a:schemeClr val="accent1"/>
+            </a:effectRef>
+            <a:fontRef idx="minor">
+              <a:schemeClr val="tx1"/>
+            </a:fontRef>
+          </p:style>
+        </p:cxnSp>
+        <p:cxnSp>
+          <p:nvCxnSpPr>
+            <p:cNvPr id="284" name="Straight Connector 283"/>
+            <p:cNvCxnSpPr/>
+            <p:nvPr/>
+          </p:nvCxnSpPr>
+          <p:spPr>
+            <a:xfrm flipV="1">
+              <a:off x="7259158" y="377952"/>
+              <a:ext cx="251067" cy="231648"/>
+            </a:xfrm>
+            <a:prstGeom prst="line">
+              <a:avLst/>
+            </a:prstGeom>
+          </p:spPr>
+          <p:style>
+            <a:lnRef idx="1">
+              <a:schemeClr val="accent1"/>
+            </a:lnRef>
+            <a:fillRef idx="0">
+              <a:schemeClr val="accent1"/>
+            </a:fillRef>
+            <a:effectRef idx="0">
+              <a:schemeClr val="accent1"/>
+            </a:effectRef>
+            <a:fontRef idx="minor">
+              <a:schemeClr val="tx1"/>
+            </a:fontRef>
+          </p:style>
+        </p:cxnSp>
+        <p:cxnSp>
+          <p:nvCxnSpPr>
+            <p:cNvPr id="285" name="Straight Connector 284"/>
+            <p:cNvCxnSpPr/>
+            <p:nvPr/>
+          </p:nvCxnSpPr>
+          <p:spPr>
+            <a:xfrm flipV="1">
+              <a:off x="7384691" y="377952"/>
+              <a:ext cx="251067" cy="231648"/>
+            </a:xfrm>
+            <a:prstGeom prst="line">
+              <a:avLst/>
+            </a:prstGeom>
+          </p:spPr>
+          <p:style>
+            <a:lnRef idx="1">
+              <a:schemeClr val="accent1"/>
+            </a:lnRef>
+            <a:fillRef idx="0">
+              <a:schemeClr val="accent1"/>
+            </a:fillRef>
+            <a:effectRef idx="0">
+              <a:schemeClr val="accent1"/>
+            </a:effectRef>
+            <a:fontRef idx="minor">
+              <a:schemeClr val="tx1"/>
+            </a:fontRef>
+          </p:style>
+        </p:cxnSp>
+        <p:cxnSp>
+          <p:nvCxnSpPr>
+            <p:cNvPr id="286" name="Straight Connector 285"/>
+            <p:cNvCxnSpPr/>
+            <p:nvPr/>
+          </p:nvCxnSpPr>
+          <p:spPr>
+            <a:xfrm flipV="1">
+              <a:off x="7505258" y="377952"/>
+              <a:ext cx="251067" cy="231648"/>
+            </a:xfrm>
+            <a:prstGeom prst="line">
+              <a:avLst/>
+            </a:prstGeom>
+          </p:spPr>
+          <p:style>
+            <a:lnRef idx="1">
+              <a:schemeClr val="accent1"/>
+            </a:lnRef>
+            <a:fillRef idx="0">
+              <a:schemeClr val="accent1"/>
+            </a:fillRef>
+            <a:effectRef idx="0">
+              <a:schemeClr val="accent1"/>
+            </a:effectRef>
+            <a:fontRef idx="minor">
+              <a:schemeClr val="tx1"/>
+            </a:fontRef>
+          </p:style>
+        </p:cxnSp>
+        <p:cxnSp>
+          <p:nvCxnSpPr>
+            <p:cNvPr id="287" name="Straight Connector 286"/>
+            <p:cNvCxnSpPr/>
+            <p:nvPr/>
+          </p:nvCxnSpPr>
+          <p:spPr>
+            <a:xfrm flipV="1">
+              <a:off x="7630791" y="377952"/>
+              <a:ext cx="251067" cy="231648"/>
+            </a:xfrm>
+            <a:prstGeom prst="line">
+              <a:avLst/>
+            </a:prstGeom>
+          </p:spPr>
+          <p:style>
+            <a:lnRef idx="1">
+              <a:schemeClr val="accent1"/>
+            </a:lnRef>
+            <a:fillRef idx="0">
+              <a:schemeClr val="accent1"/>
+            </a:fillRef>
+            <a:effectRef idx="0">
+              <a:schemeClr val="accent1"/>
+            </a:effectRef>
+            <a:fontRef idx="minor">
+              <a:schemeClr val="tx1"/>
+            </a:fontRef>
+          </p:style>
+        </p:cxnSp>
+        <p:cxnSp>
+          <p:nvCxnSpPr>
+            <p:cNvPr id="288" name="Straight Connector 287"/>
+            <p:cNvCxnSpPr/>
+            <p:nvPr/>
+          </p:nvCxnSpPr>
+          <p:spPr>
+            <a:xfrm flipV="1">
+              <a:off x="7768516" y="377952"/>
+              <a:ext cx="251067" cy="231648"/>
+            </a:xfrm>
+            <a:prstGeom prst="line">
+              <a:avLst/>
+            </a:prstGeom>
+          </p:spPr>
+          <p:style>
+            <a:lnRef idx="1">
+              <a:schemeClr val="accent1"/>
+            </a:lnRef>
+            <a:fillRef idx="0">
+              <a:schemeClr val="accent1"/>
+            </a:fillRef>
+            <a:effectRef idx="0">
+              <a:schemeClr val="accent1"/>
+            </a:effectRef>
+            <a:fontRef idx="minor">
+              <a:schemeClr val="tx1"/>
+            </a:fontRef>
+          </p:style>
+        </p:cxnSp>
+        <p:cxnSp>
+          <p:nvCxnSpPr>
+            <p:cNvPr id="289" name="Straight Connector 288"/>
+            <p:cNvCxnSpPr/>
+            <p:nvPr/>
+          </p:nvCxnSpPr>
+          <p:spPr>
+            <a:xfrm flipV="1">
+              <a:off x="7894049" y="377952"/>
+              <a:ext cx="251067" cy="231648"/>
+            </a:xfrm>
+            <a:prstGeom prst="line">
+              <a:avLst/>
+            </a:prstGeom>
+          </p:spPr>
+          <p:style>
+            <a:lnRef idx="1">
+              <a:schemeClr val="accent1"/>
+            </a:lnRef>
+            <a:fillRef idx="0">
+              <a:schemeClr val="accent1"/>
+            </a:fillRef>
+            <a:effectRef idx="0">
+              <a:schemeClr val="accent1"/>
+            </a:effectRef>
+            <a:fontRef idx="minor">
+              <a:schemeClr val="tx1"/>
+            </a:fontRef>
+          </p:style>
+        </p:cxnSp>
+        <p:cxnSp>
+          <p:nvCxnSpPr>
+            <p:cNvPr id="290" name="Straight Connector 289"/>
+            <p:cNvCxnSpPr/>
+            <p:nvPr/>
+          </p:nvCxnSpPr>
+          <p:spPr>
+            <a:xfrm flipV="1">
+              <a:off x="8056698" y="377952"/>
+              <a:ext cx="251067" cy="231648"/>
+            </a:xfrm>
+            <a:prstGeom prst="line">
+              <a:avLst/>
+            </a:prstGeom>
+          </p:spPr>
+          <p:style>
+            <a:lnRef idx="1">
+              <a:schemeClr val="accent1"/>
+            </a:lnRef>
+            <a:fillRef idx="0">
+              <a:schemeClr val="accent1"/>
+            </a:fillRef>
+            <a:effectRef idx="0">
+              <a:schemeClr val="accent1"/>
+            </a:effectRef>
+            <a:fontRef idx="minor">
+              <a:schemeClr val="tx1"/>
+            </a:fontRef>
+          </p:style>
+        </p:cxnSp>
+        <p:cxnSp>
+          <p:nvCxnSpPr>
+            <p:cNvPr id="291" name="Straight Connector 290"/>
+            <p:cNvCxnSpPr/>
+            <p:nvPr/>
+          </p:nvCxnSpPr>
+          <p:spPr>
+            <a:xfrm flipV="1">
+              <a:off x="8182231" y="377952"/>
+              <a:ext cx="251067" cy="231648"/>
+            </a:xfrm>
+            <a:prstGeom prst="line">
+              <a:avLst/>
+            </a:prstGeom>
+          </p:spPr>
+          <p:style>
+            <a:lnRef idx="1">
+              <a:schemeClr val="accent1"/>
+            </a:lnRef>
+            <a:fillRef idx="0">
+              <a:schemeClr val="accent1"/>
+            </a:fillRef>
+            <a:effectRef idx="0">
+              <a:schemeClr val="accent1"/>
+            </a:effectRef>
+            <a:fontRef idx="minor">
+              <a:schemeClr val="tx1"/>
+            </a:fontRef>
+          </p:style>
+        </p:cxnSp>
+        <p:cxnSp>
+          <p:nvCxnSpPr>
+            <p:cNvPr id="292" name="Straight Connector 291"/>
+            <p:cNvCxnSpPr/>
+            <p:nvPr/>
+          </p:nvCxnSpPr>
+          <p:spPr>
+            <a:xfrm flipV="1">
+              <a:off x="8319956" y="377952"/>
+              <a:ext cx="251067" cy="231648"/>
+            </a:xfrm>
+            <a:prstGeom prst="line">
+              <a:avLst/>
+            </a:prstGeom>
+          </p:spPr>
+          <p:style>
+            <a:lnRef idx="1">
+              <a:schemeClr val="accent1"/>
+            </a:lnRef>
+            <a:fillRef idx="0">
+              <a:schemeClr val="accent1"/>
+            </a:fillRef>
+            <a:effectRef idx="0">
+              <a:schemeClr val="accent1"/>
+            </a:effectRef>
+            <a:fontRef idx="minor">
+              <a:schemeClr val="tx1"/>
+            </a:fontRef>
+          </p:style>
+        </p:cxnSp>
+        <p:cxnSp>
+          <p:nvCxnSpPr>
+            <p:cNvPr id="293" name="Straight Connector 292"/>
+            <p:cNvCxnSpPr/>
+            <p:nvPr/>
+          </p:nvCxnSpPr>
+          <p:spPr>
+            <a:xfrm flipV="1">
+              <a:off x="8445489" y="377952"/>
+              <a:ext cx="251067" cy="231648"/>
+            </a:xfrm>
+            <a:prstGeom prst="line">
+              <a:avLst/>
+            </a:prstGeom>
+          </p:spPr>
+          <p:style>
+            <a:lnRef idx="1">
+              <a:schemeClr val="accent1"/>
+            </a:lnRef>
+            <a:fillRef idx="0">
+              <a:schemeClr val="accent1"/>
+            </a:fillRef>
+            <a:effectRef idx="0">
+              <a:schemeClr val="accent1"/>
+            </a:effectRef>
+            <a:fontRef idx="minor">
+              <a:schemeClr val="tx1"/>
+            </a:fontRef>
+          </p:style>
+        </p:cxnSp>
+        <p:cxnSp>
+          <p:nvCxnSpPr>
+            <p:cNvPr id="294" name="Straight Connector 293"/>
+            <p:cNvCxnSpPr/>
+            <p:nvPr/>
+          </p:nvCxnSpPr>
+          <p:spPr>
+            <a:xfrm flipV="1">
+              <a:off x="8566056" y="377952"/>
+              <a:ext cx="251067" cy="231648"/>
+            </a:xfrm>
+            <a:prstGeom prst="line">
+              <a:avLst/>
+            </a:prstGeom>
+          </p:spPr>
+          <p:style>
+            <a:lnRef idx="1">
+              <a:schemeClr val="accent1"/>
+            </a:lnRef>
+            <a:fillRef idx="0">
+              <a:schemeClr val="accent1"/>
+            </a:fillRef>
+            <a:effectRef idx="0">
+              <a:schemeClr val="accent1"/>
+            </a:effectRef>
+            <a:fontRef idx="minor">
+              <a:schemeClr val="tx1"/>
+            </a:fontRef>
+          </p:style>
+        </p:cxnSp>
+        <p:cxnSp>
+          <p:nvCxnSpPr>
+            <p:cNvPr id="295" name="Straight Connector 294"/>
+            <p:cNvCxnSpPr/>
+            <p:nvPr/>
+          </p:nvCxnSpPr>
+          <p:spPr>
+            <a:xfrm flipV="1">
+              <a:off x="8691589" y="377952"/>
+              <a:ext cx="251067" cy="231648"/>
+            </a:xfrm>
+            <a:prstGeom prst="line">
+              <a:avLst/>
+            </a:prstGeom>
+          </p:spPr>
+          <p:style>
+            <a:lnRef idx="1">
+              <a:schemeClr val="accent1"/>
+            </a:lnRef>
+            <a:fillRef idx="0">
+              <a:schemeClr val="accent1"/>
+            </a:fillRef>
+            <a:effectRef idx="0">
+              <a:schemeClr val="accent1"/>
+            </a:effectRef>
+            <a:fontRef idx="minor">
+              <a:schemeClr val="tx1"/>
+            </a:fontRef>
+          </p:style>
+        </p:cxnSp>
+        <p:cxnSp>
+          <p:nvCxnSpPr>
+            <p:cNvPr id="296" name="Straight Connector 295"/>
+            <p:cNvCxnSpPr/>
+            <p:nvPr/>
+          </p:nvCxnSpPr>
+          <p:spPr>
+            <a:xfrm flipV="1">
+              <a:off x="8829314" y="377952"/>
+              <a:ext cx="251067" cy="231648"/>
+            </a:xfrm>
+            <a:prstGeom prst="line">
+              <a:avLst/>
+            </a:prstGeom>
+          </p:spPr>
+          <p:style>
+            <a:lnRef idx="1">
+              <a:schemeClr val="accent1"/>
+            </a:lnRef>
+            <a:fillRef idx="0">
+              <a:schemeClr val="accent1"/>
+            </a:fillRef>
+            <a:effectRef idx="0">
+              <a:schemeClr val="accent1"/>
+            </a:effectRef>
+            <a:fontRef idx="minor">
+              <a:schemeClr val="tx1"/>
+            </a:fontRef>
+          </p:style>
+        </p:cxnSp>
+        <p:cxnSp>
+          <p:nvCxnSpPr>
+            <p:cNvPr id="297" name="Straight Connector 296"/>
+            <p:cNvCxnSpPr/>
+            <p:nvPr/>
+          </p:nvCxnSpPr>
+          <p:spPr>
+            <a:xfrm flipV="1">
+              <a:off x="8954847" y="377952"/>
+              <a:ext cx="251067" cy="231648"/>
+            </a:xfrm>
+            <a:prstGeom prst="line">
+              <a:avLst/>
+            </a:prstGeom>
+          </p:spPr>
+          <p:style>
+            <a:lnRef idx="1">
+              <a:schemeClr val="accent1"/>
+            </a:lnRef>
+            <a:fillRef idx="0">
+              <a:schemeClr val="accent1"/>
+            </a:fillRef>
+            <a:effectRef idx="0">
+              <a:schemeClr val="accent1"/>
+            </a:effectRef>
+            <a:fontRef idx="minor">
+              <a:schemeClr val="tx1"/>
+            </a:fontRef>
+          </p:style>
+        </p:cxnSp>
+        <p:cxnSp>
+          <p:nvCxnSpPr>
+            <p:cNvPr id="298" name="Straight Connector 297"/>
+            <p:cNvCxnSpPr/>
+            <p:nvPr/>
+          </p:nvCxnSpPr>
+          <p:spPr>
+            <a:xfrm flipV="1">
+              <a:off x="9054135" y="377952"/>
+              <a:ext cx="251067" cy="231648"/>
+            </a:xfrm>
+            <a:prstGeom prst="line">
+              <a:avLst/>
+            </a:prstGeom>
+          </p:spPr>
+          <p:style>
+            <a:lnRef idx="1">
+              <a:schemeClr val="accent1"/>
+            </a:lnRef>
+            <a:fillRef idx="0">
+              <a:schemeClr val="accent1"/>
+            </a:fillRef>
+            <a:effectRef idx="0">
+              <a:schemeClr val="accent1"/>
+            </a:effectRef>
+            <a:fontRef idx="minor">
+              <a:schemeClr val="tx1"/>
+            </a:fontRef>
+          </p:style>
+        </p:cxnSp>
+        <p:cxnSp>
+          <p:nvCxnSpPr>
+            <p:cNvPr id="299" name="Straight Connector 298"/>
+            <p:cNvCxnSpPr/>
+            <p:nvPr/>
+          </p:nvCxnSpPr>
+          <p:spPr>
+            <a:xfrm flipV="1">
+              <a:off x="9179668" y="377952"/>
+              <a:ext cx="251067" cy="231648"/>
+            </a:xfrm>
+            <a:prstGeom prst="line">
+              <a:avLst/>
+            </a:prstGeom>
+          </p:spPr>
+          <p:style>
+            <a:lnRef idx="1">
+              <a:schemeClr val="accent1"/>
+            </a:lnRef>
+            <a:fillRef idx="0">
+              <a:schemeClr val="accent1"/>
+            </a:fillRef>
+            <a:effectRef idx="0">
+              <a:schemeClr val="accent1"/>
+            </a:effectRef>
+            <a:fontRef idx="minor">
+              <a:schemeClr val="tx1"/>
+            </a:fontRef>
+          </p:style>
+        </p:cxnSp>
+        <p:cxnSp>
+          <p:nvCxnSpPr>
+            <p:cNvPr id="300" name="Straight Connector 299"/>
+            <p:cNvCxnSpPr/>
+            <p:nvPr/>
+          </p:nvCxnSpPr>
+          <p:spPr>
+            <a:xfrm flipV="1">
+              <a:off x="9317393" y="377952"/>
+              <a:ext cx="251067" cy="231648"/>
+            </a:xfrm>
+            <a:prstGeom prst="line">
+              <a:avLst/>
+            </a:prstGeom>
+          </p:spPr>
+          <p:style>
+            <a:lnRef idx="1">
+              <a:schemeClr val="accent1"/>
+            </a:lnRef>
+            <a:fillRef idx="0">
+              <a:schemeClr val="accent1"/>
+            </a:fillRef>
+            <a:effectRef idx="0">
+              <a:schemeClr val="accent1"/>
+            </a:effectRef>
+            <a:fontRef idx="minor">
+              <a:schemeClr val="tx1"/>
+            </a:fontRef>
+          </p:style>
+        </p:cxnSp>
+        <p:cxnSp>
+          <p:nvCxnSpPr>
+            <p:cNvPr id="301" name="Straight Connector 300"/>
+            <p:cNvCxnSpPr/>
+            <p:nvPr/>
+          </p:nvCxnSpPr>
+          <p:spPr>
+            <a:xfrm flipV="1">
+              <a:off x="9442926" y="377952"/>
+              <a:ext cx="251067" cy="231648"/>
+            </a:xfrm>
+            <a:prstGeom prst="line">
+              <a:avLst/>
+            </a:prstGeom>
+          </p:spPr>
+          <p:style>
+            <a:lnRef idx="1">
+              <a:schemeClr val="accent1"/>
+            </a:lnRef>
+            <a:fillRef idx="0">
+              <a:schemeClr val="accent1"/>
+            </a:fillRef>
+            <a:effectRef idx="0">
+              <a:schemeClr val="accent1"/>
+            </a:effectRef>
+            <a:fontRef idx="minor">
+              <a:schemeClr val="tx1"/>
+            </a:fontRef>
+          </p:style>
+        </p:cxnSp>
+        <p:cxnSp>
+          <p:nvCxnSpPr>
+            <p:cNvPr id="302" name="Straight Connector 301"/>
+            <p:cNvCxnSpPr/>
+            <p:nvPr/>
+          </p:nvCxnSpPr>
+          <p:spPr>
+            <a:xfrm flipV="1">
+              <a:off x="9563493" y="377952"/>
+              <a:ext cx="251067" cy="231648"/>
+            </a:xfrm>
+            <a:prstGeom prst="line">
+              <a:avLst/>
+            </a:prstGeom>
+          </p:spPr>
+          <p:style>
+            <a:lnRef idx="1">
+              <a:schemeClr val="accent1"/>
+            </a:lnRef>
+            <a:fillRef idx="0">
+              <a:schemeClr val="accent1"/>
+            </a:fillRef>
+            <a:effectRef idx="0">
+              <a:schemeClr val="accent1"/>
+            </a:effectRef>
+            <a:fontRef idx="minor">
+              <a:schemeClr val="tx1"/>
+            </a:fontRef>
+          </p:style>
+        </p:cxnSp>
+        <p:cxnSp>
+          <p:nvCxnSpPr>
+            <p:cNvPr id="303" name="Straight Connector 302"/>
+            <p:cNvCxnSpPr/>
+            <p:nvPr/>
+          </p:nvCxnSpPr>
+          <p:spPr>
+            <a:xfrm flipV="1">
+              <a:off x="9689026" y="377952"/>
+              <a:ext cx="251067" cy="231648"/>
+            </a:xfrm>
+            <a:prstGeom prst="line">
+              <a:avLst/>
+            </a:prstGeom>
+          </p:spPr>
+          <p:style>
+            <a:lnRef idx="1">
+              <a:schemeClr val="accent1"/>
+            </a:lnRef>
+            <a:fillRef idx="0">
+              <a:schemeClr val="accent1"/>
+            </a:fillRef>
+            <a:effectRef idx="0">
+              <a:schemeClr val="accent1"/>
+            </a:effectRef>
+            <a:fontRef idx="minor">
+              <a:schemeClr val="tx1"/>
+            </a:fontRef>
+          </p:style>
+        </p:cxnSp>
+        <p:cxnSp>
+          <p:nvCxnSpPr>
+            <p:cNvPr id="304" name="Straight Connector 303"/>
+            <p:cNvCxnSpPr/>
+            <p:nvPr/>
+          </p:nvCxnSpPr>
+          <p:spPr>
+            <a:xfrm flipV="1">
+              <a:off x="9826751" y="377952"/>
+              <a:ext cx="251067" cy="231648"/>
+            </a:xfrm>
+            <a:prstGeom prst="line">
+              <a:avLst/>
+            </a:prstGeom>
+          </p:spPr>
+          <p:style>
+            <a:lnRef idx="1">
+              <a:schemeClr val="accent1"/>
+            </a:lnRef>
+            <a:fillRef idx="0">
+              <a:schemeClr val="accent1"/>
+            </a:fillRef>
+            <a:effectRef idx="0">
+              <a:schemeClr val="accent1"/>
+            </a:effectRef>
+            <a:fontRef idx="minor">
+              <a:schemeClr val="tx1"/>
+            </a:fontRef>
+          </p:style>
+        </p:cxnSp>
+        <p:cxnSp>
+          <p:nvCxnSpPr>
+            <p:cNvPr id="305" name="Straight Connector 304"/>
+            <p:cNvCxnSpPr/>
+            <p:nvPr/>
+          </p:nvCxnSpPr>
+          <p:spPr>
+            <a:xfrm flipV="1">
+              <a:off x="9952284" y="377952"/>
+              <a:ext cx="251067" cy="231648"/>
+            </a:xfrm>
+            <a:prstGeom prst="line">
+              <a:avLst/>
+            </a:prstGeom>
+          </p:spPr>
+          <p:style>
+            <a:lnRef idx="1">
+              <a:schemeClr val="accent1"/>
+            </a:lnRef>
+            <a:fillRef idx="0">
+              <a:schemeClr val="accent1"/>
+            </a:fillRef>
+            <a:effectRef idx="0">
+              <a:schemeClr val="accent1"/>
+            </a:effectRef>
+            <a:fontRef idx="minor">
+              <a:schemeClr val="tx1"/>
+            </a:fontRef>
+          </p:style>
+        </p:cxnSp>
+      </p:grpSp>
+      <p:grpSp>
+        <p:nvGrpSpPr>
+          <p:cNvPr id="173" name="Group 172"/>
+          <p:cNvGrpSpPr/>
+          <p:nvPr/>
+        </p:nvGrpSpPr>
+        <p:grpSpPr>
+          <a:xfrm flipH="1" flipV="1">
+            <a:off x="1995788" y="5082760"/>
+            <a:ext cx="8374551" cy="231648"/>
+            <a:chOff x="1828800" y="377952"/>
+            <a:chExt cx="8374551" cy="231648"/>
+          </a:xfrm>
+        </p:grpSpPr>
+        <p:cxnSp>
+          <p:nvCxnSpPr>
+            <p:cNvPr id="176" name="Straight Connector 175"/>
+            <p:cNvCxnSpPr/>
+            <p:nvPr/>
+          </p:nvCxnSpPr>
+          <p:spPr>
+            <a:xfrm>
+              <a:off x="1828800" y="609600"/>
+              <a:ext cx="8374551" cy="0"/>
+            </a:xfrm>
+            <a:prstGeom prst="line">
+              <a:avLst/>
+            </a:prstGeom>
+          </p:spPr>
+          <p:style>
+            <a:lnRef idx="1">
+              <a:schemeClr val="accent1"/>
+            </a:lnRef>
+            <a:fillRef idx="0">
+              <a:schemeClr val="accent1"/>
+            </a:fillRef>
+            <a:effectRef idx="0">
+              <a:schemeClr val="accent1"/>
+            </a:effectRef>
+            <a:fontRef idx="minor">
+              <a:schemeClr val="tx1"/>
+            </a:fontRef>
+          </p:style>
+        </p:cxnSp>
+        <p:cxnSp>
+          <p:nvCxnSpPr>
+            <p:cNvPr id="177" name="Straight Connector 176"/>
+            <p:cNvCxnSpPr/>
+            <p:nvPr/>
+          </p:nvCxnSpPr>
+          <p:spPr>
+            <a:xfrm flipV="1">
+              <a:off x="1919109" y="377952"/>
+              <a:ext cx="251067" cy="231648"/>
+            </a:xfrm>
+            <a:prstGeom prst="line">
+              <a:avLst/>
+            </a:prstGeom>
+          </p:spPr>
+          <p:style>
+            <a:lnRef idx="1">
+              <a:schemeClr val="accent1"/>
+            </a:lnRef>
+            <a:fillRef idx="0">
+              <a:schemeClr val="accent1"/>
+            </a:fillRef>
+            <a:effectRef idx="0">
+              <a:schemeClr val="accent1"/>
+            </a:effectRef>
+            <a:fontRef idx="minor">
+              <a:schemeClr val="tx1"/>
+            </a:fontRef>
+          </p:style>
+        </p:cxnSp>
+        <p:cxnSp>
+          <p:nvCxnSpPr>
+            <p:cNvPr id="178" name="Straight Connector 177"/>
+            <p:cNvCxnSpPr/>
+            <p:nvPr/>
+          </p:nvCxnSpPr>
+          <p:spPr>
+            <a:xfrm flipV="1">
+              <a:off x="2044642" y="377952"/>
+              <a:ext cx="251067" cy="231648"/>
+            </a:xfrm>
+            <a:prstGeom prst="line">
+              <a:avLst/>
+            </a:prstGeom>
+          </p:spPr>
+          <p:style>
+            <a:lnRef idx="1">
+              <a:schemeClr val="accent1"/>
+            </a:lnRef>
+            <a:fillRef idx="0">
+              <a:schemeClr val="accent1"/>
+            </a:fillRef>
+            <a:effectRef idx="0">
+              <a:schemeClr val="accent1"/>
+            </a:effectRef>
+            <a:fontRef idx="minor">
+              <a:schemeClr val="tx1"/>
+            </a:fontRef>
+          </p:style>
+        </p:cxnSp>
+        <p:cxnSp>
+          <p:nvCxnSpPr>
+            <p:cNvPr id="179" name="Straight Connector 178"/>
+            <p:cNvCxnSpPr/>
+            <p:nvPr/>
+          </p:nvCxnSpPr>
+          <p:spPr>
+            <a:xfrm flipV="1">
+              <a:off x="2182367" y="377952"/>
+              <a:ext cx="251067" cy="231648"/>
+            </a:xfrm>
+            <a:prstGeom prst="line">
+              <a:avLst/>
+            </a:prstGeom>
+          </p:spPr>
+          <p:style>
+            <a:lnRef idx="1">
+              <a:schemeClr val="accent1"/>
+            </a:lnRef>
+            <a:fillRef idx="0">
+              <a:schemeClr val="accent1"/>
+            </a:fillRef>
+            <a:effectRef idx="0">
+              <a:schemeClr val="accent1"/>
+            </a:effectRef>
+            <a:fontRef idx="minor">
+              <a:schemeClr val="tx1"/>
+            </a:fontRef>
+          </p:style>
+        </p:cxnSp>
+        <p:cxnSp>
+          <p:nvCxnSpPr>
+            <p:cNvPr id="180" name="Straight Connector 179"/>
+            <p:cNvCxnSpPr/>
+            <p:nvPr/>
+          </p:nvCxnSpPr>
+          <p:spPr>
+            <a:xfrm flipV="1">
+              <a:off x="2307900" y="377952"/>
+              <a:ext cx="251067" cy="231648"/>
+            </a:xfrm>
+            <a:prstGeom prst="line">
+              <a:avLst/>
+            </a:prstGeom>
+          </p:spPr>
+          <p:style>
+            <a:lnRef idx="1">
+              <a:schemeClr val="accent1"/>
+            </a:lnRef>
+            <a:fillRef idx="0">
+              <a:schemeClr val="accent1"/>
+            </a:fillRef>
+            <a:effectRef idx="0">
+              <a:schemeClr val="accent1"/>
+            </a:effectRef>
+            <a:fontRef idx="minor">
+              <a:schemeClr val="tx1"/>
+            </a:fontRef>
+          </p:style>
+        </p:cxnSp>
+        <p:cxnSp>
+          <p:nvCxnSpPr>
+            <p:cNvPr id="181" name="Straight Connector 180"/>
+            <p:cNvCxnSpPr/>
+            <p:nvPr/>
+          </p:nvCxnSpPr>
+          <p:spPr>
+            <a:xfrm flipV="1">
+              <a:off x="2428467" y="377952"/>
+              <a:ext cx="251067" cy="231648"/>
+            </a:xfrm>
+            <a:prstGeom prst="line">
+              <a:avLst/>
+            </a:prstGeom>
+          </p:spPr>
+          <p:style>
+            <a:lnRef idx="1">
+              <a:schemeClr val="accent1"/>
+            </a:lnRef>
+            <a:fillRef idx="0">
+              <a:schemeClr val="accent1"/>
+            </a:fillRef>
+            <a:effectRef idx="0">
+              <a:schemeClr val="accent1"/>
+            </a:effectRef>
+            <a:fontRef idx="minor">
+              <a:schemeClr val="tx1"/>
+            </a:fontRef>
+          </p:style>
+        </p:cxnSp>
+        <p:cxnSp>
+          <p:nvCxnSpPr>
+            <p:cNvPr id="182" name="Straight Connector 181"/>
+            <p:cNvCxnSpPr/>
+            <p:nvPr/>
+          </p:nvCxnSpPr>
+          <p:spPr>
+            <a:xfrm flipV="1">
+              <a:off x="2554000" y="377952"/>
+              <a:ext cx="251067" cy="231648"/>
+            </a:xfrm>
+            <a:prstGeom prst="line">
+              <a:avLst/>
+            </a:prstGeom>
+          </p:spPr>
+          <p:style>
+            <a:lnRef idx="1">
+              <a:schemeClr val="accent1"/>
+            </a:lnRef>
+            <a:fillRef idx="0">
+              <a:schemeClr val="accent1"/>
+            </a:fillRef>
+            <a:effectRef idx="0">
+              <a:schemeClr val="accent1"/>
+            </a:effectRef>
+            <a:fontRef idx="minor">
+              <a:schemeClr val="tx1"/>
+            </a:fontRef>
+          </p:style>
+        </p:cxnSp>
+        <p:cxnSp>
+          <p:nvCxnSpPr>
+            <p:cNvPr id="183" name="Straight Connector 182"/>
+            <p:cNvCxnSpPr/>
+            <p:nvPr/>
+          </p:nvCxnSpPr>
+          <p:spPr>
+            <a:xfrm flipV="1">
+              <a:off x="2691725" y="377952"/>
+              <a:ext cx="251067" cy="231648"/>
+            </a:xfrm>
+            <a:prstGeom prst="line">
+              <a:avLst/>
+            </a:prstGeom>
+          </p:spPr>
+          <p:style>
+            <a:lnRef idx="1">
+              <a:schemeClr val="accent1"/>
+            </a:lnRef>
+            <a:fillRef idx="0">
+              <a:schemeClr val="accent1"/>
+            </a:fillRef>
+            <a:effectRef idx="0">
+              <a:schemeClr val="accent1"/>
+            </a:effectRef>
+            <a:fontRef idx="minor">
+              <a:schemeClr val="tx1"/>
+            </a:fontRef>
+          </p:style>
+        </p:cxnSp>
+        <p:cxnSp>
+          <p:nvCxnSpPr>
+            <p:cNvPr id="184" name="Straight Connector 183"/>
+            <p:cNvCxnSpPr/>
+            <p:nvPr/>
+          </p:nvCxnSpPr>
+          <p:spPr>
+            <a:xfrm flipV="1">
+              <a:off x="2817258" y="377952"/>
+              <a:ext cx="251067" cy="231648"/>
+            </a:xfrm>
+            <a:prstGeom prst="line">
+              <a:avLst/>
+            </a:prstGeom>
+          </p:spPr>
+          <p:style>
+            <a:lnRef idx="1">
+              <a:schemeClr val="accent1"/>
+            </a:lnRef>
+            <a:fillRef idx="0">
+              <a:schemeClr val="accent1"/>
+            </a:fillRef>
+            <a:effectRef idx="0">
+              <a:schemeClr val="accent1"/>
+            </a:effectRef>
+            <a:fontRef idx="minor">
+              <a:schemeClr val="tx1"/>
+            </a:fontRef>
+          </p:style>
+        </p:cxnSp>
+        <p:cxnSp>
+          <p:nvCxnSpPr>
+            <p:cNvPr id="185" name="Straight Connector 184"/>
+            <p:cNvCxnSpPr/>
+            <p:nvPr/>
+          </p:nvCxnSpPr>
+          <p:spPr>
+            <a:xfrm flipV="1">
+              <a:off x="2916546" y="377952"/>
+              <a:ext cx="251067" cy="231648"/>
+            </a:xfrm>
+            <a:prstGeom prst="line">
+              <a:avLst/>
+            </a:prstGeom>
+          </p:spPr>
+          <p:style>
+            <a:lnRef idx="1">
+              <a:schemeClr val="accent1"/>
+            </a:lnRef>
+            <a:fillRef idx="0">
+              <a:schemeClr val="accent1"/>
+            </a:fillRef>
+            <a:effectRef idx="0">
+              <a:schemeClr val="accent1"/>
+            </a:effectRef>
+            <a:fontRef idx="minor">
+              <a:schemeClr val="tx1"/>
+            </a:fontRef>
+          </p:style>
+        </p:cxnSp>
+        <p:cxnSp>
+          <p:nvCxnSpPr>
+            <p:cNvPr id="186" name="Straight Connector 185"/>
+            <p:cNvCxnSpPr/>
+            <p:nvPr/>
+          </p:nvCxnSpPr>
+          <p:spPr>
+            <a:xfrm flipV="1">
+              <a:off x="3042079" y="377952"/>
+              <a:ext cx="251067" cy="231648"/>
+            </a:xfrm>
+            <a:prstGeom prst="line">
+              <a:avLst/>
+            </a:prstGeom>
+          </p:spPr>
+          <p:style>
+            <a:lnRef idx="1">
+              <a:schemeClr val="accent1"/>
+            </a:lnRef>
+            <a:fillRef idx="0">
+              <a:schemeClr val="accent1"/>
+            </a:fillRef>
+            <a:effectRef idx="0">
+              <a:schemeClr val="accent1"/>
+            </a:effectRef>
+            <a:fontRef idx="minor">
+              <a:schemeClr val="tx1"/>
+            </a:fontRef>
+          </p:style>
+        </p:cxnSp>
+        <p:cxnSp>
+          <p:nvCxnSpPr>
+            <p:cNvPr id="187" name="Straight Connector 186"/>
+            <p:cNvCxnSpPr/>
+            <p:nvPr/>
+          </p:nvCxnSpPr>
+          <p:spPr>
+            <a:xfrm flipV="1">
+              <a:off x="3179804" y="377952"/>
+              <a:ext cx="251067" cy="231648"/>
+            </a:xfrm>
+            <a:prstGeom prst="line">
+              <a:avLst/>
+            </a:prstGeom>
+          </p:spPr>
+          <p:style>
+            <a:lnRef idx="1">
+              <a:schemeClr val="accent1"/>
+            </a:lnRef>
+            <a:fillRef idx="0">
+              <a:schemeClr val="accent1"/>
+            </a:fillRef>
+            <a:effectRef idx="0">
+              <a:schemeClr val="accent1"/>
+            </a:effectRef>
+            <a:fontRef idx="minor">
+              <a:schemeClr val="tx1"/>
+            </a:fontRef>
+          </p:style>
+        </p:cxnSp>
+        <p:cxnSp>
+          <p:nvCxnSpPr>
+            <p:cNvPr id="188" name="Straight Connector 187"/>
+            <p:cNvCxnSpPr/>
+            <p:nvPr/>
+          </p:nvCxnSpPr>
+          <p:spPr>
+            <a:xfrm flipV="1">
+              <a:off x="3305337" y="377952"/>
+              <a:ext cx="251067" cy="231648"/>
+            </a:xfrm>
+            <a:prstGeom prst="line">
+              <a:avLst/>
+            </a:prstGeom>
+          </p:spPr>
+          <p:style>
+            <a:lnRef idx="1">
+              <a:schemeClr val="accent1"/>
+            </a:lnRef>
+            <a:fillRef idx="0">
+              <a:schemeClr val="accent1"/>
+            </a:fillRef>
+            <a:effectRef idx="0">
+              <a:schemeClr val="accent1"/>
+            </a:effectRef>
+            <a:fontRef idx="minor">
+              <a:schemeClr val="tx1"/>
+            </a:fontRef>
+          </p:style>
+        </p:cxnSp>
+        <p:cxnSp>
+          <p:nvCxnSpPr>
+            <p:cNvPr id="189" name="Straight Connector 188"/>
+            <p:cNvCxnSpPr/>
+            <p:nvPr/>
+          </p:nvCxnSpPr>
+          <p:spPr>
+            <a:xfrm flipV="1">
+              <a:off x="3425904" y="377952"/>
+              <a:ext cx="251067" cy="231648"/>
+            </a:xfrm>
+            <a:prstGeom prst="line">
+              <a:avLst/>
+            </a:prstGeom>
+          </p:spPr>
+          <p:style>
+            <a:lnRef idx="1">
+              <a:schemeClr val="accent1"/>
+            </a:lnRef>
+            <a:fillRef idx="0">
+              <a:schemeClr val="accent1"/>
+            </a:fillRef>
+            <a:effectRef idx="0">
+              <a:schemeClr val="accent1"/>
+            </a:effectRef>
+            <a:fontRef idx="minor">
+              <a:schemeClr val="tx1"/>
+            </a:fontRef>
+          </p:style>
+        </p:cxnSp>
+        <p:cxnSp>
+          <p:nvCxnSpPr>
+            <p:cNvPr id="190" name="Straight Connector 189"/>
+            <p:cNvCxnSpPr/>
+            <p:nvPr/>
+          </p:nvCxnSpPr>
+          <p:spPr>
+            <a:xfrm flipV="1">
+              <a:off x="3551437" y="377952"/>
+              <a:ext cx="251067" cy="231648"/>
+            </a:xfrm>
+            <a:prstGeom prst="line">
+              <a:avLst/>
+            </a:prstGeom>
+          </p:spPr>
+          <p:style>
+            <a:lnRef idx="1">
+              <a:schemeClr val="accent1"/>
+            </a:lnRef>
+            <a:fillRef idx="0">
+              <a:schemeClr val="accent1"/>
+            </a:fillRef>
+            <a:effectRef idx="0">
+              <a:schemeClr val="accent1"/>
+            </a:effectRef>
+            <a:fontRef idx="minor">
+              <a:schemeClr val="tx1"/>
+            </a:fontRef>
+          </p:style>
+        </p:cxnSp>
+        <p:cxnSp>
+          <p:nvCxnSpPr>
+            <p:cNvPr id="191" name="Straight Connector 190"/>
+            <p:cNvCxnSpPr/>
+            <p:nvPr/>
+          </p:nvCxnSpPr>
+          <p:spPr>
+            <a:xfrm flipV="1">
+              <a:off x="3689162" y="377952"/>
+              <a:ext cx="251067" cy="231648"/>
+            </a:xfrm>
+            <a:prstGeom prst="line">
+              <a:avLst/>
+            </a:prstGeom>
+          </p:spPr>
+          <p:style>
+            <a:lnRef idx="1">
+              <a:schemeClr val="accent1"/>
+            </a:lnRef>
+            <a:fillRef idx="0">
+              <a:schemeClr val="accent1"/>
+            </a:fillRef>
+            <a:effectRef idx="0">
+              <a:schemeClr val="accent1"/>
+            </a:effectRef>
+            <a:fontRef idx="minor">
+              <a:schemeClr val="tx1"/>
+            </a:fontRef>
+          </p:style>
+        </p:cxnSp>
+        <p:cxnSp>
+          <p:nvCxnSpPr>
+            <p:cNvPr id="192" name="Straight Connector 191"/>
+            <p:cNvCxnSpPr/>
+            <p:nvPr/>
+          </p:nvCxnSpPr>
+          <p:spPr>
+            <a:xfrm flipV="1">
+              <a:off x="3814695" y="377952"/>
+              <a:ext cx="251067" cy="231648"/>
+            </a:xfrm>
+            <a:prstGeom prst="line">
+              <a:avLst/>
+            </a:prstGeom>
+          </p:spPr>
+          <p:style>
+            <a:lnRef idx="1">
+              <a:schemeClr val="accent1"/>
+            </a:lnRef>
+            <a:fillRef idx="0">
+              <a:schemeClr val="accent1"/>
+            </a:fillRef>
+            <a:effectRef idx="0">
+              <a:schemeClr val="accent1"/>
+            </a:effectRef>
+            <a:fontRef idx="minor">
+              <a:schemeClr val="tx1"/>
+            </a:fontRef>
+          </p:style>
+        </p:cxnSp>
+        <p:cxnSp>
+          <p:nvCxnSpPr>
+            <p:cNvPr id="193" name="Straight Connector 192"/>
+            <p:cNvCxnSpPr/>
+            <p:nvPr/>
+          </p:nvCxnSpPr>
+          <p:spPr>
+            <a:xfrm flipV="1">
+              <a:off x="3977344" y="377952"/>
+              <a:ext cx="251067" cy="231648"/>
+            </a:xfrm>
+            <a:prstGeom prst="line">
+              <a:avLst/>
+            </a:prstGeom>
+          </p:spPr>
+          <p:style>
+            <a:lnRef idx="1">
+              <a:schemeClr val="accent1"/>
+            </a:lnRef>
+            <a:fillRef idx="0">
+              <a:schemeClr val="accent1"/>
+            </a:fillRef>
+            <a:effectRef idx="0">
+              <a:schemeClr val="accent1"/>
+            </a:effectRef>
+            <a:fontRef idx="minor">
+              <a:schemeClr val="tx1"/>
+            </a:fontRef>
+          </p:style>
+        </p:cxnSp>
+        <p:cxnSp>
+          <p:nvCxnSpPr>
+            <p:cNvPr id="194" name="Straight Connector 193"/>
+            <p:cNvCxnSpPr/>
+            <p:nvPr/>
+          </p:nvCxnSpPr>
+          <p:spPr>
+            <a:xfrm flipV="1">
+              <a:off x="4102877" y="377952"/>
+              <a:ext cx="251067" cy="231648"/>
+            </a:xfrm>
+            <a:prstGeom prst="line">
+              <a:avLst/>
+            </a:prstGeom>
+          </p:spPr>
+          <p:style>
+            <a:lnRef idx="1">
+              <a:schemeClr val="accent1"/>
+            </a:lnRef>
+            <a:fillRef idx="0">
+              <a:schemeClr val="accent1"/>
+            </a:fillRef>
+            <a:effectRef idx="0">
+              <a:schemeClr val="accent1"/>
+            </a:effectRef>
+            <a:fontRef idx="minor">
+              <a:schemeClr val="tx1"/>
+            </a:fontRef>
+          </p:style>
+        </p:cxnSp>
+        <p:cxnSp>
+          <p:nvCxnSpPr>
+            <p:cNvPr id="195" name="Straight Connector 194"/>
+            <p:cNvCxnSpPr/>
+            <p:nvPr/>
+          </p:nvCxnSpPr>
+          <p:spPr>
+            <a:xfrm flipV="1">
+              <a:off x="4240602" y="377952"/>
+              <a:ext cx="251067" cy="231648"/>
+            </a:xfrm>
+            <a:prstGeom prst="line">
+              <a:avLst/>
+            </a:prstGeom>
+          </p:spPr>
+          <p:style>
+            <a:lnRef idx="1">
+              <a:schemeClr val="accent1"/>
+            </a:lnRef>
+            <a:fillRef idx="0">
+              <a:schemeClr val="accent1"/>
+            </a:fillRef>
+            <a:effectRef idx="0">
+              <a:schemeClr val="accent1"/>
+            </a:effectRef>
+            <a:fontRef idx="minor">
+              <a:schemeClr val="tx1"/>
+            </a:fontRef>
+          </p:style>
+        </p:cxnSp>
+        <p:cxnSp>
+          <p:nvCxnSpPr>
+            <p:cNvPr id="196" name="Straight Connector 195"/>
+            <p:cNvCxnSpPr/>
+            <p:nvPr/>
+          </p:nvCxnSpPr>
+          <p:spPr>
+            <a:xfrm flipV="1">
+              <a:off x="4366135" y="377952"/>
+              <a:ext cx="251067" cy="231648"/>
+            </a:xfrm>
+            <a:prstGeom prst="line">
+              <a:avLst/>
+            </a:prstGeom>
+          </p:spPr>
+          <p:style>
+            <a:lnRef idx="1">
+              <a:schemeClr val="accent1"/>
+            </a:lnRef>
+            <a:fillRef idx="0">
+              <a:schemeClr val="accent1"/>
+            </a:fillRef>
+            <a:effectRef idx="0">
+              <a:schemeClr val="accent1"/>
+            </a:effectRef>
+            <a:fontRef idx="minor">
+              <a:schemeClr val="tx1"/>
+            </a:fontRef>
+          </p:style>
+        </p:cxnSp>
+        <p:cxnSp>
+          <p:nvCxnSpPr>
+            <p:cNvPr id="197" name="Straight Connector 196"/>
+            <p:cNvCxnSpPr/>
+            <p:nvPr/>
+          </p:nvCxnSpPr>
+          <p:spPr>
+            <a:xfrm flipV="1">
+              <a:off x="4486702" y="377952"/>
+              <a:ext cx="251067" cy="231648"/>
+            </a:xfrm>
+            <a:prstGeom prst="line">
+              <a:avLst/>
+            </a:prstGeom>
+          </p:spPr>
+          <p:style>
+            <a:lnRef idx="1">
+              <a:schemeClr val="accent1"/>
+            </a:lnRef>
+            <a:fillRef idx="0">
+              <a:schemeClr val="accent1"/>
+            </a:fillRef>
+            <a:effectRef idx="0">
+              <a:schemeClr val="accent1"/>
+            </a:effectRef>
+            <a:fontRef idx="minor">
+              <a:schemeClr val="tx1"/>
+            </a:fontRef>
+          </p:style>
+        </p:cxnSp>
+        <p:cxnSp>
+          <p:nvCxnSpPr>
+            <p:cNvPr id="198" name="Straight Connector 197"/>
+            <p:cNvCxnSpPr/>
+            <p:nvPr/>
+          </p:nvCxnSpPr>
+          <p:spPr>
+            <a:xfrm flipV="1">
+              <a:off x="4612235" y="377952"/>
+              <a:ext cx="251067" cy="231648"/>
+            </a:xfrm>
+            <a:prstGeom prst="line">
+              <a:avLst/>
+            </a:prstGeom>
+          </p:spPr>
+          <p:style>
+            <a:lnRef idx="1">
+              <a:schemeClr val="accent1"/>
+            </a:lnRef>
+            <a:fillRef idx="0">
+              <a:schemeClr val="accent1"/>
+            </a:fillRef>
+            <a:effectRef idx="0">
+              <a:schemeClr val="accent1"/>
+            </a:effectRef>
+            <a:fontRef idx="minor">
+              <a:schemeClr val="tx1"/>
+            </a:fontRef>
+          </p:style>
+        </p:cxnSp>
+        <p:cxnSp>
+          <p:nvCxnSpPr>
+            <p:cNvPr id="199" name="Straight Connector 198"/>
+            <p:cNvCxnSpPr/>
+            <p:nvPr/>
+          </p:nvCxnSpPr>
+          <p:spPr>
+            <a:xfrm flipV="1">
+              <a:off x="4749960" y="377952"/>
+              <a:ext cx="251067" cy="231648"/>
+            </a:xfrm>
+            <a:prstGeom prst="line">
+              <a:avLst/>
+            </a:prstGeom>
+          </p:spPr>
+          <p:style>
+            <a:lnRef idx="1">
+              <a:schemeClr val="accent1"/>
+            </a:lnRef>
+            <a:fillRef idx="0">
+              <a:schemeClr val="accent1"/>
+            </a:fillRef>
+            <a:effectRef idx="0">
+              <a:schemeClr val="accent1"/>
+            </a:effectRef>
+            <a:fontRef idx="minor">
+              <a:schemeClr val="tx1"/>
+            </a:fontRef>
+          </p:style>
+        </p:cxnSp>
+        <p:cxnSp>
+          <p:nvCxnSpPr>
+            <p:cNvPr id="200" name="Straight Connector 199"/>
+            <p:cNvCxnSpPr/>
+            <p:nvPr/>
+          </p:nvCxnSpPr>
+          <p:spPr>
+            <a:xfrm flipV="1">
+              <a:off x="4875493" y="377952"/>
+              <a:ext cx="251067" cy="231648"/>
+            </a:xfrm>
+            <a:prstGeom prst="line">
+              <a:avLst/>
+            </a:prstGeom>
+          </p:spPr>
+          <p:style>
+            <a:lnRef idx="1">
+              <a:schemeClr val="accent1"/>
+            </a:lnRef>
+            <a:fillRef idx="0">
+              <a:schemeClr val="accent1"/>
+            </a:fillRef>
+            <a:effectRef idx="0">
+              <a:schemeClr val="accent1"/>
+            </a:effectRef>
+            <a:fontRef idx="minor">
+              <a:schemeClr val="tx1"/>
+            </a:fontRef>
+          </p:style>
+        </p:cxnSp>
+        <p:cxnSp>
+          <p:nvCxnSpPr>
+            <p:cNvPr id="201" name="Straight Connector 200"/>
+            <p:cNvCxnSpPr/>
+            <p:nvPr/>
+          </p:nvCxnSpPr>
+          <p:spPr>
+            <a:xfrm flipV="1">
+              <a:off x="4974781" y="377952"/>
+              <a:ext cx="251067" cy="231648"/>
+            </a:xfrm>
+            <a:prstGeom prst="line">
+              <a:avLst/>
+            </a:prstGeom>
+          </p:spPr>
+          <p:style>
+            <a:lnRef idx="1">
+              <a:schemeClr val="accent1"/>
+            </a:lnRef>
+            <a:fillRef idx="0">
+              <a:schemeClr val="accent1"/>
+            </a:fillRef>
+            <a:effectRef idx="0">
+              <a:schemeClr val="accent1"/>
+            </a:effectRef>
+            <a:fontRef idx="minor">
+              <a:schemeClr val="tx1"/>
+            </a:fontRef>
+          </p:style>
+        </p:cxnSp>
+        <p:cxnSp>
+          <p:nvCxnSpPr>
+            <p:cNvPr id="202" name="Straight Connector 201"/>
+            <p:cNvCxnSpPr/>
+            <p:nvPr/>
+          </p:nvCxnSpPr>
+          <p:spPr>
+            <a:xfrm flipV="1">
+              <a:off x="5100314" y="377952"/>
+              <a:ext cx="251067" cy="231648"/>
+            </a:xfrm>
+            <a:prstGeom prst="line">
+              <a:avLst/>
+            </a:prstGeom>
+          </p:spPr>
+          <p:style>
+            <a:lnRef idx="1">
+              <a:schemeClr val="accent1"/>
+            </a:lnRef>
+            <a:fillRef idx="0">
+              <a:schemeClr val="accent1"/>
+            </a:fillRef>
+            <a:effectRef idx="0">
+              <a:schemeClr val="accent1"/>
+            </a:effectRef>
+            <a:fontRef idx="minor">
+              <a:schemeClr val="tx1"/>
+            </a:fontRef>
+          </p:style>
+        </p:cxnSp>
+        <p:cxnSp>
+          <p:nvCxnSpPr>
+            <p:cNvPr id="203" name="Straight Connector 202"/>
+            <p:cNvCxnSpPr/>
+            <p:nvPr/>
+          </p:nvCxnSpPr>
+          <p:spPr>
+            <a:xfrm flipV="1">
+              <a:off x="5238039" y="377952"/>
+              <a:ext cx="251067" cy="231648"/>
+            </a:xfrm>
+            <a:prstGeom prst="line">
+              <a:avLst/>
+            </a:prstGeom>
+          </p:spPr>
+          <p:style>
+            <a:lnRef idx="1">
+              <a:schemeClr val="accent1"/>
+            </a:lnRef>
+            <a:fillRef idx="0">
+              <a:schemeClr val="accent1"/>
+            </a:fillRef>
+            <a:effectRef idx="0">
+              <a:schemeClr val="accent1"/>
+            </a:effectRef>
+            <a:fontRef idx="minor">
+              <a:schemeClr val="tx1"/>
+            </a:fontRef>
+          </p:style>
+        </p:cxnSp>
+        <p:cxnSp>
+          <p:nvCxnSpPr>
+            <p:cNvPr id="204" name="Straight Connector 203"/>
+            <p:cNvCxnSpPr/>
+            <p:nvPr/>
+          </p:nvCxnSpPr>
+          <p:spPr>
+            <a:xfrm flipV="1">
+              <a:off x="5363572" y="377952"/>
+              <a:ext cx="251067" cy="231648"/>
+            </a:xfrm>
+            <a:prstGeom prst="line">
+              <a:avLst/>
+            </a:prstGeom>
+          </p:spPr>
+          <p:style>
+            <a:lnRef idx="1">
+              <a:schemeClr val="accent1"/>
+            </a:lnRef>
+            <a:fillRef idx="0">
+              <a:schemeClr val="accent1"/>
+            </a:fillRef>
+            <a:effectRef idx="0">
+              <a:schemeClr val="accent1"/>
+            </a:effectRef>
+            <a:fontRef idx="minor">
+              <a:schemeClr val="tx1"/>
+            </a:fontRef>
+          </p:style>
+        </p:cxnSp>
+        <p:cxnSp>
+          <p:nvCxnSpPr>
+            <p:cNvPr id="205" name="Straight Connector 204"/>
+            <p:cNvCxnSpPr/>
+            <p:nvPr/>
+          </p:nvCxnSpPr>
+          <p:spPr>
+            <a:xfrm flipV="1">
+              <a:off x="5484139" y="377952"/>
+              <a:ext cx="251067" cy="231648"/>
+            </a:xfrm>
+            <a:prstGeom prst="line">
+              <a:avLst/>
+            </a:prstGeom>
+          </p:spPr>
+          <p:style>
+            <a:lnRef idx="1">
+              <a:schemeClr val="accent1"/>
+            </a:lnRef>
+            <a:fillRef idx="0">
+              <a:schemeClr val="accent1"/>
+            </a:fillRef>
+            <a:effectRef idx="0">
+              <a:schemeClr val="accent1"/>
+            </a:effectRef>
+            <a:fontRef idx="minor">
+              <a:schemeClr val="tx1"/>
+            </a:fontRef>
+          </p:style>
+        </p:cxnSp>
+        <p:cxnSp>
+          <p:nvCxnSpPr>
+            <p:cNvPr id="206" name="Straight Connector 205"/>
+            <p:cNvCxnSpPr/>
+            <p:nvPr/>
+          </p:nvCxnSpPr>
+          <p:spPr>
+            <a:xfrm flipV="1">
+              <a:off x="5609672" y="377952"/>
+              <a:ext cx="251067" cy="231648"/>
+            </a:xfrm>
+            <a:prstGeom prst="line">
+              <a:avLst/>
+            </a:prstGeom>
+          </p:spPr>
+          <p:style>
+            <a:lnRef idx="1">
+              <a:schemeClr val="accent1"/>
+            </a:lnRef>
+            <a:fillRef idx="0">
+              <a:schemeClr val="accent1"/>
+            </a:fillRef>
+            <a:effectRef idx="0">
+              <a:schemeClr val="accent1"/>
+            </a:effectRef>
+            <a:fontRef idx="minor">
+              <a:schemeClr val="tx1"/>
+            </a:fontRef>
+          </p:style>
+        </p:cxnSp>
+        <p:cxnSp>
+          <p:nvCxnSpPr>
+            <p:cNvPr id="207" name="Straight Connector 206"/>
+            <p:cNvCxnSpPr/>
+            <p:nvPr/>
+          </p:nvCxnSpPr>
+          <p:spPr>
+            <a:xfrm flipV="1">
+              <a:off x="5747397" y="377952"/>
+              <a:ext cx="251067" cy="231648"/>
+            </a:xfrm>
+            <a:prstGeom prst="line">
+              <a:avLst/>
+            </a:prstGeom>
+          </p:spPr>
+          <p:style>
+            <a:lnRef idx="1">
+              <a:schemeClr val="accent1"/>
+            </a:lnRef>
+            <a:fillRef idx="0">
+              <a:schemeClr val="accent1"/>
+            </a:fillRef>
+            <a:effectRef idx="0">
+              <a:schemeClr val="accent1"/>
+            </a:effectRef>
+            <a:fontRef idx="minor">
+              <a:schemeClr val="tx1"/>
+            </a:fontRef>
+          </p:style>
+        </p:cxnSp>
+        <p:cxnSp>
+          <p:nvCxnSpPr>
+            <p:cNvPr id="208" name="Straight Connector 207"/>
+            <p:cNvCxnSpPr/>
+            <p:nvPr/>
+          </p:nvCxnSpPr>
+          <p:spPr>
+            <a:xfrm flipV="1">
+              <a:off x="5872930" y="377952"/>
+              <a:ext cx="251067" cy="231648"/>
+            </a:xfrm>
+            <a:prstGeom prst="line">
+              <a:avLst/>
+            </a:prstGeom>
+          </p:spPr>
+          <p:style>
+            <a:lnRef idx="1">
+              <a:schemeClr val="accent1"/>
+            </a:lnRef>
+            <a:fillRef idx="0">
+              <a:schemeClr val="accent1"/>
+            </a:fillRef>
+            <a:effectRef idx="0">
+              <a:schemeClr val="accent1"/>
+            </a:effectRef>
+            <a:fontRef idx="minor">
+              <a:schemeClr val="tx1"/>
+            </a:fontRef>
+          </p:style>
+        </p:cxnSp>
+        <p:cxnSp>
+          <p:nvCxnSpPr>
+            <p:cNvPr id="209" name="Straight Connector 208"/>
+            <p:cNvCxnSpPr/>
+            <p:nvPr/>
+          </p:nvCxnSpPr>
+          <p:spPr>
+            <a:xfrm flipV="1">
+              <a:off x="5998463" y="377952"/>
+              <a:ext cx="251067" cy="231648"/>
+            </a:xfrm>
+            <a:prstGeom prst="line">
+              <a:avLst/>
+            </a:prstGeom>
+          </p:spPr>
+          <p:style>
+            <a:lnRef idx="1">
+              <a:schemeClr val="accent1"/>
+            </a:lnRef>
+            <a:fillRef idx="0">
+              <a:schemeClr val="accent1"/>
+            </a:fillRef>
+            <a:effectRef idx="0">
+              <a:schemeClr val="accent1"/>
+            </a:effectRef>
+            <a:fontRef idx="minor">
+              <a:schemeClr val="tx1"/>
+            </a:fontRef>
+          </p:style>
+        </p:cxnSp>
+        <p:cxnSp>
+          <p:nvCxnSpPr>
+            <p:cNvPr id="210" name="Straight Connector 209"/>
+            <p:cNvCxnSpPr/>
+            <p:nvPr/>
+          </p:nvCxnSpPr>
+          <p:spPr>
+            <a:xfrm flipV="1">
+              <a:off x="6123996" y="377952"/>
+              <a:ext cx="251067" cy="231648"/>
+            </a:xfrm>
+            <a:prstGeom prst="line">
+              <a:avLst/>
+            </a:prstGeom>
+          </p:spPr>
+          <p:style>
+            <a:lnRef idx="1">
+              <a:schemeClr val="accent1"/>
+            </a:lnRef>
+            <a:fillRef idx="0">
+              <a:schemeClr val="accent1"/>
+            </a:fillRef>
+            <a:effectRef idx="0">
+              <a:schemeClr val="accent1"/>
+            </a:effectRef>
+            <a:fontRef idx="minor">
+              <a:schemeClr val="tx1"/>
+            </a:fontRef>
+          </p:style>
+        </p:cxnSp>
+        <p:cxnSp>
+          <p:nvCxnSpPr>
+            <p:cNvPr id="211" name="Straight Connector 210"/>
+            <p:cNvCxnSpPr/>
+            <p:nvPr/>
+          </p:nvCxnSpPr>
+          <p:spPr>
+            <a:xfrm flipV="1">
+              <a:off x="6261721" y="377952"/>
+              <a:ext cx="251067" cy="231648"/>
+            </a:xfrm>
+            <a:prstGeom prst="line">
+              <a:avLst/>
+            </a:prstGeom>
+          </p:spPr>
+          <p:style>
+            <a:lnRef idx="1">
+              <a:schemeClr val="accent1"/>
+            </a:lnRef>
+            <a:fillRef idx="0">
+              <a:schemeClr val="accent1"/>
+            </a:fillRef>
+            <a:effectRef idx="0">
+              <a:schemeClr val="accent1"/>
+            </a:effectRef>
+            <a:fontRef idx="minor">
+              <a:schemeClr val="tx1"/>
+            </a:fontRef>
+          </p:style>
+        </p:cxnSp>
+        <p:cxnSp>
+          <p:nvCxnSpPr>
+            <p:cNvPr id="212" name="Straight Connector 211"/>
+            <p:cNvCxnSpPr/>
+            <p:nvPr/>
+          </p:nvCxnSpPr>
+          <p:spPr>
+            <a:xfrm flipV="1">
+              <a:off x="6387254" y="377952"/>
+              <a:ext cx="251067" cy="231648"/>
+            </a:xfrm>
+            <a:prstGeom prst="line">
+              <a:avLst/>
+            </a:prstGeom>
+          </p:spPr>
+          <p:style>
+            <a:lnRef idx="1">
+              <a:schemeClr val="accent1"/>
+            </a:lnRef>
+            <a:fillRef idx="0">
+              <a:schemeClr val="accent1"/>
+            </a:fillRef>
+            <a:effectRef idx="0">
+              <a:schemeClr val="accent1"/>
+            </a:effectRef>
+            <a:fontRef idx="minor">
+              <a:schemeClr val="tx1"/>
+            </a:fontRef>
+          </p:style>
+        </p:cxnSp>
+        <p:cxnSp>
+          <p:nvCxnSpPr>
+            <p:cNvPr id="213" name="Straight Connector 212"/>
+            <p:cNvCxnSpPr/>
+            <p:nvPr/>
+          </p:nvCxnSpPr>
+          <p:spPr>
+            <a:xfrm flipV="1">
+              <a:off x="6507821" y="377952"/>
+              <a:ext cx="251067" cy="231648"/>
+            </a:xfrm>
+            <a:prstGeom prst="line">
+              <a:avLst/>
+            </a:prstGeom>
+          </p:spPr>
+          <p:style>
+            <a:lnRef idx="1">
+              <a:schemeClr val="accent1"/>
+            </a:lnRef>
+            <a:fillRef idx="0">
+              <a:schemeClr val="accent1"/>
+            </a:fillRef>
+            <a:effectRef idx="0">
+              <a:schemeClr val="accent1"/>
+            </a:effectRef>
+            <a:fontRef idx="minor">
+              <a:schemeClr val="tx1"/>
+            </a:fontRef>
+          </p:style>
+        </p:cxnSp>
+        <p:cxnSp>
+          <p:nvCxnSpPr>
+            <p:cNvPr id="214" name="Straight Connector 213"/>
+            <p:cNvCxnSpPr/>
+            <p:nvPr/>
+          </p:nvCxnSpPr>
+          <p:spPr>
+            <a:xfrm flipV="1">
+              <a:off x="6633354" y="377952"/>
+              <a:ext cx="251067" cy="231648"/>
+            </a:xfrm>
+            <a:prstGeom prst="line">
+              <a:avLst/>
+            </a:prstGeom>
+          </p:spPr>
+          <p:style>
+            <a:lnRef idx="1">
+              <a:schemeClr val="accent1"/>
+            </a:lnRef>
+            <a:fillRef idx="0">
+              <a:schemeClr val="accent1"/>
+            </a:fillRef>
+            <a:effectRef idx="0">
+              <a:schemeClr val="accent1"/>
+            </a:effectRef>
+            <a:fontRef idx="minor">
+              <a:schemeClr val="tx1"/>
+            </a:fontRef>
+          </p:style>
+        </p:cxnSp>
+        <p:cxnSp>
+          <p:nvCxnSpPr>
+            <p:cNvPr id="215" name="Straight Connector 214"/>
+            <p:cNvCxnSpPr/>
+            <p:nvPr/>
+          </p:nvCxnSpPr>
+          <p:spPr>
+            <a:xfrm flipV="1">
+              <a:off x="6771079" y="377952"/>
+              <a:ext cx="251067" cy="231648"/>
+            </a:xfrm>
+            <a:prstGeom prst="line">
+              <a:avLst/>
+            </a:prstGeom>
+          </p:spPr>
+          <p:style>
+            <a:lnRef idx="1">
+              <a:schemeClr val="accent1"/>
+            </a:lnRef>
+            <a:fillRef idx="0">
+              <a:schemeClr val="accent1"/>
+            </a:fillRef>
+            <a:effectRef idx="0">
+              <a:schemeClr val="accent1"/>
+            </a:effectRef>
+            <a:fontRef idx="minor">
+              <a:schemeClr val="tx1"/>
+            </a:fontRef>
+          </p:style>
+        </p:cxnSp>
+        <p:cxnSp>
+          <p:nvCxnSpPr>
+            <p:cNvPr id="216" name="Straight Connector 215"/>
+            <p:cNvCxnSpPr/>
+            <p:nvPr/>
+          </p:nvCxnSpPr>
+          <p:spPr>
+            <a:xfrm flipV="1">
+              <a:off x="6896612" y="377952"/>
+              <a:ext cx="251067" cy="231648"/>
+            </a:xfrm>
+            <a:prstGeom prst="line">
+              <a:avLst/>
+            </a:prstGeom>
+          </p:spPr>
+          <p:style>
+            <a:lnRef idx="1">
+              <a:schemeClr val="accent1"/>
+            </a:lnRef>
+            <a:fillRef idx="0">
+              <a:schemeClr val="accent1"/>
+            </a:fillRef>
+            <a:effectRef idx="0">
+              <a:schemeClr val="accent1"/>
+            </a:effectRef>
+            <a:fontRef idx="minor">
+              <a:schemeClr val="tx1"/>
+            </a:fontRef>
+          </p:style>
+        </p:cxnSp>
+        <p:cxnSp>
+          <p:nvCxnSpPr>
+            <p:cNvPr id="217" name="Straight Connector 216"/>
+            <p:cNvCxnSpPr/>
+            <p:nvPr/>
+          </p:nvCxnSpPr>
+          <p:spPr>
+            <a:xfrm flipV="1">
+              <a:off x="6995900" y="377952"/>
+              <a:ext cx="251067" cy="231648"/>
+            </a:xfrm>
+            <a:prstGeom prst="line">
+              <a:avLst/>
+            </a:prstGeom>
+          </p:spPr>
+          <p:style>
+            <a:lnRef idx="1">
+              <a:schemeClr val="accent1"/>
+            </a:lnRef>
+            <a:fillRef idx="0">
+              <a:schemeClr val="accent1"/>
+            </a:fillRef>
+            <a:effectRef idx="0">
+              <a:schemeClr val="accent1"/>
+            </a:effectRef>
+            <a:fontRef idx="minor">
+              <a:schemeClr val="tx1"/>
+            </a:fontRef>
+          </p:style>
+        </p:cxnSp>
+        <p:cxnSp>
+          <p:nvCxnSpPr>
+            <p:cNvPr id="218" name="Straight Connector 217"/>
+            <p:cNvCxnSpPr/>
+            <p:nvPr/>
+          </p:nvCxnSpPr>
+          <p:spPr>
+            <a:xfrm flipV="1">
+              <a:off x="7121433" y="377952"/>
+              <a:ext cx="251067" cy="231648"/>
+            </a:xfrm>
+            <a:prstGeom prst="line">
+              <a:avLst/>
+            </a:prstGeom>
+          </p:spPr>
+          <p:style>
+            <a:lnRef idx="1">
+              <a:schemeClr val="accent1"/>
+            </a:lnRef>
+            <a:fillRef idx="0">
+              <a:schemeClr val="accent1"/>
+            </a:fillRef>
+            <a:effectRef idx="0">
+              <a:schemeClr val="accent1"/>
+            </a:effectRef>
+            <a:fontRef idx="minor">
+              <a:schemeClr val="tx1"/>
+            </a:fontRef>
+          </p:style>
+        </p:cxnSp>
+        <p:cxnSp>
+          <p:nvCxnSpPr>
+            <p:cNvPr id="219" name="Straight Connector 218"/>
+            <p:cNvCxnSpPr/>
+            <p:nvPr/>
+          </p:nvCxnSpPr>
+          <p:spPr>
+            <a:xfrm flipV="1">
+              <a:off x="7259158" y="377952"/>
+              <a:ext cx="251067" cy="231648"/>
+            </a:xfrm>
+            <a:prstGeom prst="line">
+              <a:avLst/>
+            </a:prstGeom>
+          </p:spPr>
+          <p:style>
+            <a:lnRef idx="1">
+              <a:schemeClr val="accent1"/>
+            </a:lnRef>
+            <a:fillRef idx="0">
+              <a:schemeClr val="accent1"/>
+            </a:fillRef>
+            <a:effectRef idx="0">
+              <a:schemeClr val="accent1"/>
+            </a:effectRef>
+            <a:fontRef idx="minor">
+              <a:schemeClr val="tx1"/>
+            </a:fontRef>
+          </p:style>
+        </p:cxnSp>
+        <p:cxnSp>
+          <p:nvCxnSpPr>
+            <p:cNvPr id="220" name="Straight Connector 219"/>
+            <p:cNvCxnSpPr/>
+            <p:nvPr/>
+          </p:nvCxnSpPr>
+          <p:spPr>
+            <a:xfrm flipV="1">
+              <a:off x="7384691" y="377952"/>
+              <a:ext cx="251067" cy="231648"/>
+            </a:xfrm>
+            <a:prstGeom prst="line">
+              <a:avLst/>
+            </a:prstGeom>
+          </p:spPr>
+          <p:style>
+            <a:lnRef idx="1">
+              <a:schemeClr val="accent1"/>
+            </a:lnRef>
+            <a:fillRef idx="0">
+              <a:schemeClr val="accent1"/>
+            </a:fillRef>
+            <a:effectRef idx="0">
+              <a:schemeClr val="accent1"/>
+            </a:effectRef>
+            <a:fontRef idx="minor">
+              <a:schemeClr val="tx1"/>
+            </a:fontRef>
+          </p:style>
+        </p:cxnSp>
+        <p:cxnSp>
+          <p:nvCxnSpPr>
+            <p:cNvPr id="221" name="Straight Connector 220"/>
+            <p:cNvCxnSpPr/>
+            <p:nvPr/>
+          </p:nvCxnSpPr>
+          <p:spPr>
+            <a:xfrm flipV="1">
+              <a:off x="7505258" y="377952"/>
+              <a:ext cx="251067" cy="231648"/>
+            </a:xfrm>
+            <a:prstGeom prst="line">
+              <a:avLst/>
+            </a:prstGeom>
+          </p:spPr>
+          <p:style>
+            <a:lnRef idx="1">
+              <a:schemeClr val="accent1"/>
+            </a:lnRef>
+            <a:fillRef idx="0">
+              <a:schemeClr val="accent1"/>
+            </a:fillRef>
+            <a:effectRef idx="0">
+              <a:schemeClr val="accent1"/>
+            </a:effectRef>
+            <a:fontRef idx="minor">
+              <a:schemeClr val="tx1"/>
+            </a:fontRef>
+          </p:style>
+        </p:cxnSp>
+        <p:cxnSp>
+          <p:nvCxnSpPr>
+            <p:cNvPr id="222" name="Straight Connector 221"/>
+            <p:cNvCxnSpPr/>
+            <p:nvPr/>
+          </p:nvCxnSpPr>
+          <p:spPr>
+            <a:xfrm flipV="1">
+              <a:off x="7630791" y="377952"/>
+              <a:ext cx="251067" cy="231648"/>
+            </a:xfrm>
+            <a:prstGeom prst="line">
+              <a:avLst/>
+            </a:prstGeom>
+          </p:spPr>
+          <p:style>
+            <a:lnRef idx="1">
+              <a:schemeClr val="accent1"/>
+            </a:lnRef>
+            <a:fillRef idx="0">
+              <a:schemeClr val="accent1"/>
+            </a:fillRef>
+            <a:effectRef idx="0">
+              <a:schemeClr val="accent1"/>
+            </a:effectRef>
+            <a:fontRef idx="minor">
+              <a:schemeClr val="tx1"/>
+            </a:fontRef>
+          </p:style>
+        </p:cxnSp>
+        <p:cxnSp>
+          <p:nvCxnSpPr>
+            <p:cNvPr id="223" name="Straight Connector 222"/>
+            <p:cNvCxnSpPr/>
+            <p:nvPr/>
+          </p:nvCxnSpPr>
+          <p:spPr>
+            <a:xfrm flipV="1">
+              <a:off x="7768516" y="377952"/>
+              <a:ext cx="251067" cy="231648"/>
+            </a:xfrm>
+            <a:prstGeom prst="line">
+              <a:avLst/>
+            </a:prstGeom>
+          </p:spPr>
+          <p:style>
+            <a:lnRef idx="1">
+              <a:schemeClr val="accent1"/>
+            </a:lnRef>
+            <a:fillRef idx="0">
+              <a:schemeClr val="accent1"/>
+            </a:fillRef>
+            <a:effectRef idx="0">
+              <a:schemeClr val="accent1"/>
+            </a:effectRef>
+            <a:fontRef idx="minor">
+              <a:schemeClr val="tx1"/>
+            </a:fontRef>
+          </p:style>
+        </p:cxnSp>
+        <p:cxnSp>
+          <p:nvCxnSpPr>
+            <p:cNvPr id="224" name="Straight Connector 223"/>
+            <p:cNvCxnSpPr/>
+            <p:nvPr/>
+          </p:nvCxnSpPr>
+          <p:spPr>
+            <a:xfrm flipV="1">
+              <a:off x="7894049" y="377952"/>
+              <a:ext cx="251067" cy="231648"/>
+            </a:xfrm>
+            <a:prstGeom prst="line">
+              <a:avLst/>
+            </a:prstGeom>
+          </p:spPr>
+          <p:style>
+            <a:lnRef idx="1">
+              <a:schemeClr val="accent1"/>
+            </a:lnRef>
+            <a:fillRef idx="0">
+              <a:schemeClr val="accent1"/>
+            </a:fillRef>
+            <a:effectRef idx="0">
+              <a:schemeClr val="accent1"/>
+            </a:effectRef>
+            <a:fontRef idx="minor">
+              <a:schemeClr val="tx1"/>
+            </a:fontRef>
+          </p:style>
+        </p:cxnSp>
+        <p:cxnSp>
+          <p:nvCxnSpPr>
+            <p:cNvPr id="225" name="Straight Connector 224"/>
+            <p:cNvCxnSpPr/>
+            <p:nvPr/>
+          </p:nvCxnSpPr>
+          <p:spPr>
+            <a:xfrm flipV="1">
+              <a:off x="8056698" y="377952"/>
+              <a:ext cx="251067" cy="231648"/>
+            </a:xfrm>
+            <a:prstGeom prst="line">
+              <a:avLst/>
+            </a:prstGeom>
+          </p:spPr>
+          <p:style>
+            <a:lnRef idx="1">
+              <a:schemeClr val="accent1"/>
+            </a:lnRef>
+            <a:fillRef idx="0">
+              <a:schemeClr val="accent1"/>
+            </a:fillRef>
+            <a:effectRef idx="0">
+              <a:schemeClr val="accent1"/>
+            </a:effectRef>
+            <a:fontRef idx="minor">
+              <a:schemeClr val="tx1"/>
+            </a:fontRef>
+          </p:style>
+        </p:cxnSp>
+        <p:cxnSp>
+          <p:nvCxnSpPr>
+            <p:cNvPr id="226" name="Straight Connector 225"/>
+            <p:cNvCxnSpPr/>
+            <p:nvPr/>
+          </p:nvCxnSpPr>
+          <p:spPr>
+            <a:xfrm flipV="1">
+              <a:off x="8182231" y="377952"/>
+              <a:ext cx="251067" cy="231648"/>
+            </a:xfrm>
+            <a:prstGeom prst="line">
+              <a:avLst/>
+            </a:prstGeom>
+          </p:spPr>
+          <p:style>
+            <a:lnRef idx="1">
+              <a:schemeClr val="accent1"/>
+            </a:lnRef>
+            <a:fillRef idx="0">
+              <a:schemeClr val="accent1"/>
+            </a:fillRef>
+            <a:effectRef idx="0">
+              <a:schemeClr val="accent1"/>
+            </a:effectRef>
+            <a:fontRef idx="minor">
+              <a:schemeClr val="tx1"/>
+            </a:fontRef>
+          </p:style>
+        </p:cxnSp>
+        <p:cxnSp>
+          <p:nvCxnSpPr>
+            <p:cNvPr id="227" name="Straight Connector 226"/>
+            <p:cNvCxnSpPr/>
+            <p:nvPr/>
+          </p:nvCxnSpPr>
+          <p:spPr>
+            <a:xfrm flipV="1">
+              <a:off x="8319956" y="377952"/>
+              <a:ext cx="251067" cy="231648"/>
+            </a:xfrm>
+            <a:prstGeom prst="line">
+              <a:avLst/>
+            </a:prstGeom>
+          </p:spPr>
+          <p:style>
+            <a:lnRef idx="1">
+              <a:schemeClr val="accent1"/>
+            </a:lnRef>
+            <a:fillRef idx="0">
+              <a:schemeClr val="accent1"/>
+            </a:fillRef>
+            <a:effectRef idx="0">
+              <a:schemeClr val="accent1"/>
+            </a:effectRef>
+            <a:fontRef idx="minor">
+              <a:schemeClr val="tx1"/>
+            </a:fontRef>
+          </p:style>
+        </p:cxnSp>
+        <p:cxnSp>
+          <p:nvCxnSpPr>
+            <p:cNvPr id="228" name="Straight Connector 227"/>
+            <p:cNvCxnSpPr/>
+            <p:nvPr/>
+          </p:nvCxnSpPr>
+          <p:spPr>
+            <a:xfrm flipV="1">
+              <a:off x="8445489" y="377952"/>
+              <a:ext cx="251067" cy="231648"/>
+            </a:xfrm>
+            <a:prstGeom prst="line">
+              <a:avLst/>
+            </a:prstGeom>
+          </p:spPr>
+          <p:style>
+            <a:lnRef idx="1">
+              <a:schemeClr val="accent1"/>
+            </a:lnRef>
+            <a:fillRef idx="0">
+              <a:schemeClr val="accent1"/>
+            </a:fillRef>
+            <a:effectRef idx="0">
+              <a:schemeClr val="accent1"/>
+            </a:effectRef>
+            <a:fontRef idx="minor">
+              <a:schemeClr val="tx1"/>
+            </a:fontRef>
+          </p:style>
+        </p:cxnSp>
+        <p:cxnSp>
+          <p:nvCxnSpPr>
+            <p:cNvPr id="229" name="Straight Connector 228"/>
+            <p:cNvCxnSpPr/>
+            <p:nvPr/>
+          </p:nvCxnSpPr>
+          <p:spPr>
+            <a:xfrm flipV="1">
+              <a:off x="8566056" y="377952"/>
+              <a:ext cx="251067" cy="231648"/>
+            </a:xfrm>
+            <a:prstGeom prst="line">
+              <a:avLst/>
+            </a:prstGeom>
+          </p:spPr>
+          <p:style>
+            <a:lnRef idx="1">
+              <a:schemeClr val="accent1"/>
+            </a:lnRef>
+            <a:fillRef idx="0">
+              <a:schemeClr val="accent1"/>
+            </a:fillRef>
+            <a:effectRef idx="0">
+              <a:schemeClr val="accent1"/>
+            </a:effectRef>
+            <a:fontRef idx="minor">
+              <a:schemeClr val="tx1"/>
+            </a:fontRef>
+          </p:style>
+        </p:cxnSp>
+        <p:cxnSp>
+          <p:nvCxnSpPr>
+            <p:cNvPr id="230" name="Straight Connector 229"/>
+            <p:cNvCxnSpPr/>
+            <p:nvPr/>
+          </p:nvCxnSpPr>
+          <p:spPr>
+            <a:xfrm flipV="1">
+              <a:off x="8691589" y="377952"/>
+              <a:ext cx="251067" cy="231648"/>
+            </a:xfrm>
+            <a:prstGeom prst="line">
+              <a:avLst/>
+            </a:prstGeom>
+          </p:spPr>
+          <p:style>
+            <a:lnRef idx="1">
+              <a:schemeClr val="accent1"/>
+            </a:lnRef>
+            <a:fillRef idx="0">
+              <a:schemeClr val="accent1"/>
+            </a:fillRef>
+            <a:effectRef idx="0">
+              <a:schemeClr val="accent1"/>
+            </a:effectRef>
+            <a:fontRef idx="minor">
+              <a:schemeClr val="tx1"/>
+            </a:fontRef>
+          </p:style>
+        </p:cxnSp>
+        <p:cxnSp>
+          <p:nvCxnSpPr>
+            <p:cNvPr id="231" name="Straight Connector 230"/>
+            <p:cNvCxnSpPr/>
+            <p:nvPr/>
+          </p:nvCxnSpPr>
+          <p:spPr>
+            <a:xfrm flipV="1">
+              <a:off x="8829314" y="377952"/>
+              <a:ext cx="251067" cy="231648"/>
+            </a:xfrm>
+            <a:prstGeom prst="line">
+              <a:avLst/>
+            </a:prstGeom>
+          </p:spPr>
+          <p:style>
+            <a:lnRef idx="1">
+              <a:schemeClr val="accent1"/>
+            </a:lnRef>
+            <a:fillRef idx="0">
+              <a:schemeClr val="accent1"/>
+            </a:fillRef>
+            <a:effectRef idx="0">
+              <a:schemeClr val="accent1"/>
+            </a:effectRef>
+            <a:fontRef idx="minor">
+              <a:schemeClr val="tx1"/>
+            </a:fontRef>
+          </p:style>
+        </p:cxnSp>
+        <p:cxnSp>
+          <p:nvCxnSpPr>
+            <p:cNvPr id="232" name="Straight Connector 231"/>
+            <p:cNvCxnSpPr/>
+            <p:nvPr/>
+          </p:nvCxnSpPr>
+          <p:spPr>
+            <a:xfrm flipV="1">
+              <a:off x="8954847" y="377952"/>
+              <a:ext cx="251067" cy="231648"/>
+            </a:xfrm>
+            <a:prstGeom prst="line">
+              <a:avLst/>
+            </a:prstGeom>
+          </p:spPr>
+          <p:style>
+            <a:lnRef idx="1">
+              <a:schemeClr val="accent1"/>
+            </a:lnRef>
+            <a:fillRef idx="0">
+              <a:schemeClr val="accent1"/>
+            </a:fillRef>
+            <a:effectRef idx="0">
+              <a:schemeClr val="accent1"/>
+            </a:effectRef>
+            <a:fontRef idx="minor">
+              <a:schemeClr val="tx1"/>
+            </a:fontRef>
+          </p:style>
+        </p:cxnSp>
+        <p:cxnSp>
+          <p:nvCxnSpPr>
+            <p:cNvPr id="233" name="Straight Connector 232"/>
+            <p:cNvCxnSpPr/>
+            <p:nvPr/>
+          </p:nvCxnSpPr>
+          <p:spPr>
+            <a:xfrm flipV="1">
+              <a:off x="9054135" y="377952"/>
+              <a:ext cx="251067" cy="231648"/>
+            </a:xfrm>
+            <a:prstGeom prst="line">
+              <a:avLst/>
+            </a:prstGeom>
+          </p:spPr>
+          <p:style>
+            <a:lnRef idx="1">
+              <a:schemeClr val="accent1"/>
+            </a:lnRef>
+            <a:fillRef idx="0">
+              <a:schemeClr val="accent1"/>
+            </a:fillRef>
+            <a:effectRef idx="0">
+              <a:schemeClr val="accent1"/>
+            </a:effectRef>
+            <a:fontRef idx="minor">
+              <a:schemeClr val="tx1"/>
+            </a:fontRef>
+          </p:style>
+        </p:cxnSp>
+        <p:cxnSp>
+          <p:nvCxnSpPr>
+            <p:cNvPr id="234" name="Straight Connector 233"/>
+            <p:cNvCxnSpPr/>
+            <p:nvPr/>
+          </p:nvCxnSpPr>
+          <p:spPr>
+            <a:xfrm flipV="1">
+              <a:off x="9179668" y="377952"/>
+              <a:ext cx="251067" cy="231648"/>
+            </a:xfrm>
+            <a:prstGeom prst="line">
+              <a:avLst/>
+            </a:prstGeom>
+          </p:spPr>
+          <p:style>
+            <a:lnRef idx="1">
+              <a:schemeClr val="accent1"/>
+            </a:lnRef>
+            <a:fillRef idx="0">
+              <a:schemeClr val="accent1"/>
+            </a:fillRef>
+            <a:effectRef idx="0">
+              <a:schemeClr val="accent1"/>
+            </a:effectRef>
+            <a:fontRef idx="minor">
+              <a:schemeClr val="tx1"/>
+            </a:fontRef>
+          </p:style>
+        </p:cxnSp>
+        <p:cxnSp>
+          <p:nvCxnSpPr>
+            <p:cNvPr id="235" name="Straight Connector 234"/>
+            <p:cNvCxnSpPr/>
+            <p:nvPr/>
+          </p:nvCxnSpPr>
+          <p:spPr>
+            <a:xfrm flipV="1">
+              <a:off x="9317393" y="377952"/>
+              <a:ext cx="251067" cy="231648"/>
+            </a:xfrm>
+            <a:prstGeom prst="line">
+              <a:avLst/>
+            </a:prstGeom>
+          </p:spPr>
+          <p:style>
+            <a:lnRef idx="1">
+              <a:schemeClr val="accent1"/>
+            </a:lnRef>
+            <a:fillRef idx="0">
+              <a:schemeClr val="accent1"/>
+            </a:fillRef>
+            <a:effectRef idx="0">
+              <a:schemeClr val="accent1"/>
+            </a:effectRef>
+            <a:fontRef idx="minor">
+              <a:schemeClr val="tx1"/>
+            </a:fontRef>
+          </p:style>
+        </p:cxnSp>
+        <p:cxnSp>
+          <p:nvCxnSpPr>
+            <p:cNvPr id="236" name="Straight Connector 235"/>
+            <p:cNvCxnSpPr/>
+            <p:nvPr/>
+          </p:nvCxnSpPr>
+          <p:spPr>
+            <a:xfrm flipV="1">
+              <a:off x="9442926" y="377952"/>
+              <a:ext cx="251067" cy="231648"/>
+            </a:xfrm>
+            <a:prstGeom prst="line">
+              <a:avLst/>
+            </a:prstGeom>
+          </p:spPr>
+          <p:style>
+            <a:lnRef idx="1">
+              <a:schemeClr val="accent1"/>
+            </a:lnRef>
+            <a:fillRef idx="0">
+              <a:schemeClr val="accent1"/>
+            </a:fillRef>
+            <a:effectRef idx="0">
+              <a:schemeClr val="accent1"/>
+            </a:effectRef>
+            <a:fontRef idx="minor">
+              <a:schemeClr val="tx1"/>
+            </a:fontRef>
+          </p:style>
+        </p:cxnSp>
+        <p:cxnSp>
+          <p:nvCxnSpPr>
+            <p:cNvPr id="237" name="Straight Connector 236"/>
+            <p:cNvCxnSpPr/>
+            <p:nvPr/>
+          </p:nvCxnSpPr>
+          <p:spPr>
+            <a:xfrm flipV="1">
+              <a:off x="9563493" y="377952"/>
+              <a:ext cx="251067" cy="231648"/>
+            </a:xfrm>
+            <a:prstGeom prst="line">
+              <a:avLst/>
+            </a:prstGeom>
+          </p:spPr>
+          <p:style>
+            <a:lnRef idx="1">
+              <a:schemeClr val="accent1"/>
+            </a:lnRef>
+            <a:fillRef idx="0">
+              <a:schemeClr val="accent1"/>
+            </a:fillRef>
+            <a:effectRef idx="0">
+              <a:schemeClr val="accent1"/>
+            </a:effectRef>
+            <a:fontRef idx="minor">
+              <a:schemeClr val="tx1"/>
+            </a:fontRef>
+          </p:style>
+        </p:cxnSp>
+        <p:cxnSp>
+          <p:nvCxnSpPr>
+            <p:cNvPr id="238" name="Straight Connector 237"/>
+            <p:cNvCxnSpPr/>
+            <p:nvPr/>
+          </p:nvCxnSpPr>
+          <p:spPr>
+            <a:xfrm flipV="1">
+              <a:off x="9689026" y="377952"/>
+              <a:ext cx="251067" cy="231648"/>
+            </a:xfrm>
+            <a:prstGeom prst="line">
+              <a:avLst/>
+            </a:prstGeom>
+          </p:spPr>
+          <p:style>
+            <a:lnRef idx="1">
+              <a:schemeClr val="accent1"/>
+            </a:lnRef>
+            <a:fillRef idx="0">
+              <a:schemeClr val="accent1"/>
+            </a:fillRef>
+            <a:effectRef idx="0">
+              <a:schemeClr val="accent1"/>
+            </a:effectRef>
+            <a:fontRef idx="minor">
+              <a:schemeClr val="tx1"/>
+            </a:fontRef>
+          </p:style>
+        </p:cxnSp>
+        <p:cxnSp>
+          <p:nvCxnSpPr>
+            <p:cNvPr id="239" name="Straight Connector 238"/>
+            <p:cNvCxnSpPr/>
+            <p:nvPr/>
+          </p:nvCxnSpPr>
+          <p:spPr>
+            <a:xfrm flipV="1">
+              <a:off x="9826751" y="377952"/>
+              <a:ext cx="251067" cy="231648"/>
+            </a:xfrm>
+            <a:prstGeom prst="line">
+              <a:avLst/>
+            </a:prstGeom>
+          </p:spPr>
+          <p:style>
+            <a:lnRef idx="1">
+              <a:schemeClr val="accent1"/>
+            </a:lnRef>
+            <a:fillRef idx="0">
+              <a:schemeClr val="accent1"/>
+            </a:fillRef>
+            <a:effectRef idx="0">
+              <a:schemeClr val="accent1"/>
+            </a:effectRef>
+            <a:fontRef idx="minor">
+              <a:schemeClr val="tx1"/>
+            </a:fontRef>
+          </p:style>
+        </p:cxnSp>
+        <p:cxnSp>
+          <p:nvCxnSpPr>
+            <p:cNvPr id="240" name="Straight Connector 239"/>
+            <p:cNvCxnSpPr/>
+            <p:nvPr/>
+          </p:nvCxnSpPr>
+          <p:spPr>
+            <a:xfrm flipV="1">
+              <a:off x="9952284" y="377952"/>
+              <a:ext cx="251067" cy="231648"/>
+            </a:xfrm>
+            <a:prstGeom prst="line">
+              <a:avLst/>
+            </a:prstGeom>
+          </p:spPr>
+          <p:style>
+            <a:lnRef idx="1">
+              <a:schemeClr val="accent1"/>
+            </a:lnRef>
+            <a:fillRef idx="0">
+              <a:schemeClr val="accent1"/>
+            </a:fillRef>
+            <a:effectRef idx="0">
+              <a:schemeClr val="accent1"/>
+            </a:effectRef>
+            <a:fontRef idx="minor">
+              <a:schemeClr val="tx1"/>
+            </a:fontRef>
+          </p:style>
+        </p:cxnSp>
+      </p:grpSp>
+      <p:sp>
+        <p:nvSpPr>
+          <p:cNvPr id="174" name="TextBox 159"/>
+          <p:cNvSpPr txBox="1"/>
+          <p:nvPr/>
+        </p:nvSpPr>
+        <p:spPr>
+          <a:xfrm>
+            <a:off x="7072579" y="2826606"/>
+            <a:ext cx="1701107" cy="369332"/>
+          </a:xfrm>
+          <a:prstGeom prst="rect">
+            <a:avLst/>
+          </a:prstGeom>
+          <a:noFill/>
+        </p:spPr>
+        <p:txBody>
+          <a:bodyPr wrap="none" rtlCol="0">
+            <a:spAutoFit/>
+          </a:bodyPr>
+          <a:lstStyle>
+            <a:defPPr>
+              <a:defRPr lang="en-US"/>
+            </a:defPPr>
+            <a:lvl1pPr marL="0" algn="l" defTabSz="914400" rtl="0" eaLnBrk="1" latinLnBrk="0" hangingPunct="1">
+              <a:defRPr sz="1800" kern="1200">
+                <a:solidFill>
+                  <a:schemeClr val="tx1"/>
+                </a:solidFill>
+                <a:latin typeface="+mn-lt"/>
+                <a:ea typeface="+mn-ea"/>
+                <a:cs typeface="+mn-cs"/>
+              </a:defRPr>
+            </a:lvl1pPr>
+            <a:lvl2pPr marL="457200" algn="l" defTabSz="914400" rtl="0" eaLnBrk="1" latinLnBrk="0" hangingPunct="1">
+              <a:defRPr sz="1800" kern="1200">
+                <a:solidFill>
+                  <a:schemeClr val="tx1"/>
+                </a:solidFill>
+                <a:latin typeface="+mn-lt"/>
+                <a:ea typeface="+mn-ea"/>
+                <a:cs typeface="+mn-cs"/>
+              </a:defRPr>
+            </a:lvl2pPr>
+            <a:lvl3pPr marL="914400" algn="l" defTabSz="914400" rtl="0" eaLnBrk="1" latinLnBrk="0" hangingPunct="1">
+              <a:defRPr sz="1800" kern="1200">
+                <a:solidFill>
+                  <a:schemeClr val="tx1"/>
+                </a:solidFill>
+                <a:latin typeface="+mn-lt"/>
+                <a:ea typeface="+mn-ea"/>
+                <a:cs typeface="+mn-cs"/>
+              </a:defRPr>
+            </a:lvl3pPr>
+            <a:lvl4pPr marL="1371600" algn="l" defTabSz="914400" rtl="0" eaLnBrk="1" latinLnBrk="0" hangingPunct="1">
+              <a:defRPr sz="1800" kern="1200">
+                <a:solidFill>
+                  <a:schemeClr val="tx1"/>
+                </a:solidFill>
+                <a:latin typeface="+mn-lt"/>
+                <a:ea typeface="+mn-ea"/>
+                <a:cs typeface="+mn-cs"/>
+              </a:defRPr>
+            </a:lvl4pPr>
+            <a:lvl5pPr marL="1828800" algn="l" defTabSz="914400" rtl="0" eaLnBrk="1" latinLnBrk="0" hangingPunct="1">
+              <a:defRPr sz="1800" kern="1200">
+                <a:solidFill>
+                  <a:schemeClr val="tx1"/>
+                </a:solidFill>
+                <a:latin typeface="+mn-lt"/>
+                <a:ea typeface="+mn-ea"/>
+                <a:cs typeface="+mn-cs"/>
+              </a:defRPr>
+            </a:lvl5pPr>
+            <a:lvl6pPr marL="2286000" algn="l" defTabSz="914400" rtl="0" eaLnBrk="1" latinLnBrk="0" hangingPunct="1">
+              <a:defRPr sz="1800" kern="1200">
+                <a:solidFill>
+                  <a:schemeClr val="tx1"/>
+                </a:solidFill>
+                <a:latin typeface="+mn-lt"/>
+                <a:ea typeface="+mn-ea"/>
+                <a:cs typeface="+mn-cs"/>
+              </a:defRPr>
+            </a:lvl6pPr>
+            <a:lvl7pPr marL="2743200" algn="l" defTabSz="914400" rtl="0" eaLnBrk="1" latinLnBrk="0" hangingPunct="1">
+              <a:defRPr sz="1800" kern="1200">
+                <a:solidFill>
+                  <a:schemeClr val="tx1"/>
+                </a:solidFill>
+                <a:latin typeface="+mn-lt"/>
+                <a:ea typeface="+mn-ea"/>
+                <a:cs typeface="+mn-cs"/>
+              </a:defRPr>
+            </a:lvl7pPr>
+            <a:lvl8pPr marL="3200400" algn="l" defTabSz="914400" rtl="0" eaLnBrk="1" latinLnBrk="0" hangingPunct="1">
+              <a:defRPr sz="1800" kern="1200">
+                <a:solidFill>
+                  <a:schemeClr val="tx1"/>
+                </a:solidFill>
+                <a:latin typeface="+mn-lt"/>
+                <a:ea typeface="+mn-ea"/>
+                <a:cs typeface="+mn-cs"/>
+              </a:defRPr>
+            </a:lvl8pPr>
+            <a:lvl9pPr marL="3657600" algn="l" defTabSz="914400" rtl="0" eaLnBrk="1" latinLnBrk="0" hangingPunct="1">
+              <a:defRPr sz="1800" kern="1200">
+                <a:solidFill>
+                  <a:schemeClr val="tx1"/>
+                </a:solidFill>
+                <a:latin typeface="+mn-lt"/>
+                <a:ea typeface="+mn-ea"/>
+                <a:cs typeface="+mn-cs"/>
+              </a:defRPr>
+            </a:lvl9pPr>
+          </a:lstStyle>
+          <a:p>
+            <a:r>
+              <a:rPr lang="en-US" dirty="0" smtClean="0"/>
+              <a:t>253 = min south</a:t>
+            </a:r>
+            <a:endParaRPr lang="en-US" dirty="0"/>
+          </a:p>
+        </p:txBody>
+      </p:sp>
+      <p:sp>
+        <p:nvSpPr>
+          <p:cNvPr id="175" name="TextBox 160"/>
+          <p:cNvSpPr txBox="1"/>
+          <p:nvPr/>
+        </p:nvSpPr>
+        <p:spPr>
+          <a:xfrm>
+            <a:off x="7067161" y="3430111"/>
+            <a:ext cx="1734257" cy="369332"/>
+          </a:xfrm>
+          <a:prstGeom prst="rect">
+            <a:avLst/>
+          </a:prstGeom>
+          <a:noFill/>
+        </p:spPr>
+        <p:txBody>
+          <a:bodyPr wrap="none" rtlCol="0">
+            <a:spAutoFit/>
+          </a:bodyPr>
+          <a:lstStyle>
+            <a:defPPr>
+              <a:defRPr lang="en-US"/>
+            </a:defPPr>
+            <a:lvl1pPr marL="0" algn="l" defTabSz="914400" rtl="0" eaLnBrk="1" latinLnBrk="0" hangingPunct="1">
+              <a:defRPr sz="1800" kern="1200">
+                <a:solidFill>
+                  <a:schemeClr val="tx1"/>
+                </a:solidFill>
+                <a:latin typeface="+mn-lt"/>
+                <a:ea typeface="+mn-ea"/>
+                <a:cs typeface="+mn-cs"/>
+              </a:defRPr>
+            </a:lvl1pPr>
+            <a:lvl2pPr marL="457200" algn="l" defTabSz="914400" rtl="0" eaLnBrk="1" latinLnBrk="0" hangingPunct="1">
+              <a:defRPr sz="1800" kern="1200">
+                <a:solidFill>
+                  <a:schemeClr val="tx1"/>
+                </a:solidFill>
+                <a:latin typeface="+mn-lt"/>
+                <a:ea typeface="+mn-ea"/>
+                <a:cs typeface="+mn-cs"/>
+              </a:defRPr>
+            </a:lvl2pPr>
+            <a:lvl3pPr marL="914400" algn="l" defTabSz="914400" rtl="0" eaLnBrk="1" latinLnBrk="0" hangingPunct="1">
+              <a:defRPr sz="1800" kern="1200">
+                <a:solidFill>
+                  <a:schemeClr val="tx1"/>
+                </a:solidFill>
+                <a:latin typeface="+mn-lt"/>
+                <a:ea typeface="+mn-ea"/>
+                <a:cs typeface="+mn-cs"/>
+              </a:defRPr>
+            </a:lvl3pPr>
+            <a:lvl4pPr marL="1371600" algn="l" defTabSz="914400" rtl="0" eaLnBrk="1" latinLnBrk="0" hangingPunct="1">
+              <a:defRPr sz="1800" kern="1200">
+                <a:solidFill>
+                  <a:schemeClr val="tx1"/>
+                </a:solidFill>
+                <a:latin typeface="+mn-lt"/>
+                <a:ea typeface="+mn-ea"/>
+                <a:cs typeface="+mn-cs"/>
+              </a:defRPr>
+            </a:lvl4pPr>
+            <a:lvl5pPr marL="1828800" algn="l" defTabSz="914400" rtl="0" eaLnBrk="1" latinLnBrk="0" hangingPunct="1">
+              <a:defRPr sz="1800" kern="1200">
+                <a:solidFill>
+                  <a:schemeClr val="tx1"/>
+                </a:solidFill>
+                <a:latin typeface="+mn-lt"/>
+                <a:ea typeface="+mn-ea"/>
+                <a:cs typeface="+mn-cs"/>
+              </a:defRPr>
+            </a:lvl5pPr>
+            <a:lvl6pPr marL="2286000" algn="l" defTabSz="914400" rtl="0" eaLnBrk="1" latinLnBrk="0" hangingPunct="1">
+              <a:defRPr sz="1800" kern="1200">
+                <a:solidFill>
+                  <a:schemeClr val="tx1"/>
+                </a:solidFill>
+                <a:latin typeface="+mn-lt"/>
+                <a:ea typeface="+mn-ea"/>
+                <a:cs typeface="+mn-cs"/>
+              </a:defRPr>
+            </a:lvl6pPr>
+            <a:lvl7pPr marL="2743200" algn="l" defTabSz="914400" rtl="0" eaLnBrk="1" latinLnBrk="0" hangingPunct="1">
+              <a:defRPr sz="1800" kern="1200">
+                <a:solidFill>
+                  <a:schemeClr val="tx1"/>
+                </a:solidFill>
+                <a:latin typeface="+mn-lt"/>
+                <a:ea typeface="+mn-ea"/>
+                <a:cs typeface="+mn-cs"/>
+              </a:defRPr>
+            </a:lvl7pPr>
+            <a:lvl8pPr marL="3200400" algn="l" defTabSz="914400" rtl="0" eaLnBrk="1" latinLnBrk="0" hangingPunct="1">
+              <a:defRPr sz="1800" kern="1200">
+                <a:solidFill>
+                  <a:schemeClr val="tx1"/>
+                </a:solidFill>
+                <a:latin typeface="+mn-lt"/>
+                <a:ea typeface="+mn-ea"/>
+                <a:cs typeface="+mn-cs"/>
+              </a:defRPr>
+            </a:lvl8pPr>
+            <a:lvl9pPr marL="3657600" algn="l" defTabSz="914400" rtl="0" eaLnBrk="1" latinLnBrk="0" hangingPunct="1">
+              <a:defRPr sz="1800" kern="1200">
+                <a:solidFill>
+                  <a:schemeClr val="tx1"/>
+                </a:solidFill>
+                <a:latin typeface="+mn-lt"/>
+                <a:ea typeface="+mn-ea"/>
+                <a:cs typeface="+mn-cs"/>
+              </a:defRPr>
+            </a:lvl9pPr>
+          </a:lstStyle>
+          <a:p>
+            <a:r>
+              <a:rPr lang="en-US" dirty="0" smtClean="0"/>
+              <a:t>260 = max south</a:t>
+            </a:r>
+            <a:endParaRPr lang="en-US" dirty="0"/>
+          </a:p>
+        </p:txBody>
+      </p:sp>
+      <p:sp>
+        <p:nvSpPr>
+          <p:cNvPr id="318" name="TextBox 317"/>
+          <p:cNvSpPr txBox="1"/>
+          <p:nvPr/>
+        </p:nvSpPr>
+        <p:spPr>
+          <a:xfrm>
+            <a:off x="159643" y="347218"/>
+            <a:ext cx="5664949" cy="369332"/>
+          </a:xfrm>
+          <a:prstGeom prst="rect">
+            <a:avLst/>
+          </a:prstGeom>
+          <a:noFill/>
+        </p:spPr>
+        <p:txBody>
+          <a:bodyPr wrap="none" rtlCol="0">
+            <a:spAutoFit/>
+          </a:bodyPr>
+          <a:lstStyle/>
+          <a:p>
+            <a:r>
+              <a:rPr lang="en-US" dirty="0" err="1"/>
+              <a:t>compass.setCalibration</a:t>
+            </a:r>
+            <a:r>
+              <a:rPr lang="en-US" dirty="0"/>
+              <a:t>(-891, 1147, -1741, 433, -177, 250);</a:t>
+            </a:r>
+            <a:endParaRPr lang="en-US" dirty="0"/>
+          </a:p>
+        </p:txBody>
+      </p:sp>
+    </p:spTree>
+    <p:extLst>
+      <p:ext uri="{BB962C8B-B14F-4D97-AF65-F5344CB8AC3E}">
+        <p14:creationId xmlns:p14="http://schemas.microsoft.com/office/powerpoint/2010/main" val="3629499790"/>
+      </p:ext>
+    </p:extLst>
+  </p:cSld>
+  <p:clrMapOvr>
+    <a:masterClrMapping/>
+  </p:clrMapOvr>
+  <p:timing>
+    <p:tnLst>
+      <p:par>
+        <p:cTn id="1" dur="indefinite" restart="never" nodeType="tmRoot"/>
+      </p:par>
+    </p:tnLst>
+  </p:timing>
+</p:sld>
+</file>
+
+<file path=ppt/slides/slide4.xml><?xml version="1.0" encoding="utf-8"?>
+<p:sld xmlns:a="http://schemas.openxmlformats.org/drawingml/2006/main" xmlns:r="http://schemas.openxmlformats.org/officeDocument/2006/relationships" xmlns:p="http://schemas.openxmlformats.org/presentationml/2006/main">
+  <p:cSld>
+    <p:spTree>
+      <p:nvGrpSpPr>
+        <p:cNvPr id="1" name=""/>
+        <p:cNvGrpSpPr/>
+        <p:nvPr/>
+      </p:nvGrpSpPr>
+      <p:grpSpPr>
+        <a:xfrm>
+          <a:off x="0" y="0"/>
+          <a:ext cx="0" cy="0"/>
+          <a:chOff x="0" y="0"/>
+          <a:chExt cx="0" cy="0"/>
+        </a:xfrm>
+      </p:grpSpPr>
+      <p:grpSp>
+        <p:nvGrpSpPr>
           <p:cNvPr id="2" name="Group 1"/>
           <p:cNvGrpSpPr/>
           <p:nvPr/>
         </p:nvGrpSpPr>
         <p:grpSpPr>
           <a:xfrm>
-            <a:off x="3618112" y="1402080"/>
+            <a:off x="3560055" y="2374537"/>
             <a:ext cx="2874059" cy="2435578"/>
             <a:chOff x="33664" y="85344"/>
             <a:chExt cx="2874059" cy="2435578"/>
@@ -10171,8 +16196,8 @@
             </p:nvSpPr>
             <p:spPr>
               <a:xfrm>
-                <a:off x="5347186" y="124444"/>
-                <a:ext cx="497252" cy="338554"/>
+                <a:off x="5565194" y="124444"/>
+                <a:ext cx="279244" cy="338554"/>
               </a:xfrm>
               <a:prstGeom prst="rect">
                 <a:avLst/>
@@ -10192,7 +16217,7 @@
                       <a:srgbClr val="7030A0"/>
                     </a:solidFill>
                   </a:rPr>
-                  <a:t>230</a:t>
+                  <a:t>?</a:t>
                 </a:r>
                 <a:endParaRPr lang="en-US" sz="1600" b="1" dirty="0">
                   <a:solidFill>
@@ -10231,7 +16256,7 @@
                       <a:srgbClr val="7030A0"/>
                     </a:solidFill>
                   </a:rPr>
-                  <a:t>300</a:t>
+                  <a:t>335</a:t>
                 </a:r>
                 <a:endParaRPr lang="en-US" sz="1600" b="1" dirty="0">
                   <a:solidFill>
@@ -10250,7 +16275,53 @@
             <p:spPr>
               <a:xfrm>
                 <a:off x="2970379" y="124444"/>
-                <a:ext cx="497252" cy="338554"/>
+                <a:ext cx="393056" cy="338554"/>
+              </a:xfrm>
+              <a:prstGeom prst="rect">
+                <a:avLst/>
+              </a:prstGeom>
+              <a:noFill/>
+            </p:spPr>
+            <p:txBody>
+              <a:bodyPr wrap="none" rtlCol="0">
+                <a:spAutoFit/>
+              </a:bodyPr>
+              <a:lstStyle/>
+              <a:p>
+                <a:r>
+                  <a:rPr lang="en-US" sz="1600" b="1" dirty="0">
+                    <a:solidFill>
+                      <a:srgbClr val="7030A0"/>
+                    </a:solidFill>
+                  </a:rPr>
+                  <a:t>9</a:t>
+                </a:r>
+                <a:r>
+                  <a:rPr lang="en-US" sz="1600" b="1" dirty="0" smtClean="0">
+                    <a:solidFill>
+                      <a:srgbClr val="7030A0"/>
+                    </a:solidFill>
+                  </a:rPr>
+                  <a:t>0</a:t>
+                </a:r>
+                <a:endParaRPr lang="en-US" sz="1600" b="1" dirty="0">
+                  <a:solidFill>
+                    <a:srgbClr val="7030A0"/>
+                  </a:solidFill>
+                </a:endParaRPr>
+              </a:p>
+            </p:txBody>
+          </p:sp>
+          <p:sp>
+            <p:nvSpPr>
+              <p:cNvPr id="14" name="TextBox 13"/>
+              <p:cNvSpPr txBox="1"/>
+              <p:nvPr/>
+            </p:nvSpPr>
+            <p:spPr>
+              <a:xfrm>
+                <a:off x="2970379" y="2097024"/>
+                <a:ext cx="393056" cy="338554"/>
               </a:xfrm>
               <a:prstGeom prst="rect">
                 <a:avLst/>
@@ -10269,45 +16340,7 @@
                       <a:srgbClr val="7030A0"/>
                     </a:solidFill>
                   </a:rPr>
-                  <a:t>170</a:t>
-                </a:r>
-                <a:endParaRPr lang="en-US" sz="1600" b="1" dirty="0">
-                  <a:solidFill>
-                    <a:srgbClr val="7030A0"/>
-                  </a:solidFill>
-                </a:endParaRPr>
-              </a:p>
-            </p:txBody>
-          </p:sp>
-          <p:sp>
-            <p:nvSpPr>
-              <p:cNvPr id="14" name="TextBox 13"/>
-              <p:cNvSpPr txBox="1"/>
-              <p:nvPr/>
-            </p:nvSpPr>
-            <p:spPr>
-              <a:xfrm>
-                <a:off x="2970379" y="2097024"/>
-                <a:ext cx="497252" cy="338554"/>
-              </a:xfrm>
-              <a:prstGeom prst="rect">
-                <a:avLst/>
-              </a:prstGeom>
-              <a:noFill/>
-            </p:spPr>
-            <p:txBody>
-              <a:bodyPr wrap="none" rtlCol="0">
-                <a:spAutoFit/>
-              </a:bodyPr>
-              <a:lstStyle/>
-              <a:p>
-                <a:r>
-                  <a:rPr lang="en-US" sz="1600" b="1" dirty="0" smtClean="0">
-                    <a:solidFill>
-                      <a:srgbClr val="7030A0"/>
-                    </a:solidFill>
-                  </a:rPr>
-                  <a:t>100</a:t>
+                  <a:t>50</a:t>
                 </a:r>
                 <a:endParaRPr lang="en-US" sz="1600" b="1" dirty="0">
                   <a:solidFill>
@@ -10502,7 +16535,7 @@
         </p:nvCxnSpPr>
         <p:spPr>
           <a:xfrm>
-            <a:off x="5583936" y="2621280"/>
+            <a:off x="5525879" y="3593737"/>
             <a:ext cx="619373" cy="0"/>
           </a:xfrm>
           <a:prstGeom prst="straightConnector1">
@@ -10535,7 +16568,7 @@
         </p:nvCxnSpPr>
         <p:spPr>
           <a:xfrm flipH="1">
-            <a:off x="3817305" y="2621280"/>
+            <a:off x="3759248" y="3593737"/>
             <a:ext cx="619373" cy="0"/>
           </a:xfrm>
           <a:prstGeom prst="straightConnector1">
@@ -10568,7 +16601,7 @@
         </p:nvCxnSpPr>
         <p:spPr>
           <a:xfrm rot="16200000">
-            <a:off x="4707322" y="1742860"/>
+            <a:off x="4649265" y="2715317"/>
             <a:ext cx="619373" cy="0"/>
           </a:xfrm>
           <a:prstGeom prst="straightConnector1">
@@ -10601,7 +16634,7 @@
         </p:nvCxnSpPr>
         <p:spPr>
           <a:xfrm rot="5400000">
-            <a:off x="4658553" y="3413760"/>
+            <a:off x="4600496" y="4386217"/>
             <a:ext cx="619373" cy="0"/>
           </a:xfrm>
           <a:prstGeom prst="straightConnector1">
@@ -10634,7 +16667,7 @@
         </p:nvSpPr>
         <p:spPr>
           <a:xfrm>
-            <a:off x="6089195" y="2397139"/>
+            <a:off x="6074588" y="3423049"/>
             <a:ext cx="497252" cy="338554"/>
           </a:xfrm>
           <a:prstGeom prst="rect">
@@ -10655,7 +16688,7 @@
                   <a:srgbClr val="7030A0"/>
                 </a:solidFill>
               </a:rPr>
-              <a:t>257</a:t>
+              <a:t>305</a:t>
             </a:r>
             <a:endParaRPr lang="en-US" sz="1600" b="1" dirty="0">
               <a:solidFill>
@@ -10673,7 +16706,7 @@
         </p:nvSpPr>
         <p:spPr>
           <a:xfrm>
-            <a:off x="4664186" y="1006059"/>
+            <a:off x="4606129" y="1978516"/>
             <a:ext cx="497252" cy="338554"/>
           </a:xfrm>
           <a:prstGeom prst="rect">
@@ -10694,7 +16727,7 @@
                   <a:srgbClr val="7030A0"/>
                 </a:solidFill>
               </a:rPr>
-              <a:t>198</a:t>
+              <a:t>250</a:t>
             </a:r>
             <a:endParaRPr lang="en-US" sz="1600" b="1" dirty="0">
               <a:solidFill>
@@ -10712,8 +16745,8 @@
         </p:nvSpPr>
         <p:spPr>
           <a:xfrm>
-            <a:off x="2977953" y="2450592"/>
-            <a:ext cx="497252" cy="338554"/>
+            <a:off x="2376478" y="3423049"/>
+            <a:ext cx="1040670" cy="338554"/>
           </a:xfrm>
           <a:prstGeom prst="rect">
             <a:avLst/>
@@ -10733,7 +16766,7 @@
                   <a:srgbClr val="7030A0"/>
                 </a:solidFill>
               </a:rPr>
-              <a:t>148</a:t>
+              <a:t>70(65~75)</a:t>
             </a:r>
             <a:endParaRPr lang="en-US" sz="1600" b="1" dirty="0">
               <a:solidFill>
@@ -10751,8 +16784,8 @@
         </p:nvSpPr>
         <p:spPr>
           <a:xfrm>
-            <a:off x="4299838" y="3680573"/>
-            <a:ext cx="1303562" cy="338554"/>
+            <a:off x="4727127" y="4695904"/>
+            <a:ext cx="393056" cy="338554"/>
           </a:xfrm>
           <a:prstGeom prst="rect">
             <a:avLst/>
@@ -10772,15 +16805,7 @@
                   <a:srgbClr val="7030A0"/>
                 </a:solidFill>
               </a:rPr>
-              <a:t>x&lt;100</a:t>
-            </a:r>
-            <a:r>
-              <a:rPr lang="en-US" sz="1600" b="1" dirty="0" smtClean="0">
-                <a:solidFill>
-                  <a:srgbClr val="7030A0"/>
-                </a:solidFill>
-              </a:rPr>
-              <a:t>, x&gt;300</a:t>
+              <a:t>14</a:t>
             </a:r>
             <a:endParaRPr lang="en-US" sz="1600" b="1" dirty="0">
               <a:solidFill>
@@ -10798,7 +16823,7 @@
         </p:nvSpPr>
         <p:spPr>
           <a:xfrm>
-            <a:off x="6680724" y="2397139"/>
+            <a:off x="6622667" y="3369596"/>
             <a:ext cx="1700145" cy="369332"/>
           </a:xfrm>
           <a:prstGeom prst="rect">
@@ -10838,7 +16863,7 @@
         </p:nvGrpSpPr>
         <p:grpSpPr>
           <a:xfrm>
-            <a:off x="1828800" y="377952"/>
+            <a:off x="1770743" y="1350409"/>
             <a:ext cx="8374551" cy="231648"/>
             <a:chOff x="1828800" y="377952"/>
             <a:chExt cx="8374551" cy="231648"/>
@@ -12803,7 +18828,7 @@
         </p:nvGrpSpPr>
         <p:grpSpPr>
           <a:xfrm flipH="1" flipV="1">
-            <a:off x="1828800" y="4383243"/>
+            <a:off x="1770743" y="5355700"/>
             <a:ext cx="8374551" cy="231648"/>
             <a:chOff x="1828800" y="377952"/>
             <a:chExt cx="8374551" cy="231648"/>
@@ -14768,7 +20793,7 @@
         </p:nvSpPr>
         <p:spPr>
           <a:xfrm>
-            <a:off x="6905591" y="2127089"/>
+            <a:off x="6847534" y="3099546"/>
             <a:ext cx="1701107" cy="369332"/>
           </a:xfrm>
           <a:prstGeom prst="rect">
@@ -14784,7 +20809,15 @@
           <a:p>
             <a:r>
               <a:rPr lang="en-US" dirty="0" smtClean="0"/>
-              <a:t>253 = min south</a:t>
+              <a:t>300</a:t>
+            </a:r>
+            <a:r>
+              <a:rPr lang="en-US" dirty="0" smtClean="0"/>
+              <a:t> </a:t>
+            </a:r>
+            <a:r>
+              <a:rPr lang="en-US" dirty="0" smtClean="0"/>
+              <a:t>= min south</a:t>
             </a:r>
             <a:endParaRPr lang="en-US" dirty="0"/>
           </a:p>
@@ -14798,8 +20831,8 @@
         </p:nvSpPr>
         <p:spPr>
           <a:xfrm>
-            <a:off x="6900173" y="2730594"/>
-            <a:ext cx="1734257" cy="369332"/>
+            <a:off x="6842116" y="3703051"/>
+            <a:ext cx="1787156" cy="369332"/>
           </a:xfrm>
           <a:prstGeom prst="rect">
             <a:avLst/>
@@ -14813,17 +20846,62 @@
           <a:lstStyle/>
           <a:p>
             <a:r>
+              <a:rPr lang="en-US" dirty="0"/>
+              <a:t> </a:t>
+            </a:r>
+            <a:r>
               <a:rPr lang="en-US" dirty="0" smtClean="0"/>
-              <a:t>260 = max south</a:t>
+              <a:t>311</a:t>
+            </a:r>
+            <a:r>
+              <a:rPr lang="en-US" dirty="0" smtClean="0"/>
+              <a:t> </a:t>
+            </a:r>
+            <a:r>
+              <a:rPr lang="en-US" dirty="0" smtClean="0"/>
+              <a:t>= max south</a:t>
             </a:r>
             <a:endParaRPr lang="en-US" dirty="0"/>
+          </a:p>
+        </p:txBody>
+      </p:sp>
+      <p:sp>
+        <p:nvSpPr>
+          <p:cNvPr id="15" name="TextBox 14"/>
+          <p:cNvSpPr txBox="1"/>
+          <p:nvPr/>
+        </p:nvSpPr>
+        <p:spPr>
+          <a:xfrm>
+            <a:off x="146296" y="826892"/>
+            <a:ext cx="5296258" cy="369332"/>
+          </a:xfrm>
+          <a:prstGeom prst="rect">
+            <a:avLst/>
+          </a:prstGeom>
+          <a:noFill/>
+        </p:spPr>
+        <p:txBody>
+          <a:bodyPr wrap="none" rtlCol="0">
+            <a:spAutoFit/>
+          </a:bodyPr>
+          <a:lstStyle/>
+          <a:p>
+            <a:r>
+              <a:rPr lang="en-US"/>
+              <a:t>compass.setCalibration</a:t>
+            </a:r>
+            <a:r>
+              <a:rPr lang="en-US" dirty="0"/>
+              <a:t>(0, 3072, -938, 743, -268, 133); </a:t>
+            </a:r>
           </a:p>
         </p:txBody>
       </p:sp>
     </p:spTree>
     <p:extLst>
       <p:ext uri="{BB962C8B-B14F-4D97-AF65-F5344CB8AC3E}">
-        <p14:creationId xmlns:p14="http://schemas.microsoft.com/office/powerpoint/2010/main" val="3629499790"/>
+        <p14:creationId xmlns:p14="http://schemas.microsoft.com/office/powerpoint/2010/main" val="2654428526"/>
       </p:ext>
     </p:extLst>
   </p:cSld>
@@ -14840,7 +20918,2987 @@
 </p:sld>
 </file>
 
-<file path=ppt/slides/slide4.xml><?xml version="1.0" encoding="utf-8"?>
+<file path=ppt/slides/slide5.xml><?xml version="1.0" encoding="utf-8"?>
+<p:sld xmlns:a="http://schemas.openxmlformats.org/drawingml/2006/main" xmlns:r="http://schemas.openxmlformats.org/officeDocument/2006/relationships" xmlns:p="http://schemas.openxmlformats.org/presentationml/2006/main">
+  <p:cSld>
+    <p:spTree>
+      <p:nvGrpSpPr>
+        <p:cNvPr id="1" name=""/>
+        <p:cNvGrpSpPr/>
+        <p:nvPr/>
+      </p:nvGrpSpPr>
+      <p:grpSpPr>
+        <a:xfrm>
+          <a:off x="0" y="0"/>
+          <a:ext cx="0" cy="0"/>
+          <a:chOff x="0" y="0"/>
+          <a:chExt cx="0" cy="0"/>
+        </a:xfrm>
+      </p:grpSpPr>
+      <p:grpSp>
+        <p:nvGrpSpPr>
+          <p:cNvPr id="2" name="Group 1"/>
+          <p:cNvGrpSpPr/>
+          <p:nvPr/>
+        </p:nvGrpSpPr>
+        <p:grpSpPr>
+          <a:xfrm>
+            <a:off x="1183577" y="1592245"/>
+            <a:ext cx="2874059" cy="2435578"/>
+            <a:chOff x="33664" y="85344"/>
+            <a:chExt cx="2874059" cy="2435578"/>
+          </a:xfrm>
+        </p:grpSpPr>
+        <p:grpSp>
+          <p:nvGrpSpPr>
+            <p:cNvPr id="3" name="Group 2"/>
+            <p:cNvGrpSpPr/>
+            <p:nvPr/>
+          </p:nvGrpSpPr>
+          <p:grpSpPr>
+            <a:xfrm>
+              <a:off x="33664" y="85344"/>
+              <a:ext cx="2874059" cy="2435578"/>
+              <a:chOff x="2970379" y="85344"/>
+              <a:chExt cx="2874059" cy="2435578"/>
+            </a:xfrm>
+          </p:grpSpPr>
+          <p:sp>
+            <p:nvSpPr>
+              <p:cNvPr id="10" name="Rounded Rectangle 9"/>
+              <p:cNvSpPr/>
+              <p:nvPr/>
+            </p:nvSpPr>
+            <p:spPr>
+              <a:xfrm>
+                <a:off x="2973425" y="85344"/>
+                <a:ext cx="2866543" cy="2435578"/>
+              </a:xfrm>
+              <a:prstGeom prst="roundRect">
+                <a:avLst>
+                  <a:gd name="adj" fmla="val 2651"/>
+                </a:avLst>
+              </a:prstGeom>
+              <a:solidFill>
+                <a:schemeClr val="accent4">
+                  <a:lumMod val="20000"/>
+                  <a:lumOff val="80000"/>
+                </a:schemeClr>
+              </a:solidFill>
+              <a:ln>
+                <a:noFill/>
+              </a:ln>
+            </p:spPr>
+            <p:style>
+              <a:lnRef idx="2">
+                <a:schemeClr val="accent1">
+                  <a:shade val="50000"/>
+                </a:schemeClr>
+              </a:lnRef>
+              <a:fillRef idx="1">
+                <a:schemeClr val="accent1"/>
+              </a:fillRef>
+              <a:effectRef idx="0">
+                <a:schemeClr val="accent1"/>
+              </a:effectRef>
+              <a:fontRef idx="minor">
+                <a:schemeClr val="lt1"/>
+              </a:fontRef>
+            </p:style>
+            <p:txBody>
+              <a:bodyPr rtlCol="0" anchor="ctr"/>
+              <a:lstStyle/>
+              <a:p>
+                <a:pPr algn="ctr"/>
+                <a:endParaRPr lang="en-US"/>
+              </a:p>
+            </p:txBody>
+          </p:sp>
+          <p:sp>
+            <p:nvSpPr>
+              <p:cNvPr id="11" name="TextBox 10"/>
+              <p:cNvSpPr txBox="1"/>
+              <p:nvPr/>
+            </p:nvSpPr>
+            <p:spPr>
+              <a:xfrm>
+                <a:off x="5565194" y="124444"/>
+                <a:ext cx="279244" cy="338554"/>
+              </a:xfrm>
+              <a:prstGeom prst="rect">
+                <a:avLst/>
+              </a:prstGeom>
+              <a:noFill/>
+            </p:spPr>
+            <p:txBody>
+              <a:bodyPr wrap="none" rtlCol="0">
+                <a:spAutoFit/>
+              </a:bodyPr>
+              <a:lstStyle/>
+              <a:p>
+                <a:pPr algn="r"/>
+                <a:r>
+                  <a:rPr lang="en-US" sz="1600" b="1" dirty="0" smtClean="0">
+                    <a:solidFill>
+                      <a:srgbClr val="7030A0"/>
+                    </a:solidFill>
+                  </a:rPr>
+                  <a:t>?</a:t>
+                </a:r>
+                <a:endParaRPr lang="en-US" sz="1600" b="1" dirty="0">
+                  <a:solidFill>
+                    <a:srgbClr val="7030A0"/>
+                  </a:solidFill>
+                </a:endParaRPr>
+              </a:p>
+            </p:txBody>
+          </p:sp>
+          <p:sp>
+            <p:nvSpPr>
+              <p:cNvPr id="12" name="TextBox 11"/>
+              <p:cNvSpPr txBox="1"/>
+              <p:nvPr/>
+            </p:nvSpPr>
+            <p:spPr>
+              <a:xfrm>
+                <a:off x="5347186" y="2097024"/>
+                <a:ext cx="497252" cy="338554"/>
+              </a:xfrm>
+              <a:prstGeom prst="rect">
+                <a:avLst/>
+              </a:prstGeom>
+              <a:noFill/>
+            </p:spPr>
+            <p:txBody>
+              <a:bodyPr wrap="none" rtlCol="0">
+                <a:spAutoFit/>
+              </a:bodyPr>
+              <a:lstStyle/>
+              <a:p>
+                <a:pPr algn="r"/>
+                <a:r>
+                  <a:rPr lang="en-US" sz="1600" b="1" dirty="0" smtClean="0">
+                    <a:solidFill>
+                      <a:srgbClr val="7030A0"/>
+                    </a:solidFill>
+                  </a:rPr>
+                  <a:t>335</a:t>
+                </a:r>
+                <a:endParaRPr lang="en-US" sz="1600" b="1" dirty="0">
+                  <a:solidFill>
+                    <a:srgbClr val="7030A0"/>
+                  </a:solidFill>
+                </a:endParaRPr>
+              </a:p>
+            </p:txBody>
+          </p:sp>
+          <p:sp>
+            <p:nvSpPr>
+              <p:cNvPr id="13" name="TextBox 12"/>
+              <p:cNvSpPr txBox="1"/>
+              <p:nvPr/>
+            </p:nvSpPr>
+            <p:spPr>
+              <a:xfrm>
+                <a:off x="2970379" y="124444"/>
+                <a:ext cx="393056" cy="338554"/>
+              </a:xfrm>
+              <a:prstGeom prst="rect">
+                <a:avLst/>
+              </a:prstGeom>
+              <a:noFill/>
+            </p:spPr>
+            <p:txBody>
+              <a:bodyPr wrap="none" rtlCol="0">
+                <a:spAutoFit/>
+              </a:bodyPr>
+              <a:lstStyle/>
+              <a:p>
+                <a:r>
+                  <a:rPr lang="en-US" sz="1600" b="1" dirty="0">
+                    <a:solidFill>
+                      <a:srgbClr val="7030A0"/>
+                    </a:solidFill>
+                  </a:rPr>
+                  <a:t>9</a:t>
+                </a:r>
+                <a:r>
+                  <a:rPr lang="en-US" sz="1600" b="1" dirty="0" smtClean="0">
+                    <a:solidFill>
+                      <a:srgbClr val="7030A0"/>
+                    </a:solidFill>
+                  </a:rPr>
+                  <a:t>0</a:t>
+                </a:r>
+                <a:endParaRPr lang="en-US" sz="1600" b="1" dirty="0">
+                  <a:solidFill>
+                    <a:srgbClr val="7030A0"/>
+                  </a:solidFill>
+                </a:endParaRPr>
+              </a:p>
+            </p:txBody>
+          </p:sp>
+          <p:sp>
+            <p:nvSpPr>
+              <p:cNvPr id="14" name="TextBox 13"/>
+              <p:cNvSpPr txBox="1"/>
+              <p:nvPr/>
+            </p:nvSpPr>
+            <p:spPr>
+              <a:xfrm>
+                <a:off x="2970379" y="2097024"/>
+                <a:ext cx="393056" cy="338554"/>
+              </a:xfrm>
+              <a:prstGeom prst="rect">
+                <a:avLst/>
+              </a:prstGeom>
+              <a:noFill/>
+            </p:spPr>
+            <p:txBody>
+              <a:bodyPr wrap="none" rtlCol="0">
+                <a:spAutoFit/>
+              </a:bodyPr>
+              <a:lstStyle/>
+              <a:p>
+                <a:r>
+                  <a:rPr lang="en-US" sz="1600" b="1" dirty="0" smtClean="0">
+                    <a:solidFill>
+                      <a:srgbClr val="7030A0"/>
+                    </a:solidFill>
+                  </a:rPr>
+                  <a:t>50</a:t>
+                </a:r>
+                <a:endParaRPr lang="en-US" sz="1600" b="1" dirty="0">
+                  <a:solidFill>
+                    <a:srgbClr val="7030A0"/>
+                  </a:solidFill>
+                </a:endParaRPr>
+              </a:p>
+            </p:txBody>
+          </p:sp>
+        </p:grpSp>
+        <p:grpSp>
+          <p:nvGrpSpPr>
+            <p:cNvPr id="4" name="Group 3"/>
+            <p:cNvGrpSpPr/>
+            <p:nvPr/>
+          </p:nvGrpSpPr>
+          <p:grpSpPr>
+            <a:xfrm>
+              <a:off x="402336" y="341376"/>
+              <a:ext cx="2011680" cy="1816608"/>
+              <a:chOff x="402336" y="341376"/>
+              <a:chExt cx="2011680" cy="1816608"/>
+            </a:xfrm>
+          </p:grpSpPr>
+          <p:sp>
+            <p:nvSpPr>
+              <p:cNvPr id="5" name="Rectangle 4"/>
+              <p:cNvSpPr/>
+              <p:nvPr/>
+            </p:nvSpPr>
+            <p:spPr>
+              <a:xfrm>
+                <a:off x="950976" y="792480"/>
+                <a:ext cx="914400" cy="914400"/>
+              </a:xfrm>
+              <a:prstGeom prst="rect">
+                <a:avLst/>
+              </a:prstGeom>
+            </p:spPr>
+            <p:style>
+              <a:lnRef idx="2">
+                <a:schemeClr val="accent1">
+                  <a:shade val="50000"/>
+                </a:schemeClr>
+              </a:lnRef>
+              <a:fillRef idx="1">
+                <a:schemeClr val="accent1"/>
+              </a:fillRef>
+              <a:effectRef idx="0">
+                <a:schemeClr val="accent1"/>
+              </a:effectRef>
+              <a:fontRef idx="minor">
+                <a:schemeClr val="lt1"/>
+              </a:fontRef>
+            </p:style>
+            <p:txBody>
+              <a:bodyPr rtlCol="0" anchor="ctr"/>
+              <a:lstStyle/>
+              <a:p>
+                <a:pPr algn="ctr"/>
+                <a:endParaRPr lang="en-US"/>
+              </a:p>
+            </p:txBody>
+          </p:sp>
+          <p:cxnSp>
+            <p:nvCxnSpPr>
+              <p:cNvPr id="6" name="Straight Connector 5"/>
+              <p:cNvCxnSpPr/>
+              <p:nvPr/>
+            </p:nvCxnSpPr>
+            <p:spPr>
+              <a:xfrm flipV="1">
+                <a:off x="1865376" y="341376"/>
+                <a:ext cx="548640" cy="451104"/>
+              </a:xfrm>
+              <a:prstGeom prst="line">
+                <a:avLst/>
+              </a:prstGeom>
+            </p:spPr>
+            <p:style>
+              <a:lnRef idx="1">
+                <a:schemeClr val="accent1"/>
+              </a:lnRef>
+              <a:fillRef idx="0">
+                <a:schemeClr val="accent1"/>
+              </a:fillRef>
+              <a:effectRef idx="0">
+                <a:schemeClr val="accent1"/>
+              </a:effectRef>
+              <a:fontRef idx="minor">
+                <a:schemeClr val="tx1"/>
+              </a:fontRef>
+            </p:style>
+          </p:cxnSp>
+          <p:cxnSp>
+            <p:nvCxnSpPr>
+              <p:cNvPr id="7" name="Straight Connector 6"/>
+              <p:cNvCxnSpPr/>
+              <p:nvPr/>
+            </p:nvCxnSpPr>
+            <p:spPr>
+              <a:xfrm flipV="1">
+                <a:off x="402336" y="1706880"/>
+                <a:ext cx="548640" cy="451104"/>
+              </a:xfrm>
+              <a:prstGeom prst="line">
+                <a:avLst/>
+              </a:prstGeom>
+            </p:spPr>
+            <p:style>
+              <a:lnRef idx="1">
+                <a:schemeClr val="accent1"/>
+              </a:lnRef>
+              <a:fillRef idx="0">
+                <a:schemeClr val="accent1"/>
+              </a:fillRef>
+              <a:effectRef idx="0">
+                <a:schemeClr val="accent1"/>
+              </a:effectRef>
+              <a:fontRef idx="minor">
+                <a:schemeClr val="tx1"/>
+              </a:fontRef>
+            </p:style>
+          </p:cxnSp>
+          <p:cxnSp>
+            <p:nvCxnSpPr>
+              <p:cNvPr id="8" name="Straight Connector 7"/>
+              <p:cNvCxnSpPr/>
+              <p:nvPr/>
+            </p:nvCxnSpPr>
+            <p:spPr>
+              <a:xfrm flipH="1" flipV="1">
+                <a:off x="402336" y="341376"/>
+                <a:ext cx="548640" cy="451104"/>
+              </a:xfrm>
+              <a:prstGeom prst="line">
+                <a:avLst/>
+              </a:prstGeom>
+            </p:spPr>
+            <p:style>
+              <a:lnRef idx="1">
+                <a:schemeClr val="accent1"/>
+              </a:lnRef>
+              <a:fillRef idx="0">
+                <a:schemeClr val="accent1"/>
+              </a:fillRef>
+              <a:effectRef idx="0">
+                <a:schemeClr val="accent1"/>
+              </a:effectRef>
+              <a:fontRef idx="minor">
+                <a:schemeClr val="tx1"/>
+              </a:fontRef>
+            </p:style>
+          </p:cxnSp>
+          <p:cxnSp>
+            <p:nvCxnSpPr>
+              <p:cNvPr id="9" name="Straight Connector 8"/>
+              <p:cNvCxnSpPr/>
+              <p:nvPr/>
+            </p:nvCxnSpPr>
+            <p:spPr>
+              <a:xfrm flipH="1" flipV="1">
+                <a:off x="1865376" y="1706880"/>
+                <a:ext cx="548640" cy="451104"/>
+              </a:xfrm>
+              <a:prstGeom prst="line">
+                <a:avLst/>
+              </a:prstGeom>
+            </p:spPr>
+            <p:style>
+              <a:lnRef idx="1">
+                <a:schemeClr val="accent1"/>
+              </a:lnRef>
+              <a:fillRef idx="0">
+                <a:schemeClr val="accent1"/>
+              </a:fillRef>
+              <a:effectRef idx="0">
+                <a:schemeClr val="accent1"/>
+              </a:effectRef>
+              <a:fontRef idx="minor">
+                <a:schemeClr val="tx1"/>
+              </a:fontRef>
+            </p:style>
+          </p:cxnSp>
+        </p:grpSp>
+      </p:grpSp>
+      <p:cxnSp>
+        <p:nvCxnSpPr>
+          <p:cNvPr id="16" name="Straight Arrow Connector 15"/>
+          <p:cNvCxnSpPr/>
+          <p:nvPr/>
+        </p:nvCxnSpPr>
+        <p:spPr>
+          <a:xfrm>
+            <a:off x="3149401" y="2811445"/>
+            <a:ext cx="619373" cy="0"/>
+          </a:xfrm>
+          <a:prstGeom prst="straightConnector1">
+            <a:avLst/>
+          </a:prstGeom>
+          <a:ln>
+            <a:tailEnd type="triangle"/>
+          </a:ln>
+        </p:spPr>
+        <p:style>
+          <a:lnRef idx="3">
+            <a:schemeClr val="accent3"/>
+          </a:lnRef>
+          <a:fillRef idx="0">
+            <a:schemeClr val="accent3"/>
+          </a:fillRef>
+          <a:effectRef idx="2">
+            <a:schemeClr val="accent3"/>
+          </a:effectRef>
+          <a:fontRef idx="minor">
+            <a:schemeClr val="tx1"/>
+          </a:fontRef>
+        </p:style>
+      </p:cxnSp>
+      <p:cxnSp>
+        <p:nvCxnSpPr>
+          <p:cNvPr id="17" name="Straight Arrow Connector 16"/>
+          <p:cNvCxnSpPr/>
+          <p:nvPr/>
+        </p:nvCxnSpPr>
+        <p:spPr>
+          <a:xfrm flipH="1">
+            <a:off x="1382770" y="2811445"/>
+            <a:ext cx="619373" cy="0"/>
+          </a:xfrm>
+          <a:prstGeom prst="straightConnector1">
+            <a:avLst/>
+          </a:prstGeom>
+          <a:ln>
+            <a:tailEnd type="triangle"/>
+          </a:ln>
+        </p:spPr>
+        <p:style>
+          <a:lnRef idx="3">
+            <a:schemeClr val="accent3"/>
+          </a:lnRef>
+          <a:fillRef idx="0">
+            <a:schemeClr val="accent3"/>
+          </a:fillRef>
+          <a:effectRef idx="2">
+            <a:schemeClr val="accent3"/>
+          </a:effectRef>
+          <a:fontRef idx="minor">
+            <a:schemeClr val="tx1"/>
+          </a:fontRef>
+        </p:style>
+      </p:cxnSp>
+      <p:cxnSp>
+        <p:nvCxnSpPr>
+          <p:cNvPr id="18" name="Straight Arrow Connector 17"/>
+          <p:cNvCxnSpPr/>
+          <p:nvPr/>
+        </p:nvCxnSpPr>
+        <p:spPr>
+          <a:xfrm rot="16200000">
+            <a:off x="2272787" y="1933025"/>
+            <a:ext cx="619373" cy="0"/>
+          </a:xfrm>
+          <a:prstGeom prst="straightConnector1">
+            <a:avLst/>
+          </a:prstGeom>
+          <a:ln>
+            <a:tailEnd type="triangle"/>
+          </a:ln>
+        </p:spPr>
+        <p:style>
+          <a:lnRef idx="3">
+            <a:schemeClr val="accent3"/>
+          </a:lnRef>
+          <a:fillRef idx="0">
+            <a:schemeClr val="accent3"/>
+          </a:fillRef>
+          <a:effectRef idx="2">
+            <a:schemeClr val="accent3"/>
+          </a:effectRef>
+          <a:fontRef idx="minor">
+            <a:schemeClr val="tx1"/>
+          </a:fontRef>
+        </p:style>
+      </p:cxnSp>
+      <p:cxnSp>
+        <p:nvCxnSpPr>
+          <p:cNvPr id="19" name="Straight Arrow Connector 18"/>
+          <p:cNvCxnSpPr/>
+          <p:nvPr/>
+        </p:nvCxnSpPr>
+        <p:spPr>
+          <a:xfrm rot="5400000">
+            <a:off x="2224018" y="3603925"/>
+            <a:ext cx="619373" cy="0"/>
+          </a:xfrm>
+          <a:prstGeom prst="straightConnector1">
+            <a:avLst/>
+          </a:prstGeom>
+          <a:ln>
+            <a:tailEnd type="triangle"/>
+          </a:ln>
+        </p:spPr>
+        <p:style>
+          <a:lnRef idx="3">
+            <a:schemeClr val="accent3"/>
+          </a:lnRef>
+          <a:fillRef idx="0">
+            <a:schemeClr val="accent3"/>
+          </a:fillRef>
+          <a:effectRef idx="2">
+            <a:schemeClr val="accent3"/>
+          </a:effectRef>
+          <a:fontRef idx="minor">
+            <a:schemeClr val="tx1"/>
+          </a:fontRef>
+        </p:style>
+      </p:cxnSp>
+      <p:sp>
+        <p:nvSpPr>
+          <p:cNvPr id="20" name="TextBox 19"/>
+          <p:cNvSpPr txBox="1"/>
+          <p:nvPr/>
+        </p:nvSpPr>
+        <p:spPr>
+          <a:xfrm>
+            <a:off x="3698110" y="2640757"/>
+            <a:ext cx="497252" cy="338554"/>
+          </a:xfrm>
+          <a:prstGeom prst="rect">
+            <a:avLst/>
+          </a:prstGeom>
+          <a:noFill/>
+        </p:spPr>
+        <p:txBody>
+          <a:bodyPr wrap="none" rtlCol="0">
+            <a:spAutoFit/>
+          </a:bodyPr>
+          <a:lstStyle/>
+          <a:p>
+            <a:pPr algn="r"/>
+            <a:r>
+              <a:rPr lang="en-US" sz="1600" b="1" dirty="0" smtClean="0">
+                <a:solidFill>
+                  <a:srgbClr val="7030A0"/>
+                </a:solidFill>
+              </a:rPr>
+              <a:t>305</a:t>
+            </a:r>
+            <a:endParaRPr lang="en-US" sz="1600" b="1" dirty="0">
+              <a:solidFill>
+                <a:srgbClr val="7030A0"/>
+              </a:solidFill>
+            </a:endParaRPr>
+          </a:p>
+        </p:txBody>
+      </p:sp>
+      <p:sp>
+        <p:nvSpPr>
+          <p:cNvPr id="21" name="TextBox 20"/>
+          <p:cNvSpPr txBox="1"/>
+          <p:nvPr/>
+        </p:nvSpPr>
+        <p:spPr>
+          <a:xfrm>
+            <a:off x="2229651" y="1196224"/>
+            <a:ext cx="497252" cy="338554"/>
+          </a:xfrm>
+          <a:prstGeom prst="rect">
+            <a:avLst/>
+          </a:prstGeom>
+          <a:noFill/>
+        </p:spPr>
+        <p:txBody>
+          <a:bodyPr wrap="none" rtlCol="0">
+            <a:spAutoFit/>
+          </a:bodyPr>
+          <a:lstStyle/>
+          <a:p>
+            <a:pPr algn="r"/>
+            <a:r>
+              <a:rPr lang="en-US" sz="1600" b="1" dirty="0" smtClean="0">
+                <a:solidFill>
+                  <a:srgbClr val="7030A0"/>
+                </a:solidFill>
+              </a:rPr>
+              <a:t>250</a:t>
+            </a:r>
+            <a:endParaRPr lang="en-US" sz="1600" b="1" dirty="0">
+              <a:solidFill>
+                <a:srgbClr val="7030A0"/>
+              </a:solidFill>
+            </a:endParaRPr>
+          </a:p>
+        </p:txBody>
+      </p:sp>
+      <p:sp>
+        <p:nvSpPr>
+          <p:cNvPr id="22" name="TextBox 21"/>
+          <p:cNvSpPr txBox="1"/>
+          <p:nvPr/>
+        </p:nvSpPr>
+        <p:spPr>
+          <a:xfrm>
+            <a:off x="0" y="2640757"/>
+            <a:ext cx="1040670" cy="338554"/>
+          </a:xfrm>
+          <a:prstGeom prst="rect">
+            <a:avLst/>
+          </a:prstGeom>
+          <a:noFill/>
+        </p:spPr>
+        <p:txBody>
+          <a:bodyPr wrap="none" rtlCol="0">
+            <a:spAutoFit/>
+          </a:bodyPr>
+          <a:lstStyle/>
+          <a:p>
+            <a:pPr algn="r"/>
+            <a:r>
+              <a:rPr lang="en-US" sz="1600" b="1" dirty="0" smtClean="0">
+                <a:solidFill>
+                  <a:srgbClr val="7030A0"/>
+                </a:solidFill>
+              </a:rPr>
+              <a:t>70(65~75)</a:t>
+            </a:r>
+            <a:endParaRPr lang="en-US" sz="1600" b="1" dirty="0">
+              <a:solidFill>
+                <a:srgbClr val="7030A0"/>
+              </a:solidFill>
+            </a:endParaRPr>
+          </a:p>
+        </p:txBody>
+      </p:sp>
+      <p:sp>
+        <p:nvSpPr>
+          <p:cNvPr id="23" name="TextBox 22"/>
+          <p:cNvSpPr txBox="1"/>
+          <p:nvPr/>
+        </p:nvSpPr>
+        <p:spPr>
+          <a:xfrm>
+            <a:off x="2350649" y="3913612"/>
+            <a:ext cx="393056" cy="338554"/>
+          </a:xfrm>
+          <a:prstGeom prst="rect">
+            <a:avLst/>
+          </a:prstGeom>
+          <a:noFill/>
+        </p:spPr>
+        <p:txBody>
+          <a:bodyPr wrap="none" rtlCol="0">
+            <a:spAutoFit/>
+          </a:bodyPr>
+          <a:lstStyle/>
+          <a:p>
+            <a:pPr algn="r"/>
+            <a:r>
+              <a:rPr lang="en-US" sz="1600" b="1" dirty="0" smtClean="0">
+                <a:solidFill>
+                  <a:srgbClr val="7030A0"/>
+                </a:solidFill>
+              </a:rPr>
+              <a:t>14</a:t>
+            </a:r>
+            <a:endParaRPr lang="en-US" sz="1600" b="1" dirty="0">
+              <a:solidFill>
+                <a:srgbClr val="7030A0"/>
+              </a:solidFill>
+            </a:endParaRPr>
+          </a:p>
+        </p:txBody>
+      </p:sp>
+      <p:sp>
+        <p:nvSpPr>
+          <p:cNvPr id="24" name="TextBox 23"/>
+          <p:cNvSpPr txBox="1"/>
+          <p:nvPr/>
+        </p:nvSpPr>
+        <p:spPr>
+          <a:xfrm>
+            <a:off x="4246189" y="2587304"/>
+            <a:ext cx="1700145" cy="369332"/>
+          </a:xfrm>
+          <a:prstGeom prst="rect">
+            <a:avLst/>
+          </a:prstGeom>
+          <a:noFill/>
+        </p:spPr>
+        <p:txBody>
+          <a:bodyPr wrap="none" rtlCol="0">
+            <a:spAutoFit/>
+          </a:bodyPr>
+          <a:lstStyle/>
+          <a:p>
+            <a:r>
+              <a:rPr lang="en-US" dirty="0" err="1" smtClean="0"/>
+              <a:t>Keluar</a:t>
+            </a:r>
+            <a:r>
+              <a:rPr lang="en-US" dirty="0" smtClean="0"/>
+              <a:t> Home </a:t>
+            </a:r>
+            <a:r>
+              <a:rPr lang="en-US" dirty="0" smtClean="0">
+                <a:sym typeface="Wingdings" panose="05000000000000000000" pitchFamily="2" charset="2"/>
+              </a:rPr>
+              <a:t></a:t>
+            </a:r>
+            <a:endParaRPr lang="en-US" dirty="0"/>
+          </a:p>
+        </p:txBody>
+      </p:sp>
+      <p:sp>
+        <p:nvSpPr>
+          <p:cNvPr id="160" name="TextBox 159"/>
+          <p:cNvSpPr txBox="1"/>
+          <p:nvPr/>
+        </p:nvSpPr>
+        <p:spPr>
+          <a:xfrm>
+            <a:off x="4471056" y="2317254"/>
+            <a:ext cx="1701107" cy="369332"/>
+          </a:xfrm>
+          <a:prstGeom prst="rect">
+            <a:avLst/>
+          </a:prstGeom>
+          <a:noFill/>
+        </p:spPr>
+        <p:txBody>
+          <a:bodyPr wrap="none" rtlCol="0">
+            <a:spAutoFit/>
+          </a:bodyPr>
+          <a:lstStyle/>
+          <a:p>
+            <a:r>
+              <a:rPr lang="en-US" dirty="0" smtClean="0"/>
+              <a:t>300</a:t>
+            </a:r>
+            <a:r>
+              <a:rPr lang="en-US" dirty="0" smtClean="0"/>
+              <a:t> </a:t>
+            </a:r>
+            <a:r>
+              <a:rPr lang="en-US" dirty="0" smtClean="0"/>
+              <a:t>= min south</a:t>
+            </a:r>
+            <a:endParaRPr lang="en-US" dirty="0"/>
+          </a:p>
+        </p:txBody>
+      </p:sp>
+      <p:sp>
+        <p:nvSpPr>
+          <p:cNvPr id="161" name="TextBox 160"/>
+          <p:cNvSpPr txBox="1"/>
+          <p:nvPr/>
+        </p:nvSpPr>
+        <p:spPr>
+          <a:xfrm>
+            <a:off x="4465638" y="2920759"/>
+            <a:ext cx="1787156" cy="369332"/>
+          </a:xfrm>
+          <a:prstGeom prst="rect">
+            <a:avLst/>
+          </a:prstGeom>
+          <a:noFill/>
+        </p:spPr>
+        <p:txBody>
+          <a:bodyPr wrap="none" rtlCol="0">
+            <a:spAutoFit/>
+          </a:bodyPr>
+          <a:lstStyle/>
+          <a:p>
+            <a:r>
+              <a:rPr lang="en-US" dirty="0"/>
+              <a:t> </a:t>
+            </a:r>
+            <a:r>
+              <a:rPr lang="en-US" dirty="0" smtClean="0"/>
+              <a:t>311</a:t>
+            </a:r>
+            <a:r>
+              <a:rPr lang="en-US" dirty="0" smtClean="0"/>
+              <a:t> </a:t>
+            </a:r>
+            <a:r>
+              <a:rPr lang="en-US" dirty="0" smtClean="0"/>
+              <a:t>= max south</a:t>
+            </a:r>
+            <a:endParaRPr lang="en-US" dirty="0"/>
+          </a:p>
+        </p:txBody>
+      </p:sp>
+      <p:sp>
+        <p:nvSpPr>
+          <p:cNvPr id="15" name="TextBox 14"/>
+          <p:cNvSpPr txBox="1"/>
+          <p:nvPr/>
+        </p:nvSpPr>
+        <p:spPr>
+          <a:xfrm>
+            <a:off x="146296" y="826892"/>
+            <a:ext cx="5296258" cy="369332"/>
+          </a:xfrm>
+          <a:prstGeom prst="rect">
+            <a:avLst/>
+          </a:prstGeom>
+          <a:noFill/>
+        </p:spPr>
+        <p:txBody>
+          <a:bodyPr wrap="none" rtlCol="0">
+            <a:spAutoFit/>
+          </a:bodyPr>
+          <a:lstStyle/>
+          <a:p>
+            <a:r>
+              <a:rPr lang="en-US"/>
+              <a:t>compass.setCalibration</a:t>
+            </a:r>
+            <a:r>
+              <a:rPr lang="en-US" dirty="0"/>
+              <a:t>(0, 3072, -938, 743, -268, 133); </a:t>
+            </a:r>
+          </a:p>
+        </p:txBody>
+      </p:sp>
+      <p:grpSp>
+        <p:nvGrpSpPr>
+          <p:cNvPr id="163" name="Group 162"/>
+          <p:cNvGrpSpPr/>
+          <p:nvPr/>
+        </p:nvGrpSpPr>
+        <p:grpSpPr>
+          <a:xfrm>
+            <a:off x="6998965" y="1623338"/>
+            <a:ext cx="2874059" cy="2435578"/>
+            <a:chOff x="33664" y="85344"/>
+            <a:chExt cx="2874059" cy="2435578"/>
+          </a:xfrm>
+        </p:grpSpPr>
+        <p:grpSp>
+          <p:nvGrpSpPr>
+            <p:cNvPr id="164" name="Group 163"/>
+            <p:cNvGrpSpPr/>
+            <p:nvPr/>
+          </p:nvGrpSpPr>
+          <p:grpSpPr>
+            <a:xfrm>
+              <a:off x="33664" y="85344"/>
+              <a:ext cx="2874059" cy="2435578"/>
+              <a:chOff x="2970379" y="85344"/>
+              <a:chExt cx="2874059" cy="2435578"/>
+            </a:xfrm>
+          </p:grpSpPr>
+          <p:sp>
+            <p:nvSpPr>
+              <p:cNvPr id="171" name="Rounded Rectangle 170"/>
+              <p:cNvSpPr/>
+              <p:nvPr/>
+            </p:nvSpPr>
+            <p:spPr>
+              <a:xfrm>
+                <a:off x="2973425" y="85344"/>
+                <a:ext cx="2866543" cy="2435578"/>
+              </a:xfrm>
+              <a:prstGeom prst="roundRect">
+                <a:avLst>
+                  <a:gd name="adj" fmla="val 2651"/>
+                </a:avLst>
+              </a:prstGeom>
+              <a:solidFill>
+                <a:schemeClr val="accent4">
+                  <a:lumMod val="20000"/>
+                  <a:lumOff val="80000"/>
+                </a:schemeClr>
+              </a:solidFill>
+              <a:ln>
+                <a:noFill/>
+              </a:ln>
+            </p:spPr>
+            <p:style>
+              <a:lnRef idx="2">
+                <a:schemeClr val="accent1">
+                  <a:shade val="50000"/>
+                </a:schemeClr>
+              </a:lnRef>
+              <a:fillRef idx="1">
+                <a:schemeClr val="accent1"/>
+              </a:fillRef>
+              <a:effectRef idx="0">
+                <a:schemeClr val="accent1"/>
+              </a:effectRef>
+              <a:fontRef idx="minor">
+                <a:schemeClr val="lt1"/>
+              </a:fontRef>
+            </p:style>
+            <p:txBody>
+              <a:bodyPr rtlCol="0" anchor="ctr"/>
+              <a:lstStyle>
+                <a:defPPr>
+                  <a:defRPr lang="en-US"/>
+                </a:defPPr>
+                <a:lvl1pPr marL="0" algn="l" defTabSz="914400" rtl="0" eaLnBrk="1" latinLnBrk="0" hangingPunct="1">
+                  <a:defRPr sz="1800" kern="1200">
+                    <a:solidFill>
+                      <a:schemeClr val="lt1"/>
+                    </a:solidFill>
+                    <a:latin typeface="+mn-lt"/>
+                    <a:ea typeface="+mn-ea"/>
+                    <a:cs typeface="+mn-cs"/>
+                  </a:defRPr>
+                </a:lvl1pPr>
+                <a:lvl2pPr marL="457200" algn="l" defTabSz="914400" rtl="0" eaLnBrk="1" latinLnBrk="0" hangingPunct="1">
+                  <a:defRPr sz="1800" kern="1200">
+                    <a:solidFill>
+                      <a:schemeClr val="lt1"/>
+                    </a:solidFill>
+                    <a:latin typeface="+mn-lt"/>
+                    <a:ea typeface="+mn-ea"/>
+                    <a:cs typeface="+mn-cs"/>
+                  </a:defRPr>
+                </a:lvl2pPr>
+                <a:lvl3pPr marL="914400" algn="l" defTabSz="914400" rtl="0" eaLnBrk="1" latinLnBrk="0" hangingPunct="1">
+                  <a:defRPr sz="1800" kern="1200">
+                    <a:solidFill>
+                      <a:schemeClr val="lt1"/>
+                    </a:solidFill>
+                    <a:latin typeface="+mn-lt"/>
+                    <a:ea typeface="+mn-ea"/>
+                    <a:cs typeface="+mn-cs"/>
+                  </a:defRPr>
+                </a:lvl3pPr>
+                <a:lvl4pPr marL="1371600" algn="l" defTabSz="914400" rtl="0" eaLnBrk="1" latinLnBrk="0" hangingPunct="1">
+                  <a:defRPr sz="1800" kern="1200">
+                    <a:solidFill>
+                      <a:schemeClr val="lt1"/>
+                    </a:solidFill>
+                    <a:latin typeface="+mn-lt"/>
+                    <a:ea typeface="+mn-ea"/>
+                    <a:cs typeface="+mn-cs"/>
+                  </a:defRPr>
+                </a:lvl4pPr>
+                <a:lvl5pPr marL="1828800" algn="l" defTabSz="914400" rtl="0" eaLnBrk="1" latinLnBrk="0" hangingPunct="1">
+                  <a:defRPr sz="1800" kern="1200">
+                    <a:solidFill>
+                      <a:schemeClr val="lt1"/>
+                    </a:solidFill>
+                    <a:latin typeface="+mn-lt"/>
+                    <a:ea typeface="+mn-ea"/>
+                    <a:cs typeface="+mn-cs"/>
+                  </a:defRPr>
+                </a:lvl5pPr>
+                <a:lvl6pPr marL="2286000" algn="l" defTabSz="914400" rtl="0" eaLnBrk="1" latinLnBrk="0" hangingPunct="1">
+                  <a:defRPr sz="1800" kern="1200">
+                    <a:solidFill>
+                      <a:schemeClr val="lt1"/>
+                    </a:solidFill>
+                    <a:latin typeface="+mn-lt"/>
+                    <a:ea typeface="+mn-ea"/>
+                    <a:cs typeface="+mn-cs"/>
+                  </a:defRPr>
+                </a:lvl6pPr>
+                <a:lvl7pPr marL="2743200" algn="l" defTabSz="914400" rtl="0" eaLnBrk="1" latinLnBrk="0" hangingPunct="1">
+                  <a:defRPr sz="1800" kern="1200">
+                    <a:solidFill>
+                      <a:schemeClr val="lt1"/>
+                    </a:solidFill>
+                    <a:latin typeface="+mn-lt"/>
+                    <a:ea typeface="+mn-ea"/>
+                    <a:cs typeface="+mn-cs"/>
+                  </a:defRPr>
+                </a:lvl7pPr>
+                <a:lvl8pPr marL="3200400" algn="l" defTabSz="914400" rtl="0" eaLnBrk="1" latinLnBrk="0" hangingPunct="1">
+                  <a:defRPr sz="1800" kern="1200">
+                    <a:solidFill>
+                      <a:schemeClr val="lt1"/>
+                    </a:solidFill>
+                    <a:latin typeface="+mn-lt"/>
+                    <a:ea typeface="+mn-ea"/>
+                    <a:cs typeface="+mn-cs"/>
+                  </a:defRPr>
+                </a:lvl8pPr>
+                <a:lvl9pPr marL="3657600" algn="l" defTabSz="914400" rtl="0" eaLnBrk="1" latinLnBrk="0" hangingPunct="1">
+                  <a:defRPr sz="1800" kern="1200">
+                    <a:solidFill>
+                      <a:schemeClr val="lt1"/>
+                    </a:solidFill>
+                    <a:latin typeface="+mn-lt"/>
+                    <a:ea typeface="+mn-ea"/>
+                    <a:cs typeface="+mn-cs"/>
+                  </a:defRPr>
+                </a:lvl9pPr>
+              </a:lstStyle>
+              <a:p>
+                <a:pPr algn="ctr"/>
+                <a:endParaRPr lang="en-US"/>
+              </a:p>
+            </p:txBody>
+          </p:sp>
+          <p:sp>
+            <p:nvSpPr>
+              <p:cNvPr id="172" name="TextBox 10"/>
+              <p:cNvSpPr txBox="1"/>
+              <p:nvPr/>
+            </p:nvSpPr>
+            <p:spPr>
+              <a:xfrm>
+                <a:off x="5347186" y="124444"/>
+                <a:ext cx="497252" cy="338554"/>
+              </a:xfrm>
+              <a:prstGeom prst="rect">
+                <a:avLst/>
+              </a:prstGeom>
+              <a:noFill/>
+            </p:spPr>
+            <p:txBody>
+              <a:bodyPr wrap="none" rtlCol="0">
+                <a:spAutoFit/>
+              </a:bodyPr>
+              <a:lstStyle>
+                <a:defPPr>
+                  <a:defRPr lang="en-US"/>
+                </a:defPPr>
+                <a:lvl1pPr marL="0" algn="l" defTabSz="914400" rtl="0" eaLnBrk="1" latinLnBrk="0" hangingPunct="1">
+                  <a:defRPr sz="1800" kern="1200">
+                    <a:solidFill>
+                      <a:schemeClr val="tx1"/>
+                    </a:solidFill>
+                    <a:latin typeface="+mn-lt"/>
+                    <a:ea typeface="+mn-ea"/>
+                    <a:cs typeface="+mn-cs"/>
+                  </a:defRPr>
+                </a:lvl1pPr>
+                <a:lvl2pPr marL="457200" algn="l" defTabSz="914400" rtl="0" eaLnBrk="1" latinLnBrk="0" hangingPunct="1">
+                  <a:defRPr sz="1800" kern="1200">
+                    <a:solidFill>
+                      <a:schemeClr val="tx1"/>
+                    </a:solidFill>
+                    <a:latin typeface="+mn-lt"/>
+                    <a:ea typeface="+mn-ea"/>
+                    <a:cs typeface="+mn-cs"/>
+                  </a:defRPr>
+                </a:lvl2pPr>
+                <a:lvl3pPr marL="914400" algn="l" defTabSz="914400" rtl="0" eaLnBrk="1" latinLnBrk="0" hangingPunct="1">
+                  <a:defRPr sz="1800" kern="1200">
+                    <a:solidFill>
+                      <a:schemeClr val="tx1"/>
+                    </a:solidFill>
+                    <a:latin typeface="+mn-lt"/>
+                    <a:ea typeface="+mn-ea"/>
+                    <a:cs typeface="+mn-cs"/>
+                  </a:defRPr>
+                </a:lvl3pPr>
+                <a:lvl4pPr marL="1371600" algn="l" defTabSz="914400" rtl="0" eaLnBrk="1" latinLnBrk="0" hangingPunct="1">
+                  <a:defRPr sz="1800" kern="1200">
+                    <a:solidFill>
+                      <a:schemeClr val="tx1"/>
+                    </a:solidFill>
+                    <a:latin typeface="+mn-lt"/>
+                    <a:ea typeface="+mn-ea"/>
+                    <a:cs typeface="+mn-cs"/>
+                  </a:defRPr>
+                </a:lvl4pPr>
+                <a:lvl5pPr marL="1828800" algn="l" defTabSz="914400" rtl="0" eaLnBrk="1" latinLnBrk="0" hangingPunct="1">
+                  <a:defRPr sz="1800" kern="1200">
+                    <a:solidFill>
+                      <a:schemeClr val="tx1"/>
+                    </a:solidFill>
+                    <a:latin typeface="+mn-lt"/>
+                    <a:ea typeface="+mn-ea"/>
+                    <a:cs typeface="+mn-cs"/>
+                  </a:defRPr>
+                </a:lvl5pPr>
+                <a:lvl6pPr marL="2286000" algn="l" defTabSz="914400" rtl="0" eaLnBrk="1" latinLnBrk="0" hangingPunct="1">
+                  <a:defRPr sz="1800" kern="1200">
+                    <a:solidFill>
+                      <a:schemeClr val="tx1"/>
+                    </a:solidFill>
+                    <a:latin typeface="+mn-lt"/>
+                    <a:ea typeface="+mn-ea"/>
+                    <a:cs typeface="+mn-cs"/>
+                  </a:defRPr>
+                </a:lvl6pPr>
+                <a:lvl7pPr marL="2743200" algn="l" defTabSz="914400" rtl="0" eaLnBrk="1" latinLnBrk="0" hangingPunct="1">
+                  <a:defRPr sz="1800" kern="1200">
+                    <a:solidFill>
+                      <a:schemeClr val="tx1"/>
+                    </a:solidFill>
+                    <a:latin typeface="+mn-lt"/>
+                    <a:ea typeface="+mn-ea"/>
+                    <a:cs typeface="+mn-cs"/>
+                  </a:defRPr>
+                </a:lvl7pPr>
+                <a:lvl8pPr marL="3200400" algn="l" defTabSz="914400" rtl="0" eaLnBrk="1" latinLnBrk="0" hangingPunct="1">
+                  <a:defRPr sz="1800" kern="1200">
+                    <a:solidFill>
+                      <a:schemeClr val="tx1"/>
+                    </a:solidFill>
+                    <a:latin typeface="+mn-lt"/>
+                    <a:ea typeface="+mn-ea"/>
+                    <a:cs typeface="+mn-cs"/>
+                  </a:defRPr>
+                </a:lvl8pPr>
+                <a:lvl9pPr marL="3657600" algn="l" defTabSz="914400" rtl="0" eaLnBrk="1" latinLnBrk="0" hangingPunct="1">
+                  <a:defRPr sz="1800" kern="1200">
+                    <a:solidFill>
+                      <a:schemeClr val="tx1"/>
+                    </a:solidFill>
+                    <a:latin typeface="+mn-lt"/>
+                    <a:ea typeface="+mn-ea"/>
+                    <a:cs typeface="+mn-cs"/>
+                  </a:defRPr>
+                </a:lvl9pPr>
+              </a:lstStyle>
+              <a:p>
+                <a:pPr algn="r"/>
+                <a:r>
+                  <a:rPr lang="en-US" sz="1600" b="1" dirty="0" smtClean="0">
+                    <a:solidFill>
+                      <a:srgbClr val="7030A0"/>
+                    </a:solidFill>
+                  </a:rPr>
+                  <a:t>230</a:t>
+                </a:r>
+                <a:endParaRPr lang="en-US" sz="1600" b="1" dirty="0">
+                  <a:solidFill>
+                    <a:srgbClr val="7030A0"/>
+                  </a:solidFill>
+                </a:endParaRPr>
+              </a:p>
+            </p:txBody>
+          </p:sp>
+          <p:sp>
+            <p:nvSpPr>
+              <p:cNvPr id="173" name="TextBox 11"/>
+              <p:cNvSpPr txBox="1"/>
+              <p:nvPr/>
+            </p:nvSpPr>
+            <p:spPr>
+              <a:xfrm>
+                <a:off x="5347186" y="2097024"/>
+                <a:ext cx="497252" cy="338554"/>
+              </a:xfrm>
+              <a:prstGeom prst="rect">
+                <a:avLst/>
+              </a:prstGeom>
+              <a:noFill/>
+            </p:spPr>
+            <p:txBody>
+              <a:bodyPr wrap="none" rtlCol="0">
+                <a:spAutoFit/>
+              </a:bodyPr>
+              <a:lstStyle>
+                <a:defPPr>
+                  <a:defRPr lang="en-US"/>
+                </a:defPPr>
+                <a:lvl1pPr marL="0" algn="l" defTabSz="914400" rtl="0" eaLnBrk="1" latinLnBrk="0" hangingPunct="1">
+                  <a:defRPr sz="1800" kern="1200">
+                    <a:solidFill>
+                      <a:schemeClr val="tx1"/>
+                    </a:solidFill>
+                    <a:latin typeface="+mn-lt"/>
+                    <a:ea typeface="+mn-ea"/>
+                    <a:cs typeface="+mn-cs"/>
+                  </a:defRPr>
+                </a:lvl1pPr>
+                <a:lvl2pPr marL="457200" algn="l" defTabSz="914400" rtl="0" eaLnBrk="1" latinLnBrk="0" hangingPunct="1">
+                  <a:defRPr sz="1800" kern="1200">
+                    <a:solidFill>
+                      <a:schemeClr val="tx1"/>
+                    </a:solidFill>
+                    <a:latin typeface="+mn-lt"/>
+                    <a:ea typeface="+mn-ea"/>
+                    <a:cs typeface="+mn-cs"/>
+                  </a:defRPr>
+                </a:lvl2pPr>
+                <a:lvl3pPr marL="914400" algn="l" defTabSz="914400" rtl="0" eaLnBrk="1" latinLnBrk="0" hangingPunct="1">
+                  <a:defRPr sz="1800" kern="1200">
+                    <a:solidFill>
+                      <a:schemeClr val="tx1"/>
+                    </a:solidFill>
+                    <a:latin typeface="+mn-lt"/>
+                    <a:ea typeface="+mn-ea"/>
+                    <a:cs typeface="+mn-cs"/>
+                  </a:defRPr>
+                </a:lvl3pPr>
+                <a:lvl4pPr marL="1371600" algn="l" defTabSz="914400" rtl="0" eaLnBrk="1" latinLnBrk="0" hangingPunct="1">
+                  <a:defRPr sz="1800" kern="1200">
+                    <a:solidFill>
+                      <a:schemeClr val="tx1"/>
+                    </a:solidFill>
+                    <a:latin typeface="+mn-lt"/>
+                    <a:ea typeface="+mn-ea"/>
+                    <a:cs typeface="+mn-cs"/>
+                  </a:defRPr>
+                </a:lvl4pPr>
+                <a:lvl5pPr marL="1828800" algn="l" defTabSz="914400" rtl="0" eaLnBrk="1" latinLnBrk="0" hangingPunct="1">
+                  <a:defRPr sz="1800" kern="1200">
+                    <a:solidFill>
+                      <a:schemeClr val="tx1"/>
+                    </a:solidFill>
+                    <a:latin typeface="+mn-lt"/>
+                    <a:ea typeface="+mn-ea"/>
+                    <a:cs typeface="+mn-cs"/>
+                  </a:defRPr>
+                </a:lvl5pPr>
+                <a:lvl6pPr marL="2286000" algn="l" defTabSz="914400" rtl="0" eaLnBrk="1" latinLnBrk="0" hangingPunct="1">
+                  <a:defRPr sz="1800" kern="1200">
+                    <a:solidFill>
+                      <a:schemeClr val="tx1"/>
+                    </a:solidFill>
+                    <a:latin typeface="+mn-lt"/>
+                    <a:ea typeface="+mn-ea"/>
+                    <a:cs typeface="+mn-cs"/>
+                  </a:defRPr>
+                </a:lvl6pPr>
+                <a:lvl7pPr marL="2743200" algn="l" defTabSz="914400" rtl="0" eaLnBrk="1" latinLnBrk="0" hangingPunct="1">
+                  <a:defRPr sz="1800" kern="1200">
+                    <a:solidFill>
+                      <a:schemeClr val="tx1"/>
+                    </a:solidFill>
+                    <a:latin typeface="+mn-lt"/>
+                    <a:ea typeface="+mn-ea"/>
+                    <a:cs typeface="+mn-cs"/>
+                  </a:defRPr>
+                </a:lvl7pPr>
+                <a:lvl8pPr marL="3200400" algn="l" defTabSz="914400" rtl="0" eaLnBrk="1" latinLnBrk="0" hangingPunct="1">
+                  <a:defRPr sz="1800" kern="1200">
+                    <a:solidFill>
+                      <a:schemeClr val="tx1"/>
+                    </a:solidFill>
+                    <a:latin typeface="+mn-lt"/>
+                    <a:ea typeface="+mn-ea"/>
+                    <a:cs typeface="+mn-cs"/>
+                  </a:defRPr>
+                </a:lvl8pPr>
+                <a:lvl9pPr marL="3657600" algn="l" defTabSz="914400" rtl="0" eaLnBrk="1" latinLnBrk="0" hangingPunct="1">
+                  <a:defRPr sz="1800" kern="1200">
+                    <a:solidFill>
+                      <a:schemeClr val="tx1"/>
+                    </a:solidFill>
+                    <a:latin typeface="+mn-lt"/>
+                    <a:ea typeface="+mn-ea"/>
+                    <a:cs typeface="+mn-cs"/>
+                  </a:defRPr>
+                </a:lvl9pPr>
+              </a:lstStyle>
+              <a:p>
+                <a:pPr algn="r"/>
+                <a:r>
+                  <a:rPr lang="en-US" sz="1600" b="1" dirty="0" smtClean="0">
+                    <a:solidFill>
+                      <a:srgbClr val="7030A0"/>
+                    </a:solidFill>
+                  </a:rPr>
+                  <a:t>300</a:t>
+                </a:r>
+                <a:endParaRPr lang="en-US" sz="1600" b="1" dirty="0">
+                  <a:solidFill>
+                    <a:srgbClr val="7030A0"/>
+                  </a:solidFill>
+                </a:endParaRPr>
+              </a:p>
+            </p:txBody>
+          </p:sp>
+          <p:sp>
+            <p:nvSpPr>
+              <p:cNvPr id="174" name="TextBox 12"/>
+              <p:cNvSpPr txBox="1"/>
+              <p:nvPr/>
+            </p:nvSpPr>
+            <p:spPr>
+              <a:xfrm>
+                <a:off x="2970379" y="124444"/>
+                <a:ext cx="497252" cy="338554"/>
+              </a:xfrm>
+              <a:prstGeom prst="rect">
+                <a:avLst/>
+              </a:prstGeom>
+              <a:noFill/>
+            </p:spPr>
+            <p:txBody>
+              <a:bodyPr wrap="none" rtlCol="0">
+                <a:spAutoFit/>
+              </a:bodyPr>
+              <a:lstStyle>
+                <a:defPPr>
+                  <a:defRPr lang="en-US"/>
+                </a:defPPr>
+                <a:lvl1pPr marL="0" algn="l" defTabSz="914400" rtl="0" eaLnBrk="1" latinLnBrk="0" hangingPunct="1">
+                  <a:defRPr sz="1800" kern="1200">
+                    <a:solidFill>
+                      <a:schemeClr val="tx1"/>
+                    </a:solidFill>
+                    <a:latin typeface="+mn-lt"/>
+                    <a:ea typeface="+mn-ea"/>
+                    <a:cs typeface="+mn-cs"/>
+                  </a:defRPr>
+                </a:lvl1pPr>
+                <a:lvl2pPr marL="457200" algn="l" defTabSz="914400" rtl="0" eaLnBrk="1" latinLnBrk="0" hangingPunct="1">
+                  <a:defRPr sz="1800" kern="1200">
+                    <a:solidFill>
+                      <a:schemeClr val="tx1"/>
+                    </a:solidFill>
+                    <a:latin typeface="+mn-lt"/>
+                    <a:ea typeface="+mn-ea"/>
+                    <a:cs typeface="+mn-cs"/>
+                  </a:defRPr>
+                </a:lvl2pPr>
+                <a:lvl3pPr marL="914400" algn="l" defTabSz="914400" rtl="0" eaLnBrk="1" latinLnBrk="0" hangingPunct="1">
+                  <a:defRPr sz="1800" kern="1200">
+                    <a:solidFill>
+                      <a:schemeClr val="tx1"/>
+                    </a:solidFill>
+                    <a:latin typeface="+mn-lt"/>
+                    <a:ea typeface="+mn-ea"/>
+                    <a:cs typeface="+mn-cs"/>
+                  </a:defRPr>
+                </a:lvl3pPr>
+                <a:lvl4pPr marL="1371600" algn="l" defTabSz="914400" rtl="0" eaLnBrk="1" latinLnBrk="0" hangingPunct="1">
+                  <a:defRPr sz="1800" kern="1200">
+                    <a:solidFill>
+                      <a:schemeClr val="tx1"/>
+                    </a:solidFill>
+                    <a:latin typeface="+mn-lt"/>
+                    <a:ea typeface="+mn-ea"/>
+                    <a:cs typeface="+mn-cs"/>
+                  </a:defRPr>
+                </a:lvl4pPr>
+                <a:lvl5pPr marL="1828800" algn="l" defTabSz="914400" rtl="0" eaLnBrk="1" latinLnBrk="0" hangingPunct="1">
+                  <a:defRPr sz="1800" kern="1200">
+                    <a:solidFill>
+                      <a:schemeClr val="tx1"/>
+                    </a:solidFill>
+                    <a:latin typeface="+mn-lt"/>
+                    <a:ea typeface="+mn-ea"/>
+                    <a:cs typeface="+mn-cs"/>
+                  </a:defRPr>
+                </a:lvl5pPr>
+                <a:lvl6pPr marL="2286000" algn="l" defTabSz="914400" rtl="0" eaLnBrk="1" latinLnBrk="0" hangingPunct="1">
+                  <a:defRPr sz="1800" kern="1200">
+                    <a:solidFill>
+                      <a:schemeClr val="tx1"/>
+                    </a:solidFill>
+                    <a:latin typeface="+mn-lt"/>
+                    <a:ea typeface="+mn-ea"/>
+                    <a:cs typeface="+mn-cs"/>
+                  </a:defRPr>
+                </a:lvl6pPr>
+                <a:lvl7pPr marL="2743200" algn="l" defTabSz="914400" rtl="0" eaLnBrk="1" latinLnBrk="0" hangingPunct="1">
+                  <a:defRPr sz="1800" kern="1200">
+                    <a:solidFill>
+                      <a:schemeClr val="tx1"/>
+                    </a:solidFill>
+                    <a:latin typeface="+mn-lt"/>
+                    <a:ea typeface="+mn-ea"/>
+                    <a:cs typeface="+mn-cs"/>
+                  </a:defRPr>
+                </a:lvl7pPr>
+                <a:lvl8pPr marL="3200400" algn="l" defTabSz="914400" rtl="0" eaLnBrk="1" latinLnBrk="0" hangingPunct="1">
+                  <a:defRPr sz="1800" kern="1200">
+                    <a:solidFill>
+                      <a:schemeClr val="tx1"/>
+                    </a:solidFill>
+                    <a:latin typeface="+mn-lt"/>
+                    <a:ea typeface="+mn-ea"/>
+                    <a:cs typeface="+mn-cs"/>
+                  </a:defRPr>
+                </a:lvl8pPr>
+                <a:lvl9pPr marL="3657600" algn="l" defTabSz="914400" rtl="0" eaLnBrk="1" latinLnBrk="0" hangingPunct="1">
+                  <a:defRPr sz="1800" kern="1200">
+                    <a:solidFill>
+                      <a:schemeClr val="tx1"/>
+                    </a:solidFill>
+                    <a:latin typeface="+mn-lt"/>
+                    <a:ea typeface="+mn-ea"/>
+                    <a:cs typeface="+mn-cs"/>
+                  </a:defRPr>
+                </a:lvl9pPr>
+              </a:lstStyle>
+              <a:p>
+                <a:r>
+                  <a:rPr lang="en-US" sz="1600" b="1" dirty="0" smtClean="0">
+                    <a:solidFill>
+                      <a:srgbClr val="7030A0"/>
+                    </a:solidFill>
+                  </a:rPr>
+                  <a:t>170</a:t>
+                </a:r>
+                <a:endParaRPr lang="en-US" sz="1600" b="1" dirty="0">
+                  <a:solidFill>
+                    <a:srgbClr val="7030A0"/>
+                  </a:solidFill>
+                </a:endParaRPr>
+              </a:p>
+            </p:txBody>
+          </p:sp>
+          <p:sp>
+            <p:nvSpPr>
+              <p:cNvPr id="175" name="TextBox 13"/>
+              <p:cNvSpPr txBox="1"/>
+              <p:nvPr/>
+            </p:nvSpPr>
+            <p:spPr>
+              <a:xfrm>
+                <a:off x="2970379" y="2097024"/>
+                <a:ext cx="497252" cy="338554"/>
+              </a:xfrm>
+              <a:prstGeom prst="rect">
+                <a:avLst/>
+              </a:prstGeom>
+              <a:noFill/>
+            </p:spPr>
+            <p:txBody>
+              <a:bodyPr wrap="none" rtlCol="0">
+                <a:spAutoFit/>
+              </a:bodyPr>
+              <a:lstStyle>
+                <a:defPPr>
+                  <a:defRPr lang="en-US"/>
+                </a:defPPr>
+                <a:lvl1pPr marL="0" algn="l" defTabSz="914400" rtl="0" eaLnBrk="1" latinLnBrk="0" hangingPunct="1">
+                  <a:defRPr sz="1800" kern="1200">
+                    <a:solidFill>
+                      <a:schemeClr val="tx1"/>
+                    </a:solidFill>
+                    <a:latin typeface="+mn-lt"/>
+                    <a:ea typeface="+mn-ea"/>
+                    <a:cs typeface="+mn-cs"/>
+                  </a:defRPr>
+                </a:lvl1pPr>
+                <a:lvl2pPr marL="457200" algn="l" defTabSz="914400" rtl="0" eaLnBrk="1" latinLnBrk="0" hangingPunct="1">
+                  <a:defRPr sz="1800" kern="1200">
+                    <a:solidFill>
+                      <a:schemeClr val="tx1"/>
+                    </a:solidFill>
+                    <a:latin typeface="+mn-lt"/>
+                    <a:ea typeface="+mn-ea"/>
+                    <a:cs typeface="+mn-cs"/>
+                  </a:defRPr>
+                </a:lvl2pPr>
+                <a:lvl3pPr marL="914400" algn="l" defTabSz="914400" rtl="0" eaLnBrk="1" latinLnBrk="0" hangingPunct="1">
+                  <a:defRPr sz="1800" kern="1200">
+                    <a:solidFill>
+                      <a:schemeClr val="tx1"/>
+                    </a:solidFill>
+                    <a:latin typeface="+mn-lt"/>
+                    <a:ea typeface="+mn-ea"/>
+                    <a:cs typeface="+mn-cs"/>
+                  </a:defRPr>
+                </a:lvl3pPr>
+                <a:lvl4pPr marL="1371600" algn="l" defTabSz="914400" rtl="0" eaLnBrk="1" latinLnBrk="0" hangingPunct="1">
+                  <a:defRPr sz="1800" kern="1200">
+                    <a:solidFill>
+                      <a:schemeClr val="tx1"/>
+                    </a:solidFill>
+                    <a:latin typeface="+mn-lt"/>
+                    <a:ea typeface="+mn-ea"/>
+                    <a:cs typeface="+mn-cs"/>
+                  </a:defRPr>
+                </a:lvl4pPr>
+                <a:lvl5pPr marL="1828800" algn="l" defTabSz="914400" rtl="0" eaLnBrk="1" latinLnBrk="0" hangingPunct="1">
+                  <a:defRPr sz="1800" kern="1200">
+                    <a:solidFill>
+                      <a:schemeClr val="tx1"/>
+                    </a:solidFill>
+                    <a:latin typeface="+mn-lt"/>
+                    <a:ea typeface="+mn-ea"/>
+                    <a:cs typeface="+mn-cs"/>
+                  </a:defRPr>
+                </a:lvl5pPr>
+                <a:lvl6pPr marL="2286000" algn="l" defTabSz="914400" rtl="0" eaLnBrk="1" latinLnBrk="0" hangingPunct="1">
+                  <a:defRPr sz="1800" kern="1200">
+                    <a:solidFill>
+                      <a:schemeClr val="tx1"/>
+                    </a:solidFill>
+                    <a:latin typeface="+mn-lt"/>
+                    <a:ea typeface="+mn-ea"/>
+                    <a:cs typeface="+mn-cs"/>
+                  </a:defRPr>
+                </a:lvl6pPr>
+                <a:lvl7pPr marL="2743200" algn="l" defTabSz="914400" rtl="0" eaLnBrk="1" latinLnBrk="0" hangingPunct="1">
+                  <a:defRPr sz="1800" kern="1200">
+                    <a:solidFill>
+                      <a:schemeClr val="tx1"/>
+                    </a:solidFill>
+                    <a:latin typeface="+mn-lt"/>
+                    <a:ea typeface="+mn-ea"/>
+                    <a:cs typeface="+mn-cs"/>
+                  </a:defRPr>
+                </a:lvl7pPr>
+                <a:lvl8pPr marL="3200400" algn="l" defTabSz="914400" rtl="0" eaLnBrk="1" latinLnBrk="0" hangingPunct="1">
+                  <a:defRPr sz="1800" kern="1200">
+                    <a:solidFill>
+                      <a:schemeClr val="tx1"/>
+                    </a:solidFill>
+                    <a:latin typeface="+mn-lt"/>
+                    <a:ea typeface="+mn-ea"/>
+                    <a:cs typeface="+mn-cs"/>
+                  </a:defRPr>
+                </a:lvl8pPr>
+                <a:lvl9pPr marL="3657600" algn="l" defTabSz="914400" rtl="0" eaLnBrk="1" latinLnBrk="0" hangingPunct="1">
+                  <a:defRPr sz="1800" kern="1200">
+                    <a:solidFill>
+                      <a:schemeClr val="tx1"/>
+                    </a:solidFill>
+                    <a:latin typeface="+mn-lt"/>
+                    <a:ea typeface="+mn-ea"/>
+                    <a:cs typeface="+mn-cs"/>
+                  </a:defRPr>
+                </a:lvl9pPr>
+              </a:lstStyle>
+              <a:p>
+                <a:r>
+                  <a:rPr lang="en-US" sz="1600" b="1" dirty="0" smtClean="0">
+                    <a:solidFill>
+                      <a:srgbClr val="7030A0"/>
+                    </a:solidFill>
+                  </a:rPr>
+                  <a:t>100</a:t>
+                </a:r>
+                <a:endParaRPr lang="en-US" sz="1600" b="1" dirty="0">
+                  <a:solidFill>
+                    <a:srgbClr val="7030A0"/>
+                  </a:solidFill>
+                </a:endParaRPr>
+              </a:p>
+            </p:txBody>
+          </p:sp>
+        </p:grpSp>
+        <p:grpSp>
+          <p:nvGrpSpPr>
+            <p:cNvPr id="165" name="Group 164"/>
+            <p:cNvGrpSpPr/>
+            <p:nvPr/>
+          </p:nvGrpSpPr>
+          <p:grpSpPr>
+            <a:xfrm>
+              <a:off x="402336" y="341376"/>
+              <a:ext cx="2011680" cy="1816608"/>
+              <a:chOff x="402336" y="341376"/>
+              <a:chExt cx="2011680" cy="1816608"/>
+            </a:xfrm>
+          </p:grpSpPr>
+          <p:sp>
+            <p:nvSpPr>
+              <p:cNvPr id="166" name="Rectangle 165"/>
+              <p:cNvSpPr/>
+              <p:nvPr/>
+            </p:nvSpPr>
+            <p:spPr>
+              <a:xfrm>
+                <a:off x="950976" y="792480"/>
+                <a:ext cx="914400" cy="914400"/>
+              </a:xfrm>
+              <a:prstGeom prst="rect">
+                <a:avLst/>
+              </a:prstGeom>
+            </p:spPr>
+            <p:style>
+              <a:lnRef idx="2">
+                <a:schemeClr val="accent1">
+                  <a:shade val="50000"/>
+                </a:schemeClr>
+              </a:lnRef>
+              <a:fillRef idx="1">
+                <a:schemeClr val="accent1"/>
+              </a:fillRef>
+              <a:effectRef idx="0">
+                <a:schemeClr val="accent1"/>
+              </a:effectRef>
+              <a:fontRef idx="minor">
+                <a:schemeClr val="lt1"/>
+              </a:fontRef>
+            </p:style>
+            <p:txBody>
+              <a:bodyPr rtlCol="0" anchor="ctr"/>
+              <a:lstStyle>
+                <a:defPPr>
+                  <a:defRPr lang="en-US"/>
+                </a:defPPr>
+                <a:lvl1pPr marL="0" algn="l" defTabSz="914400" rtl="0" eaLnBrk="1" latinLnBrk="0" hangingPunct="1">
+                  <a:defRPr sz="1800" kern="1200">
+                    <a:solidFill>
+                      <a:schemeClr val="lt1"/>
+                    </a:solidFill>
+                    <a:latin typeface="+mn-lt"/>
+                    <a:ea typeface="+mn-ea"/>
+                    <a:cs typeface="+mn-cs"/>
+                  </a:defRPr>
+                </a:lvl1pPr>
+                <a:lvl2pPr marL="457200" algn="l" defTabSz="914400" rtl="0" eaLnBrk="1" latinLnBrk="0" hangingPunct="1">
+                  <a:defRPr sz="1800" kern="1200">
+                    <a:solidFill>
+                      <a:schemeClr val="lt1"/>
+                    </a:solidFill>
+                    <a:latin typeface="+mn-lt"/>
+                    <a:ea typeface="+mn-ea"/>
+                    <a:cs typeface="+mn-cs"/>
+                  </a:defRPr>
+                </a:lvl2pPr>
+                <a:lvl3pPr marL="914400" algn="l" defTabSz="914400" rtl="0" eaLnBrk="1" latinLnBrk="0" hangingPunct="1">
+                  <a:defRPr sz="1800" kern="1200">
+                    <a:solidFill>
+                      <a:schemeClr val="lt1"/>
+                    </a:solidFill>
+                    <a:latin typeface="+mn-lt"/>
+                    <a:ea typeface="+mn-ea"/>
+                    <a:cs typeface="+mn-cs"/>
+                  </a:defRPr>
+                </a:lvl3pPr>
+                <a:lvl4pPr marL="1371600" algn="l" defTabSz="914400" rtl="0" eaLnBrk="1" latinLnBrk="0" hangingPunct="1">
+                  <a:defRPr sz="1800" kern="1200">
+                    <a:solidFill>
+                      <a:schemeClr val="lt1"/>
+                    </a:solidFill>
+                    <a:latin typeface="+mn-lt"/>
+                    <a:ea typeface="+mn-ea"/>
+                    <a:cs typeface="+mn-cs"/>
+                  </a:defRPr>
+                </a:lvl4pPr>
+                <a:lvl5pPr marL="1828800" algn="l" defTabSz="914400" rtl="0" eaLnBrk="1" latinLnBrk="0" hangingPunct="1">
+                  <a:defRPr sz="1800" kern="1200">
+                    <a:solidFill>
+                      <a:schemeClr val="lt1"/>
+                    </a:solidFill>
+                    <a:latin typeface="+mn-lt"/>
+                    <a:ea typeface="+mn-ea"/>
+                    <a:cs typeface="+mn-cs"/>
+                  </a:defRPr>
+                </a:lvl5pPr>
+                <a:lvl6pPr marL="2286000" algn="l" defTabSz="914400" rtl="0" eaLnBrk="1" latinLnBrk="0" hangingPunct="1">
+                  <a:defRPr sz="1800" kern="1200">
+                    <a:solidFill>
+                      <a:schemeClr val="lt1"/>
+                    </a:solidFill>
+                    <a:latin typeface="+mn-lt"/>
+                    <a:ea typeface="+mn-ea"/>
+                    <a:cs typeface="+mn-cs"/>
+                  </a:defRPr>
+                </a:lvl6pPr>
+                <a:lvl7pPr marL="2743200" algn="l" defTabSz="914400" rtl="0" eaLnBrk="1" latinLnBrk="0" hangingPunct="1">
+                  <a:defRPr sz="1800" kern="1200">
+                    <a:solidFill>
+                      <a:schemeClr val="lt1"/>
+                    </a:solidFill>
+                    <a:latin typeface="+mn-lt"/>
+                    <a:ea typeface="+mn-ea"/>
+                    <a:cs typeface="+mn-cs"/>
+                  </a:defRPr>
+                </a:lvl7pPr>
+                <a:lvl8pPr marL="3200400" algn="l" defTabSz="914400" rtl="0" eaLnBrk="1" latinLnBrk="0" hangingPunct="1">
+                  <a:defRPr sz="1800" kern="1200">
+                    <a:solidFill>
+                      <a:schemeClr val="lt1"/>
+                    </a:solidFill>
+                    <a:latin typeface="+mn-lt"/>
+                    <a:ea typeface="+mn-ea"/>
+                    <a:cs typeface="+mn-cs"/>
+                  </a:defRPr>
+                </a:lvl8pPr>
+                <a:lvl9pPr marL="3657600" algn="l" defTabSz="914400" rtl="0" eaLnBrk="1" latinLnBrk="0" hangingPunct="1">
+                  <a:defRPr sz="1800" kern="1200">
+                    <a:solidFill>
+                      <a:schemeClr val="lt1"/>
+                    </a:solidFill>
+                    <a:latin typeface="+mn-lt"/>
+                    <a:ea typeface="+mn-ea"/>
+                    <a:cs typeface="+mn-cs"/>
+                  </a:defRPr>
+                </a:lvl9pPr>
+              </a:lstStyle>
+              <a:p>
+                <a:pPr algn="ctr"/>
+                <a:endParaRPr lang="en-US"/>
+              </a:p>
+            </p:txBody>
+          </p:sp>
+          <p:cxnSp>
+            <p:nvCxnSpPr>
+              <p:cNvPr id="167" name="Straight Connector 166"/>
+              <p:cNvCxnSpPr/>
+              <p:nvPr/>
+            </p:nvCxnSpPr>
+            <p:spPr>
+              <a:xfrm flipV="1">
+                <a:off x="1865376" y="341376"/>
+                <a:ext cx="548640" cy="451104"/>
+              </a:xfrm>
+              <a:prstGeom prst="line">
+                <a:avLst/>
+              </a:prstGeom>
+            </p:spPr>
+            <p:style>
+              <a:lnRef idx="1">
+                <a:schemeClr val="accent1"/>
+              </a:lnRef>
+              <a:fillRef idx="0">
+                <a:schemeClr val="accent1"/>
+              </a:fillRef>
+              <a:effectRef idx="0">
+                <a:schemeClr val="accent1"/>
+              </a:effectRef>
+              <a:fontRef idx="minor">
+                <a:schemeClr val="tx1"/>
+              </a:fontRef>
+            </p:style>
+          </p:cxnSp>
+          <p:cxnSp>
+            <p:nvCxnSpPr>
+              <p:cNvPr id="168" name="Straight Connector 167"/>
+              <p:cNvCxnSpPr/>
+              <p:nvPr/>
+            </p:nvCxnSpPr>
+            <p:spPr>
+              <a:xfrm flipV="1">
+                <a:off x="402336" y="1706880"/>
+                <a:ext cx="548640" cy="451104"/>
+              </a:xfrm>
+              <a:prstGeom prst="line">
+                <a:avLst/>
+              </a:prstGeom>
+            </p:spPr>
+            <p:style>
+              <a:lnRef idx="1">
+                <a:schemeClr val="accent1"/>
+              </a:lnRef>
+              <a:fillRef idx="0">
+                <a:schemeClr val="accent1"/>
+              </a:fillRef>
+              <a:effectRef idx="0">
+                <a:schemeClr val="accent1"/>
+              </a:effectRef>
+              <a:fontRef idx="minor">
+                <a:schemeClr val="tx1"/>
+              </a:fontRef>
+            </p:style>
+          </p:cxnSp>
+          <p:cxnSp>
+            <p:nvCxnSpPr>
+              <p:cNvPr id="169" name="Straight Connector 168"/>
+              <p:cNvCxnSpPr/>
+              <p:nvPr/>
+            </p:nvCxnSpPr>
+            <p:spPr>
+              <a:xfrm flipH="1" flipV="1">
+                <a:off x="402336" y="341376"/>
+                <a:ext cx="548640" cy="451104"/>
+              </a:xfrm>
+              <a:prstGeom prst="line">
+                <a:avLst/>
+              </a:prstGeom>
+            </p:spPr>
+            <p:style>
+              <a:lnRef idx="1">
+                <a:schemeClr val="accent1"/>
+              </a:lnRef>
+              <a:fillRef idx="0">
+                <a:schemeClr val="accent1"/>
+              </a:fillRef>
+              <a:effectRef idx="0">
+                <a:schemeClr val="accent1"/>
+              </a:effectRef>
+              <a:fontRef idx="minor">
+                <a:schemeClr val="tx1"/>
+              </a:fontRef>
+            </p:style>
+          </p:cxnSp>
+          <p:cxnSp>
+            <p:nvCxnSpPr>
+              <p:cNvPr id="170" name="Straight Connector 169"/>
+              <p:cNvCxnSpPr/>
+              <p:nvPr/>
+            </p:nvCxnSpPr>
+            <p:spPr>
+              <a:xfrm flipH="1" flipV="1">
+                <a:off x="1865376" y="1706880"/>
+                <a:ext cx="548640" cy="451104"/>
+              </a:xfrm>
+              <a:prstGeom prst="line">
+                <a:avLst/>
+              </a:prstGeom>
+            </p:spPr>
+            <p:style>
+              <a:lnRef idx="1">
+                <a:schemeClr val="accent1"/>
+              </a:lnRef>
+              <a:fillRef idx="0">
+                <a:schemeClr val="accent1"/>
+              </a:fillRef>
+              <a:effectRef idx="0">
+                <a:schemeClr val="accent1"/>
+              </a:effectRef>
+              <a:fontRef idx="minor">
+                <a:schemeClr val="tx1"/>
+              </a:fontRef>
+            </p:style>
+          </p:cxnSp>
+        </p:grpSp>
+      </p:grpSp>
+      <p:cxnSp>
+        <p:nvCxnSpPr>
+          <p:cNvPr id="176" name="Straight Arrow Connector 175"/>
+          <p:cNvCxnSpPr/>
+          <p:nvPr/>
+        </p:nvCxnSpPr>
+        <p:spPr>
+          <a:xfrm>
+            <a:off x="8964789" y="2842538"/>
+            <a:ext cx="619373" cy="0"/>
+          </a:xfrm>
+          <a:prstGeom prst="straightConnector1">
+            <a:avLst/>
+          </a:prstGeom>
+          <a:ln>
+            <a:tailEnd type="triangle"/>
+          </a:ln>
+        </p:spPr>
+        <p:style>
+          <a:lnRef idx="3">
+            <a:schemeClr val="accent3"/>
+          </a:lnRef>
+          <a:fillRef idx="0">
+            <a:schemeClr val="accent3"/>
+          </a:fillRef>
+          <a:effectRef idx="2">
+            <a:schemeClr val="accent3"/>
+          </a:effectRef>
+          <a:fontRef idx="minor">
+            <a:schemeClr val="tx1"/>
+          </a:fontRef>
+        </p:style>
+      </p:cxnSp>
+      <p:cxnSp>
+        <p:nvCxnSpPr>
+          <p:cNvPr id="177" name="Straight Arrow Connector 176"/>
+          <p:cNvCxnSpPr/>
+          <p:nvPr/>
+        </p:nvCxnSpPr>
+        <p:spPr>
+          <a:xfrm flipH="1">
+            <a:off x="7198158" y="2842538"/>
+            <a:ext cx="619373" cy="0"/>
+          </a:xfrm>
+          <a:prstGeom prst="straightConnector1">
+            <a:avLst/>
+          </a:prstGeom>
+          <a:ln>
+            <a:tailEnd type="triangle"/>
+          </a:ln>
+        </p:spPr>
+        <p:style>
+          <a:lnRef idx="3">
+            <a:schemeClr val="accent3"/>
+          </a:lnRef>
+          <a:fillRef idx="0">
+            <a:schemeClr val="accent3"/>
+          </a:fillRef>
+          <a:effectRef idx="2">
+            <a:schemeClr val="accent3"/>
+          </a:effectRef>
+          <a:fontRef idx="minor">
+            <a:schemeClr val="tx1"/>
+          </a:fontRef>
+        </p:style>
+      </p:cxnSp>
+      <p:cxnSp>
+        <p:nvCxnSpPr>
+          <p:cNvPr id="178" name="Straight Arrow Connector 177"/>
+          <p:cNvCxnSpPr/>
+          <p:nvPr/>
+        </p:nvCxnSpPr>
+        <p:spPr>
+          <a:xfrm rot="16200000">
+            <a:off x="8088175" y="1964118"/>
+            <a:ext cx="619373" cy="0"/>
+          </a:xfrm>
+          <a:prstGeom prst="straightConnector1">
+            <a:avLst/>
+          </a:prstGeom>
+          <a:ln>
+            <a:tailEnd type="triangle"/>
+          </a:ln>
+        </p:spPr>
+        <p:style>
+          <a:lnRef idx="3">
+            <a:schemeClr val="accent3"/>
+          </a:lnRef>
+          <a:fillRef idx="0">
+            <a:schemeClr val="accent3"/>
+          </a:fillRef>
+          <a:effectRef idx="2">
+            <a:schemeClr val="accent3"/>
+          </a:effectRef>
+          <a:fontRef idx="minor">
+            <a:schemeClr val="tx1"/>
+          </a:fontRef>
+        </p:style>
+      </p:cxnSp>
+      <p:cxnSp>
+        <p:nvCxnSpPr>
+          <p:cNvPr id="179" name="Straight Arrow Connector 178"/>
+          <p:cNvCxnSpPr/>
+          <p:nvPr/>
+        </p:nvCxnSpPr>
+        <p:spPr>
+          <a:xfrm rot="5400000">
+            <a:off x="8039406" y="3635018"/>
+            <a:ext cx="619373" cy="0"/>
+          </a:xfrm>
+          <a:prstGeom prst="straightConnector1">
+            <a:avLst/>
+          </a:prstGeom>
+          <a:ln>
+            <a:tailEnd type="triangle"/>
+          </a:ln>
+        </p:spPr>
+        <p:style>
+          <a:lnRef idx="3">
+            <a:schemeClr val="accent3"/>
+          </a:lnRef>
+          <a:fillRef idx="0">
+            <a:schemeClr val="accent3"/>
+          </a:fillRef>
+          <a:effectRef idx="2">
+            <a:schemeClr val="accent3"/>
+          </a:effectRef>
+          <a:fontRef idx="minor">
+            <a:schemeClr val="tx1"/>
+          </a:fontRef>
+        </p:style>
+      </p:cxnSp>
+      <p:sp>
+        <p:nvSpPr>
+          <p:cNvPr id="180" name="TextBox 19"/>
+          <p:cNvSpPr txBox="1"/>
+          <p:nvPr/>
+        </p:nvSpPr>
+        <p:spPr>
+          <a:xfrm>
+            <a:off x="9470048" y="2618397"/>
+            <a:ext cx="497252" cy="338554"/>
+          </a:xfrm>
+          <a:prstGeom prst="rect">
+            <a:avLst/>
+          </a:prstGeom>
+          <a:noFill/>
+        </p:spPr>
+        <p:txBody>
+          <a:bodyPr wrap="none" rtlCol="0">
+            <a:spAutoFit/>
+          </a:bodyPr>
+          <a:lstStyle>
+            <a:defPPr>
+              <a:defRPr lang="en-US"/>
+            </a:defPPr>
+            <a:lvl1pPr marL="0" algn="l" defTabSz="914400" rtl="0" eaLnBrk="1" latinLnBrk="0" hangingPunct="1">
+              <a:defRPr sz="1800" kern="1200">
+                <a:solidFill>
+                  <a:schemeClr val="tx1"/>
+                </a:solidFill>
+                <a:latin typeface="+mn-lt"/>
+                <a:ea typeface="+mn-ea"/>
+                <a:cs typeface="+mn-cs"/>
+              </a:defRPr>
+            </a:lvl1pPr>
+            <a:lvl2pPr marL="457200" algn="l" defTabSz="914400" rtl="0" eaLnBrk="1" latinLnBrk="0" hangingPunct="1">
+              <a:defRPr sz="1800" kern="1200">
+                <a:solidFill>
+                  <a:schemeClr val="tx1"/>
+                </a:solidFill>
+                <a:latin typeface="+mn-lt"/>
+                <a:ea typeface="+mn-ea"/>
+                <a:cs typeface="+mn-cs"/>
+              </a:defRPr>
+            </a:lvl2pPr>
+            <a:lvl3pPr marL="914400" algn="l" defTabSz="914400" rtl="0" eaLnBrk="1" latinLnBrk="0" hangingPunct="1">
+              <a:defRPr sz="1800" kern="1200">
+                <a:solidFill>
+                  <a:schemeClr val="tx1"/>
+                </a:solidFill>
+                <a:latin typeface="+mn-lt"/>
+                <a:ea typeface="+mn-ea"/>
+                <a:cs typeface="+mn-cs"/>
+              </a:defRPr>
+            </a:lvl3pPr>
+            <a:lvl4pPr marL="1371600" algn="l" defTabSz="914400" rtl="0" eaLnBrk="1" latinLnBrk="0" hangingPunct="1">
+              <a:defRPr sz="1800" kern="1200">
+                <a:solidFill>
+                  <a:schemeClr val="tx1"/>
+                </a:solidFill>
+                <a:latin typeface="+mn-lt"/>
+                <a:ea typeface="+mn-ea"/>
+                <a:cs typeface="+mn-cs"/>
+              </a:defRPr>
+            </a:lvl4pPr>
+            <a:lvl5pPr marL="1828800" algn="l" defTabSz="914400" rtl="0" eaLnBrk="1" latinLnBrk="0" hangingPunct="1">
+              <a:defRPr sz="1800" kern="1200">
+                <a:solidFill>
+                  <a:schemeClr val="tx1"/>
+                </a:solidFill>
+                <a:latin typeface="+mn-lt"/>
+                <a:ea typeface="+mn-ea"/>
+                <a:cs typeface="+mn-cs"/>
+              </a:defRPr>
+            </a:lvl5pPr>
+            <a:lvl6pPr marL="2286000" algn="l" defTabSz="914400" rtl="0" eaLnBrk="1" latinLnBrk="0" hangingPunct="1">
+              <a:defRPr sz="1800" kern="1200">
+                <a:solidFill>
+                  <a:schemeClr val="tx1"/>
+                </a:solidFill>
+                <a:latin typeface="+mn-lt"/>
+                <a:ea typeface="+mn-ea"/>
+                <a:cs typeface="+mn-cs"/>
+              </a:defRPr>
+            </a:lvl6pPr>
+            <a:lvl7pPr marL="2743200" algn="l" defTabSz="914400" rtl="0" eaLnBrk="1" latinLnBrk="0" hangingPunct="1">
+              <a:defRPr sz="1800" kern="1200">
+                <a:solidFill>
+                  <a:schemeClr val="tx1"/>
+                </a:solidFill>
+                <a:latin typeface="+mn-lt"/>
+                <a:ea typeface="+mn-ea"/>
+                <a:cs typeface="+mn-cs"/>
+              </a:defRPr>
+            </a:lvl7pPr>
+            <a:lvl8pPr marL="3200400" algn="l" defTabSz="914400" rtl="0" eaLnBrk="1" latinLnBrk="0" hangingPunct="1">
+              <a:defRPr sz="1800" kern="1200">
+                <a:solidFill>
+                  <a:schemeClr val="tx1"/>
+                </a:solidFill>
+                <a:latin typeface="+mn-lt"/>
+                <a:ea typeface="+mn-ea"/>
+                <a:cs typeface="+mn-cs"/>
+              </a:defRPr>
+            </a:lvl8pPr>
+            <a:lvl9pPr marL="3657600" algn="l" defTabSz="914400" rtl="0" eaLnBrk="1" latinLnBrk="0" hangingPunct="1">
+              <a:defRPr sz="1800" kern="1200">
+                <a:solidFill>
+                  <a:schemeClr val="tx1"/>
+                </a:solidFill>
+                <a:latin typeface="+mn-lt"/>
+                <a:ea typeface="+mn-ea"/>
+                <a:cs typeface="+mn-cs"/>
+              </a:defRPr>
+            </a:lvl9pPr>
+          </a:lstStyle>
+          <a:p>
+            <a:pPr algn="r"/>
+            <a:r>
+              <a:rPr lang="en-US" sz="1600" b="1" dirty="0" smtClean="0">
+                <a:solidFill>
+                  <a:srgbClr val="7030A0"/>
+                </a:solidFill>
+              </a:rPr>
+              <a:t>257</a:t>
+            </a:r>
+            <a:endParaRPr lang="en-US" sz="1600" b="1" dirty="0">
+              <a:solidFill>
+                <a:srgbClr val="7030A0"/>
+              </a:solidFill>
+            </a:endParaRPr>
+          </a:p>
+        </p:txBody>
+      </p:sp>
+      <p:sp>
+        <p:nvSpPr>
+          <p:cNvPr id="181" name="TextBox 20"/>
+          <p:cNvSpPr txBox="1"/>
+          <p:nvPr/>
+        </p:nvSpPr>
+        <p:spPr>
+          <a:xfrm>
+            <a:off x="8045039" y="1227317"/>
+            <a:ext cx="497252" cy="338554"/>
+          </a:xfrm>
+          <a:prstGeom prst="rect">
+            <a:avLst/>
+          </a:prstGeom>
+          <a:noFill/>
+        </p:spPr>
+        <p:txBody>
+          <a:bodyPr wrap="none" rtlCol="0">
+            <a:spAutoFit/>
+          </a:bodyPr>
+          <a:lstStyle>
+            <a:defPPr>
+              <a:defRPr lang="en-US"/>
+            </a:defPPr>
+            <a:lvl1pPr marL="0" algn="l" defTabSz="914400" rtl="0" eaLnBrk="1" latinLnBrk="0" hangingPunct="1">
+              <a:defRPr sz="1800" kern="1200">
+                <a:solidFill>
+                  <a:schemeClr val="tx1"/>
+                </a:solidFill>
+                <a:latin typeface="+mn-lt"/>
+                <a:ea typeface="+mn-ea"/>
+                <a:cs typeface="+mn-cs"/>
+              </a:defRPr>
+            </a:lvl1pPr>
+            <a:lvl2pPr marL="457200" algn="l" defTabSz="914400" rtl="0" eaLnBrk="1" latinLnBrk="0" hangingPunct="1">
+              <a:defRPr sz="1800" kern="1200">
+                <a:solidFill>
+                  <a:schemeClr val="tx1"/>
+                </a:solidFill>
+                <a:latin typeface="+mn-lt"/>
+                <a:ea typeface="+mn-ea"/>
+                <a:cs typeface="+mn-cs"/>
+              </a:defRPr>
+            </a:lvl2pPr>
+            <a:lvl3pPr marL="914400" algn="l" defTabSz="914400" rtl="0" eaLnBrk="1" latinLnBrk="0" hangingPunct="1">
+              <a:defRPr sz="1800" kern="1200">
+                <a:solidFill>
+                  <a:schemeClr val="tx1"/>
+                </a:solidFill>
+                <a:latin typeface="+mn-lt"/>
+                <a:ea typeface="+mn-ea"/>
+                <a:cs typeface="+mn-cs"/>
+              </a:defRPr>
+            </a:lvl3pPr>
+            <a:lvl4pPr marL="1371600" algn="l" defTabSz="914400" rtl="0" eaLnBrk="1" latinLnBrk="0" hangingPunct="1">
+              <a:defRPr sz="1800" kern="1200">
+                <a:solidFill>
+                  <a:schemeClr val="tx1"/>
+                </a:solidFill>
+                <a:latin typeface="+mn-lt"/>
+                <a:ea typeface="+mn-ea"/>
+                <a:cs typeface="+mn-cs"/>
+              </a:defRPr>
+            </a:lvl4pPr>
+            <a:lvl5pPr marL="1828800" algn="l" defTabSz="914400" rtl="0" eaLnBrk="1" latinLnBrk="0" hangingPunct="1">
+              <a:defRPr sz="1800" kern="1200">
+                <a:solidFill>
+                  <a:schemeClr val="tx1"/>
+                </a:solidFill>
+                <a:latin typeface="+mn-lt"/>
+                <a:ea typeface="+mn-ea"/>
+                <a:cs typeface="+mn-cs"/>
+              </a:defRPr>
+            </a:lvl5pPr>
+            <a:lvl6pPr marL="2286000" algn="l" defTabSz="914400" rtl="0" eaLnBrk="1" latinLnBrk="0" hangingPunct="1">
+              <a:defRPr sz="1800" kern="1200">
+                <a:solidFill>
+                  <a:schemeClr val="tx1"/>
+                </a:solidFill>
+                <a:latin typeface="+mn-lt"/>
+                <a:ea typeface="+mn-ea"/>
+                <a:cs typeface="+mn-cs"/>
+              </a:defRPr>
+            </a:lvl6pPr>
+            <a:lvl7pPr marL="2743200" algn="l" defTabSz="914400" rtl="0" eaLnBrk="1" latinLnBrk="0" hangingPunct="1">
+              <a:defRPr sz="1800" kern="1200">
+                <a:solidFill>
+                  <a:schemeClr val="tx1"/>
+                </a:solidFill>
+                <a:latin typeface="+mn-lt"/>
+                <a:ea typeface="+mn-ea"/>
+                <a:cs typeface="+mn-cs"/>
+              </a:defRPr>
+            </a:lvl7pPr>
+            <a:lvl8pPr marL="3200400" algn="l" defTabSz="914400" rtl="0" eaLnBrk="1" latinLnBrk="0" hangingPunct="1">
+              <a:defRPr sz="1800" kern="1200">
+                <a:solidFill>
+                  <a:schemeClr val="tx1"/>
+                </a:solidFill>
+                <a:latin typeface="+mn-lt"/>
+                <a:ea typeface="+mn-ea"/>
+                <a:cs typeface="+mn-cs"/>
+              </a:defRPr>
+            </a:lvl8pPr>
+            <a:lvl9pPr marL="3657600" algn="l" defTabSz="914400" rtl="0" eaLnBrk="1" latinLnBrk="0" hangingPunct="1">
+              <a:defRPr sz="1800" kern="1200">
+                <a:solidFill>
+                  <a:schemeClr val="tx1"/>
+                </a:solidFill>
+                <a:latin typeface="+mn-lt"/>
+                <a:ea typeface="+mn-ea"/>
+                <a:cs typeface="+mn-cs"/>
+              </a:defRPr>
+            </a:lvl9pPr>
+          </a:lstStyle>
+          <a:p>
+            <a:pPr algn="r"/>
+            <a:r>
+              <a:rPr lang="en-US" sz="1600" b="1" dirty="0" smtClean="0">
+                <a:solidFill>
+                  <a:srgbClr val="7030A0"/>
+                </a:solidFill>
+              </a:rPr>
+              <a:t>198</a:t>
+            </a:r>
+            <a:endParaRPr lang="en-US" sz="1600" b="1" dirty="0">
+              <a:solidFill>
+                <a:srgbClr val="7030A0"/>
+              </a:solidFill>
+            </a:endParaRPr>
+          </a:p>
+        </p:txBody>
+      </p:sp>
+      <p:sp>
+        <p:nvSpPr>
+          <p:cNvPr id="182" name="TextBox 21"/>
+          <p:cNvSpPr txBox="1"/>
+          <p:nvPr/>
+        </p:nvSpPr>
+        <p:spPr>
+          <a:xfrm>
+            <a:off x="6358806" y="2671850"/>
+            <a:ext cx="497252" cy="338554"/>
+          </a:xfrm>
+          <a:prstGeom prst="rect">
+            <a:avLst/>
+          </a:prstGeom>
+          <a:noFill/>
+        </p:spPr>
+        <p:txBody>
+          <a:bodyPr wrap="none" rtlCol="0">
+            <a:spAutoFit/>
+          </a:bodyPr>
+          <a:lstStyle>
+            <a:defPPr>
+              <a:defRPr lang="en-US"/>
+            </a:defPPr>
+            <a:lvl1pPr marL="0" algn="l" defTabSz="914400" rtl="0" eaLnBrk="1" latinLnBrk="0" hangingPunct="1">
+              <a:defRPr sz="1800" kern="1200">
+                <a:solidFill>
+                  <a:schemeClr val="tx1"/>
+                </a:solidFill>
+                <a:latin typeface="+mn-lt"/>
+                <a:ea typeface="+mn-ea"/>
+                <a:cs typeface="+mn-cs"/>
+              </a:defRPr>
+            </a:lvl1pPr>
+            <a:lvl2pPr marL="457200" algn="l" defTabSz="914400" rtl="0" eaLnBrk="1" latinLnBrk="0" hangingPunct="1">
+              <a:defRPr sz="1800" kern="1200">
+                <a:solidFill>
+                  <a:schemeClr val="tx1"/>
+                </a:solidFill>
+                <a:latin typeface="+mn-lt"/>
+                <a:ea typeface="+mn-ea"/>
+                <a:cs typeface="+mn-cs"/>
+              </a:defRPr>
+            </a:lvl2pPr>
+            <a:lvl3pPr marL="914400" algn="l" defTabSz="914400" rtl="0" eaLnBrk="1" latinLnBrk="0" hangingPunct="1">
+              <a:defRPr sz="1800" kern="1200">
+                <a:solidFill>
+                  <a:schemeClr val="tx1"/>
+                </a:solidFill>
+                <a:latin typeface="+mn-lt"/>
+                <a:ea typeface="+mn-ea"/>
+                <a:cs typeface="+mn-cs"/>
+              </a:defRPr>
+            </a:lvl3pPr>
+            <a:lvl4pPr marL="1371600" algn="l" defTabSz="914400" rtl="0" eaLnBrk="1" latinLnBrk="0" hangingPunct="1">
+              <a:defRPr sz="1800" kern="1200">
+                <a:solidFill>
+                  <a:schemeClr val="tx1"/>
+                </a:solidFill>
+                <a:latin typeface="+mn-lt"/>
+                <a:ea typeface="+mn-ea"/>
+                <a:cs typeface="+mn-cs"/>
+              </a:defRPr>
+            </a:lvl4pPr>
+            <a:lvl5pPr marL="1828800" algn="l" defTabSz="914400" rtl="0" eaLnBrk="1" latinLnBrk="0" hangingPunct="1">
+              <a:defRPr sz="1800" kern="1200">
+                <a:solidFill>
+                  <a:schemeClr val="tx1"/>
+                </a:solidFill>
+                <a:latin typeface="+mn-lt"/>
+                <a:ea typeface="+mn-ea"/>
+                <a:cs typeface="+mn-cs"/>
+              </a:defRPr>
+            </a:lvl5pPr>
+            <a:lvl6pPr marL="2286000" algn="l" defTabSz="914400" rtl="0" eaLnBrk="1" latinLnBrk="0" hangingPunct="1">
+              <a:defRPr sz="1800" kern="1200">
+                <a:solidFill>
+                  <a:schemeClr val="tx1"/>
+                </a:solidFill>
+                <a:latin typeface="+mn-lt"/>
+                <a:ea typeface="+mn-ea"/>
+                <a:cs typeface="+mn-cs"/>
+              </a:defRPr>
+            </a:lvl6pPr>
+            <a:lvl7pPr marL="2743200" algn="l" defTabSz="914400" rtl="0" eaLnBrk="1" latinLnBrk="0" hangingPunct="1">
+              <a:defRPr sz="1800" kern="1200">
+                <a:solidFill>
+                  <a:schemeClr val="tx1"/>
+                </a:solidFill>
+                <a:latin typeface="+mn-lt"/>
+                <a:ea typeface="+mn-ea"/>
+                <a:cs typeface="+mn-cs"/>
+              </a:defRPr>
+            </a:lvl7pPr>
+            <a:lvl8pPr marL="3200400" algn="l" defTabSz="914400" rtl="0" eaLnBrk="1" latinLnBrk="0" hangingPunct="1">
+              <a:defRPr sz="1800" kern="1200">
+                <a:solidFill>
+                  <a:schemeClr val="tx1"/>
+                </a:solidFill>
+                <a:latin typeface="+mn-lt"/>
+                <a:ea typeface="+mn-ea"/>
+                <a:cs typeface="+mn-cs"/>
+              </a:defRPr>
+            </a:lvl8pPr>
+            <a:lvl9pPr marL="3657600" algn="l" defTabSz="914400" rtl="0" eaLnBrk="1" latinLnBrk="0" hangingPunct="1">
+              <a:defRPr sz="1800" kern="1200">
+                <a:solidFill>
+                  <a:schemeClr val="tx1"/>
+                </a:solidFill>
+                <a:latin typeface="+mn-lt"/>
+                <a:ea typeface="+mn-ea"/>
+                <a:cs typeface="+mn-cs"/>
+              </a:defRPr>
+            </a:lvl9pPr>
+          </a:lstStyle>
+          <a:p>
+            <a:pPr algn="r"/>
+            <a:r>
+              <a:rPr lang="en-US" sz="1600" b="1" dirty="0" smtClean="0">
+                <a:solidFill>
+                  <a:srgbClr val="7030A0"/>
+                </a:solidFill>
+              </a:rPr>
+              <a:t>148</a:t>
+            </a:r>
+            <a:endParaRPr lang="en-US" sz="1600" b="1" dirty="0">
+              <a:solidFill>
+                <a:srgbClr val="7030A0"/>
+              </a:solidFill>
+            </a:endParaRPr>
+          </a:p>
+        </p:txBody>
+      </p:sp>
+      <p:sp>
+        <p:nvSpPr>
+          <p:cNvPr id="183" name="TextBox 22"/>
+          <p:cNvSpPr txBox="1"/>
+          <p:nvPr/>
+        </p:nvSpPr>
+        <p:spPr>
+          <a:xfrm>
+            <a:off x="7680691" y="3901831"/>
+            <a:ext cx="1303562" cy="338554"/>
+          </a:xfrm>
+          <a:prstGeom prst="rect">
+            <a:avLst/>
+          </a:prstGeom>
+          <a:noFill/>
+        </p:spPr>
+        <p:txBody>
+          <a:bodyPr wrap="none" rtlCol="0">
+            <a:spAutoFit/>
+          </a:bodyPr>
+          <a:lstStyle>
+            <a:defPPr>
+              <a:defRPr lang="en-US"/>
+            </a:defPPr>
+            <a:lvl1pPr marL="0" algn="l" defTabSz="914400" rtl="0" eaLnBrk="1" latinLnBrk="0" hangingPunct="1">
+              <a:defRPr sz="1800" kern="1200">
+                <a:solidFill>
+                  <a:schemeClr val="tx1"/>
+                </a:solidFill>
+                <a:latin typeface="+mn-lt"/>
+                <a:ea typeface="+mn-ea"/>
+                <a:cs typeface="+mn-cs"/>
+              </a:defRPr>
+            </a:lvl1pPr>
+            <a:lvl2pPr marL="457200" algn="l" defTabSz="914400" rtl="0" eaLnBrk="1" latinLnBrk="0" hangingPunct="1">
+              <a:defRPr sz="1800" kern="1200">
+                <a:solidFill>
+                  <a:schemeClr val="tx1"/>
+                </a:solidFill>
+                <a:latin typeface="+mn-lt"/>
+                <a:ea typeface="+mn-ea"/>
+                <a:cs typeface="+mn-cs"/>
+              </a:defRPr>
+            </a:lvl2pPr>
+            <a:lvl3pPr marL="914400" algn="l" defTabSz="914400" rtl="0" eaLnBrk="1" latinLnBrk="0" hangingPunct="1">
+              <a:defRPr sz="1800" kern="1200">
+                <a:solidFill>
+                  <a:schemeClr val="tx1"/>
+                </a:solidFill>
+                <a:latin typeface="+mn-lt"/>
+                <a:ea typeface="+mn-ea"/>
+                <a:cs typeface="+mn-cs"/>
+              </a:defRPr>
+            </a:lvl3pPr>
+            <a:lvl4pPr marL="1371600" algn="l" defTabSz="914400" rtl="0" eaLnBrk="1" latinLnBrk="0" hangingPunct="1">
+              <a:defRPr sz="1800" kern="1200">
+                <a:solidFill>
+                  <a:schemeClr val="tx1"/>
+                </a:solidFill>
+                <a:latin typeface="+mn-lt"/>
+                <a:ea typeface="+mn-ea"/>
+                <a:cs typeface="+mn-cs"/>
+              </a:defRPr>
+            </a:lvl4pPr>
+            <a:lvl5pPr marL="1828800" algn="l" defTabSz="914400" rtl="0" eaLnBrk="1" latinLnBrk="0" hangingPunct="1">
+              <a:defRPr sz="1800" kern="1200">
+                <a:solidFill>
+                  <a:schemeClr val="tx1"/>
+                </a:solidFill>
+                <a:latin typeface="+mn-lt"/>
+                <a:ea typeface="+mn-ea"/>
+                <a:cs typeface="+mn-cs"/>
+              </a:defRPr>
+            </a:lvl5pPr>
+            <a:lvl6pPr marL="2286000" algn="l" defTabSz="914400" rtl="0" eaLnBrk="1" latinLnBrk="0" hangingPunct="1">
+              <a:defRPr sz="1800" kern="1200">
+                <a:solidFill>
+                  <a:schemeClr val="tx1"/>
+                </a:solidFill>
+                <a:latin typeface="+mn-lt"/>
+                <a:ea typeface="+mn-ea"/>
+                <a:cs typeface="+mn-cs"/>
+              </a:defRPr>
+            </a:lvl6pPr>
+            <a:lvl7pPr marL="2743200" algn="l" defTabSz="914400" rtl="0" eaLnBrk="1" latinLnBrk="0" hangingPunct="1">
+              <a:defRPr sz="1800" kern="1200">
+                <a:solidFill>
+                  <a:schemeClr val="tx1"/>
+                </a:solidFill>
+                <a:latin typeface="+mn-lt"/>
+                <a:ea typeface="+mn-ea"/>
+                <a:cs typeface="+mn-cs"/>
+              </a:defRPr>
+            </a:lvl7pPr>
+            <a:lvl8pPr marL="3200400" algn="l" defTabSz="914400" rtl="0" eaLnBrk="1" latinLnBrk="0" hangingPunct="1">
+              <a:defRPr sz="1800" kern="1200">
+                <a:solidFill>
+                  <a:schemeClr val="tx1"/>
+                </a:solidFill>
+                <a:latin typeface="+mn-lt"/>
+                <a:ea typeface="+mn-ea"/>
+                <a:cs typeface="+mn-cs"/>
+              </a:defRPr>
+            </a:lvl8pPr>
+            <a:lvl9pPr marL="3657600" algn="l" defTabSz="914400" rtl="0" eaLnBrk="1" latinLnBrk="0" hangingPunct="1">
+              <a:defRPr sz="1800" kern="1200">
+                <a:solidFill>
+                  <a:schemeClr val="tx1"/>
+                </a:solidFill>
+                <a:latin typeface="+mn-lt"/>
+                <a:ea typeface="+mn-ea"/>
+                <a:cs typeface="+mn-cs"/>
+              </a:defRPr>
+            </a:lvl9pPr>
+          </a:lstStyle>
+          <a:p>
+            <a:pPr algn="r"/>
+            <a:r>
+              <a:rPr lang="en-US" sz="1600" b="1" dirty="0" smtClean="0">
+                <a:solidFill>
+                  <a:srgbClr val="7030A0"/>
+                </a:solidFill>
+              </a:rPr>
+              <a:t>x&lt;100, x&gt;300</a:t>
+            </a:r>
+            <a:endParaRPr lang="en-US" sz="1600" b="1" dirty="0">
+              <a:solidFill>
+                <a:srgbClr val="7030A0"/>
+              </a:solidFill>
+            </a:endParaRPr>
+          </a:p>
+        </p:txBody>
+      </p:sp>
+      <p:sp>
+        <p:nvSpPr>
+          <p:cNvPr id="184" name="TextBox 23"/>
+          <p:cNvSpPr txBox="1"/>
+          <p:nvPr/>
+        </p:nvSpPr>
+        <p:spPr>
+          <a:xfrm>
+            <a:off x="10061577" y="2618397"/>
+            <a:ext cx="1700145" cy="369332"/>
+          </a:xfrm>
+          <a:prstGeom prst="rect">
+            <a:avLst/>
+          </a:prstGeom>
+          <a:noFill/>
+        </p:spPr>
+        <p:txBody>
+          <a:bodyPr wrap="none" rtlCol="0">
+            <a:spAutoFit/>
+          </a:bodyPr>
+          <a:lstStyle>
+            <a:defPPr>
+              <a:defRPr lang="en-US"/>
+            </a:defPPr>
+            <a:lvl1pPr marL="0" algn="l" defTabSz="914400" rtl="0" eaLnBrk="1" latinLnBrk="0" hangingPunct="1">
+              <a:defRPr sz="1800" kern="1200">
+                <a:solidFill>
+                  <a:schemeClr val="tx1"/>
+                </a:solidFill>
+                <a:latin typeface="+mn-lt"/>
+                <a:ea typeface="+mn-ea"/>
+                <a:cs typeface="+mn-cs"/>
+              </a:defRPr>
+            </a:lvl1pPr>
+            <a:lvl2pPr marL="457200" algn="l" defTabSz="914400" rtl="0" eaLnBrk="1" latinLnBrk="0" hangingPunct="1">
+              <a:defRPr sz="1800" kern="1200">
+                <a:solidFill>
+                  <a:schemeClr val="tx1"/>
+                </a:solidFill>
+                <a:latin typeface="+mn-lt"/>
+                <a:ea typeface="+mn-ea"/>
+                <a:cs typeface="+mn-cs"/>
+              </a:defRPr>
+            </a:lvl2pPr>
+            <a:lvl3pPr marL="914400" algn="l" defTabSz="914400" rtl="0" eaLnBrk="1" latinLnBrk="0" hangingPunct="1">
+              <a:defRPr sz="1800" kern="1200">
+                <a:solidFill>
+                  <a:schemeClr val="tx1"/>
+                </a:solidFill>
+                <a:latin typeface="+mn-lt"/>
+                <a:ea typeface="+mn-ea"/>
+                <a:cs typeface="+mn-cs"/>
+              </a:defRPr>
+            </a:lvl3pPr>
+            <a:lvl4pPr marL="1371600" algn="l" defTabSz="914400" rtl="0" eaLnBrk="1" latinLnBrk="0" hangingPunct="1">
+              <a:defRPr sz="1800" kern="1200">
+                <a:solidFill>
+                  <a:schemeClr val="tx1"/>
+                </a:solidFill>
+                <a:latin typeface="+mn-lt"/>
+                <a:ea typeface="+mn-ea"/>
+                <a:cs typeface="+mn-cs"/>
+              </a:defRPr>
+            </a:lvl4pPr>
+            <a:lvl5pPr marL="1828800" algn="l" defTabSz="914400" rtl="0" eaLnBrk="1" latinLnBrk="0" hangingPunct="1">
+              <a:defRPr sz="1800" kern="1200">
+                <a:solidFill>
+                  <a:schemeClr val="tx1"/>
+                </a:solidFill>
+                <a:latin typeface="+mn-lt"/>
+                <a:ea typeface="+mn-ea"/>
+                <a:cs typeface="+mn-cs"/>
+              </a:defRPr>
+            </a:lvl5pPr>
+            <a:lvl6pPr marL="2286000" algn="l" defTabSz="914400" rtl="0" eaLnBrk="1" latinLnBrk="0" hangingPunct="1">
+              <a:defRPr sz="1800" kern="1200">
+                <a:solidFill>
+                  <a:schemeClr val="tx1"/>
+                </a:solidFill>
+                <a:latin typeface="+mn-lt"/>
+                <a:ea typeface="+mn-ea"/>
+                <a:cs typeface="+mn-cs"/>
+              </a:defRPr>
+            </a:lvl6pPr>
+            <a:lvl7pPr marL="2743200" algn="l" defTabSz="914400" rtl="0" eaLnBrk="1" latinLnBrk="0" hangingPunct="1">
+              <a:defRPr sz="1800" kern="1200">
+                <a:solidFill>
+                  <a:schemeClr val="tx1"/>
+                </a:solidFill>
+                <a:latin typeface="+mn-lt"/>
+                <a:ea typeface="+mn-ea"/>
+                <a:cs typeface="+mn-cs"/>
+              </a:defRPr>
+            </a:lvl7pPr>
+            <a:lvl8pPr marL="3200400" algn="l" defTabSz="914400" rtl="0" eaLnBrk="1" latinLnBrk="0" hangingPunct="1">
+              <a:defRPr sz="1800" kern="1200">
+                <a:solidFill>
+                  <a:schemeClr val="tx1"/>
+                </a:solidFill>
+                <a:latin typeface="+mn-lt"/>
+                <a:ea typeface="+mn-ea"/>
+                <a:cs typeface="+mn-cs"/>
+              </a:defRPr>
+            </a:lvl8pPr>
+            <a:lvl9pPr marL="3657600" algn="l" defTabSz="914400" rtl="0" eaLnBrk="1" latinLnBrk="0" hangingPunct="1">
+              <a:defRPr sz="1800" kern="1200">
+                <a:solidFill>
+                  <a:schemeClr val="tx1"/>
+                </a:solidFill>
+                <a:latin typeface="+mn-lt"/>
+                <a:ea typeface="+mn-ea"/>
+                <a:cs typeface="+mn-cs"/>
+              </a:defRPr>
+            </a:lvl9pPr>
+          </a:lstStyle>
+          <a:p>
+            <a:r>
+              <a:rPr lang="en-US" dirty="0" err="1" smtClean="0"/>
+              <a:t>Keluar</a:t>
+            </a:r>
+            <a:r>
+              <a:rPr lang="en-US" dirty="0" smtClean="0"/>
+              <a:t> Home </a:t>
+            </a:r>
+            <a:r>
+              <a:rPr lang="en-US" dirty="0" smtClean="0">
+                <a:sym typeface="Wingdings" panose="05000000000000000000" pitchFamily="2" charset="2"/>
+              </a:rPr>
+              <a:t></a:t>
+            </a:r>
+            <a:endParaRPr lang="en-US" dirty="0"/>
+          </a:p>
+        </p:txBody>
+      </p:sp>
+      <p:sp>
+        <p:nvSpPr>
+          <p:cNvPr id="185" name="TextBox 159"/>
+          <p:cNvSpPr txBox="1"/>
+          <p:nvPr/>
+        </p:nvSpPr>
+        <p:spPr>
+          <a:xfrm>
+            <a:off x="10286444" y="2348347"/>
+            <a:ext cx="1701107" cy="369332"/>
+          </a:xfrm>
+          <a:prstGeom prst="rect">
+            <a:avLst/>
+          </a:prstGeom>
+          <a:noFill/>
+        </p:spPr>
+        <p:txBody>
+          <a:bodyPr wrap="none" rtlCol="0">
+            <a:spAutoFit/>
+          </a:bodyPr>
+          <a:lstStyle>
+            <a:defPPr>
+              <a:defRPr lang="en-US"/>
+            </a:defPPr>
+            <a:lvl1pPr marL="0" algn="l" defTabSz="914400" rtl="0" eaLnBrk="1" latinLnBrk="0" hangingPunct="1">
+              <a:defRPr sz="1800" kern="1200">
+                <a:solidFill>
+                  <a:schemeClr val="tx1"/>
+                </a:solidFill>
+                <a:latin typeface="+mn-lt"/>
+                <a:ea typeface="+mn-ea"/>
+                <a:cs typeface="+mn-cs"/>
+              </a:defRPr>
+            </a:lvl1pPr>
+            <a:lvl2pPr marL="457200" algn="l" defTabSz="914400" rtl="0" eaLnBrk="1" latinLnBrk="0" hangingPunct="1">
+              <a:defRPr sz="1800" kern="1200">
+                <a:solidFill>
+                  <a:schemeClr val="tx1"/>
+                </a:solidFill>
+                <a:latin typeface="+mn-lt"/>
+                <a:ea typeface="+mn-ea"/>
+                <a:cs typeface="+mn-cs"/>
+              </a:defRPr>
+            </a:lvl2pPr>
+            <a:lvl3pPr marL="914400" algn="l" defTabSz="914400" rtl="0" eaLnBrk="1" latinLnBrk="0" hangingPunct="1">
+              <a:defRPr sz="1800" kern="1200">
+                <a:solidFill>
+                  <a:schemeClr val="tx1"/>
+                </a:solidFill>
+                <a:latin typeface="+mn-lt"/>
+                <a:ea typeface="+mn-ea"/>
+                <a:cs typeface="+mn-cs"/>
+              </a:defRPr>
+            </a:lvl3pPr>
+            <a:lvl4pPr marL="1371600" algn="l" defTabSz="914400" rtl="0" eaLnBrk="1" latinLnBrk="0" hangingPunct="1">
+              <a:defRPr sz="1800" kern="1200">
+                <a:solidFill>
+                  <a:schemeClr val="tx1"/>
+                </a:solidFill>
+                <a:latin typeface="+mn-lt"/>
+                <a:ea typeface="+mn-ea"/>
+                <a:cs typeface="+mn-cs"/>
+              </a:defRPr>
+            </a:lvl4pPr>
+            <a:lvl5pPr marL="1828800" algn="l" defTabSz="914400" rtl="0" eaLnBrk="1" latinLnBrk="0" hangingPunct="1">
+              <a:defRPr sz="1800" kern="1200">
+                <a:solidFill>
+                  <a:schemeClr val="tx1"/>
+                </a:solidFill>
+                <a:latin typeface="+mn-lt"/>
+                <a:ea typeface="+mn-ea"/>
+                <a:cs typeface="+mn-cs"/>
+              </a:defRPr>
+            </a:lvl5pPr>
+            <a:lvl6pPr marL="2286000" algn="l" defTabSz="914400" rtl="0" eaLnBrk="1" latinLnBrk="0" hangingPunct="1">
+              <a:defRPr sz="1800" kern="1200">
+                <a:solidFill>
+                  <a:schemeClr val="tx1"/>
+                </a:solidFill>
+                <a:latin typeface="+mn-lt"/>
+                <a:ea typeface="+mn-ea"/>
+                <a:cs typeface="+mn-cs"/>
+              </a:defRPr>
+            </a:lvl6pPr>
+            <a:lvl7pPr marL="2743200" algn="l" defTabSz="914400" rtl="0" eaLnBrk="1" latinLnBrk="0" hangingPunct="1">
+              <a:defRPr sz="1800" kern="1200">
+                <a:solidFill>
+                  <a:schemeClr val="tx1"/>
+                </a:solidFill>
+                <a:latin typeface="+mn-lt"/>
+                <a:ea typeface="+mn-ea"/>
+                <a:cs typeface="+mn-cs"/>
+              </a:defRPr>
+            </a:lvl7pPr>
+            <a:lvl8pPr marL="3200400" algn="l" defTabSz="914400" rtl="0" eaLnBrk="1" latinLnBrk="0" hangingPunct="1">
+              <a:defRPr sz="1800" kern="1200">
+                <a:solidFill>
+                  <a:schemeClr val="tx1"/>
+                </a:solidFill>
+                <a:latin typeface="+mn-lt"/>
+                <a:ea typeface="+mn-ea"/>
+                <a:cs typeface="+mn-cs"/>
+              </a:defRPr>
+            </a:lvl8pPr>
+            <a:lvl9pPr marL="3657600" algn="l" defTabSz="914400" rtl="0" eaLnBrk="1" latinLnBrk="0" hangingPunct="1">
+              <a:defRPr sz="1800" kern="1200">
+                <a:solidFill>
+                  <a:schemeClr val="tx1"/>
+                </a:solidFill>
+                <a:latin typeface="+mn-lt"/>
+                <a:ea typeface="+mn-ea"/>
+                <a:cs typeface="+mn-cs"/>
+              </a:defRPr>
+            </a:lvl9pPr>
+          </a:lstStyle>
+          <a:p>
+            <a:r>
+              <a:rPr lang="en-US" dirty="0" smtClean="0"/>
+              <a:t>253 = min south</a:t>
+            </a:r>
+            <a:endParaRPr lang="en-US" dirty="0"/>
+          </a:p>
+        </p:txBody>
+      </p:sp>
+      <p:sp>
+        <p:nvSpPr>
+          <p:cNvPr id="186" name="TextBox 160"/>
+          <p:cNvSpPr txBox="1"/>
+          <p:nvPr/>
+        </p:nvSpPr>
+        <p:spPr>
+          <a:xfrm>
+            <a:off x="10281026" y="2951852"/>
+            <a:ext cx="1734257" cy="369332"/>
+          </a:xfrm>
+          <a:prstGeom prst="rect">
+            <a:avLst/>
+          </a:prstGeom>
+          <a:noFill/>
+        </p:spPr>
+        <p:txBody>
+          <a:bodyPr wrap="none" rtlCol="0">
+            <a:spAutoFit/>
+          </a:bodyPr>
+          <a:lstStyle>
+            <a:defPPr>
+              <a:defRPr lang="en-US"/>
+            </a:defPPr>
+            <a:lvl1pPr marL="0" algn="l" defTabSz="914400" rtl="0" eaLnBrk="1" latinLnBrk="0" hangingPunct="1">
+              <a:defRPr sz="1800" kern="1200">
+                <a:solidFill>
+                  <a:schemeClr val="tx1"/>
+                </a:solidFill>
+                <a:latin typeface="+mn-lt"/>
+                <a:ea typeface="+mn-ea"/>
+                <a:cs typeface="+mn-cs"/>
+              </a:defRPr>
+            </a:lvl1pPr>
+            <a:lvl2pPr marL="457200" algn="l" defTabSz="914400" rtl="0" eaLnBrk="1" latinLnBrk="0" hangingPunct="1">
+              <a:defRPr sz="1800" kern="1200">
+                <a:solidFill>
+                  <a:schemeClr val="tx1"/>
+                </a:solidFill>
+                <a:latin typeface="+mn-lt"/>
+                <a:ea typeface="+mn-ea"/>
+                <a:cs typeface="+mn-cs"/>
+              </a:defRPr>
+            </a:lvl2pPr>
+            <a:lvl3pPr marL="914400" algn="l" defTabSz="914400" rtl="0" eaLnBrk="1" latinLnBrk="0" hangingPunct="1">
+              <a:defRPr sz="1800" kern="1200">
+                <a:solidFill>
+                  <a:schemeClr val="tx1"/>
+                </a:solidFill>
+                <a:latin typeface="+mn-lt"/>
+                <a:ea typeface="+mn-ea"/>
+                <a:cs typeface="+mn-cs"/>
+              </a:defRPr>
+            </a:lvl3pPr>
+            <a:lvl4pPr marL="1371600" algn="l" defTabSz="914400" rtl="0" eaLnBrk="1" latinLnBrk="0" hangingPunct="1">
+              <a:defRPr sz="1800" kern="1200">
+                <a:solidFill>
+                  <a:schemeClr val="tx1"/>
+                </a:solidFill>
+                <a:latin typeface="+mn-lt"/>
+                <a:ea typeface="+mn-ea"/>
+                <a:cs typeface="+mn-cs"/>
+              </a:defRPr>
+            </a:lvl4pPr>
+            <a:lvl5pPr marL="1828800" algn="l" defTabSz="914400" rtl="0" eaLnBrk="1" latinLnBrk="0" hangingPunct="1">
+              <a:defRPr sz="1800" kern="1200">
+                <a:solidFill>
+                  <a:schemeClr val="tx1"/>
+                </a:solidFill>
+                <a:latin typeface="+mn-lt"/>
+                <a:ea typeface="+mn-ea"/>
+                <a:cs typeface="+mn-cs"/>
+              </a:defRPr>
+            </a:lvl5pPr>
+            <a:lvl6pPr marL="2286000" algn="l" defTabSz="914400" rtl="0" eaLnBrk="1" latinLnBrk="0" hangingPunct="1">
+              <a:defRPr sz="1800" kern="1200">
+                <a:solidFill>
+                  <a:schemeClr val="tx1"/>
+                </a:solidFill>
+                <a:latin typeface="+mn-lt"/>
+                <a:ea typeface="+mn-ea"/>
+                <a:cs typeface="+mn-cs"/>
+              </a:defRPr>
+            </a:lvl6pPr>
+            <a:lvl7pPr marL="2743200" algn="l" defTabSz="914400" rtl="0" eaLnBrk="1" latinLnBrk="0" hangingPunct="1">
+              <a:defRPr sz="1800" kern="1200">
+                <a:solidFill>
+                  <a:schemeClr val="tx1"/>
+                </a:solidFill>
+                <a:latin typeface="+mn-lt"/>
+                <a:ea typeface="+mn-ea"/>
+                <a:cs typeface="+mn-cs"/>
+              </a:defRPr>
+            </a:lvl7pPr>
+            <a:lvl8pPr marL="3200400" algn="l" defTabSz="914400" rtl="0" eaLnBrk="1" latinLnBrk="0" hangingPunct="1">
+              <a:defRPr sz="1800" kern="1200">
+                <a:solidFill>
+                  <a:schemeClr val="tx1"/>
+                </a:solidFill>
+                <a:latin typeface="+mn-lt"/>
+                <a:ea typeface="+mn-ea"/>
+                <a:cs typeface="+mn-cs"/>
+              </a:defRPr>
+            </a:lvl8pPr>
+            <a:lvl9pPr marL="3657600" algn="l" defTabSz="914400" rtl="0" eaLnBrk="1" latinLnBrk="0" hangingPunct="1">
+              <a:defRPr sz="1800" kern="1200">
+                <a:solidFill>
+                  <a:schemeClr val="tx1"/>
+                </a:solidFill>
+                <a:latin typeface="+mn-lt"/>
+                <a:ea typeface="+mn-ea"/>
+                <a:cs typeface="+mn-cs"/>
+              </a:defRPr>
+            </a:lvl9pPr>
+          </a:lstStyle>
+          <a:p>
+            <a:r>
+              <a:rPr lang="en-US" dirty="0" smtClean="0"/>
+              <a:t>260 = max south</a:t>
+            </a:r>
+            <a:endParaRPr lang="en-US" dirty="0"/>
+          </a:p>
+        </p:txBody>
+      </p:sp>
+      <p:sp>
+        <p:nvSpPr>
+          <p:cNvPr id="187" name="TextBox 186"/>
+          <p:cNvSpPr txBox="1"/>
+          <p:nvPr/>
+        </p:nvSpPr>
+        <p:spPr>
+          <a:xfrm>
+            <a:off x="6527051" y="826892"/>
+            <a:ext cx="5664949" cy="369332"/>
+          </a:xfrm>
+          <a:prstGeom prst="rect">
+            <a:avLst/>
+          </a:prstGeom>
+          <a:noFill/>
+        </p:spPr>
+        <p:txBody>
+          <a:bodyPr wrap="none" rtlCol="0">
+            <a:spAutoFit/>
+          </a:bodyPr>
+          <a:lstStyle/>
+          <a:p>
+            <a:r>
+              <a:rPr lang="en-US" dirty="0" err="1"/>
+              <a:t>compass.setCalibration</a:t>
+            </a:r>
+            <a:r>
+              <a:rPr lang="en-US" dirty="0"/>
+              <a:t>(-891, 1147, -1741, 433, -177, 250);</a:t>
+            </a:r>
+            <a:endParaRPr lang="en-US" dirty="0"/>
+          </a:p>
+        </p:txBody>
+      </p:sp>
+      <p:cxnSp>
+        <p:nvCxnSpPr>
+          <p:cNvPr id="189" name="Straight Connector 188"/>
+          <p:cNvCxnSpPr/>
+          <p:nvPr/>
+        </p:nvCxnSpPr>
+        <p:spPr>
+          <a:xfrm>
+            <a:off x="6254343" y="320926"/>
+            <a:ext cx="0" cy="6000515"/>
+          </a:xfrm>
+          <a:prstGeom prst="line">
+            <a:avLst/>
+          </a:prstGeom>
+        </p:spPr>
+        <p:style>
+          <a:lnRef idx="3">
+            <a:schemeClr val="accent1"/>
+          </a:lnRef>
+          <a:fillRef idx="0">
+            <a:schemeClr val="accent1"/>
+          </a:fillRef>
+          <a:effectRef idx="2">
+            <a:schemeClr val="accent1"/>
+          </a:effectRef>
+          <a:fontRef idx="minor">
+            <a:schemeClr val="tx1"/>
+          </a:fontRef>
+        </p:style>
+      </p:cxnSp>
+    </p:spTree>
+    <p:extLst>
+      <p:ext uri="{BB962C8B-B14F-4D97-AF65-F5344CB8AC3E}">
+        <p14:creationId xmlns:p14="http://schemas.microsoft.com/office/powerpoint/2010/main" val="359992955"/>
+      </p:ext>
+    </p:extLst>
+  </p:cSld>
+  <p:clrMapOvr>
+    <a:masterClrMapping/>
+  </p:clrMapOvr>
+  <p:timing>
+    <p:tnLst>
+      <p:par>
+        <p:cTn id="1" dur="indefinite" restart="never" nodeType="tmRoot"/>
+      </p:par>
+    </p:tnLst>
+  </p:timing>
+</p:sld>
+</file>
+
+<file path=ppt/slides/slide6.xml><?xml version="1.0" encoding="utf-8"?>
 <p:sld xmlns:a="http://schemas.openxmlformats.org/drawingml/2006/main" xmlns:r="http://schemas.openxmlformats.org/officeDocument/2006/relationships" xmlns:p="http://schemas.openxmlformats.org/presentationml/2006/main">
   <p:cSld>
     <p:spTree>
@@ -17732,7 +26790,7 @@
 </p:sld>
 </file>
 
-<file path=ppt/slides/slide5.xml><?xml version="1.0" encoding="utf-8"?>
+<file path=ppt/slides/slide7.xml><?xml version="1.0" encoding="utf-8"?>
 <p:sld xmlns:a="http://schemas.openxmlformats.org/drawingml/2006/main" xmlns:r="http://schemas.openxmlformats.org/officeDocument/2006/relationships" xmlns:p="http://schemas.openxmlformats.org/presentationml/2006/main">
   <p:cSld>
     <p:spTree>

--- a/posisi kaki.pptx
+++ b/posisi kaki.pptx
@@ -6,12 +6,13 @@
   </p:sldMasterIdLst>
   <p:sldIdLst>
     <p:sldId id="256" r:id="rId2"/>
-    <p:sldId id="257" r:id="rId3"/>
-    <p:sldId id="258" r:id="rId4"/>
-    <p:sldId id="261" r:id="rId5"/>
-    <p:sldId id="262" r:id="rId6"/>
-    <p:sldId id="259" r:id="rId7"/>
-    <p:sldId id="260" r:id="rId8"/>
+    <p:sldId id="263" r:id="rId3"/>
+    <p:sldId id="257" r:id="rId4"/>
+    <p:sldId id="258" r:id="rId5"/>
+    <p:sldId id="261" r:id="rId6"/>
+    <p:sldId id="262" r:id="rId7"/>
+    <p:sldId id="259" r:id="rId8"/>
+    <p:sldId id="260" r:id="rId9"/>
   </p:sldIdLst>
   <p:sldSz cx="12192000" cy="6858000"/>
   <p:notesSz cx="6858000" cy="9144000"/>
@@ -116,6 +117,7 @@
         <p14:section name="Untitled Section" id="{9C3DEFC1-9DA4-4A0C-AE40-816E206A1F86}">
           <p14:sldIdLst>
             <p14:sldId id="256"/>
+            <p14:sldId id="263"/>
             <p14:sldId id="257"/>
             <p14:sldId id="258"/>
             <p14:sldId id="261"/>
@@ -264,7 +266,7 @@
           <a:p>
             <a:fld id="{DA83FFB6-2397-4E01-A1F6-F77A95DC5D51}" type="datetimeFigureOut">
               <a:rPr lang="en-US" smtClean="0"/>
-              <a:t>6/6/2022</a:t>
+              <a:t>6/8/2022</a:t>
             </a:fld>
             <a:endParaRPr lang="en-US"/>
           </a:p>
@@ -434,7 +436,7 @@
           <a:p>
             <a:fld id="{DA83FFB6-2397-4E01-A1F6-F77A95DC5D51}" type="datetimeFigureOut">
               <a:rPr lang="en-US" smtClean="0"/>
-              <a:t>6/6/2022</a:t>
+              <a:t>6/8/2022</a:t>
             </a:fld>
             <a:endParaRPr lang="en-US"/>
           </a:p>
@@ -614,7 +616,7 @@
           <a:p>
             <a:fld id="{DA83FFB6-2397-4E01-A1F6-F77A95DC5D51}" type="datetimeFigureOut">
               <a:rPr lang="en-US" smtClean="0"/>
-              <a:t>6/6/2022</a:t>
+              <a:t>6/8/2022</a:t>
             </a:fld>
             <a:endParaRPr lang="en-US"/>
           </a:p>
@@ -784,7 +786,7 @@
           <a:p>
             <a:fld id="{DA83FFB6-2397-4E01-A1F6-F77A95DC5D51}" type="datetimeFigureOut">
               <a:rPr lang="en-US" smtClean="0"/>
-              <a:t>6/6/2022</a:t>
+              <a:t>6/8/2022</a:t>
             </a:fld>
             <a:endParaRPr lang="en-US"/>
           </a:p>
@@ -1030,7 +1032,7 @@
           <a:p>
             <a:fld id="{DA83FFB6-2397-4E01-A1F6-F77A95DC5D51}" type="datetimeFigureOut">
               <a:rPr lang="en-US" smtClean="0"/>
-              <a:t>6/6/2022</a:t>
+              <a:t>6/8/2022</a:t>
             </a:fld>
             <a:endParaRPr lang="en-US"/>
           </a:p>
@@ -1262,7 +1264,7 @@
           <a:p>
             <a:fld id="{DA83FFB6-2397-4E01-A1F6-F77A95DC5D51}" type="datetimeFigureOut">
               <a:rPr lang="en-US" smtClean="0"/>
-              <a:t>6/6/2022</a:t>
+              <a:t>6/8/2022</a:t>
             </a:fld>
             <a:endParaRPr lang="en-US"/>
           </a:p>
@@ -1629,7 +1631,7 @@
           <a:p>
             <a:fld id="{DA83FFB6-2397-4E01-A1F6-F77A95DC5D51}" type="datetimeFigureOut">
               <a:rPr lang="en-US" smtClean="0"/>
-              <a:t>6/6/2022</a:t>
+              <a:t>6/8/2022</a:t>
             </a:fld>
             <a:endParaRPr lang="en-US"/>
           </a:p>
@@ -1747,7 +1749,7 @@
           <a:p>
             <a:fld id="{DA83FFB6-2397-4E01-A1F6-F77A95DC5D51}" type="datetimeFigureOut">
               <a:rPr lang="en-US" smtClean="0"/>
-              <a:t>6/6/2022</a:t>
+              <a:t>6/8/2022</a:t>
             </a:fld>
             <a:endParaRPr lang="en-US"/>
           </a:p>
@@ -1842,7 +1844,7 @@
           <a:p>
             <a:fld id="{DA83FFB6-2397-4E01-A1F6-F77A95DC5D51}" type="datetimeFigureOut">
               <a:rPr lang="en-US" smtClean="0"/>
-              <a:t>6/6/2022</a:t>
+              <a:t>6/8/2022</a:t>
             </a:fld>
             <a:endParaRPr lang="en-US"/>
           </a:p>
@@ -2119,7 +2121,7 @@
           <a:p>
             <a:fld id="{DA83FFB6-2397-4E01-A1F6-F77A95DC5D51}" type="datetimeFigureOut">
               <a:rPr lang="en-US" smtClean="0"/>
-              <a:t>6/6/2022</a:t>
+              <a:t>6/8/2022</a:t>
             </a:fld>
             <a:endParaRPr lang="en-US"/>
           </a:p>
@@ -2372,7 +2374,7 @@
           <a:p>
             <a:fld id="{DA83FFB6-2397-4E01-A1F6-F77A95DC5D51}" type="datetimeFigureOut">
               <a:rPr lang="en-US" smtClean="0"/>
-              <a:t>6/6/2022</a:t>
+              <a:t>6/8/2022</a:t>
             </a:fld>
             <a:endParaRPr lang="en-US"/>
           </a:p>
@@ -2585,7 +2587,7 @@
           <a:p>
             <a:fld id="{DA83FFB6-2397-4E01-A1F6-F77A95DC5D51}" type="datetimeFigureOut">
               <a:rPr lang="en-US" smtClean="0"/>
-              <a:t>6/6/2022</a:t>
+              <a:t>6/8/2022</a:t>
             </a:fld>
             <a:endParaRPr lang="en-US"/>
           </a:p>
@@ -6730,6 +6732,3774 @@
       </p:grpSpPr>
       <p:grpSp>
         <p:nvGrpSpPr>
+          <p:cNvPr id="157" name="Group 156"/>
+          <p:cNvGrpSpPr/>
+          <p:nvPr/>
+        </p:nvGrpSpPr>
+        <p:grpSpPr>
+          <a:xfrm>
+            <a:off x="3129912" y="85344"/>
+            <a:ext cx="2874059" cy="2435578"/>
+            <a:chOff x="2970379" y="85344"/>
+            <a:chExt cx="2874059" cy="2435578"/>
+          </a:xfrm>
+        </p:grpSpPr>
+        <p:grpSp>
+          <p:nvGrpSpPr>
+            <p:cNvPr id="105" name="Group 104"/>
+            <p:cNvGrpSpPr/>
+            <p:nvPr/>
+          </p:nvGrpSpPr>
+          <p:grpSpPr>
+            <a:xfrm>
+              <a:off x="2970379" y="85344"/>
+              <a:ext cx="2874059" cy="2435578"/>
+              <a:chOff x="2970379" y="85344"/>
+              <a:chExt cx="2874059" cy="2435578"/>
+            </a:xfrm>
+          </p:grpSpPr>
+          <p:sp>
+            <p:nvSpPr>
+              <p:cNvPr id="100" name="Rounded Rectangle 99"/>
+              <p:cNvSpPr/>
+              <p:nvPr/>
+            </p:nvSpPr>
+            <p:spPr>
+              <a:xfrm>
+                <a:off x="2973425" y="85344"/>
+                <a:ext cx="2866543" cy="2435578"/>
+              </a:xfrm>
+              <a:prstGeom prst="roundRect">
+                <a:avLst>
+                  <a:gd name="adj" fmla="val 2651"/>
+                </a:avLst>
+              </a:prstGeom>
+              <a:solidFill>
+                <a:schemeClr val="accent4">
+                  <a:lumMod val="20000"/>
+                  <a:lumOff val="80000"/>
+                </a:schemeClr>
+              </a:solidFill>
+              <a:ln>
+                <a:noFill/>
+              </a:ln>
+            </p:spPr>
+            <p:style>
+              <a:lnRef idx="2">
+                <a:schemeClr val="accent1">
+                  <a:shade val="50000"/>
+                </a:schemeClr>
+              </a:lnRef>
+              <a:fillRef idx="1">
+                <a:schemeClr val="accent1"/>
+              </a:fillRef>
+              <a:effectRef idx="0">
+                <a:schemeClr val="accent1"/>
+              </a:effectRef>
+              <a:fontRef idx="minor">
+                <a:schemeClr val="lt1"/>
+              </a:fontRef>
+            </p:style>
+            <p:txBody>
+              <a:bodyPr rtlCol="0" anchor="ctr"/>
+              <a:lstStyle/>
+              <a:p>
+                <a:pPr algn="ctr"/>
+                <a:endParaRPr lang="en-US"/>
+              </a:p>
+            </p:txBody>
+          </p:sp>
+          <p:sp>
+            <p:nvSpPr>
+              <p:cNvPr id="23" name="TextBox 22"/>
+              <p:cNvSpPr txBox="1"/>
+              <p:nvPr/>
+            </p:nvSpPr>
+            <p:spPr>
+              <a:xfrm>
+                <a:off x="5555577" y="124444"/>
+                <a:ext cx="288861" cy="338554"/>
+              </a:xfrm>
+              <a:prstGeom prst="rect">
+                <a:avLst/>
+              </a:prstGeom>
+              <a:noFill/>
+            </p:spPr>
+            <p:txBody>
+              <a:bodyPr wrap="none" rtlCol="0">
+                <a:spAutoFit/>
+              </a:bodyPr>
+              <a:lstStyle/>
+              <a:p>
+                <a:pPr algn="r"/>
+                <a:r>
+                  <a:rPr lang="en-US" sz="1600" b="1" dirty="0" smtClean="0">
+                    <a:solidFill>
+                      <a:srgbClr val="7030A0"/>
+                    </a:solidFill>
+                  </a:rPr>
+                  <a:t>0</a:t>
+                </a:r>
+                <a:endParaRPr lang="en-US" sz="1600" b="1" dirty="0">
+                  <a:solidFill>
+                    <a:srgbClr val="7030A0"/>
+                  </a:solidFill>
+                </a:endParaRPr>
+              </a:p>
+            </p:txBody>
+          </p:sp>
+          <p:sp>
+            <p:nvSpPr>
+              <p:cNvPr id="24" name="TextBox 23"/>
+              <p:cNvSpPr txBox="1"/>
+              <p:nvPr/>
+            </p:nvSpPr>
+            <p:spPr>
+              <a:xfrm>
+                <a:off x="5388864" y="2097024"/>
+                <a:ext cx="455574" cy="338554"/>
+              </a:xfrm>
+              <a:prstGeom prst="rect">
+                <a:avLst/>
+              </a:prstGeom>
+              <a:noFill/>
+            </p:spPr>
+            <p:txBody>
+              <a:bodyPr wrap="none" rtlCol="0">
+                <a:spAutoFit/>
+              </a:bodyPr>
+              <a:lstStyle/>
+              <a:p>
+                <a:pPr algn="r"/>
+                <a:r>
+                  <a:rPr lang="en-US" sz="1600" b="1" dirty="0" smtClean="0">
+                    <a:solidFill>
+                      <a:srgbClr val="7030A0"/>
+                    </a:solidFill>
+                  </a:rPr>
+                  <a:t>-30</a:t>
+                </a:r>
+                <a:endParaRPr lang="en-US" sz="1600" b="1" dirty="0">
+                  <a:solidFill>
+                    <a:srgbClr val="7030A0"/>
+                  </a:solidFill>
+                </a:endParaRPr>
+              </a:p>
+            </p:txBody>
+          </p:sp>
+          <p:sp>
+            <p:nvSpPr>
+              <p:cNvPr id="25" name="TextBox 24"/>
+              <p:cNvSpPr txBox="1"/>
+              <p:nvPr/>
+            </p:nvSpPr>
+            <p:spPr>
+              <a:xfrm>
+                <a:off x="2970379" y="124444"/>
+                <a:ext cx="455574" cy="338554"/>
+              </a:xfrm>
+              <a:prstGeom prst="rect">
+                <a:avLst/>
+              </a:prstGeom>
+              <a:noFill/>
+            </p:spPr>
+            <p:txBody>
+              <a:bodyPr wrap="none" rtlCol="0">
+                <a:spAutoFit/>
+              </a:bodyPr>
+              <a:lstStyle/>
+              <a:p>
+                <a:r>
+                  <a:rPr lang="en-US" sz="1600" b="1" dirty="0" smtClean="0">
+                    <a:solidFill>
+                      <a:srgbClr val="7030A0"/>
+                    </a:solidFill>
+                  </a:rPr>
+                  <a:t>-30</a:t>
+                </a:r>
+                <a:endParaRPr lang="en-US" sz="1600" b="1" dirty="0">
+                  <a:solidFill>
+                    <a:srgbClr val="7030A0"/>
+                  </a:solidFill>
+                </a:endParaRPr>
+              </a:p>
+            </p:txBody>
+          </p:sp>
+          <p:sp>
+            <p:nvSpPr>
+              <p:cNvPr id="26" name="TextBox 25"/>
+              <p:cNvSpPr txBox="1"/>
+              <p:nvPr/>
+            </p:nvSpPr>
+            <p:spPr>
+              <a:xfrm>
+                <a:off x="2970379" y="2097024"/>
+                <a:ext cx="288862" cy="338554"/>
+              </a:xfrm>
+              <a:prstGeom prst="rect">
+                <a:avLst/>
+              </a:prstGeom>
+              <a:noFill/>
+            </p:spPr>
+            <p:txBody>
+              <a:bodyPr wrap="none" rtlCol="0">
+                <a:spAutoFit/>
+              </a:bodyPr>
+              <a:lstStyle/>
+              <a:p>
+                <a:r>
+                  <a:rPr lang="en-US" sz="1600" b="1" dirty="0" smtClean="0">
+                    <a:solidFill>
+                      <a:srgbClr val="7030A0"/>
+                    </a:solidFill>
+                  </a:rPr>
+                  <a:t>0</a:t>
+                </a:r>
+                <a:endParaRPr lang="en-US" sz="1600" b="1" dirty="0">
+                  <a:solidFill>
+                    <a:srgbClr val="7030A0"/>
+                  </a:solidFill>
+                </a:endParaRPr>
+              </a:p>
+            </p:txBody>
+          </p:sp>
+        </p:grpSp>
+        <p:grpSp>
+          <p:nvGrpSpPr>
+            <p:cNvPr id="121" name="Group 120"/>
+            <p:cNvGrpSpPr/>
+            <p:nvPr/>
+          </p:nvGrpSpPr>
+          <p:grpSpPr>
+            <a:xfrm>
+              <a:off x="3377184" y="341376"/>
+              <a:ext cx="2011680" cy="1940314"/>
+              <a:chOff x="3377184" y="341376"/>
+              <a:chExt cx="2011680" cy="1940314"/>
+            </a:xfrm>
+          </p:grpSpPr>
+          <p:sp>
+            <p:nvSpPr>
+              <p:cNvPr id="18" name="Rectangle 17"/>
+              <p:cNvSpPr/>
+              <p:nvPr/>
+            </p:nvSpPr>
+            <p:spPr>
+              <a:xfrm>
+                <a:off x="3925824" y="792480"/>
+                <a:ext cx="914400" cy="914400"/>
+              </a:xfrm>
+              <a:prstGeom prst="rect">
+                <a:avLst/>
+              </a:prstGeom>
+            </p:spPr>
+            <p:style>
+              <a:lnRef idx="2">
+                <a:schemeClr val="accent1">
+                  <a:shade val="50000"/>
+                </a:schemeClr>
+              </a:lnRef>
+              <a:fillRef idx="1">
+                <a:schemeClr val="accent1"/>
+              </a:fillRef>
+              <a:effectRef idx="0">
+                <a:schemeClr val="accent1"/>
+              </a:effectRef>
+              <a:fontRef idx="minor">
+                <a:schemeClr val="lt1"/>
+              </a:fontRef>
+            </p:style>
+            <p:txBody>
+              <a:bodyPr rtlCol="0" anchor="ctr"/>
+              <a:lstStyle/>
+              <a:p>
+                <a:pPr algn="ctr"/>
+                <a:endParaRPr lang="en-US"/>
+              </a:p>
+            </p:txBody>
+          </p:sp>
+          <p:cxnSp>
+            <p:nvCxnSpPr>
+              <p:cNvPr id="19" name="Straight Connector 18"/>
+              <p:cNvCxnSpPr/>
+              <p:nvPr/>
+            </p:nvCxnSpPr>
+            <p:spPr>
+              <a:xfrm flipV="1">
+                <a:off x="4840224" y="422410"/>
+                <a:ext cx="548640" cy="370070"/>
+              </a:xfrm>
+              <a:prstGeom prst="line">
+                <a:avLst/>
+              </a:prstGeom>
+            </p:spPr>
+            <p:style>
+              <a:lnRef idx="1">
+                <a:schemeClr val="accent1"/>
+              </a:lnRef>
+              <a:fillRef idx="0">
+                <a:schemeClr val="accent1"/>
+              </a:fillRef>
+              <a:effectRef idx="0">
+                <a:schemeClr val="accent1"/>
+              </a:effectRef>
+              <a:fontRef idx="minor">
+                <a:schemeClr val="tx1"/>
+              </a:fontRef>
+            </p:style>
+          </p:cxnSp>
+          <p:cxnSp>
+            <p:nvCxnSpPr>
+              <p:cNvPr id="20" name="Straight Connector 19"/>
+              <p:cNvCxnSpPr/>
+              <p:nvPr/>
+            </p:nvCxnSpPr>
+            <p:spPr>
+              <a:xfrm flipV="1">
+                <a:off x="3560064" y="1706880"/>
+                <a:ext cx="365760" cy="574810"/>
+              </a:xfrm>
+              <a:prstGeom prst="line">
+                <a:avLst/>
+              </a:prstGeom>
+            </p:spPr>
+            <p:style>
+              <a:lnRef idx="1">
+                <a:schemeClr val="accent1"/>
+              </a:lnRef>
+              <a:fillRef idx="0">
+                <a:schemeClr val="accent1"/>
+              </a:fillRef>
+              <a:effectRef idx="0">
+                <a:schemeClr val="accent1"/>
+              </a:effectRef>
+              <a:fontRef idx="minor">
+                <a:schemeClr val="tx1"/>
+              </a:fontRef>
+            </p:style>
+          </p:cxnSp>
+          <p:cxnSp>
+            <p:nvCxnSpPr>
+              <p:cNvPr id="21" name="Straight Connector 20"/>
+              <p:cNvCxnSpPr/>
+              <p:nvPr/>
+            </p:nvCxnSpPr>
+            <p:spPr>
+              <a:xfrm flipH="1" flipV="1">
+                <a:off x="3377184" y="341376"/>
+                <a:ext cx="548640" cy="451104"/>
+              </a:xfrm>
+              <a:prstGeom prst="line">
+                <a:avLst/>
+              </a:prstGeom>
+            </p:spPr>
+            <p:style>
+              <a:lnRef idx="1">
+                <a:schemeClr val="accent1"/>
+              </a:lnRef>
+              <a:fillRef idx="0">
+                <a:schemeClr val="accent1"/>
+              </a:fillRef>
+              <a:effectRef idx="0">
+                <a:schemeClr val="accent1"/>
+              </a:effectRef>
+              <a:fontRef idx="minor">
+                <a:schemeClr val="tx1"/>
+              </a:fontRef>
+            </p:style>
+          </p:cxnSp>
+          <p:cxnSp>
+            <p:nvCxnSpPr>
+              <p:cNvPr id="22" name="Straight Connector 21"/>
+              <p:cNvCxnSpPr/>
+              <p:nvPr/>
+            </p:nvCxnSpPr>
+            <p:spPr>
+              <a:xfrm flipH="1" flipV="1">
+                <a:off x="4840224" y="1706880"/>
+                <a:ext cx="548640" cy="451104"/>
+              </a:xfrm>
+              <a:prstGeom prst="line">
+                <a:avLst/>
+              </a:prstGeom>
+            </p:spPr>
+            <p:style>
+              <a:lnRef idx="1">
+                <a:schemeClr val="accent1"/>
+              </a:lnRef>
+              <a:fillRef idx="0">
+                <a:schemeClr val="accent1"/>
+              </a:fillRef>
+              <a:effectRef idx="0">
+                <a:schemeClr val="accent1"/>
+              </a:effectRef>
+              <a:fontRef idx="minor">
+                <a:schemeClr val="tx1"/>
+              </a:fontRef>
+            </p:style>
+          </p:cxnSp>
+        </p:grpSp>
+        <p:cxnSp>
+          <p:nvCxnSpPr>
+            <p:cNvPr id="56" name="Straight Arrow Connector 55"/>
+            <p:cNvCxnSpPr/>
+            <p:nvPr/>
+          </p:nvCxnSpPr>
+          <p:spPr>
+            <a:xfrm flipH="1">
+              <a:off x="3477234" y="655094"/>
+              <a:ext cx="211313" cy="241316"/>
+            </a:xfrm>
+            <a:prstGeom prst="straightConnector1">
+              <a:avLst/>
+            </a:prstGeom>
+            <a:ln>
+              <a:solidFill>
+                <a:srgbClr val="FF0000"/>
+              </a:solidFill>
+              <a:tailEnd type="triangle"/>
+            </a:ln>
+          </p:spPr>
+          <p:style>
+            <a:lnRef idx="1">
+              <a:schemeClr val="accent1"/>
+            </a:lnRef>
+            <a:fillRef idx="0">
+              <a:schemeClr val="accent1"/>
+            </a:fillRef>
+            <a:effectRef idx="0">
+              <a:schemeClr val="accent1"/>
+            </a:effectRef>
+            <a:fontRef idx="minor">
+              <a:schemeClr val="tx1"/>
+            </a:fontRef>
+          </p:style>
+        </p:cxnSp>
+        <p:cxnSp>
+          <p:nvCxnSpPr>
+            <p:cNvPr id="57" name="Straight Arrow Connector 56"/>
+            <p:cNvCxnSpPr/>
+            <p:nvPr/>
+          </p:nvCxnSpPr>
+          <p:spPr>
+            <a:xfrm flipH="1">
+              <a:off x="4954491" y="1943339"/>
+              <a:ext cx="145943" cy="223694"/>
+            </a:xfrm>
+            <a:prstGeom prst="straightConnector1">
+              <a:avLst/>
+            </a:prstGeom>
+            <a:ln>
+              <a:solidFill>
+                <a:srgbClr val="FF0000"/>
+              </a:solidFill>
+              <a:tailEnd type="triangle"/>
+            </a:ln>
+          </p:spPr>
+          <p:style>
+            <a:lnRef idx="1">
+              <a:schemeClr val="accent1"/>
+            </a:lnRef>
+            <a:fillRef idx="0">
+              <a:schemeClr val="accent1"/>
+            </a:fillRef>
+            <a:effectRef idx="0">
+              <a:schemeClr val="accent1"/>
+            </a:effectRef>
+            <a:fontRef idx="minor">
+              <a:schemeClr val="tx1"/>
+            </a:fontRef>
+          </p:style>
+        </p:cxnSp>
+      </p:grpSp>
+      <p:cxnSp>
+        <p:nvCxnSpPr>
+          <p:cNvPr id="62" name="Straight Arrow Connector 61"/>
+          <p:cNvCxnSpPr/>
+          <p:nvPr/>
+        </p:nvCxnSpPr>
+        <p:spPr>
+          <a:xfrm>
+            <a:off x="361221" y="6291072"/>
+            <a:ext cx="256032" cy="0"/>
+          </a:xfrm>
+          <a:prstGeom prst="straightConnector1">
+            <a:avLst/>
+          </a:prstGeom>
+          <a:ln>
+            <a:solidFill>
+              <a:srgbClr val="FF0000"/>
+            </a:solidFill>
+            <a:tailEnd type="triangle"/>
+          </a:ln>
+        </p:spPr>
+        <p:style>
+          <a:lnRef idx="1">
+            <a:schemeClr val="accent1"/>
+          </a:lnRef>
+          <a:fillRef idx="0">
+            <a:schemeClr val="accent1"/>
+          </a:fillRef>
+          <a:effectRef idx="0">
+            <a:schemeClr val="accent1"/>
+          </a:effectRef>
+          <a:fontRef idx="minor">
+            <a:schemeClr val="tx1"/>
+          </a:fontRef>
+        </p:style>
+      </p:cxnSp>
+      <p:cxnSp>
+        <p:nvCxnSpPr>
+          <p:cNvPr id="64" name="Straight Arrow Connector 63"/>
+          <p:cNvCxnSpPr/>
+          <p:nvPr/>
+        </p:nvCxnSpPr>
+        <p:spPr>
+          <a:xfrm>
+            <a:off x="364269" y="6530602"/>
+            <a:ext cx="252984" cy="0"/>
+          </a:xfrm>
+          <a:prstGeom prst="straightConnector1">
+            <a:avLst/>
+          </a:prstGeom>
+          <a:ln>
+            <a:solidFill>
+              <a:schemeClr val="accent6">
+                <a:lumMod val="75000"/>
+              </a:schemeClr>
+            </a:solidFill>
+            <a:tailEnd type="triangle"/>
+          </a:ln>
+        </p:spPr>
+        <p:style>
+          <a:lnRef idx="1">
+            <a:schemeClr val="accent1"/>
+          </a:lnRef>
+          <a:fillRef idx="0">
+            <a:schemeClr val="accent1"/>
+          </a:fillRef>
+          <a:effectRef idx="0">
+            <a:schemeClr val="accent1"/>
+          </a:effectRef>
+          <a:fontRef idx="minor">
+            <a:schemeClr val="tx1"/>
+          </a:fontRef>
+        </p:style>
+      </p:cxnSp>
+      <p:sp>
+        <p:nvSpPr>
+          <p:cNvPr id="66" name="TextBox 65"/>
+          <p:cNvSpPr txBox="1"/>
+          <p:nvPr/>
+        </p:nvSpPr>
+        <p:spPr>
+          <a:xfrm>
+            <a:off x="627888" y="6096000"/>
+            <a:ext cx="707566" cy="307777"/>
+          </a:xfrm>
+          <a:prstGeom prst="rect">
+            <a:avLst/>
+          </a:prstGeom>
+          <a:noFill/>
+        </p:spPr>
+        <p:txBody>
+          <a:bodyPr wrap="none" rtlCol="0">
+            <a:spAutoFit/>
+          </a:bodyPr>
+          <a:lstStyle/>
+          <a:p>
+            <a:r>
+              <a:rPr lang="en-US" sz="1400" dirty="0" err="1" smtClean="0"/>
+              <a:t>dorong</a:t>
+            </a:r>
+            <a:endParaRPr lang="en-US" sz="1400" dirty="0"/>
+          </a:p>
+        </p:txBody>
+      </p:sp>
+      <p:sp>
+        <p:nvSpPr>
+          <p:cNvPr id="67" name="TextBox 66"/>
+          <p:cNvSpPr txBox="1"/>
+          <p:nvPr/>
+        </p:nvSpPr>
+        <p:spPr>
+          <a:xfrm>
+            <a:off x="627888" y="6376713"/>
+            <a:ext cx="675249" cy="307777"/>
+          </a:xfrm>
+          <a:prstGeom prst="rect">
+            <a:avLst/>
+          </a:prstGeom>
+          <a:noFill/>
+        </p:spPr>
+        <p:txBody>
+          <a:bodyPr wrap="none" rtlCol="0">
+            <a:spAutoFit/>
+          </a:bodyPr>
+          <a:lstStyle/>
+          <a:p>
+            <a:r>
+              <a:rPr lang="en-US" sz="1400" dirty="0" err="1" smtClean="0"/>
+              <a:t>angkat</a:t>
+            </a:r>
+            <a:endParaRPr lang="en-US" sz="1400" dirty="0"/>
+          </a:p>
+        </p:txBody>
+      </p:sp>
+      <p:grpSp>
+        <p:nvGrpSpPr>
+          <p:cNvPr id="101" name="Group 100"/>
+          <p:cNvGrpSpPr/>
+          <p:nvPr/>
+        </p:nvGrpSpPr>
+        <p:grpSpPr>
+          <a:xfrm>
+            <a:off x="106816" y="85344"/>
+            <a:ext cx="2874059" cy="2435578"/>
+            <a:chOff x="33664" y="85344"/>
+            <a:chExt cx="2874059" cy="2435578"/>
+          </a:xfrm>
+        </p:grpSpPr>
+        <p:grpSp>
+          <p:nvGrpSpPr>
+            <p:cNvPr id="102" name="Group 101"/>
+            <p:cNvGrpSpPr/>
+            <p:nvPr/>
+          </p:nvGrpSpPr>
+          <p:grpSpPr>
+            <a:xfrm>
+              <a:off x="33664" y="85344"/>
+              <a:ext cx="2874059" cy="2435578"/>
+              <a:chOff x="2970379" y="85344"/>
+              <a:chExt cx="2874059" cy="2435578"/>
+            </a:xfrm>
+          </p:grpSpPr>
+          <p:sp>
+            <p:nvSpPr>
+              <p:cNvPr id="146" name="Rounded Rectangle 145"/>
+              <p:cNvSpPr/>
+              <p:nvPr/>
+            </p:nvSpPr>
+            <p:spPr>
+              <a:xfrm>
+                <a:off x="2973425" y="85344"/>
+                <a:ext cx="2866543" cy="2435578"/>
+              </a:xfrm>
+              <a:prstGeom prst="roundRect">
+                <a:avLst>
+                  <a:gd name="adj" fmla="val 2651"/>
+                </a:avLst>
+              </a:prstGeom>
+              <a:solidFill>
+                <a:schemeClr val="accent4">
+                  <a:lumMod val="20000"/>
+                  <a:lumOff val="80000"/>
+                </a:schemeClr>
+              </a:solidFill>
+              <a:ln>
+                <a:noFill/>
+              </a:ln>
+            </p:spPr>
+            <p:style>
+              <a:lnRef idx="2">
+                <a:schemeClr val="accent1">
+                  <a:shade val="50000"/>
+                </a:schemeClr>
+              </a:lnRef>
+              <a:fillRef idx="1">
+                <a:schemeClr val="accent1"/>
+              </a:fillRef>
+              <a:effectRef idx="0">
+                <a:schemeClr val="accent1"/>
+              </a:effectRef>
+              <a:fontRef idx="minor">
+                <a:schemeClr val="lt1"/>
+              </a:fontRef>
+            </p:style>
+            <p:txBody>
+              <a:bodyPr rtlCol="0" anchor="ctr"/>
+              <a:lstStyle/>
+              <a:p>
+                <a:pPr algn="ctr"/>
+                <a:endParaRPr lang="en-US" dirty="0"/>
+              </a:p>
+            </p:txBody>
+          </p:sp>
+          <p:sp>
+            <p:nvSpPr>
+              <p:cNvPr id="147" name="TextBox 146"/>
+              <p:cNvSpPr txBox="1"/>
+              <p:nvPr/>
+            </p:nvSpPr>
+            <p:spPr>
+              <a:xfrm>
+                <a:off x="5555577" y="124444"/>
+                <a:ext cx="288861" cy="338554"/>
+              </a:xfrm>
+              <a:prstGeom prst="rect">
+                <a:avLst/>
+              </a:prstGeom>
+              <a:noFill/>
+            </p:spPr>
+            <p:txBody>
+              <a:bodyPr wrap="none" rtlCol="0">
+                <a:spAutoFit/>
+              </a:bodyPr>
+              <a:lstStyle/>
+              <a:p>
+                <a:pPr algn="r"/>
+                <a:r>
+                  <a:rPr lang="en-US" sz="1600" b="1" dirty="0" smtClean="0">
+                    <a:solidFill>
+                      <a:srgbClr val="7030A0"/>
+                    </a:solidFill>
+                  </a:rPr>
+                  <a:t>0</a:t>
+                </a:r>
+                <a:endParaRPr lang="en-US" sz="1600" b="1" dirty="0">
+                  <a:solidFill>
+                    <a:srgbClr val="7030A0"/>
+                  </a:solidFill>
+                </a:endParaRPr>
+              </a:p>
+            </p:txBody>
+          </p:sp>
+          <p:sp>
+            <p:nvSpPr>
+              <p:cNvPr id="150" name="TextBox 149"/>
+              <p:cNvSpPr txBox="1"/>
+              <p:nvPr/>
+            </p:nvSpPr>
+            <p:spPr>
+              <a:xfrm>
+                <a:off x="5555576" y="2097024"/>
+                <a:ext cx="288862" cy="338554"/>
+              </a:xfrm>
+              <a:prstGeom prst="rect">
+                <a:avLst/>
+              </a:prstGeom>
+              <a:noFill/>
+            </p:spPr>
+            <p:txBody>
+              <a:bodyPr wrap="none" rtlCol="0">
+                <a:spAutoFit/>
+              </a:bodyPr>
+              <a:lstStyle/>
+              <a:p>
+                <a:pPr algn="r"/>
+                <a:r>
+                  <a:rPr lang="en-US" sz="1600" b="1" dirty="0" smtClean="0">
+                    <a:solidFill>
+                      <a:srgbClr val="7030A0"/>
+                    </a:solidFill>
+                  </a:rPr>
+                  <a:t>0</a:t>
+                </a:r>
+                <a:endParaRPr lang="en-US" sz="1600" b="1" dirty="0">
+                  <a:solidFill>
+                    <a:srgbClr val="7030A0"/>
+                  </a:solidFill>
+                </a:endParaRPr>
+              </a:p>
+            </p:txBody>
+          </p:sp>
+          <p:sp>
+            <p:nvSpPr>
+              <p:cNvPr id="162" name="TextBox 161"/>
+              <p:cNvSpPr txBox="1"/>
+              <p:nvPr/>
+            </p:nvSpPr>
+            <p:spPr>
+              <a:xfrm>
+                <a:off x="2970379" y="124444"/>
+                <a:ext cx="288861" cy="338554"/>
+              </a:xfrm>
+              <a:prstGeom prst="rect">
+                <a:avLst/>
+              </a:prstGeom>
+              <a:noFill/>
+            </p:spPr>
+            <p:txBody>
+              <a:bodyPr wrap="none" rtlCol="0">
+                <a:spAutoFit/>
+              </a:bodyPr>
+              <a:lstStyle/>
+              <a:p>
+                <a:r>
+                  <a:rPr lang="en-US" sz="1600" b="1" dirty="0" smtClean="0">
+                    <a:solidFill>
+                      <a:srgbClr val="7030A0"/>
+                    </a:solidFill>
+                  </a:rPr>
+                  <a:t>0</a:t>
+                </a:r>
+                <a:endParaRPr lang="en-US" sz="1600" b="1" dirty="0">
+                  <a:solidFill>
+                    <a:srgbClr val="7030A0"/>
+                  </a:solidFill>
+                </a:endParaRPr>
+              </a:p>
+            </p:txBody>
+          </p:sp>
+          <p:sp>
+            <p:nvSpPr>
+              <p:cNvPr id="163" name="TextBox 162"/>
+              <p:cNvSpPr txBox="1"/>
+              <p:nvPr/>
+            </p:nvSpPr>
+            <p:spPr>
+              <a:xfrm>
+                <a:off x="2970379" y="2097024"/>
+                <a:ext cx="288862" cy="338554"/>
+              </a:xfrm>
+              <a:prstGeom prst="rect">
+                <a:avLst/>
+              </a:prstGeom>
+              <a:noFill/>
+            </p:spPr>
+            <p:txBody>
+              <a:bodyPr wrap="none" rtlCol="0">
+                <a:spAutoFit/>
+              </a:bodyPr>
+              <a:lstStyle/>
+              <a:p>
+                <a:r>
+                  <a:rPr lang="en-US" sz="1600" b="1" dirty="0" smtClean="0">
+                    <a:solidFill>
+                      <a:srgbClr val="7030A0"/>
+                    </a:solidFill>
+                  </a:rPr>
+                  <a:t>0</a:t>
+                </a:r>
+                <a:endParaRPr lang="en-US" sz="1600" b="1" dirty="0">
+                  <a:solidFill>
+                    <a:srgbClr val="7030A0"/>
+                  </a:solidFill>
+                </a:endParaRPr>
+              </a:p>
+            </p:txBody>
+          </p:sp>
+        </p:grpSp>
+        <p:grpSp>
+          <p:nvGrpSpPr>
+            <p:cNvPr id="103" name="Group 102"/>
+            <p:cNvGrpSpPr/>
+            <p:nvPr/>
+          </p:nvGrpSpPr>
+          <p:grpSpPr>
+            <a:xfrm>
+              <a:off x="402336" y="341376"/>
+              <a:ext cx="2011680" cy="1816608"/>
+              <a:chOff x="402336" y="341376"/>
+              <a:chExt cx="2011680" cy="1816608"/>
+            </a:xfrm>
+          </p:grpSpPr>
+          <p:sp>
+            <p:nvSpPr>
+              <p:cNvPr id="104" name="Rectangle 103"/>
+              <p:cNvSpPr/>
+              <p:nvPr/>
+            </p:nvSpPr>
+            <p:spPr>
+              <a:xfrm>
+                <a:off x="950976" y="792480"/>
+                <a:ext cx="914400" cy="914400"/>
+              </a:xfrm>
+              <a:prstGeom prst="rect">
+                <a:avLst/>
+              </a:prstGeom>
+            </p:spPr>
+            <p:style>
+              <a:lnRef idx="2">
+                <a:schemeClr val="accent1">
+                  <a:shade val="50000"/>
+                </a:schemeClr>
+              </a:lnRef>
+              <a:fillRef idx="1">
+                <a:schemeClr val="accent1"/>
+              </a:fillRef>
+              <a:effectRef idx="0">
+                <a:schemeClr val="accent1"/>
+              </a:effectRef>
+              <a:fontRef idx="minor">
+                <a:schemeClr val="lt1"/>
+              </a:fontRef>
+            </p:style>
+            <p:txBody>
+              <a:bodyPr rtlCol="0" anchor="ctr"/>
+              <a:lstStyle/>
+              <a:p>
+                <a:pPr algn="ctr"/>
+                <a:endParaRPr lang="en-US"/>
+              </a:p>
+            </p:txBody>
+          </p:sp>
+          <p:cxnSp>
+            <p:nvCxnSpPr>
+              <p:cNvPr id="112" name="Straight Connector 111"/>
+              <p:cNvCxnSpPr/>
+              <p:nvPr/>
+            </p:nvCxnSpPr>
+            <p:spPr>
+              <a:xfrm flipV="1">
+                <a:off x="1865376" y="341376"/>
+                <a:ext cx="548640" cy="451104"/>
+              </a:xfrm>
+              <a:prstGeom prst="line">
+                <a:avLst/>
+              </a:prstGeom>
+            </p:spPr>
+            <p:style>
+              <a:lnRef idx="1">
+                <a:schemeClr val="accent1"/>
+              </a:lnRef>
+              <a:fillRef idx="0">
+                <a:schemeClr val="accent1"/>
+              </a:fillRef>
+              <a:effectRef idx="0">
+                <a:schemeClr val="accent1"/>
+              </a:effectRef>
+              <a:fontRef idx="minor">
+                <a:schemeClr val="tx1"/>
+              </a:fontRef>
+            </p:style>
+          </p:cxnSp>
+          <p:cxnSp>
+            <p:nvCxnSpPr>
+              <p:cNvPr id="113" name="Straight Connector 112"/>
+              <p:cNvCxnSpPr/>
+              <p:nvPr/>
+            </p:nvCxnSpPr>
+            <p:spPr>
+              <a:xfrm flipV="1">
+                <a:off x="402336" y="1706880"/>
+                <a:ext cx="548640" cy="451104"/>
+              </a:xfrm>
+              <a:prstGeom prst="line">
+                <a:avLst/>
+              </a:prstGeom>
+            </p:spPr>
+            <p:style>
+              <a:lnRef idx="1">
+                <a:schemeClr val="accent1"/>
+              </a:lnRef>
+              <a:fillRef idx="0">
+                <a:schemeClr val="accent1"/>
+              </a:fillRef>
+              <a:effectRef idx="0">
+                <a:schemeClr val="accent1"/>
+              </a:effectRef>
+              <a:fontRef idx="minor">
+                <a:schemeClr val="tx1"/>
+              </a:fontRef>
+            </p:style>
+          </p:cxnSp>
+          <p:cxnSp>
+            <p:nvCxnSpPr>
+              <p:cNvPr id="144" name="Straight Connector 143"/>
+              <p:cNvCxnSpPr/>
+              <p:nvPr/>
+            </p:nvCxnSpPr>
+            <p:spPr>
+              <a:xfrm flipH="1" flipV="1">
+                <a:off x="402336" y="341376"/>
+                <a:ext cx="548640" cy="451104"/>
+              </a:xfrm>
+              <a:prstGeom prst="line">
+                <a:avLst/>
+              </a:prstGeom>
+            </p:spPr>
+            <p:style>
+              <a:lnRef idx="1">
+                <a:schemeClr val="accent1"/>
+              </a:lnRef>
+              <a:fillRef idx="0">
+                <a:schemeClr val="accent1"/>
+              </a:fillRef>
+              <a:effectRef idx="0">
+                <a:schemeClr val="accent1"/>
+              </a:effectRef>
+              <a:fontRef idx="minor">
+                <a:schemeClr val="tx1"/>
+              </a:fontRef>
+            </p:style>
+          </p:cxnSp>
+          <p:cxnSp>
+            <p:nvCxnSpPr>
+              <p:cNvPr id="145" name="Straight Connector 144"/>
+              <p:cNvCxnSpPr/>
+              <p:nvPr/>
+            </p:nvCxnSpPr>
+            <p:spPr>
+              <a:xfrm flipH="1" flipV="1">
+                <a:off x="1865376" y="1706880"/>
+                <a:ext cx="548640" cy="451104"/>
+              </a:xfrm>
+              <a:prstGeom prst="line">
+                <a:avLst/>
+              </a:prstGeom>
+            </p:spPr>
+            <p:style>
+              <a:lnRef idx="1">
+                <a:schemeClr val="accent1"/>
+              </a:lnRef>
+              <a:fillRef idx="0">
+                <a:schemeClr val="accent1"/>
+              </a:fillRef>
+              <a:effectRef idx="0">
+                <a:schemeClr val="accent1"/>
+              </a:effectRef>
+              <a:fontRef idx="minor">
+                <a:schemeClr val="tx1"/>
+              </a:fontRef>
+            </p:style>
+          </p:cxnSp>
+        </p:grpSp>
+      </p:grpSp>
+      <p:sp>
+        <p:nvSpPr>
+          <p:cNvPr id="2" name="TextBox 1"/>
+          <p:cNvSpPr txBox="1"/>
+          <p:nvPr/>
+        </p:nvSpPr>
+        <p:spPr>
+          <a:xfrm>
+            <a:off x="6823073" y="792480"/>
+            <a:ext cx="4948599" cy="646331"/>
+          </a:xfrm>
+          <a:prstGeom prst="rect">
+            <a:avLst/>
+          </a:prstGeom>
+          <a:noFill/>
+        </p:spPr>
+        <p:txBody>
+          <a:bodyPr wrap="none" rtlCol="0">
+            <a:spAutoFit/>
+          </a:bodyPr>
+          <a:lstStyle/>
+          <a:p>
+            <a:r>
+              <a:rPr lang="en-US" dirty="0" err="1" smtClean="0"/>
+              <a:t>Youtube</a:t>
+            </a:r>
+            <a:r>
+              <a:rPr lang="en-US" dirty="0" smtClean="0"/>
+              <a:t> </a:t>
+            </a:r>
+            <a:r>
+              <a:rPr lang="en-US" dirty="0" err="1" smtClean="0"/>
+              <a:t>pergerakan</a:t>
+            </a:r>
+            <a:r>
+              <a:rPr lang="en-US" dirty="0" smtClean="0"/>
+              <a:t> robot 4 kaki</a:t>
+            </a:r>
+          </a:p>
+          <a:p>
+            <a:r>
+              <a:rPr lang="en-US"/>
+              <a:t>https://www.youtube.com/watch?v=kP2yS0RHLXA</a:t>
+            </a:r>
+          </a:p>
+        </p:txBody>
+      </p:sp>
+      <p:sp>
+        <p:nvSpPr>
+          <p:cNvPr id="3" name="Up Arrow 2"/>
+          <p:cNvSpPr/>
+          <p:nvPr/>
+        </p:nvSpPr>
+        <p:spPr>
+          <a:xfrm>
+            <a:off x="1354359" y="1078914"/>
+            <a:ext cx="254195" cy="341531"/>
+          </a:xfrm>
+          <a:prstGeom prst="upArrow">
+            <a:avLst/>
+          </a:prstGeom>
+        </p:spPr>
+        <p:style>
+          <a:lnRef idx="1">
+            <a:schemeClr val="accent2"/>
+          </a:lnRef>
+          <a:fillRef idx="3">
+            <a:schemeClr val="accent2"/>
+          </a:fillRef>
+          <a:effectRef idx="2">
+            <a:schemeClr val="accent2"/>
+          </a:effectRef>
+          <a:fontRef idx="minor">
+            <a:schemeClr val="lt1"/>
+          </a:fontRef>
+        </p:style>
+        <p:txBody>
+          <a:bodyPr rtlCol="0" anchor="ctr"/>
+          <a:lstStyle/>
+          <a:p>
+            <a:pPr algn="ctr"/>
+            <a:endParaRPr lang="en-US"/>
+          </a:p>
+        </p:txBody>
+      </p:sp>
+      <p:sp>
+        <p:nvSpPr>
+          <p:cNvPr id="136" name="Up Arrow 135"/>
+          <p:cNvSpPr/>
+          <p:nvPr/>
+        </p:nvSpPr>
+        <p:spPr>
+          <a:xfrm>
+            <a:off x="4415459" y="1078913"/>
+            <a:ext cx="254195" cy="341531"/>
+          </a:xfrm>
+          <a:prstGeom prst="upArrow">
+            <a:avLst/>
+          </a:prstGeom>
+        </p:spPr>
+        <p:style>
+          <a:lnRef idx="1">
+            <a:schemeClr val="accent2"/>
+          </a:lnRef>
+          <a:fillRef idx="3">
+            <a:schemeClr val="accent2"/>
+          </a:fillRef>
+          <a:effectRef idx="2">
+            <a:schemeClr val="accent2"/>
+          </a:effectRef>
+          <a:fontRef idx="minor">
+            <a:schemeClr val="lt1"/>
+          </a:fontRef>
+        </p:style>
+        <p:txBody>
+          <a:bodyPr rtlCol="0" anchor="ctr"/>
+          <a:lstStyle/>
+          <a:p>
+            <a:pPr algn="ctr"/>
+            <a:endParaRPr lang="en-US"/>
+          </a:p>
+        </p:txBody>
+      </p:sp>
+      <p:sp>
+        <p:nvSpPr>
+          <p:cNvPr id="141" name="Up Arrow 140"/>
+          <p:cNvSpPr/>
+          <p:nvPr/>
+        </p:nvSpPr>
+        <p:spPr>
+          <a:xfrm rot="5400000">
+            <a:off x="1887660" y="6195202"/>
+            <a:ext cx="254195" cy="341531"/>
+          </a:xfrm>
+          <a:prstGeom prst="upArrow">
+            <a:avLst/>
+          </a:prstGeom>
+        </p:spPr>
+        <p:style>
+          <a:lnRef idx="1">
+            <a:schemeClr val="accent2"/>
+          </a:lnRef>
+          <a:fillRef idx="3">
+            <a:schemeClr val="accent2"/>
+          </a:fillRef>
+          <a:effectRef idx="2">
+            <a:schemeClr val="accent2"/>
+          </a:effectRef>
+          <a:fontRef idx="minor">
+            <a:schemeClr val="lt1"/>
+          </a:fontRef>
+        </p:style>
+        <p:txBody>
+          <a:bodyPr rtlCol="0" anchor="ctr"/>
+          <a:lstStyle/>
+          <a:p>
+            <a:pPr algn="ctr"/>
+            <a:endParaRPr lang="en-US"/>
+          </a:p>
+        </p:txBody>
+      </p:sp>
+      <p:sp>
+        <p:nvSpPr>
+          <p:cNvPr id="4" name="TextBox 3"/>
+          <p:cNvSpPr txBox="1"/>
+          <p:nvPr/>
+        </p:nvSpPr>
+        <p:spPr>
+          <a:xfrm>
+            <a:off x="2129057" y="6225775"/>
+            <a:ext cx="1059521" cy="307777"/>
+          </a:xfrm>
+          <a:prstGeom prst="rect">
+            <a:avLst/>
+          </a:prstGeom>
+          <a:noFill/>
+        </p:spPr>
+        <p:txBody>
+          <a:bodyPr wrap="none" rtlCol="0">
+            <a:spAutoFit/>
+          </a:bodyPr>
+          <a:lstStyle/>
+          <a:p>
+            <a:r>
+              <a:rPr lang="en-US" sz="1400" dirty="0" err="1" smtClean="0"/>
+              <a:t>Arah</a:t>
+            </a:r>
+            <a:r>
+              <a:rPr lang="en-US" sz="1400" dirty="0" smtClean="0"/>
+              <a:t> </a:t>
+            </a:r>
+            <a:r>
+              <a:rPr lang="en-US" sz="1400" dirty="0" err="1" smtClean="0"/>
+              <a:t>Tujuan</a:t>
+            </a:r>
+            <a:endParaRPr lang="en-US" dirty="0"/>
+          </a:p>
+        </p:txBody>
+      </p:sp>
+      <p:sp>
+        <p:nvSpPr>
+          <p:cNvPr id="5" name="TextBox 4"/>
+          <p:cNvSpPr txBox="1"/>
+          <p:nvPr/>
+        </p:nvSpPr>
+        <p:spPr>
+          <a:xfrm>
+            <a:off x="1091656" y="12930"/>
+            <a:ext cx="776175" cy="369332"/>
+          </a:xfrm>
+          <a:prstGeom prst="rect">
+            <a:avLst/>
+          </a:prstGeom>
+          <a:noFill/>
+        </p:spPr>
+        <p:txBody>
+          <a:bodyPr wrap="none" rtlCol="0">
+            <a:spAutoFit/>
+          </a:bodyPr>
+          <a:lstStyle/>
+          <a:p>
+            <a:r>
+              <a:rPr lang="en-US" dirty="0" err="1" smtClean="0"/>
+              <a:t>depan</a:t>
+            </a:r>
+            <a:endParaRPr lang="en-US" dirty="0"/>
+          </a:p>
+        </p:txBody>
+      </p:sp>
+      <p:sp>
+        <p:nvSpPr>
+          <p:cNvPr id="142" name="TextBox 141"/>
+          <p:cNvSpPr txBox="1"/>
+          <p:nvPr/>
+        </p:nvSpPr>
+        <p:spPr>
+          <a:xfrm>
+            <a:off x="4154469" y="-27956"/>
+            <a:ext cx="776175" cy="369332"/>
+          </a:xfrm>
+          <a:prstGeom prst="rect">
+            <a:avLst/>
+          </a:prstGeom>
+          <a:noFill/>
+        </p:spPr>
+        <p:txBody>
+          <a:bodyPr wrap="none" rtlCol="0">
+            <a:spAutoFit/>
+          </a:bodyPr>
+          <a:lstStyle/>
+          <a:p>
+            <a:r>
+              <a:rPr lang="en-US" dirty="0" err="1" smtClean="0"/>
+              <a:t>depan</a:t>
+            </a:r>
+            <a:endParaRPr lang="en-US" dirty="0"/>
+          </a:p>
+        </p:txBody>
+      </p:sp>
+      <p:grpSp>
+        <p:nvGrpSpPr>
+          <p:cNvPr id="8" name="Group 7"/>
+          <p:cNvGrpSpPr/>
+          <p:nvPr/>
+        </p:nvGrpSpPr>
+        <p:grpSpPr>
+          <a:xfrm>
+            <a:off x="6230506" y="2770301"/>
+            <a:ext cx="5897156" cy="2792368"/>
+            <a:chOff x="105256" y="2797676"/>
+            <a:chExt cx="5897156" cy="2792368"/>
+          </a:xfrm>
+        </p:grpSpPr>
+        <p:grpSp>
+          <p:nvGrpSpPr>
+            <p:cNvPr id="154" name="Group 153"/>
+            <p:cNvGrpSpPr/>
+            <p:nvPr/>
+          </p:nvGrpSpPr>
+          <p:grpSpPr>
+            <a:xfrm>
+              <a:off x="105256" y="2856952"/>
+              <a:ext cx="2874059" cy="2435578"/>
+              <a:chOff x="5968053" y="85344"/>
+              <a:chExt cx="2874059" cy="2435578"/>
+            </a:xfrm>
+          </p:grpSpPr>
+          <p:grpSp>
+            <p:nvGrpSpPr>
+              <p:cNvPr id="114" name="Group 113"/>
+              <p:cNvGrpSpPr/>
+              <p:nvPr/>
+            </p:nvGrpSpPr>
+            <p:grpSpPr>
+              <a:xfrm>
+                <a:off x="5968053" y="85344"/>
+                <a:ext cx="2874059" cy="2435578"/>
+                <a:chOff x="2970379" y="85344"/>
+                <a:chExt cx="2874059" cy="2435578"/>
+              </a:xfrm>
+            </p:grpSpPr>
+            <p:sp>
+              <p:nvSpPr>
+                <p:cNvPr id="115" name="Rounded Rectangle 114"/>
+                <p:cNvSpPr/>
+                <p:nvPr/>
+              </p:nvSpPr>
+              <p:spPr>
+                <a:xfrm>
+                  <a:off x="2973425" y="85344"/>
+                  <a:ext cx="2866543" cy="2435578"/>
+                </a:xfrm>
+                <a:prstGeom prst="roundRect">
+                  <a:avLst>
+                    <a:gd name="adj" fmla="val 2651"/>
+                  </a:avLst>
+                </a:prstGeom>
+                <a:solidFill>
+                  <a:schemeClr val="accent4">
+                    <a:lumMod val="20000"/>
+                    <a:lumOff val="80000"/>
+                  </a:schemeClr>
+                </a:solidFill>
+                <a:ln>
+                  <a:noFill/>
+                </a:ln>
+              </p:spPr>
+              <p:style>
+                <a:lnRef idx="2">
+                  <a:schemeClr val="accent1">
+                    <a:shade val="50000"/>
+                  </a:schemeClr>
+                </a:lnRef>
+                <a:fillRef idx="1">
+                  <a:schemeClr val="accent1"/>
+                </a:fillRef>
+                <a:effectRef idx="0">
+                  <a:schemeClr val="accent1"/>
+                </a:effectRef>
+                <a:fontRef idx="minor">
+                  <a:schemeClr val="lt1"/>
+                </a:fontRef>
+              </p:style>
+              <p:txBody>
+                <a:bodyPr rtlCol="0" anchor="ctr"/>
+                <a:lstStyle/>
+                <a:p>
+                  <a:pPr algn="ctr"/>
+                  <a:endParaRPr lang="en-US"/>
+                </a:p>
+              </p:txBody>
+            </p:sp>
+            <p:sp>
+              <p:nvSpPr>
+                <p:cNvPr id="116" name="TextBox 115"/>
+                <p:cNvSpPr txBox="1"/>
+                <p:nvPr/>
+              </p:nvSpPr>
+              <p:spPr>
+                <a:xfrm>
+                  <a:off x="5451382" y="124444"/>
+                  <a:ext cx="393056" cy="338554"/>
+                </a:xfrm>
+                <a:prstGeom prst="rect">
+                  <a:avLst/>
+                </a:prstGeom>
+                <a:noFill/>
+              </p:spPr>
+              <p:txBody>
+                <a:bodyPr wrap="none" rtlCol="0">
+                  <a:spAutoFit/>
+                </a:bodyPr>
+                <a:lstStyle/>
+                <a:p>
+                  <a:pPr algn="r"/>
+                  <a:r>
+                    <a:rPr lang="en-US" sz="1600" b="1" dirty="0">
+                      <a:solidFill>
+                        <a:srgbClr val="7030A0"/>
+                      </a:solidFill>
+                    </a:rPr>
+                    <a:t>4</a:t>
+                  </a:r>
+                  <a:r>
+                    <a:rPr lang="en-US" sz="1600" b="1" dirty="0" smtClean="0">
+                      <a:solidFill>
+                        <a:srgbClr val="7030A0"/>
+                      </a:solidFill>
+                    </a:rPr>
+                    <a:t>0</a:t>
+                  </a:r>
+                  <a:endParaRPr lang="en-US" sz="1600" b="1" dirty="0">
+                    <a:solidFill>
+                      <a:srgbClr val="7030A0"/>
+                    </a:solidFill>
+                  </a:endParaRPr>
+                </a:p>
+              </p:txBody>
+            </p:sp>
+            <p:sp>
+              <p:nvSpPr>
+                <p:cNvPr id="117" name="TextBox 116"/>
+                <p:cNvSpPr txBox="1"/>
+                <p:nvPr/>
+              </p:nvSpPr>
+              <p:spPr>
+                <a:xfrm>
+                  <a:off x="5451382" y="2097024"/>
+                  <a:ext cx="393056" cy="338554"/>
+                </a:xfrm>
+                <a:prstGeom prst="rect">
+                  <a:avLst/>
+                </a:prstGeom>
+                <a:noFill/>
+              </p:spPr>
+              <p:txBody>
+                <a:bodyPr wrap="none" rtlCol="0">
+                  <a:spAutoFit/>
+                </a:bodyPr>
+                <a:lstStyle/>
+                <a:p>
+                  <a:pPr algn="r"/>
+                  <a:r>
+                    <a:rPr lang="en-US" sz="1600" b="1" dirty="0" smtClean="0">
+                      <a:solidFill>
+                        <a:srgbClr val="7030A0"/>
+                      </a:solidFill>
+                    </a:rPr>
+                    <a:t>30</a:t>
+                  </a:r>
+                  <a:endParaRPr lang="en-US" sz="1600" b="1" dirty="0">
+                    <a:solidFill>
+                      <a:srgbClr val="7030A0"/>
+                    </a:solidFill>
+                  </a:endParaRPr>
+                </a:p>
+              </p:txBody>
+            </p:sp>
+            <p:sp>
+              <p:nvSpPr>
+                <p:cNvPr id="118" name="TextBox 117"/>
+                <p:cNvSpPr txBox="1"/>
+                <p:nvPr/>
+              </p:nvSpPr>
+              <p:spPr>
+                <a:xfrm>
+                  <a:off x="2970379" y="124444"/>
+                  <a:ext cx="288861" cy="338554"/>
+                </a:xfrm>
+                <a:prstGeom prst="rect">
+                  <a:avLst/>
+                </a:prstGeom>
+                <a:noFill/>
+              </p:spPr>
+              <p:txBody>
+                <a:bodyPr wrap="none" rtlCol="0">
+                  <a:spAutoFit/>
+                </a:bodyPr>
+                <a:lstStyle/>
+                <a:p>
+                  <a:r>
+                    <a:rPr lang="en-US" sz="1600" b="1" dirty="0" smtClean="0">
+                      <a:solidFill>
+                        <a:srgbClr val="7030A0"/>
+                      </a:solidFill>
+                    </a:rPr>
+                    <a:t>0</a:t>
+                  </a:r>
+                  <a:endParaRPr lang="en-US" sz="1600" b="1" dirty="0">
+                    <a:solidFill>
+                      <a:srgbClr val="7030A0"/>
+                    </a:solidFill>
+                  </a:endParaRPr>
+                </a:p>
+              </p:txBody>
+            </p:sp>
+            <p:sp>
+              <p:nvSpPr>
+                <p:cNvPr id="119" name="TextBox 118"/>
+                <p:cNvSpPr txBox="1"/>
+                <p:nvPr/>
+              </p:nvSpPr>
+              <p:spPr>
+                <a:xfrm>
+                  <a:off x="2970379" y="2097024"/>
+                  <a:ext cx="455573" cy="338554"/>
+                </a:xfrm>
+                <a:prstGeom prst="rect">
+                  <a:avLst/>
+                </a:prstGeom>
+                <a:noFill/>
+              </p:spPr>
+              <p:txBody>
+                <a:bodyPr wrap="none" rtlCol="0">
+                  <a:spAutoFit/>
+                </a:bodyPr>
+                <a:lstStyle/>
+                <a:p>
+                  <a:r>
+                    <a:rPr lang="en-US" sz="1600" b="1" dirty="0" smtClean="0">
+                      <a:solidFill>
+                        <a:srgbClr val="7030A0"/>
+                      </a:solidFill>
+                    </a:rPr>
+                    <a:t>-20</a:t>
+                  </a:r>
+                  <a:endParaRPr lang="en-US" sz="1600" b="1" dirty="0">
+                    <a:solidFill>
+                      <a:srgbClr val="7030A0"/>
+                    </a:solidFill>
+                  </a:endParaRPr>
+                </a:p>
+              </p:txBody>
+            </p:sp>
+          </p:grpSp>
+          <p:grpSp>
+            <p:nvGrpSpPr>
+              <p:cNvPr id="120" name="Group 119"/>
+              <p:cNvGrpSpPr/>
+              <p:nvPr/>
+            </p:nvGrpSpPr>
+            <p:grpSpPr>
+              <a:xfrm>
+                <a:off x="6437376" y="341376"/>
+                <a:ext cx="2011680" cy="1940314"/>
+                <a:chOff x="6437376" y="341376"/>
+                <a:chExt cx="2011680" cy="1940314"/>
+              </a:xfrm>
+            </p:grpSpPr>
+            <p:sp>
+              <p:nvSpPr>
+                <p:cNvPr id="30" name="Rectangle 29"/>
+                <p:cNvSpPr/>
+                <p:nvPr/>
+              </p:nvSpPr>
+              <p:spPr>
+                <a:xfrm>
+                  <a:off x="6986016" y="792480"/>
+                  <a:ext cx="914400" cy="914400"/>
+                </a:xfrm>
+                <a:prstGeom prst="rect">
+                  <a:avLst/>
+                </a:prstGeom>
+              </p:spPr>
+              <p:style>
+                <a:lnRef idx="2">
+                  <a:schemeClr val="accent1">
+                    <a:shade val="50000"/>
+                  </a:schemeClr>
+                </a:lnRef>
+                <a:fillRef idx="1">
+                  <a:schemeClr val="accent1"/>
+                </a:fillRef>
+                <a:effectRef idx="0">
+                  <a:schemeClr val="accent1"/>
+                </a:effectRef>
+                <a:fontRef idx="minor">
+                  <a:schemeClr val="lt1"/>
+                </a:fontRef>
+              </p:style>
+              <p:txBody>
+                <a:bodyPr rtlCol="0" anchor="ctr"/>
+                <a:lstStyle/>
+                <a:p>
+                  <a:pPr algn="ctr"/>
+                  <a:endParaRPr lang="en-US"/>
+                </a:p>
+              </p:txBody>
+            </p:sp>
+            <p:cxnSp>
+              <p:nvCxnSpPr>
+                <p:cNvPr id="31" name="Straight Connector 30"/>
+                <p:cNvCxnSpPr/>
+                <p:nvPr/>
+              </p:nvCxnSpPr>
+              <p:spPr>
+                <a:xfrm flipV="1">
+                  <a:off x="7900416" y="341376"/>
+                  <a:ext cx="22828" cy="451104"/>
+                </a:xfrm>
+                <a:prstGeom prst="line">
+                  <a:avLst/>
+                </a:prstGeom>
+              </p:spPr>
+              <p:style>
+                <a:lnRef idx="1">
+                  <a:schemeClr val="accent1"/>
+                </a:lnRef>
+                <a:fillRef idx="0">
+                  <a:schemeClr val="accent1"/>
+                </a:fillRef>
+                <a:effectRef idx="0">
+                  <a:schemeClr val="accent1"/>
+                </a:effectRef>
+                <a:fontRef idx="minor">
+                  <a:schemeClr val="tx1"/>
+                </a:fontRef>
+              </p:style>
+            </p:cxnSp>
+            <p:cxnSp>
+              <p:nvCxnSpPr>
+                <p:cNvPr id="32" name="Straight Connector 31"/>
+                <p:cNvCxnSpPr/>
+                <p:nvPr/>
+              </p:nvCxnSpPr>
+              <p:spPr>
+                <a:xfrm flipV="1">
+                  <a:off x="6620256" y="1706880"/>
+                  <a:ext cx="365760" cy="574810"/>
+                </a:xfrm>
+                <a:prstGeom prst="line">
+                  <a:avLst/>
+                </a:prstGeom>
+              </p:spPr>
+              <p:style>
+                <a:lnRef idx="1">
+                  <a:schemeClr val="accent1"/>
+                </a:lnRef>
+                <a:fillRef idx="0">
+                  <a:schemeClr val="accent1"/>
+                </a:fillRef>
+                <a:effectRef idx="0">
+                  <a:schemeClr val="accent1"/>
+                </a:effectRef>
+                <a:fontRef idx="minor">
+                  <a:schemeClr val="tx1"/>
+                </a:fontRef>
+              </p:style>
+            </p:cxnSp>
+            <p:cxnSp>
+              <p:nvCxnSpPr>
+                <p:cNvPr id="33" name="Straight Connector 32"/>
+                <p:cNvCxnSpPr/>
+                <p:nvPr/>
+              </p:nvCxnSpPr>
+              <p:spPr>
+                <a:xfrm flipH="1" flipV="1">
+                  <a:off x="6437376" y="341376"/>
+                  <a:ext cx="548640" cy="451104"/>
+                </a:xfrm>
+                <a:prstGeom prst="line">
+                  <a:avLst/>
+                </a:prstGeom>
+              </p:spPr>
+              <p:style>
+                <a:lnRef idx="1">
+                  <a:schemeClr val="accent1"/>
+                </a:lnRef>
+                <a:fillRef idx="0">
+                  <a:schemeClr val="accent1"/>
+                </a:fillRef>
+                <a:effectRef idx="0">
+                  <a:schemeClr val="accent1"/>
+                </a:effectRef>
+                <a:fontRef idx="minor">
+                  <a:schemeClr val="tx1"/>
+                </a:fontRef>
+              </p:style>
+            </p:cxnSp>
+            <p:cxnSp>
+              <p:nvCxnSpPr>
+                <p:cNvPr id="34" name="Straight Connector 33"/>
+                <p:cNvCxnSpPr/>
+                <p:nvPr/>
+              </p:nvCxnSpPr>
+              <p:spPr>
+                <a:xfrm flipH="1" flipV="1">
+                  <a:off x="7900416" y="1706880"/>
+                  <a:ext cx="548640" cy="91440"/>
+                </a:xfrm>
+                <a:prstGeom prst="line">
+                  <a:avLst/>
+                </a:prstGeom>
+              </p:spPr>
+              <p:style>
+                <a:lnRef idx="1">
+                  <a:schemeClr val="accent1"/>
+                </a:lnRef>
+                <a:fillRef idx="0">
+                  <a:schemeClr val="accent1"/>
+                </a:fillRef>
+                <a:effectRef idx="0">
+                  <a:schemeClr val="accent1"/>
+                </a:effectRef>
+                <a:fontRef idx="minor">
+                  <a:schemeClr val="tx1"/>
+                </a:fontRef>
+              </p:style>
+            </p:cxnSp>
+          </p:grpSp>
+          <p:cxnSp>
+            <p:nvCxnSpPr>
+              <p:cNvPr id="58" name="Straight Arrow Connector 57"/>
+              <p:cNvCxnSpPr/>
+              <p:nvPr/>
+            </p:nvCxnSpPr>
+            <p:spPr>
+              <a:xfrm flipV="1">
+                <a:off x="8296656" y="1455158"/>
+                <a:ext cx="0" cy="251722"/>
+              </a:xfrm>
+              <a:prstGeom prst="straightConnector1">
+                <a:avLst/>
+              </a:prstGeom>
+              <a:ln>
+                <a:solidFill>
+                  <a:schemeClr val="accent6">
+                    <a:lumMod val="75000"/>
+                  </a:schemeClr>
+                </a:solidFill>
+                <a:tailEnd type="triangle"/>
+              </a:ln>
+            </p:spPr>
+            <p:style>
+              <a:lnRef idx="1">
+                <a:schemeClr val="accent1"/>
+              </a:lnRef>
+              <a:fillRef idx="0">
+                <a:schemeClr val="accent1"/>
+              </a:fillRef>
+              <a:effectRef idx="0">
+                <a:schemeClr val="accent1"/>
+              </a:effectRef>
+              <a:fontRef idx="minor">
+                <a:schemeClr val="tx1"/>
+              </a:fontRef>
+            </p:style>
+          </p:cxnSp>
+          <p:cxnSp>
+            <p:nvCxnSpPr>
+              <p:cNvPr id="60" name="Straight Arrow Connector 59"/>
+              <p:cNvCxnSpPr/>
+              <p:nvPr/>
+            </p:nvCxnSpPr>
+            <p:spPr>
+              <a:xfrm flipH="1" flipV="1">
+                <a:off x="7583424" y="422410"/>
+                <a:ext cx="201168" cy="85344"/>
+              </a:xfrm>
+              <a:prstGeom prst="straightConnector1">
+                <a:avLst/>
+              </a:prstGeom>
+              <a:ln>
+                <a:solidFill>
+                  <a:schemeClr val="accent6">
+                    <a:lumMod val="75000"/>
+                  </a:schemeClr>
+                </a:solidFill>
+                <a:tailEnd type="triangle"/>
+              </a:ln>
+            </p:spPr>
+            <p:style>
+              <a:lnRef idx="1">
+                <a:schemeClr val="accent1"/>
+              </a:lnRef>
+              <a:fillRef idx="0">
+                <a:schemeClr val="accent1"/>
+              </a:fillRef>
+              <a:effectRef idx="0">
+                <a:schemeClr val="accent1"/>
+              </a:effectRef>
+              <a:fontRef idx="minor">
+                <a:schemeClr val="tx1"/>
+              </a:fontRef>
+            </p:style>
+          </p:cxnSp>
+        </p:grpSp>
+        <p:grpSp>
+          <p:nvGrpSpPr>
+            <p:cNvPr id="155" name="Group 154"/>
+            <p:cNvGrpSpPr/>
+            <p:nvPr/>
+          </p:nvGrpSpPr>
+          <p:grpSpPr>
+            <a:xfrm>
+              <a:off x="3128353" y="2856952"/>
+              <a:ext cx="2874059" cy="2435578"/>
+              <a:chOff x="9102953" y="85344"/>
+              <a:chExt cx="2874059" cy="2435578"/>
+            </a:xfrm>
+          </p:grpSpPr>
+          <p:grpSp>
+            <p:nvGrpSpPr>
+              <p:cNvPr id="122" name="Group 121"/>
+              <p:cNvGrpSpPr/>
+              <p:nvPr/>
+            </p:nvGrpSpPr>
+            <p:grpSpPr>
+              <a:xfrm>
+                <a:off x="9102953" y="85344"/>
+                <a:ext cx="2874059" cy="2435578"/>
+                <a:chOff x="2970379" y="85344"/>
+                <a:chExt cx="2874059" cy="2435578"/>
+              </a:xfrm>
+            </p:grpSpPr>
+            <p:sp>
+              <p:nvSpPr>
+                <p:cNvPr id="123" name="Rounded Rectangle 122"/>
+                <p:cNvSpPr/>
+                <p:nvPr/>
+              </p:nvSpPr>
+              <p:spPr>
+                <a:xfrm>
+                  <a:off x="2973425" y="85344"/>
+                  <a:ext cx="2866543" cy="2435578"/>
+                </a:xfrm>
+                <a:prstGeom prst="roundRect">
+                  <a:avLst>
+                    <a:gd name="adj" fmla="val 2651"/>
+                  </a:avLst>
+                </a:prstGeom>
+                <a:solidFill>
+                  <a:schemeClr val="accent4">
+                    <a:lumMod val="20000"/>
+                    <a:lumOff val="80000"/>
+                  </a:schemeClr>
+                </a:solidFill>
+                <a:ln>
+                  <a:noFill/>
+                </a:ln>
+              </p:spPr>
+              <p:style>
+                <a:lnRef idx="2">
+                  <a:schemeClr val="accent1">
+                    <a:shade val="50000"/>
+                  </a:schemeClr>
+                </a:lnRef>
+                <a:fillRef idx="1">
+                  <a:schemeClr val="accent1"/>
+                </a:fillRef>
+                <a:effectRef idx="0">
+                  <a:schemeClr val="accent1"/>
+                </a:effectRef>
+                <a:fontRef idx="minor">
+                  <a:schemeClr val="lt1"/>
+                </a:fontRef>
+              </p:style>
+              <p:txBody>
+                <a:bodyPr rtlCol="0" anchor="ctr"/>
+                <a:lstStyle/>
+                <a:p>
+                  <a:pPr algn="ctr"/>
+                  <a:endParaRPr lang="en-US"/>
+                </a:p>
+              </p:txBody>
+            </p:sp>
+            <p:sp>
+              <p:nvSpPr>
+                <p:cNvPr id="124" name="TextBox 123"/>
+                <p:cNvSpPr txBox="1"/>
+                <p:nvPr/>
+              </p:nvSpPr>
+              <p:spPr>
+                <a:xfrm>
+                  <a:off x="5555577" y="124444"/>
+                  <a:ext cx="288861" cy="338554"/>
+                </a:xfrm>
+                <a:prstGeom prst="rect">
+                  <a:avLst/>
+                </a:prstGeom>
+                <a:noFill/>
+              </p:spPr>
+              <p:txBody>
+                <a:bodyPr wrap="none" rtlCol="0">
+                  <a:spAutoFit/>
+                </a:bodyPr>
+                <a:lstStyle/>
+                <a:p>
+                  <a:pPr algn="r"/>
+                  <a:r>
+                    <a:rPr lang="en-US" sz="1600" b="1" dirty="0" smtClean="0">
+                      <a:solidFill>
+                        <a:srgbClr val="7030A0"/>
+                      </a:solidFill>
+                    </a:rPr>
+                    <a:t>0</a:t>
+                  </a:r>
+                  <a:endParaRPr lang="en-US" sz="1600" b="1" dirty="0">
+                    <a:solidFill>
+                      <a:srgbClr val="7030A0"/>
+                    </a:solidFill>
+                  </a:endParaRPr>
+                </a:p>
+              </p:txBody>
+            </p:sp>
+            <p:sp>
+              <p:nvSpPr>
+                <p:cNvPr id="125" name="TextBox 124"/>
+                <p:cNvSpPr txBox="1"/>
+                <p:nvPr/>
+              </p:nvSpPr>
+              <p:spPr>
+                <a:xfrm>
+                  <a:off x="5388864" y="2097024"/>
+                  <a:ext cx="455574" cy="338554"/>
+                </a:xfrm>
+                <a:prstGeom prst="rect">
+                  <a:avLst/>
+                </a:prstGeom>
+                <a:noFill/>
+              </p:spPr>
+              <p:txBody>
+                <a:bodyPr wrap="none" rtlCol="0">
+                  <a:spAutoFit/>
+                </a:bodyPr>
+                <a:lstStyle/>
+                <a:p>
+                  <a:pPr algn="r"/>
+                  <a:r>
+                    <a:rPr lang="en-US" sz="1600" b="1" dirty="0" smtClean="0">
+                      <a:solidFill>
+                        <a:srgbClr val="7030A0"/>
+                      </a:solidFill>
+                    </a:rPr>
+                    <a:t>-20</a:t>
+                  </a:r>
+                  <a:endParaRPr lang="en-US" sz="1600" b="1" dirty="0">
+                    <a:solidFill>
+                      <a:srgbClr val="7030A0"/>
+                    </a:solidFill>
+                  </a:endParaRPr>
+                </a:p>
+              </p:txBody>
+            </p:sp>
+            <p:sp>
+              <p:nvSpPr>
+                <p:cNvPr id="126" name="TextBox 125"/>
+                <p:cNvSpPr txBox="1"/>
+                <p:nvPr/>
+              </p:nvSpPr>
+              <p:spPr>
+                <a:xfrm>
+                  <a:off x="2970379" y="124444"/>
+                  <a:ext cx="455574" cy="338554"/>
+                </a:xfrm>
+                <a:prstGeom prst="rect">
+                  <a:avLst/>
+                </a:prstGeom>
+                <a:noFill/>
+              </p:spPr>
+              <p:txBody>
+                <a:bodyPr wrap="none" rtlCol="0">
+                  <a:spAutoFit/>
+                </a:bodyPr>
+                <a:lstStyle/>
+                <a:p>
+                  <a:r>
+                    <a:rPr lang="en-US" sz="1600" b="1" dirty="0" smtClean="0">
+                      <a:solidFill>
+                        <a:srgbClr val="7030A0"/>
+                      </a:solidFill>
+                    </a:rPr>
+                    <a:t>-20</a:t>
+                  </a:r>
+                  <a:endParaRPr lang="en-US" sz="1600" b="1" dirty="0">
+                    <a:solidFill>
+                      <a:srgbClr val="7030A0"/>
+                    </a:solidFill>
+                  </a:endParaRPr>
+                </a:p>
+              </p:txBody>
+            </p:sp>
+            <p:sp>
+              <p:nvSpPr>
+                <p:cNvPr id="127" name="TextBox 126"/>
+                <p:cNvSpPr txBox="1"/>
+                <p:nvPr/>
+              </p:nvSpPr>
+              <p:spPr>
+                <a:xfrm>
+                  <a:off x="2970379" y="2097024"/>
+                  <a:ext cx="455573" cy="338554"/>
+                </a:xfrm>
+                <a:prstGeom prst="rect">
+                  <a:avLst/>
+                </a:prstGeom>
+                <a:noFill/>
+              </p:spPr>
+              <p:txBody>
+                <a:bodyPr wrap="none" rtlCol="0">
+                  <a:spAutoFit/>
+                </a:bodyPr>
+                <a:lstStyle/>
+                <a:p>
+                  <a:r>
+                    <a:rPr lang="en-US" sz="1600" b="1" dirty="0" smtClean="0">
+                      <a:solidFill>
+                        <a:srgbClr val="7030A0"/>
+                      </a:solidFill>
+                    </a:rPr>
+                    <a:t>-20</a:t>
+                  </a:r>
+                  <a:endParaRPr lang="en-US" sz="1600" b="1" dirty="0">
+                    <a:solidFill>
+                      <a:srgbClr val="7030A0"/>
+                    </a:solidFill>
+                  </a:endParaRPr>
+                </a:p>
+              </p:txBody>
+            </p:sp>
+          </p:grpSp>
+          <p:grpSp>
+            <p:nvGrpSpPr>
+              <p:cNvPr id="128" name="Group 127"/>
+              <p:cNvGrpSpPr/>
+              <p:nvPr/>
+            </p:nvGrpSpPr>
+            <p:grpSpPr>
+              <a:xfrm>
+                <a:off x="9497568" y="422410"/>
+                <a:ext cx="1865376" cy="1859280"/>
+                <a:chOff x="9497568" y="422410"/>
+                <a:chExt cx="1865376" cy="1859280"/>
+              </a:xfrm>
+            </p:grpSpPr>
+            <p:sp>
+              <p:nvSpPr>
+                <p:cNvPr id="43" name="Rectangle 42"/>
+                <p:cNvSpPr/>
+                <p:nvPr/>
+              </p:nvSpPr>
+              <p:spPr>
+                <a:xfrm>
+                  <a:off x="10082784" y="792480"/>
+                  <a:ext cx="914400" cy="914400"/>
+                </a:xfrm>
+                <a:prstGeom prst="rect">
+                  <a:avLst/>
+                </a:prstGeom>
+              </p:spPr>
+              <p:style>
+                <a:lnRef idx="2">
+                  <a:schemeClr val="accent1">
+                    <a:shade val="50000"/>
+                  </a:schemeClr>
+                </a:lnRef>
+                <a:fillRef idx="1">
+                  <a:schemeClr val="accent1"/>
+                </a:fillRef>
+                <a:effectRef idx="0">
+                  <a:schemeClr val="accent1"/>
+                </a:effectRef>
+                <a:fontRef idx="minor">
+                  <a:schemeClr val="lt1"/>
+                </a:fontRef>
+              </p:style>
+              <p:txBody>
+                <a:bodyPr rtlCol="0" anchor="ctr"/>
+                <a:lstStyle/>
+                <a:p>
+                  <a:pPr algn="ctr"/>
+                  <a:endParaRPr lang="en-US"/>
+                </a:p>
+              </p:txBody>
+            </p:sp>
+            <p:cxnSp>
+              <p:nvCxnSpPr>
+                <p:cNvPr id="44" name="Straight Connector 43"/>
+                <p:cNvCxnSpPr/>
+                <p:nvPr/>
+              </p:nvCxnSpPr>
+              <p:spPr>
+                <a:xfrm flipV="1">
+                  <a:off x="10997184" y="422410"/>
+                  <a:ext cx="365760" cy="370070"/>
+                </a:xfrm>
+                <a:prstGeom prst="line">
+                  <a:avLst/>
+                </a:prstGeom>
+              </p:spPr>
+              <p:style>
+                <a:lnRef idx="1">
+                  <a:schemeClr val="accent1"/>
+                </a:lnRef>
+                <a:fillRef idx="0">
+                  <a:schemeClr val="accent1"/>
+                </a:fillRef>
+                <a:effectRef idx="0">
+                  <a:schemeClr val="accent1"/>
+                </a:effectRef>
+                <a:fontRef idx="minor">
+                  <a:schemeClr val="tx1"/>
+                </a:fontRef>
+              </p:style>
+            </p:cxnSp>
+            <p:cxnSp>
+              <p:nvCxnSpPr>
+                <p:cNvPr id="45" name="Straight Connector 44"/>
+                <p:cNvCxnSpPr/>
+                <p:nvPr/>
+              </p:nvCxnSpPr>
+              <p:spPr>
+                <a:xfrm flipV="1">
+                  <a:off x="9717024" y="1706880"/>
+                  <a:ext cx="365760" cy="574810"/>
+                </a:xfrm>
+                <a:prstGeom prst="line">
+                  <a:avLst/>
+                </a:prstGeom>
+              </p:spPr>
+              <p:style>
+                <a:lnRef idx="1">
+                  <a:schemeClr val="accent1"/>
+                </a:lnRef>
+                <a:fillRef idx="0">
+                  <a:schemeClr val="accent1"/>
+                </a:fillRef>
+                <a:effectRef idx="0">
+                  <a:schemeClr val="accent1"/>
+                </a:effectRef>
+                <a:fontRef idx="minor">
+                  <a:schemeClr val="tx1"/>
+                </a:fontRef>
+              </p:style>
+            </p:cxnSp>
+            <p:cxnSp>
+              <p:nvCxnSpPr>
+                <p:cNvPr id="46" name="Straight Connector 45"/>
+                <p:cNvCxnSpPr/>
+                <p:nvPr/>
+              </p:nvCxnSpPr>
+              <p:spPr>
+                <a:xfrm flipH="1" flipV="1">
+                  <a:off x="9497568" y="566928"/>
+                  <a:ext cx="585216" cy="225552"/>
+                </a:xfrm>
+                <a:prstGeom prst="line">
+                  <a:avLst/>
+                </a:prstGeom>
+              </p:spPr>
+              <p:style>
+                <a:lnRef idx="1">
+                  <a:schemeClr val="accent1"/>
+                </a:lnRef>
+                <a:fillRef idx="0">
+                  <a:schemeClr val="accent1"/>
+                </a:fillRef>
+                <a:effectRef idx="0">
+                  <a:schemeClr val="accent1"/>
+                </a:effectRef>
+                <a:fontRef idx="minor">
+                  <a:schemeClr val="tx1"/>
+                </a:fontRef>
+              </p:style>
+            </p:cxnSp>
+            <p:cxnSp>
+              <p:nvCxnSpPr>
+                <p:cNvPr id="47" name="Straight Connector 46"/>
+                <p:cNvCxnSpPr/>
+                <p:nvPr/>
+              </p:nvCxnSpPr>
+              <p:spPr>
+                <a:xfrm flipH="1" flipV="1">
+                  <a:off x="10997184" y="1706880"/>
+                  <a:ext cx="182880" cy="451104"/>
+                </a:xfrm>
+                <a:prstGeom prst="line">
+                  <a:avLst/>
+                </a:prstGeom>
+              </p:spPr>
+              <p:style>
+                <a:lnRef idx="1">
+                  <a:schemeClr val="accent1"/>
+                </a:lnRef>
+                <a:fillRef idx="0">
+                  <a:schemeClr val="accent1"/>
+                </a:fillRef>
+                <a:effectRef idx="0">
+                  <a:schemeClr val="accent1"/>
+                </a:effectRef>
+                <a:fontRef idx="minor">
+                  <a:schemeClr val="tx1"/>
+                </a:fontRef>
+              </p:style>
+            </p:cxnSp>
+          </p:grpSp>
+          <p:cxnSp>
+            <p:nvCxnSpPr>
+              <p:cNvPr id="68" name="Straight Arrow Connector 67"/>
+              <p:cNvCxnSpPr/>
+              <p:nvPr/>
+            </p:nvCxnSpPr>
+            <p:spPr>
+              <a:xfrm flipH="1">
+                <a:off x="9607296" y="768096"/>
+                <a:ext cx="182880" cy="225552"/>
+              </a:xfrm>
+              <a:prstGeom prst="straightConnector1">
+                <a:avLst/>
+              </a:prstGeom>
+              <a:ln>
+                <a:solidFill>
+                  <a:srgbClr val="FF0000"/>
+                </a:solidFill>
+                <a:tailEnd type="triangle"/>
+              </a:ln>
+            </p:spPr>
+            <p:style>
+              <a:lnRef idx="1">
+                <a:schemeClr val="accent1"/>
+              </a:lnRef>
+              <a:fillRef idx="0">
+                <a:schemeClr val="accent1"/>
+              </a:fillRef>
+              <a:effectRef idx="0">
+                <a:schemeClr val="accent1"/>
+              </a:effectRef>
+              <a:fontRef idx="minor">
+                <a:schemeClr val="tx1"/>
+              </a:fontRef>
+            </p:style>
+          </p:cxnSp>
+          <p:cxnSp>
+            <p:nvCxnSpPr>
+              <p:cNvPr id="70" name="Straight Arrow Connector 69"/>
+              <p:cNvCxnSpPr/>
+              <p:nvPr/>
+            </p:nvCxnSpPr>
+            <p:spPr>
+              <a:xfrm flipH="1">
+                <a:off x="10840608" y="1892808"/>
+                <a:ext cx="182880" cy="225552"/>
+              </a:xfrm>
+              <a:prstGeom prst="straightConnector1">
+                <a:avLst/>
+              </a:prstGeom>
+              <a:ln>
+                <a:solidFill>
+                  <a:srgbClr val="FF0000"/>
+                </a:solidFill>
+                <a:tailEnd type="triangle"/>
+              </a:ln>
+            </p:spPr>
+            <p:style>
+              <a:lnRef idx="1">
+                <a:schemeClr val="accent1"/>
+              </a:lnRef>
+              <a:fillRef idx="0">
+                <a:schemeClr val="accent1"/>
+              </a:fillRef>
+              <a:effectRef idx="0">
+                <a:schemeClr val="accent1"/>
+              </a:effectRef>
+              <a:fontRef idx="minor">
+                <a:schemeClr val="tx1"/>
+              </a:fontRef>
+            </p:style>
+          </p:cxnSp>
+          <p:cxnSp>
+            <p:nvCxnSpPr>
+              <p:cNvPr id="71" name="Straight Arrow Connector 70"/>
+              <p:cNvCxnSpPr/>
+              <p:nvPr/>
+            </p:nvCxnSpPr>
+            <p:spPr>
+              <a:xfrm>
+                <a:off x="11285616" y="649224"/>
+                <a:ext cx="211440" cy="143256"/>
+              </a:xfrm>
+              <a:prstGeom prst="straightConnector1">
+                <a:avLst/>
+              </a:prstGeom>
+              <a:ln>
+                <a:solidFill>
+                  <a:srgbClr val="FF0000"/>
+                </a:solidFill>
+                <a:tailEnd type="triangle"/>
+              </a:ln>
+            </p:spPr>
+            <p:style>
+              <a:lnRef idx="1">
+                <a:schemeClr val="accent1"/>
+              </a:lnRef>
+              <a:fillRef idx="0">
+                <a:schemeClr val="accent1"/>
+              </a:fillRef>
+              <a:effectRef idx="0">
+                <a:schemeClr val="accent1"/>
+              </a:effectRef>
+              <a:fontRef idx="minor">
+                <a:schemeClr val="tx1"/>
+              </a:fontRef>
+            </p:style>
+          </p:cxnSp>
+        </p:grpSp>
+        <p:sp>
+          <p:nvSpPr>
+            <p:cNvPr id="158" name="TextBox 157"/>
+            <p:cNvSpPr txBox="1"/>
+            <p:nvPr/>
+          </p:nvSpPr>
+          <p:spPr>
+            <a:xfrm>
+              <a:off x="3571437" y="5207186"/>
+              <a:ext cx="1943609" cy="369332"/>
+            </a:xfrm>
+            <a:prstGeom prst="rect">
+              <a:avLst/>
+            </a:prstGeom>
+            <a:noFill/>
+          </p:spPr>
+          <p:txBody>
+            <a:bodyPr wrap="none" rtlCol="0">
+              <a:spAutoFit/>
+            </a:bodyPr>
+            <a:lstStyle/>
+            <a:p>
+              <a:r>
+                <a:rPr lang="en-US" dirty="0" err="1" smtClean="0"/>
+                <a:t>MajuKananDorong</a:t>
+              </a:r>
+              <a:endParaRPr lang="en-US" dirty="0"/>
+            </a:p>
+          </p:txBody>
+        </p:sp>
+        <p:sp>
+          <p:nvSpPr>
+            <p:cNvPr id="160" name="TextBox 159"/>
+            <p:cNvSpPr txBox="1"/>
+            <p:nvPr/>
+          </p:nvSpPr>
+          <p:spPr>
+            <a:xfrm>
+              <a:off x="764736" y="5220712"/>
+              <a:ext cx="1250022" cy="369332"/>
+            </a:xfrm>
+            <a:prstGeom prst="rect">
+              <a:avLst/>
+            </a:prstGeom>
+            <a:noFill/>
+          </p:spPr>
+          <p:txBody>
+            <a:bodyPr wrap="none" rtlCol="0">
+              <a:spAutoFit/>
+            </a:bodyPr>
+            <a:lstStyle/>
+            <a:p>
+              <a:r>
+                <a:rPr lang="en-US" dirty="0" err="1" smtClean="0"/>
+                <a:t>MajuKanan</a:t>
+              </a:r>
+              <a:endParaRPr lang="en-US" dirty="0"/>
+            </a:p>
+          </p:txBody>
+        </p:sp>
+        <p:sp>
+          <p:nvSpPr>
+            <p:cNvPr id="137" name="Up Arrow 136"/>
+            <p:cNvSpPr/>
+            <p:nvPr/>
+          </p:nvSpPr>
+          <p:spPr>
+            <a:xfrm>
+              <a:off x="1417969" y="3850522"/>
+              <a:ext cx="254195" cy="341531"/>
+            </a:xfrm>
+            <a:prstGeom prst="upArrow">
+              <a:avLst/>
+            </a:prstGeom>
+          </p:spPr>
+          <p:style>
+            <a:lnRef idx="1">
+              <a:schemeClr val="accent2"/>
+            </a:lnRef>
+            <a:fillRef idx="3">
+              <a:schemeClr val="accent2"/>
+            </a:fillRef>
+            <a:effectRef idx="2">
+              <a:schemeClr val="accent2"/>
+            </a:effectRef>
+            <a:fontRef idx="minor">
+              <a:schemeClr val="lt1"/>
+            </a:fontRef>
+          </p:style>
+          <p:txBody>
+            <a:bodyPr rtlCol="0" anchor="ctr"/>
+            <a:lstStyle/>
+            <a:p>
+              <a:pPr algn="ctr"/>
+              <a:endParaRPr lang="en-US"/>
+            </a:p>
+          </p:txBody>
+        </p:sp>
+        <p:sp>
+          <p:nvSpPr>
+            <p:cNvPr id="138" name="Up Arrow 137"/>
+            <p:cNvSpPr/>
+            <p:nvPr/>
+          </p:nvSpPr>
+          <p:spPr>
+            <a:xfrm>
+              <a:off x="4438918" y="3850521"/>
+              <a:ext cx="254195" cy="341531"/>
+            </a:xfrm>
+            <a:prstGeom prst="upArrow">
+              <a:avLst/>
+            </a:prstGeom>
+          </p:spPr>
+          <p:style>
+            <a:lnRef idx="1">
+              <a:schemeClr val="accent2"/>
+            </a:lnRef>
+            <a:fillRef idx="3">
+              <a:schemeClr val="accent2"/>
+            </a:fillRef>
+            <a:effectRef idx="2">
+              <a:schemeClr val="accent2"/>
+            </a:effectRef>
+            <a:fontRef idx="minor">
+              <a:schemeClr val="lt1"/>
+            </a:fontRef>
+          </p:style>
+          <p:txBody>
+            <a:bodyPr rtlCol="0" anchor="ctr"/>
+            <a:lstStyle/>
+            <a:p>
+              <a:pPr algn="ctr"/>
+              <a:endParaRPr lang="en-US"/>
+            </a:p>
+          </p:txBody>
+        </p:sp>
+        <p:sp>
+          <p:nvSpPr>
+            <p:cNvPr id="156" name="TextBox 155"/>
+            <p:cNvSpPr txBox="1"/>
+            <p:nvPr/>
+          </p:nvSpPr>
+          <p:spPr>
+            <a:xfrm>
+              <a:off x="1187649" y="2797676"/>
+              <a:ext cx="776175" cy="369332"/>
+            </a:xfrm>
+            <a:prstGeom prst="rect">
+              <a:avLst/>
+            </a:prstGeom>
+            <a:noFill/>
+          </p:spPr>
+          <p:txBody>
+            <a:bodyPr wrap="none" rtlCol="0">
+              <a:spAutoFit/>
+            </a:bodyPr>
+            <a:lstStyle/>
+            <a:p>
+              <a:r>
+                <a:rPr lang="en-US" dirty="0" err="1" smtClean="0"/>
+                <a:t>depan</a:t>
+              </a:r>
+              <a:endParaRPr lang="en-US" dirty="0"/>
+            </a:p>
+          </p:txBody>
+        </p:sp>
+        <p:sp>
+          <p:nvSpPr>
+            <p:cNvPr id="164" name="TextBox 163"/>
+            <p:cNvSpPr txBox="1"/>
+            <p:nvPr/>
+          </p:nvSpPr>
+          <p:spPr>
+            <a:xfrm>
+              <a:off x="4154469" y="2797676"/>
+              <a:ext cx="776175" cy="369332"/>
+            </a:xfrm>
+            <a:prstGeom prst="rect">
+              <a:avLst/>
+            </a:prstGeom>
+            <a:noFill/>
+          </p:spPr>
+          <p:txBody>
+            <a:bodyPr wrap="none" rtlCol="0">
+              <a:spAutoFit/>
+            </a:bodyPr>
+            <a:lstStyle/>
+            <a:p>
+              <a:r>
+                <a:rPr lang="en-US" dirty="0" err="1" smtClean="0"/>
+                <a:t>depan</a:t>
+              </a:r>
+              <a:endParaRPr lang="en-US" dirty="0"/>
+            </a:p>
+          </p:txBody>
+        </p:sp>
+      </p:grpSp>
+      <p:grpSp>
+        <p:nvGrpSpPr>
+          <p:cNvPr id="9" name="Group 8"/>
+          <p:cNvGrpSpPr/>
+          <p:nvPr/>
+        </p:nvGrpSpPr>
+        <p:grpSpPr>
+          <a:xfrm>
+            <a:off x="154323" y="2770301"/>
+            <a:ext cx="5896025" cy="2795100"/>
+            <a:chOff x="6154139" y="2794944"/>
+            <a:chExt cx="5896025" cy="2795100"/>
+          </a:xfrm>
+        </p:grpSpPr>
+        <p:grpSp>
+          <p:nvGrpSpPr>
+            <p:cNvPr id="152" name="Group 151"/>
+            <p:cNvGrpSpPr/>
+            <p:nvPr/>
+          </p:nvGrpSpPr>
+          <p:grpSpPr>
+            <a:xfrm>
+              <a:off x="6154139" y="2841486"/>
+              <a:ext cx="2874059" cy="2435578"/>
+              <a:chOff x="6166238" y="2841486"/>
+              <a:chExt cx="2874059" cy="2435578"/>
+            </a:xfrm>
+          </p:grpSpPr>
+          <p:grpSp>
+            <p:nvGrpSpPr>
+              <p:cNvPr id="129" name="Group 128"/>
+              <p:cNvGrpSpPr/>
+              <p:nvPr/>
+            </p:nvGrpSpPr>
+            <p:grpSpPr>
+              <a:xfrm>
+                <a:off x="6166238" y="2841486"/>
+                <a:ext cx="2874059" cy="2435578"/>
+                <a:chOff x="2970379" y="85344"/>
+                <a:chExt cx="2874059" cy="2435578"/>
+              </a:xfrm>
+            </p:grpSpPr>
+            <p:sp>
+              <p:nvSpPr>
+                <p:cNvPr id="130" name="Rounded Rectangle 129"/>
+                <p:cNvSpPr/>
+                <p:nvPr/>
+              </p:nvSpPr>
+              <p:spPr>
+                <a:xfrm>
+                  <a:off x="2973425" y="85344"/>
+                  <a:ext cx="2866543" cy="2435578"/>
+                </a:xfrm>
+                <a:prstGeom prst="roundRect">
+                  <a:avLst>
+                    <a:gd name="adj" fmla="val 2651"/>
+                  </a:avLst>
+                </a:prstGeom>
+                <a:solidFill>
+                  <a:schemeClr val="accent4">
+                    <a:lumMod val="20000"/>
+                    <a:lumOff val="80000"/>
+                  </a:schemeClr>
+                </a:solidFill>
+                <a:ln>
+                  <a:noFill/>
+                </a:ln>
+              </p:spPr>
+              <p:style>
+                <a:lnRef idx="2">
+                  <a:schemeClr val="accent1">
+                    <a:shade val="50000"/>
+                  </a:schemeClr>
+                </a:lnRef>
+                <a:fillRef idx="1">
+                  <a:schemeClr val="accent1"/>
+                </a:fillRef>
+                <a:effectRef idx="0">
+                  <a:schemeClr val="accent1"/>
+                </a:effectRef>
+                <a:fontRef idx="minor">
+                  <a:schemeClr val="lt1"/>
+                </a:fontRef>
+              </p:style>
+              <p:txBody>
+                <a:bodyPr rtlCol="0" anchor="ctr"/>
+                <a:lstStyle/>
+                <a:p>
+                  <a:pPr algn="ctr"/>
+                  <a:endParaRPr lang="en-US"/>
+                </a:p>
+              </p:txBody>
+            </p:sp>
+            <p:sp>
+              <p:nvSpPr>
+                <p:cNvPr id="131" name="TextBox 130"/>
+                <p:cNvSpPr txBox="1"/>
+                <p:nvPr/>
+              </p:nvSpPr>
+              <p:spPr>
+                <a:xfrm>
+                  <a:off x="5555577" y="124444"/>
+                  <a:ext cx="288861" cy="338554"/>
+                </a:xfrm>
+                <a:prstGeom prst="rect">
+                  <a:avLst/>
+                </a:prstGeom>
+                <a:noFill/>
+              </p:spPr>
+              <p:txBody>
+                <a:bodyPr wrap="none" rtlCol="0">
+                  <a:spAutoFit/>
+                </a:bodyPr>
+                <a:lstStyle/>
+                <a:p>
+                  <a:pPr algn="r"/>
+                  <a:r>
+                    <a:rPr lang="en-US" sz="1600" b="1" dirty="0" smtClean="0">
+                      <a:solidFill>
+                        <a:srgbClr val="7030A0"/>
+                      </a:solidFill>
+                    </a:rPr>
+                    <a:t>0</a:t>
+                  </a:r>
+                  <a:endParaRPr lang="en-US" sz="1600" b="1" dirty="0">
+                    <a:solidFill>
+                      <a:srgbClr val="7030A0"/>
+                    </a:solidFill>
+                  </a:endParaRPr>
+                </a:p>
+              </p:txBody>
+            </p:sp>
+            <p:sp>
+              <p:nvSpPr>
+                <p:cNvPr id="132" name="TextBox 131"/>
+                <p:cNvSpPr txBox="1"/>
+                <p:nvPr/>
+              </p:nvSpPr>
+              <p:spPr>
+                <a:xfrm>
+                  <a:off x="5388864" y="2097024"/>
+                  <a:ext cx="455574" cy="338554"/>
+                </a:xfrm>
+                <a:prstGeom prst="rect">
+                  <a:avLst/>
+                </a:prstGeom>
+                <a:noFill/>
+              </p:spPr>
+              <p:txBody>
+                <a:bodyPr wrap="none" rtlCol="0">
+                  <a:spAutoFit/>
+                </a:bodyPr>
+                <a:lstStyle/>
+                <a:p>
+                  <a:pPr algn="r"/>
+                  <a:r>
+                    <a:rPr lang="en-US" sz="1600" b="1" dirty="0" smtClean="0">
+                      <a:solidFill>
+                        <a:srgbClr val="7030A0"/>
+                      </a:solidFill>
+                    </a:rPr>
+                    <a:t>-20</a:t>
+                  </a:r>
+                  <a:endParaRPr lang="en-US" sz="1600" b="1" dirty="0">
+                    <a:solidFill>
+                      <a:srgbClr val="7030A0"/>
+                    </a:solidFill>
+                  </a:endParaRPr>
+                </a:p>
+              </p:txBody>
+            </p:sp>
+            <p:sp>
+              <p:nvSpPr>
+                <p:cNvPr id="133" name="TextBox 132"/>
+                <p:cNvSpPr txBox="1"/>
+                <p:nvPr/>
+              </p:nvSpPr>
+              <p:spPr>
+                <a:xfrm>
+                  <a:off x="2970379" y="124444"/>
+                  <a:ext cx="393056" cy="338554"/>
+                </a:xfrm>
+                <a:prstGeom prst="rect">
+                  <a:avLst/>
+                </a:prstGeom>
+                <a:noFill/>
+              </p:spPr>
+              <p:txBody>
+                <a:bodyPr wrap="none" rtlCol="0">
+                  <a:spAutoFit/>
+                </a:bodyPr>
+                <a:lstStyle/>
+                <a:p>
+                  <a:r>
+                    <a:rPr lang="en-US" sz="1600" b="1" dirty="0" smtClean="0">
+                      <a:solidFill>
+                        <a:srgbClr val="7030A0"/>
+                      </a:solidFill>
+                    </a:rPr>
+                    <a:t>40</a:t>
+                  </a:r>
+                  <a:endParaRPr lang="en-US" sz="1600" b="1" dirty="0">
+                    <a:solidFill>
+                      <a:srgbClr val="7030A0"/>
+                    </a:solidFill>
+                  </a:endParaRPr>
+                </a:p>
+              </p:txBody>
+            </p:sp>
+            <p:sp>
+              <p:nvSpPr>
+                <p:cNvPr id="134" name="TextBox 133"/>
+                <p:cNvSpPr txBox="1"/>
+                <p:nvPr/>
+              </p:nvSpPr>
+              <p:spPr>
+                <a:xfrm>
+                  <a:off x="2970379" y="2097024"/>
+                  <a:ext cx="393056" cy="338554"/>
+                </a:xfrm>
+                <a:prstGeom prst="rect">
+                  <a:avLst/>
+                </a:prstGeom>
+                <a:noFill/>
+              </p:spPr>
+              <p:txBody>
+                <a:bodyPr wrap="none" rtlCol="0">
+                  <a:spAutoFit/>
+                </a:bodyPr>
+                <a:lstStyle/>
+                <a:p>
+                  <a:r>
+                    <a:rPr lang="en-US" sz="1600" b="1" dirty="0">
+                      <a:solidFill>
+                        <a:srgbClr val="7030A0"/>
+                      </a:solidFill>
+                    </a:rPr>
+                    <a:t>3</a:t>
+                  </a:r>
+                  <a:r>
+                    <a:rPr lang="en-US" sz="1600" b="1" dirty="0" smtClean="0">
+                      <a:solidFill>
+                        <a:srgbClr val="7030A0"/>
+                      </a:solidFill>
+                    </a:rPr>
+                    <a:t>0</a:t>
+                  </a:r>
+                  <a:endParaRPr lang="en-US" sz="1600" b="1" dirty="0">
+                    <a:solidFill>
+                      <a:srgbClr val="7030A0"/>
+                    </a:solidFill>
+                  </a:endParaRPr>
+                </a:p>
+              </p:txBody>
+            </p:sp>
+          </p:grpSp>
+          <p:grpSp>
+            <p:nvGrpSpPr>
+              <p:cNvPr id="135" name="Group 134"/>
+              <p:cNvGrpSpPr/>
+              <p:nvPr/>
+            </p:nvGrpSpPr>
+            <p:grpSpPr>
+              <a:xfrm>
+                <a:off x="6650734" y="3154466"/>
+                <a:ext cx="1775494" cy="1735574"/>
+                <a:chOff x="518160" y="3154466"/>
+                <a:chExt cx="1775494" cy="1735574"/>
+              </a:xfrm>
+            </p:grpSpPr>
+            <p:sp>
+              <p:nvSpPr>
+                <p:cNvPr id="74" name="Rectangle 73"/>
+                <p:cNvSpPr/>
+                <p:nvPr/>
+              </p:nvSpPr>
+              <p:spPr>
+                <a:xfrm>
+                  <a:off x="1013494" y="3524536"/>
+                  <a:ext cx="914400" cy="914400"/>
+                </a:xfrm>
+                <a:prstGeom prst="rect">
+                  <a:avLst/>
+                </a:prstGeom>
+              </p:spPr>
+              <p:style>
+                <a:lnRef idx="2">
+                  <a:schemeClr val="accent1">
+                    <a:shade val="50000"/>
+                  </a:schemeClr>
+                </a:lnRef>
+                <a:fillRef idx="1">
+                  <a:schemeClr val="accent1"/>
+                </a:fillRef>
+                <a:effectRef idx="0">
+                  <a:schemeClr val="accent1"/>
+                </a:effectRef>
+                <a:fontRef idx="minor">
+                  <a:schemeClr val="lt1"/>
+                </a:fontRef>
+              </p:style>
+              <p:txBody>
+                <a:bodyPr rtlCol="0" anchor="ctr"/>
+                <a:lstStyle/>
+                <a:p>
+                  <a:pPr algn="ctr"/>
+                  <a:endParaRPr lang="en-US"/>
+                </a:p>
+              </p:txBody>
+            </p:sp>
+            <p:cxnSp>
+              <p:nvCxnSpPr>
+                <p:cNvPr id="75" name="Straight Connector 74"/>
+                <p:cNvCxnSpPr/>
+                <p:nvPr/>
+              </p:nvCxnSpPr>
+              <p:spPr>
+                <a:xfrm flipV="1">
+                  <a:off x="1927894" y="3154466"/>
+                  <a:ext cx="365760" cy="370070"/>
+                </a:xfrm>
+                <a:prstGeom prst="line">
+                  <a:avLst/>
+                </a:prstGeom>
+              </p:spPr>
+              <p:style>
+                <a:lnRef idx="1">
+                  <a:schemeClr val="accent1"/>
+                </a:lnRef>
+                <a:fillRef idx="0">
+                  <a:schemeClr val="accent1"/>
+                </a:fillRef>
+                <a:effectRef idx="0">
+                  <a:schemeClr val="accent1"/>
+                </a:effectRef>
+                <a:fontRef idx="minor">
+                  <a:schemeClr val="tx1"/>
+                </a:fontRef>
+              </p:style>
+            </p:cxnSp>
+            <p:cxnSp>
+              <p:nvCxnSpPr>
+                <p:cNvPr id="76" name="Straight Connector 75"/>
+                <p:cNvCxnSpPr/>
+                <p:nvPr/>
+              </p:nvCxnSpPr>
+              <p:spPr>
+                <a:xfrm flipV="1">
+                  <a:off x="518160" y="4438936"/>
+                  <a:ext cx="495334" cy="83927"/>
+                </a:xfrm>
+                <a:prstGeom prst="line">
+                  <a:avLst/>
+                </a:prstGeom>
+              </p:spPr>
+              <p:style>
+                <a:lnRef idx="1">
+                  <a:schemeClr val="accent1"/>
+                </a:lnRef>
+                <a:fillRef idx="0">
+                  <a:schemeClr val="accent1"/>
+                </a:fillRef>
+                <a:effectRef idx="0">
+                  <a:schemeClr val="accent1"/>
+                </a:effectRef>
+                <a:fontRef idx="minor">
+                  <a:schemeClr val="tx1"/>
+                </a:fontRef>
+              </p:style>
+            </p:cxnSp>
+            <p:cxnSp>
+              <p:nvCxnSpPr>
+                <p:cNvPr id="77" name="Straight Connector 76"/>
+                <p:cNvCxnSpPr/>
+                <p:nvPr/>
+              </p:nvCxnSpPr>
+              <p:spPr>
+                <a:xfrm flipH="1" flipV="1">
+                  <a:off x="950976" y="3154466"/>
+                  <a:ext cx="62518" cy="370070"/>
+                </a:xfrm>
+                <a:prstGeom prst="line">
+                  <a:avLst/>
+                </a:prstGeom>
+              </p:spPr>
+              <p:style>
+                <a:lnRef idx="1">
+                  <a:schemeClr val="accent1"/>
+                </a:lnRef>
+                <a:fillRef idx="0">
+                  <a:schemeClr val="accent1"/>
+                </a:fillRef>
+                <a:effectRef idx="0">
+                  <a:schemeClr val="accent1"/>
+                </a:effectRef>
+                <a:fontRef idx="minor">
+                  <a:schemeClr val="tx1"/>
+                </a:fontRef>
+              </p:style>
+            </p:cxnSp>
+            <p:cxnSp>
+              <p:nvCxnSpPr>
+                <p:cNvPr id="78" name="Straight Connector 77"/>
+                <p:cNvCxnSpPr/>
+                <p:nvPr/>
+              </p:nvCxnSpPr>
+              <p:spPr>
+                <a:xfrm flipH="1" flipV="1">
+                  <a:off x="1927894" y="4438936"/>
+                  <a:ext cx="182880" cy="451104"/>
+                </a:xfrm>
+                <a:prstGeom prst="line">
+                  <a:avLst/>
+                </a:prstGeom>
+              </p:spPr>
+              <p:style>
+                <a:lnRef idx="1">
+                  <a:schemeClr val="accent1"/>
+                </a:lnRef>
+                <a:fillRef idx="0">
+                  <a:schemeClr val="accent1"/>
+                </a:fillRef>
+                <a:effectRef idx="0">
+                  <a:schemeClr val="accent1"/>
+                </a:effectRef>
+                <a:fontRef idx="minor">
+                  <a:schemeClr val="tx1"/>
+                </a:fontRef>
+              </p:style>
+            </p:cxnSp>
+          </p:grpSp>
+          <p:cxnSp>
+            <p:nvCxnSpPr>
+              <p:cNvPr id="84" name="Straight Arrow Connector 83"/>
+              <p:cNvCxnSpPr/>
+              <p:nvPr/>
+            </p:nvCxnSpPr>
+            <p:spPr>
+              <a:xfrm flipV="1">
+                <a:off x="6835172" y="4125206"/>
+                <a:ext cx="0" cy="251722"/>
+              </a:xfrm>
+              <a:prstGeom prst="straightConnector1">
+                <a:avLst/>
+              </a:prstGeom>
+              <a:ln>
+                <a:solidFill>
+                  <a:schemeClr val="accent6">
+                    <a:lumMod val="75000"/>
+                  </a:schemeClr>
+                </a:solidFill>
+                <a:tailEnd type="triangle"/>
+              </a:ln>
+            </p:spPr>
+            <p:style>
+              <a:lnRef idx="1">
+                <a:schemeClr val="accent1"/>
+              </a:lnRef>
+              <a:fillRef idx="0">
+                <a:schemeClr val="accent1"/>
+              </a:fillRef>
+              <a:effectRef idx="0">
+                <a:schemeClr val="accent1"/>
+              </a:effectRef>
+              <a:fontRef idx="minor">
+                <a:schemeClr val="tx1"/>
+              </a:fontRef>
+            </p:style>
+          </p:cxnSp>
+          <p:cxnSp>
+            <p:nvCxnSpPr>
+              <p:cNvPr id="86" name="Straight Arrow Connector 85"/>
+              <p:cNvCxnSpPr/>
+              <p:nvPr/>
+            </p:nvCxnSpPr>
+            <p:spPr>
+              <a:xfrm flipV="1">
+                <a:off x="7216172" y="3154466"/>
+                <a:ext cx="204216" cy="88832"/>
+              </a:xfrm>
+              <a:prstGeom prst="straightConnector1">
+                <a:avLst/>
+              </a:prstGeom>
+              <a:ln>
+                <a:solidFill>
+                  <a:schemeClr val="accent6">
+                    <a:lumMod val="75000"/>
+                  </a:schemeClr>
+                </a:solidFill>
+                <a:tailEnd type="triangle"/>
+              </a:ln>
+            </p:spPr>
+            <p:style>
+              <a:lnRef idx="1">
+                <a:schemeClr val="accent1"/>
+              </a:lnRef>
+              <a:fillRef idx="0">
+                <a:schemeClr val="accent1"/>
+              </a:fillRef>
+              <a:effectRef idx="0">
+                <a:schemeClr val="accent1"/>
+              </a:effectRef>
+              <a:fontRef idx="minor">
+                <a:schemeClr val="tx1"/>
+              </a:fontRef>
+            </p:style>
+          </p:cxnSp>
+        </p:grpSp>
+        <p:grpSp>
+          <p:nvGrpSpPr>
+            <p:cNvPr id="153" name="Group 152"/>
+            <p:cNvGrpSpPr/>
+            <p:nvPr/>
+          </p:nvGrpSpPr>
+          <p:grpSpPr>
+            <a:xfrm>
+              <a:off x="9176105" y="2841486"/>
+              <a:ext cx="2874059" cy="2435578"/>
+              <a:chOff x="9102953" y="2841486"/>
+              <a:chExt cx="2874059" cy="2435578"/>
+            </a:xfrm>
+          </p:grpSpPr>
+          <p:grpSp>
+            <p:nvGrpSpPr>
+              <p:cNvPr id="106" name="Group 105"/>
+              <p:cNvGrpSpPr/>
+              <p:nvPr/>
+            </p:nvGrpSpPr>
+            <p:grpSpPr>
+              <a:xfrm>
+                <a:off x="9102953" y="2841486"/>
+                <a:ext cx="2874059" cy="2435578"/>
+                <a:chOff x="2970379" y="85344"/>
+                <a:chExt cx="2874059" cy="2435578"/>
+              </a:xfrm>
+            </p:grpSpPr>
+            <p:sp>
+              <p:nvSpPr>
+                <p:cNvPr id="107" name="Rounded Rectangle 106"/>
+                <p:cNvSpPr/>
+                <p:nvPr/>
+              </p:nvSpPr>
+              <p:spPr>
+                <a:xfrm>
+                  <a:off x="2973425" y="85344"/>
+                  <a:ext cx="2866543" cy="2435578"/>
+                </a:xfrm>
+                <a:prstGeom prst="roundRect">
+                  <a:avLst>
+                    <a:gd name="adj" fmla="val 2651"/>
+                  </a:avLst>
+                </a:prstGeom>
+                <a:solidFill>
+                  <a:schemeClr val="accent4">
+                    <a:lumMod val="20000"/>
+                    <a:lumOff val="80000"/>
+                  </a:schemeClr>
+                </a:solidFill>
+                <a:ln>
+                  <a:noFill/>
+                </a:ln>
+              </p:spPr>
+              <p:style>
+                <a:lnRef idx="2">
+                  <a:schemeClr val="accent1">
+                    <a:shade val="50000"/>
+                  </a:schemeClr>
+                </a:lnRef>
+                <a:fillRef idx="1">
+                  <a:schemeClr val="accent1"/>
+                </a:fillRef>
+                <a:effectRef idx="0">
+                  <a:schemeClr val="accent1"/>
+                </a:effectRef>
+                <a:fontRef idx="minor">
+                  <a:schemeClr val="lt1"/>
+                </a:fontRef>
+              </p:style>
+              <p:txBody>
+                <a:bodyPr rtlCol="0" anchor="ctr"/>
+                <a:lstStyle/>
+                <a:p>
+                  <a:pPr algn="ctr"/>
+                  <a:endParaRPr lang="en-US"/>
+                </a:p>
+              </p:txBody>
+            </p:sp>
+            <p:sp>
+              <p:nvSpPr>
+                <p:cNvPr id="108" name="TextBox 107"/>
+                <p:cNvSpPr txBox="1"/>
+                <p:nvPr/>
+              </p:nvSpPr>
+              <p:spPr>
+                <a:xfrm>
+                  <a:off x="5388864" y="124444"/>
+                  <a:ext cx="455574" cy="338554"/>
+                </a:xfrm>
+                <a:prstGeom prst="rect">
+                  <a:avLst/>
+                </a:prstGeom>
+                <a:noFill/>
+              </p:spPr>
+              <p:txBody>
+                <a:bodyPr wrap="none" rtlCol="0">
+                  <a:spAutoFit/>
+                </a:bodyPr>
+                <a:lstStyle/>
+                <a:p>
+                  <a:pPr algn="r"/>
+                  <a:r>
+                    <a:rPr lang="en-US" sz="1600" b="1" dirty="0" smtClean="0">
+                      <a:solidFill>
+                        <a:srgbClr val="7030A0"/>
+                      </a:solidFill>
+                    </a:rPr>
+                    <a:t>-20</a:t>
+                  </a:r>
+                  <a:endParaRPr lang="en-US" sz="1600" b="1" dirty="0">
+                    <a:solidFill>
+                      <a:srgbClr val="7030A0"/>
+                    </a:solidFill>
+                  </a:endParaRPr>
+                </a:p>
+              </p:txBody>
+            </p:sp>
+            <p:sp>
+              <p:nvSpPr>
+                <p:cNvPr id="109" name="TextBox 108"/>
+                <p:cNvSpPr txBox="1"/>
+                <p:nvPr/>
+              </p:nvSpPr>
+              <p:spPr>
+                <a:xfrm>
+                  <a:off x="5388864" y="2097024"/>
+                  <a:ext cx="455574" cy="338554"/>
+                </a:xfrm>
+                <a:prstGeom prst="rect">
+                  <a:avLst/>
+                </a:prstGeom>
+                <a:noFill/>
+              </p:spPr>
+              <p:txBody>
+                <a:bodyPr wrap="none" rtlCol="0">
+                  <a:spAutoFit/>
+                </a:bodyPr>
+                <a:lstStyle/>
+                <a:p>
+                  <a:pPr algn="r"/>
+                  <a:r>
+                    <a:rPr lang="en-US" sz="1600" b="1" dirty="0" smtClean="0">
+                      <a:solidFill>
+                        <a:srgbClr val="7030A0"/>
+                      </a:solidFill>
+                    </a:rPr>
+                    <a:t>-20</a:t>
+                  </a:r>
+                  <a:endParaRPr lang="en-US" sz="1600" b="1" dirty="0">
+                    <a:solidFill>
+                      <a:srgbClr val="7030A0"/>
+                    </a:solidFill>
+                  </a:endParaRPr>
+                </a:p>
+              </p:txBody>
+            </p:sp>
+            <p:sp>
+              <p:nvSpPr>
+                <p:cNvPr id="110" name="TextBox 109"/>
+                <p:cNvSpPr txBox="1"/>
+                <p:nvPr/>
+              </p:nvSpPr>
+              <p:spPr>
+                <a:xfrm>
+                  <a:off x="2970379" y="124444"/>
+                  <a:ext cx="288861" cy="338554"/>
+                </a:xfrm>
+                <a:prstGeom prst="rect">
+                  <a:avLst/>
+                </a:prstGeom>
+                <a:noFill/>
+              </p:spPr>
+              <p:txBody>
+                <a:bodyPr wrap="none" rtlCol="0">
+                  <a:spAutoFit/>
+                </a:bodyPr>
+                <a:lstStyle/>
+                <a:p>
+                  <a:r>
+                    <a:rPr lang="en-US" sz="1600" b="1" dirty="0" smtClean="0">
+                      <a:solidFill>
+                        <a:srgbClr val="7030A0"/>
+                      </a:solidFill>
+                    </a:rPr>
+                    <a:t>0</a:t>
+                  </a:r>
+                  <a:endParaRPr lang="en-US" sz="1600" b="1" dirty="0">
+                    <a:solidFill>
+                      <a:srgbClr val="7030A0"/>
+                    </a:solidFill>
+                  </a:endParaRPr>
+                </a:p>
+              </p:txBody>
+            </p:sp>
+            <p:sp>
+              <p:nvSpPr>
+                <p:cNvPr id="111" name="TextBox 110"/>
+                <p:cNvSpPr txBox="1"/>
+                <p:nvPr/>
+              </p:nvSpPr>
+              <p:spPr>
+                <a:xfrm>
+                  <a:off x="2970379" y="2097024"/>
+                  <a:ext cx="455573" cy="338554"/>
+                </a:xfrm>
+                <a:prstGeom prst="rect">
+                  <a:avLst/>
+                </a:prstGeom>
+                <a:noFill/>
+              </p:spPr>
+              <p:txBody>
+                <a:bodyPr wrap="none" rtlCol="0">
+                  <a:spAutoFit/>
+                </a:bodyPr>
+                <a:lstStyle/>
+                <a:p>
+                  <a:r>
+                    <a:rPr lang="en-US" sz="1600" b="1" dirty="0" smtClean="0">
+                      <a:solidFill>
+                        <a:srgbClr val="7030A0"/>
+                      </a:solidFill>
+                    </a:rPr>
+                    <a:t>-20</a:t>
+                  </a:r>
+                  <a:endParaRPr lang="en-US" sz="1600" b="1" dirty="0">
+                    <a:solidFill>
+                      <a:srgbClr val="7030A0"/>
+                    </a:solidFill>
+                  </a:endParaRPr>
+                </a:p>
+              </p:txBody>
+            </p:sp>
+          </p:grpSp>
+          <p:grpSp>
+            <p:nvGrpSpPr>
+              <p:cNvPr id="143" name="Group 142"/>
+              <p:cNvGrpSpPr/>
+              <p:nvPr/>
+            </p:nvGrpSpPr>
+            <p:grpSpPr>
+              <a:xfrm>
+                <a:off x="9574694" y="3154466"/>
+                <a:ext cx="1855306" cy="1735574"/>
+                <a:chOff x="3442120" y="3154466"/>
+                <a:chExt cx="1855306" cy="1735574"/>
+              </a:xfrm>
+            </p:grpSpPr>
+            <p:sp>
+              <p:nvSpPr>
+                <p:cNvPr id="90" name="Rectangle 89"/>
+                <p:cNvSpPr/>
+                <p:nvPr/>
+              </p:nvSpPr>
+              <p:spPr>
+                <a:xfrm>
+                  <a:off x="3925824" y="3524536"/>
+                  <a:ext cx="914400" cy="914400"/>
+                </a:xfrm>
+                <a:prstGeom prst="rect">
+                  <a:avLst/>
+                </a:prstGeom>
+              </p:spPr>
+              <p:style>
+                <a:lnRef idx="2">
+                  <a:schemeClr val="accent1">
+                    <a:shade val="50000"/>
+                  </a:schemeClr>
+                </a:lnRef>
+                <a:fillRef idx="1">
+                  <a:schemeClr val="accent1"/>
+                </a:fillRef>
+                <a:effectRef idx="0">
+                  <a:schemeClr val="accent1"/>
+                </a:effectRef>
+                <a:fontRef idx="minor">
+                  <a:schemeClr val="lt1"/>
+                </a:fontRef>
+              </p:style>
+              <p:txBody>
+                <a:bodyPr rtlCol="0" anchor="ctr"/>
+                <a:lstStyle/>
+                <a:p>
+                  <a:pPr algn="ctr"/>
+                  <a:endParaRPr lang="en-US"/>
+                </a:p>
+              </p:txBody>
+            </p:sp>
+            <p:cxnSp>
+              <p:nvCxnSpPr>
+                <p:cNvPr id="91" name="Straight Connector 90"/>
+                <p:cNvCxnSpPr/>
+                <p:nvPr/>
+              </p:nvCxnSpPr>
+              <p:spPr>
+                <a:xfrm flipV="1">
+                  <a:off x="4840224" y="3304330"/>
+                  <a:ext cx="457202" cy="220206"/>
+                </a:xfrm>
+                <a:prstGeom prst="line">
+                  <a:avLst/>
+                </a:prstGeom>
+              </p:spPr>
+              <p:style>
+                <a:lnRef idx="1">
+                  <a:schemeClr val="accent1"/>
+                </a:lnRef>
+                <a:fillRef idx="0">
+                  <a:schemeClr val="accent1"/>
+                </a:fillRef>
+                <a:effectRef idx="0">
+                  <a:schemeClr val="accent1"/>
+                </a:effectRef>
+                <a:fontRef idx="minor">
+                  <a:schemeClr val="tx1"/>
+                </a:fontRef>
+              </p:style>
+            </p:cxnSp>
+            <p:cxnSp>
+              <p:nvCxnSpPr>
+                <p:cNvPr id="92" name="Straight Connector 91"/>
+                <p:cNvCxnSpPr/>
+                <p:nvPr/>
+              </p:nvCxnSpPr>
+              <p:spPr>
+                <a:xfrm flipV="1">
+                  <a:off x="3863306" y="4438938"/>
+                  <a:ext cx="62518" cy="414228"/>
+                </a:xfrm>
+                <a:prstGeom prst="line">
+                  <a:avLst/>
+                </a:prstGeom>
+              </p:spPr>
+              <p:style>
+                <a:lnRef idx="1">
+                  <a:schemeClr val="accent1"/>
+                </a:lnRef>
+                <a:fillRef idx="0">
+                  <a:schemeClr val="accent1"/>
+                </a:fillRef>
+                <a:effectRef idx="0">
+                  <a:schemeClr val="accent1"/>
+                </a:effectRef>
+                <a:fontRef idx="minor">
+                  <a:schemeClr val="tx1"/>
+                </a:fontRef>
+              </p:style>
+            </p:cxnSp>
+            <p:cxnSp>
+              <p:nvCxnSpPr>
+                <p:cNvPr id="93" name="Straight Connector 92"/>
+                <p:cNvCxnSpPr/>
+                <p:nvPr/>
+              </p:nvCxnSpPr>
+              <p:spPr>
+                <a:xfrm flipH="1" flipV="1">
+                  <a:off x="3442120" y="3154466"/>
+                  <a:ext cx="483704" cy="370070"/>
+                </a:xfrm>
+                <a:prstGeom prst="line">
+                  <a:avLst/>
+                </a:prstGeom>
+              </p:spPr>
+              <p:style>
+                <a:lnRef idx="1">
+                  <a:schemeClr val="accent1"/>
+                </a:lnRef>
+                <a:fillRef idx="0">
+                  <a:schemeClr val="accent1"/>
+                </a:fillRef>
+                <a:effectRef idx="0">
+                  <a:schemeClr val="accent1"/>
+                </a:effectRef>
+                <a:fontRef idx="minor">
+                  <a:schemeClr val="tx1"/>
+                </a:fontRef>
+              </p:style>
+            </p:cxnSp>
+            <p:cxnSp>
+              <p:nvCxnSpPr>
+                <p:cNvPr id="94" name="Straight Connector 93"/>
+                <p:cNvCxnSpPr/>
+                <p:nvPr/>
+              </p:nvCxnSpPr>
+              <p:spPr>
+                <a:xfrm flipH="1" flipV="1">
+                  <a:off x="4840224" y="4438936"/>
+                  <a:ext cx="182880" cy="451104"/>
+                </a:xfrm>
+                <a:prstGeom prst="line">
+                  <a:avLst/>
+                </a:prstGeom>
+              </p:spPr>
+              <p:style>
+                <a:lnRef idx="1">
+                  <a:schemeClr val="accent1"/>
+                </a:lnRef>
+                <a:fillRef idx="0">
+                  <a:schemeClr val="accent1"/>
+                </a:fillRef>
+                <a:effectRef idx="0">
+                  <a:schemeClr val="accent1"/>
+                </a:effectRef>
+                <a:fontRef idx="minor">
+                  <a:schemeClr val="tx1"/>
+                </a:fontRef>
+              </p:style>
+            </p:cxnSp>
+          </p:grpSp>
+          <p:cxnSp>
+            <p:nvCxnSpPr>
+              <p:cNvPr id="148" name="Straight Arrow Connector 147"/>
+              <p:cNvCxnSpPr/>
+              <p:nvPr/>
+            </p:nvCxnSpPr>
+            <p:spPr>
+              <a:xfrm>
+                <a:off x="10075197" y="4698540"/>
+                <a:ext cx="256032" cy="60960"/>
+              </a:xfrm>
+              <a:prstGeom prst="straightConnector1">
+                <a:avLst/>
+              </a:prstGeom>
+              <a:ln>
+                <a:solidFill>
+                  <a:srgbClr val="FF0000"/>
+                </a:solidFill>
+                <a:tailEnd type="triangle"/>
+              </a:ln>
+            </p:spPr>
+            <p:style>
+              <a:lnRef idx="1">
+                <a:schemeClr val="accent1"/>
+              </a:lnRef>
+              <a:fillRef idx="0">
+                <a:schemeClr val="accent1"/>
+              </a:fillRef>
+              <a:effectRef idx="0">
+                <a:schemeClr val="accent1"/>
+              </a:effectRef>
+              <a:fontRef idx="minor">
+                <a:schemeClr val="tx1"/>
+              </a:fontRef>
+            </p:style>
+          </p:cxnSp>
+          <p:cxnSp>
+            <p:nvCxnSpPr>
+              <p:cNvPr id="149" name="Straight Arrow Connector 148"/>
+              <p:cNvCxnSpPr/>
+              <p:nvPr/>
+            </p:nvCxnSpPr>
+            <p:spPr>
+              <a:xfrm>
+                <a:off x="11247118" y="3456004"/>
+                <a:ext cx="256032" cy="60960"/>
+              </a:xfrm>
+              <a:prstGeom prst="straightConnector1">
+                <a:avLst/>
+              </a:prstGeom>
+              <a:ln>
+                <a:solidFill>
+                  <a:srgbClr val="FF0000"/>
+                </a:solidFill>
+                <a:tailEnd type="triangle"/>
+              </a:ln>
+            </p:spPr>
+            <p:style>
+              <a:lnRef idx="1">
+                <a:schemeClr val="accent1"/>
+              </a:lnRef>
+              <a:fillRef idx="0">
+                <a:schemeClr val="accent1"/>
+              </a:fillRef>
+              <a:effectRef idx="0">
+                <a:schemeClr val="accent1"/>
+              </a:effectRef>
+              <a:fontRef idx="minor">
+                <a:schemeClr val="tx1"/>
+              </a:fontRef>
+            </p:style>
+          </p:cxnSp>
+          <p:cxnSp>
+            <p:nvCxnSpPr>
+              <p:cNvPr id="151" name="Straight Arrow Connector 150"/>
+              <p:cNvCxnSpPr/>
+              <p:nvPr/>
+            </p:nvCxnSpPr>
+            <p:spPr>
+              <a:xfrm flipH="1">
+                <a:off x="9612896" y="3404188"/>
+                <a:ext cx="182880" cy="225552"/>
+              </a:xfrm>
+              <a:prstGeom prst="straightConnector1">
+                <a:avLst/>
+              </a:prstGeom>
+              <a:ln>
+                <a:solidFill>
+                  <a:srgbClr val="FF0000"/>
+                </a:solidFill>
+                <a:tailEnd type="triangle"/>
+              </a:ln>
+            </p:spPr>
+            <p:style>
+              <a:lnRef idx="1">
+                <a:schemeClr val="accent1"/>
+              </a:lnRef>
+              <a:fillRef idx="0">
+                <a:schemeClr val="accent1"/>
+              </a:fillRef>
+              <a:effectRef idx="0">
+                <a:schemeClr val="accent1"/>
+              </a:effectRef>
+              <a:fontRef idx="minor">
+                <a:schemeClr val="tx1"/>
+              </a:fontRef>
+            </p:style>
+          </p:cxnSp>
+        </p:grpSp>
+        <p:sp>
+          <p:nvSpPr>
+            <p:cNvPr id="159" name="TextBox 158"/>
+            <p:cNvSpPr txBox="1"/>
+            <p:nvPr/>
+          </p:nvSpPr>
+          <p:spPr>
+            <a:xfrm>
+              <a:off x="9754483" y="5220712"/>
+              <a:ext cx="1668534" cy="369332"/>
+            </a:xfrm>
+            <a:prstGeom prst="rect">
+              <a:avLst/>
+            </a:prstGeom>
+            <a:noFill/>
+          </p:spPr>
+          <p:txBody>
+            <a:bodyPr wrap="none" rtlCol="0">
+              <a:spAutoFit/>
+            </a:bodyPr>
+            <a:lstStyle/>
+            <a:p>
+              <a:r>
+                <a:rPr lang="en-US" dirty="0" err="1" smtClean="0"/>
+                <a:t>MajuKiriDorong</a:t>
+              </a:r>
+              <a:endParaRPr lang="en-US" dirty="0"/>
+            </a:p>
+          </p:txBody>
+        </p:sp>
+        <p:sp>
+          <p:nvSpPr>
+            <p:cNvPr id="161" name="TextBox 160"/>
+            <p:cNvSpPr txBox="1"/>
+            <p:nvPr/>
+          </p:nvSpPr>
+          <p:spPr>
+            <a:xfrm>
+              <a:off x="7101290" y="5220712"/>
+              <a:ext cx="974947" cy="369332"/>
+            </a:xfrm>
+            <a:prstGeom prst="rect">
+              <a:avLst/>
+            </a:prstGeom>
+            <a:noFill/>
+          </p:spPr>
+          <p:txBody>
+            <a:bodyPr wrap="none" rtlCol="0">
+              <a:spAutoFit/>
+            </a:bodyPr>
+            <a:lstStyle/>
+            <a:p>
+              <a:r>
+                <a:rPr lang="en-US" dirty="0" err="1" smtClean="0"/>
+                <a:t>MajuKiri</a:t>
+              </a:r>
+              <a:endParaRPr lang="en-US" dirty="0"/>
+            </a:p>
+          </p:txBody>
+        </p:sp>
+        <p:sp>
+          <p:nvSpPr>
+            <p:cNvPr id="139" name="Up Arrow 138"/>
+            <p:cNvSpPr/>
+            <p:nvPr/>
+          </p:nvSpPr>
+          <p:spPr>
+            <a:xfrm>
+              <a:off x="7461665" y="3850521"/>
+              <a:ext cx="254195" cy="341531"/>
+            </a:xfrm>
+            <a:prstGeom prst="upArrow">
+              <a:avLst/>
+            </a:prstGeom>
+          </p:spPr>
+          <p:style>
+            <a:lnRef idx="1">
+              <a:schemeClr val="accent2"/>
+            </a:lnRef>
+            <a:fillRef idx="3">
+              <a:schemeClr val="accent2"/>
+            </a:fillRef>
+            <a:effectRef idx="2">
+              <a:schemeClr val="accent2"/>
+            </a:effectRef>
+            <a:fontRef idx="minor">
+              <a:schemeClr val="lt1"/>
+            </a:fontRef>
+          </p:style>
+          <p:txBody>
+            <a:bodyPr rtlCol="0" anchor="ctr"/>
+            <a:lstStyle/>
+            <a:p>
+              <a:pPr algn="ctr"/>
+              <a:endParaRPr lang="en-US"/>
+            </a:p>
+          </p:txBody>
+        </p:sp>
+        <p:sp>
+          <p:nvSpPr>
+            <p:cNvPr id="140" name="Up Arrow 139"/>
+            <p:cNvSpPr/>
+            <p:nvPr/>
+          </p:nvSpPr>
+          <p:spPr>
+            <a:xfrm>
+              <a:off x="10485324" y="3810970"/>
+              <a:ext cx="254195" cy="341531"/>
+            </a:xfrm>
+            <a:prstGeom prst="upArrow">
+              <a:avLst/>
+            </a:prstGeom>
+          </p:spPr>
+          <p:style>
+            <a:lnRef idx="1">
+              <a:schemeClr val="accent2"/>
+            </a:lnRef>
+            <a:fillRef idx="3">
+              <a:schemeClr val="accent2"/>
+            </a:fillRef>
+            <a:effectRef idx="2">
+              <a:schemeClr val="accent2"/>
+            </a:effectRef>
+            <a:fontRef idx="minor">
+              <a:schemeClr val="lt1"/>
+            </a:fontRef>
+          </p:style>
+          <p:txBody>
+            <a:bodyPr rtlCol="0" anchor="ctr"/>
+            <a:lstStyle/>
+            <a:p>
+              <a:pPr algn="ctr"/>
+              <a:endParaRPr lang="en-US"/>
+            </a:p>
+          </p:txBody>
+        </p:sp>
+        <p:sp>
+          <p:nvSpPr>
+            <p:cNvPr id="165" name="TextBox 164"/>
+            <p:cNvSpPr txBox="1"/>
+            <p:nvPr/>
+          </p:nvSpPr>
+          <p:spPr>
+            <a:xfrm>
+              <a:off x="7240547" y="2794944"/>
+              <a:ext cx="776175" cy="369332"/>
+            </a:xfrm>
+            <a:prstGeom prst="rect">
+              <a:avLst/>
+            </a:prstGeom>
+            <a:noFill/>
+          </p:spPr>
+          <p:txBody>
+            <a:bodyPr wrap="none" rtlCol="0">
+              <a:spAutoFit/>
+            </a:bodyPr>
+            <a:lstStyle/>
+            <a:p>
+              <a:r>
+                <a:rPr lang="en-US" dirty="0" err="1" smtClean="0"/>
+                <a:t>depan</a:t>
+              </a:r>
+              <a:endParaRPr lang="en-US" dirty="0"/>
+            </a:p>
+          </p:txBody>
+        </p:sp>
+        <p:sp>
+          <p:nvSpPr>
+            <p:cNvPr id="166" name="TextBox 165"/>
+            <p:cNvSpPr txBox="1"/>
+            <p:nvPr/>
+          </p:nvSpPr>
+          <p:spPr>
+            <a:xfrm>
+              <a:off x="10207367" y="2794944"/>
+              <a:ext cx="776175" cy="369332"/>
+            </a:xfrm>
+            <a:prstGeom prst="rect">
+              <a:avLst/>
+            </a:prstGeom>
+            <a:noFill/>
+          </p:spPr>
+          <p:txBody>
+            <a:bodyPr wrap="none" rtlCol="0">
+              <a:spAutoFit/>
+            </a:bodyPr>
+            <a:lstStyle/>
+            <a:p>
+              <a:r>
+                <a:rPr lang="en-US" dirty="0" err="1" smtClean="0"/>
+                <a:t>depan</a:t>
+              </a:r>
+              <a:endParaRPr lang="en-US" dirty="0"/>
+            </a:p>
+          </p:txBody>
+        </p:sp>
+      </p:grpSp>
+    </p:spTree>
+    <p:extLst>
+      <p:ext uri="{BB962C8B-B14F-4D97-AF65-F5344CB8AC3E}">
+        <p14:creationId xmlns:p14="http://schemas.microsoft.com/office/powerpoint/2010/main" val="2925679783"/>
+      </p:ext>
+    </p:extLst>
+  </p:cSld>
+  <p:clrMapOvr>
+    <a:masterClrMapping/>
+  </p:clrMapOvr>
+  <p:timing>
+    <p:tnLst>
+      <p:par>
+        <p:cTn id="1" dur="indefinite" restart="never" nodeType="tmRoot"/>
+      </p:par>
+    </p:tnLst>
+  </p:timing>
+</p:sld>
+</file>
+
+<file path=ppt/slides/slide3.xml><?xml version="1.0" encoding="utf-8"?>
+<p:sld xmlns:a="http://schemas.openxmlformats.org/drawingml/2006/main" xmlns:r="http://schemas.openxmlformats.org/officeDocument/2006/relationships" xmlns:p="http://schemas.openxmlformats.org/presentationml/2006/main">
+  <p:cSld>
+    <p:spTree>
+      <p:nvGrpSpPr>
+        <p:cNvPr id="1" name=""/>
+        <p:cNvGrpSpPr/>
+        <p:nvPr/>
+      </p:nvGrpSpPr>
+      <p:grpSpPr>
+        <a:xfrm>
+          <a:off x="0" y="0"/>
+          <a:ext cx="0" cy="0"/>
+          <a:chOff x="0" y="0"/>
+          <a:chExt cx="0" cy="0"/>
+        </a:xfrm>
+      </p:grpSpPr>
+      <p:grpSp>
+        <p:nvGrpSpPr>
           <p:cNvPr id="2" name="Group 1"/>
           <p:cNvGrpSpPr/>
           <p:nvPr/>
@@ -10071,7 +13841,7 @@
 </p:sld>
 </file>
 
-<file path=ppt/slides/slide3.xml><?xml version="1.0" encoding="utf-8"?>
+<file path=ppt/slides/slide4.xml><?xml version="1.0" encoding="utf-8"?>
 <p:sld xmlns:a="http://schemas.openxmlformats.org/drawingml/2006/main" xmlns:r="http://schemas.openxmlformats.org/officeDocument/2006/relationships" xmlns:p="http://schemas.openxmlformats.org/presentationml/2006/main">
   <p:cSld>
     <p:spTree>
@@ -16068,7 +19838,6 @@
               <a:rPr lang="en-US" dirty="0"/>
               <a:t>(-891, 1147, -1741, 433, -177, 250);</a:t>
             </a:r>
-            <a:endParaRPr lang="en-US" dirty="0"/>
           </a:p>
         </p:txBody>
       </p:sp>
@@ -16092,7 +19861,7 @@
 </p:sld>
 </file>
 
-<file path=ppt/slides/slide4.xml><?xml version="1.0" encoding="utf-8"?>
+<file path=ppt/slides/slide5.xml><?xml version="1.0" encoding="utf-8"?>
 <p:sld xmlns:a="http://schemas.openxmlformats.org/drawingml/2006/main" xmlns:r="http://schemas.openxmlformats.org/officeDocument/2006/relationships" xmlns:p="http://schemas.openxmlformats.org/presentationml/2006/main">
   <p:cSld>
     <p:spTree>
@@ -20809,15 +24578,7 @@
           <a:p>
             <a:r>
               <a:rPr lang="en-US" dirty="0" smtClean="0"/>
-              <a:t>300</a:t>
-            </a:r>
-            <a:r>
-              <a:rPr lang="en-US" dirty="0" smtClean="0"/>
-              <a:t> </a:t>
-            </a:r>
-            <a:r>
-              <a:rPr lang="en-US" dirty="0" smtClean="0"/>
-              <a:t>= min south</a:t>
+              <a:t>300 = min south</a:t>
             </a:r>
             <a:endParaRPr lang="en-US" dirty="0"/>
           </a:p>
@@ -20851,15 +24612,7 @@
             </a:r>
             <a:r>
               <a:rPr lang="en-US" dirty="0" smtClean="0"/>
-              <a:t>311</a:t>
-            </a:r>
-            <a:r>
-              <a:rPr lang="en-US" dirty="0" smtClean="0"/>
-              <a:t> </a:t>
-            </a:r>
-            <a:r>
-              <a:rPr lang="en-US" dirty="0" smtClean="0"/>
-              <a:t>= max south</a:t>
+              <a:t>311 = max south</a:t>
             </a:r>
             <a:endParaRPr lang="en-US" dirty="0"/>
           </a:p>
@@ -20918,7 +24671,7 @@
 </p:sld>
 </file>
 
-<file path=ppt/slides/slide5.xml><?xml version="1.0" encoding="utf-8"?>
+<file path=ppt/slides/slide6.xml><?xml version="1.0" encoding="utf-8"?>
 <p:sld xmlns:a="http://schemas.openxmlformats.org/drawingml/2006/main" xmlns:r="http://schemas.openxmlformats.org/officeDocument/2006/relationships" xmlns:p="http://schemas.openxmlformats.org/presentationml/2006/main">
   <p:cSld>
     <p:spTree>
@@ -21705,15 +25458,7 @@
           <a:p>
             <a:r>
               <a:rPr lang="en-US" dirty="0" smtClean="0"/>
-              <a:t>300</a:t>
-            </a:r>
-            <a:r>
-              <a:rPr lang="en-US" dirty="0" smtClean="0"/>
-              <a:t> </a:t>
-            </a:r>
-            <a:r>
-              <a:rPr lang="en-US" dirty="0" smtClean="0"/>
-              <a:t>= min south</a:t>
+              <a:t>300 = min south</a:t>
             </a:r>
             <a:endParaRPr lang="en-US" dirty="0"/>
           </a:p>
@@ -21747,15 +25492,7 @@
             </a:r>
             <a:r>
               <a:rPr lang="en-US" dirty="0" smtClean="0"/>
-              <a:t>311</a:t>
-            </a:r>
-            <a:r>
-              <a:rPr lang="en-US" dirty="0" smtClean="0"/>
-              <a:t> </a:t>
-            </a:r>
-            <a:r>
-              <a:rPr lang="en-US" dirty="0" smtClean="0"/>
-              <a:t>= max south</a:t>
+              <a:t>311 = max south</a:t>
             </a:r>
             <a:endParaRPr lang="en-US" dirty="0"/>
           </a:p>
@@ -23844,7 +27581,6 @@
               <a:rPr lang="en-US" dirty="0"/>
               <a:t>(-891, 1147, -1741, 433, -177, 250);</a:t>
             </a:r>
-            <a:endParaRPr lang="en-US" dirty="0"/>
           </a:p>
         </p:txBody>
       </p:sp>
@@ -23898,7 +27634,7 @@
 </p:sld>
 </file>
 
-<file path=ppt/slides/slide6.xml><?xml version="1.0" encoding="utf-8"?>
+<file path=ppt/slides/slide7.xml><?xml version="1.0" encoding="utf-8"?>
 <p:sld xmlns:a="http://schemas.openxmlformats.org/drawingml/2006/main" xmlns:r="http://schemas.openxmlformats.org/officeDocument/2006/relationships" xmlns:p="http://schemas.openxmlformats.org/presentationml/2006/main">
   <p:cSld>
     <p:spTree>
@@ -26790,7 +30526,7 @@
 </p:sld>
 </file>
 
-<file path=ppt/slides/slide7.xml><?xml version="1.0" encoding="utf-8"?>
+<file path=ppt/slides/slide8.xml><?xml version="1.0" encoding="utf-8"?>
 <p:sld xmlns:a="http://schemas.openxmlformats.org/drawingml/2006/main" xmlns:r="http://schemas.openxmlformats.org/officeDocument/2006/relationships" xmlns:p="http://schemas.openxmlformats.org/presentationml/2006/main">
   <p:cSld>
     <p:spTree>
